--- a/materials/slides/ch07-polymorphism-2.pptx
+++ b/materials/slides/ch07-polymorphism-2.pptx
@@ -138,10 +138,25 @@
   </p:defaultTextStyle>
   <p:extLst>
     <p:ext uri="{EFAFB233-063F-42B5-8137-9DF3F51BA10A}">
-      <p15:sldGuideLst xmlns:p15="http://schemas.microsoft.com/office/powerpoint/2012/main" xmlns=""/>
+      <p15:sldGuideLst xmlns:p15="http://schemas.microsoft.com/office/powerpoint/2012/main">
+        <p15:guide id="1" orient="horz" pos="2160">
+          <p15:clr>
+            <a:srgbClr val="A4A3A4"/>
+          </p15:clr>
+        </p15:guide>
+        <p15:guide id="2" pos="3839">
+          <p15:clr>
+            <a:srgbClr val="A4A3A4"/>
+          </p15:clr>
+        </p15:guide>
+      </p15:sldGuideLst>
     </p:ext>
   </p:extLst>
 </p:presentation>
+</file>
+
+<file path=ppt/revisionInfo.xml><?xml version="1.0" encoding="utf-8"?>
+<p1510:revInfo xmlns:a="http://schemas.openxmlformats.org/drawingml/2006/main" xmlns:r="http://schemas.openxmlformats.org/officeDocument/2006/relationships" xmlns:p1510="http://schemas.microsoft.com/office/powerpoint/2015/10/main"/>
 </file>
 
 <file path=ppt/notesMasters/notesMaster1.xml><?xml version="1.0" encoding="utf-8"?>
@@ -226,7 +241,7 @@
           <a:p>
             <a:fld id="{1AC763DE-CC84-4058-BD62-4687DC7FF9D4}" type="datetimeFigureOut">
               <a:rPr lang="zh-CN" altLang="en-US" smtClean="0"/>
-              <a:t>2017/8/19</a:t>
+              <a:t>2017/8/30</a:t>
             </a:fld>
             <a:endParaRPr lang="zh-CN" altLang="en-US"/>
           </a:p>
@@ -290,38 +305,37 @@
           <a:p>
             <a:pPr lvl="0"/>
             <a:r>
-              <a:rPr lang="zh-CN" altLang="en-US" smtClean="0"/>
+              <a:rPr lang="zh-CN" altLang="en-US"/>
               <a:t>编辑母版文本样式</a:t>
             </a:r>
           </a:p>
           <a:p>
             <a:pPr lvl="1"/>
             <a:r>
-              <a:rPr lang="zh-CN" altLang="en-US" smtClean="0"/>
+              <a:rPr lang="zh-CN" altLang="en-US"/>
               <a:t>第二级</a:t>
             </a:r>
           </a:p>
           <a:p>
             <a:pPr lvl="2"/>
             <a:r>
-              <a:rPr lang="zh-CN" altLang="en-US" smtClean="0"/>
+              <a:rPr lang="zh-CN" altLang="en-US"/>
               <a:t>第三级</a:t>
             </a:r>
           </a:p>
           <a:p>
             <a:pPr lvl="3"/>
             <a:r>
-              <a:rPr lang="zh-CN" altLang="en-US" smtClean="0"/>
+              <a:rPr lang="zh-CN" altLang="en-US"/>
               <a:t>第四级</a:t>
             </a:r>
           </a:p>
           <a:p>
             <a:pPr lvl="4"/>
             <a:r>
-              <a:rPr lang="zh-CN" altLang="en-US" smtClean="0"/>
+              <a:rPr lang="zh-CN" altLang="en-US"/>
               <a:t>第五级</a:t>
             </a:r>
-            <a:endParaRPr lang="zh-CN" altLang="en-US"/>
           </a:p>
         </p:txBody>
       </p:sp>
@@ -542,7 +556,7 @@
           </a:lstStyle>
           <a:p>
             <a:r>
-              <a:rPr lang="zh-CN" altLang="en-US" smtClean="0"/>
+              <a:rPr lang="zh-CN" altLang="en-US"/>
               <a:t>单击此处编辑母版标题样式</a:t>
             </a:r>
             <a:endParaRPr lang="en-US" dirty="0"/>
@@ -612,35 +626,35 @@
           <a:p>
             <a:pPr lvl="0"/>
             <a:r>
-              <a:rPr lang="zh-CN" altLang="en-US" smtClean="0"/>
+              <a:rPr lang="zh-CN" altLang="en-US"/>
               <a:t>编辑母版文本样式</a:t>
             </a:r>
           </a:p>
           <a:p>
             <a:pPr lvl="1"/>
             <a:r>
-              <a:rPr lang="zh-CN" altLang="en-US" smtClean="0"/>
+              <a:rPr lang="zh-CN" altLang="en-US"/>
               <a:t>第二级</a:t>
             </a:r>
           </a:p>
           <a:p>
             <a:pPr lvl="2"/>
             <a:r>
-              <a:rPr lang="zh-CN" altLang="en-US" smtClean="0"/>
+              <a:rPr lang="zh-CN" altLang="en-US"/>
               <a:t>第三级</a:t>
             </a:r>
           </a:p>
           <a:p>
             <a:pPr lvl="3"/>
             <a:r>
-              <a:rPr lang="zh-CN" altLang="en-US" smtClean="0"/>
+              <a:rPr lang="zh-CN" altLang="en-US"/>
               <a:t>第四级</a:t>
             </a:r>
           </a:p>
           <a:p>
             <a:pPr lvl="4"/>
             <a:r>
-              <a:rPr lang="zh-CN" altLang="en-US" smtClean="0"/>
+              <a:rPr lang="zh-CN" altLang="en-US"/>
               <a:t>第五级</a:t>
             </a:r>
             <a:endParaRPr lang="en-US" dirty="0"/>
@@ -894,13 +908,6 @@
   <p:clrMapOvr>
     <a:masterClrMapping/>
   </p:clrMapOvr>
-  <p:timing>
-    <p:tnLst>
-      <p:par>
-        <p:cTn id="1" dur="indefinite" restart="never" nodeType="tmRoot"/>
-      </p:par>
-    </p:tnLst>
-  </p:timing>
 </p:sldLayout>
 </file>
 
@@ -946,7 +953,7 @@
           </a:lstStyle>
           <a:p>
             <a:r>
-              <a:rPr lang="zh-CN" altLang="en-US" smtClean="0"/>
+              <a:rPr lang="zh-CN" altLang="en-US"/>
               <a:t>单击此处编辑母版标题样式</a:t>
             </a:r>
             <a:endParaRPr lang="en-US" dirty="0"/>
@@ -1003,35 +1010,35 @@
           <a:p>
             <a:pPr lvl="0"/>
             <a:r>
-              <a:rPr lang="zh-CN" altLang="en-US" smtClean="0"/>
+              <a:rPr lang="zh-CN" altLang="en-US"/>
               <a:t>编辑母版文本样式</a:t>
             </a:r>
           </a:p>
           <a:p>
             <a:pPr lvl="1"/>
             <a:r>
-              <a:rPr lang="zh-CN" altLang="en-US" smtClean="0"/>
+              <a:rPr lang="zh-CN" altLang="en-US"/>
               <a:t>第二级</a:t>
             </a:r>
           </a:p>
           <a:p>
             <a:pPr lvl="2"/>
             <a:r>
-              <a:rPr lang="zh-CN" altLang="en-US" smtClean="0"/>
+              <a:rPr lang="zh-CN" altLang="en-US"/>
               <a:t>第三级</a:t>
             </a:r>
           </a:p>
           <a:p>
             <a:pPr lvl="3"/>
             <a:r>
-              <a:rPr lang="zh-CN" altLang="en-US" smtClean="0"/>
+              <a:rPr lang="zh-CN" altLang="en-US"/>
               <a:t>第四级</a:t>
             </a:r>
           </a:p>
           <a:p>
             <a:pPr lvl="4"/>
             <a:r>
-              <a:rPr lang="zh-CN" altLang="en-US" smtClean="0"/>
+              <a:rPr lang="zh-CN" altLang="en-US"/>
               <a:t>第五级</a:t>
             </a:r>
             <a:endParaRPr lang="en-US" dirty="0"/>
@@ -1097,7 +1104,7 @@
           <a:p>
             <a:pPr lvl="0"/>
             <a:r>
-              <a:rPr lang="zh-CN" altLang="en-US" smtClean="0"/>
+              <a:rPr lang="zh-CN" altLang="en-US"/>
               <a:t>编辑母版文本样式</a:t>
             </a:r>
           </a:p>
@@ -1288,13 +1295,6 @@
   <p:clrMapOvr>
     <a:masterClrMapping/>
   </p:clrMapOvr>
-  <p:timing>
-    <p:tnLst>
-      <p:par>
-        <p:cTn id="1" dur="indefinite" restart="never" nodeType="tmRoot"/>
-      </p:par>
-    </p:tnLst>
-  </p:timing>
 </p:sldLayout>
 </file>
 
@@ -1340,7 +1340,7 @@
           </a:lstStyle>
           <a:p>
             <a:r>
-              <a:rPr lang="zh-CN" altLang="en-US" smtClean="0"/>
+              <a:rPr lang="zh-CN" altLang="en-US"/>
               <a:t>单击此处编辑母版标题样式</a:t>
             </a:r>
             <a:endParaRPr lang="en-US" dirty="0"/>
@@ -1405,7 +1405,7 @@
           </a:lstStyle>
           <a:p>
             <a:r>
-              <a:rPr lang="zh-CN" altLang="en-US" smtClean="0"/>
+              <a:rPr lang="zh-CN" altLang="en-US"/>
               <a:t>单击图标添加图片</a:t>
             </a:r>
             <a:endParaRPr lang="en-US" dirty="0"/>
@@ -1471,7 +1471,7 @@
           <a:p>
             <a:pPr lvl="0"/>
             <a:r>
-              <a:rPr lang="zh-CN" altLang="en-US" smtClean="0"/>
+              <a:rPr lang="zh-CN" altLang="en-US"/>
               <a:t>编辑母版文本样式</a:t>
             </a:r>
           </a:p>
@@ -1662,13 +1662,6 @@
   <p:clrMapOvr>
     <a:masterClrMapping/>
   </p:clrMapOvr>
-  <p:timing>
-    <p:tnLst>
-      <p:par>
-        <p:cTn id="1" dur="indefinite" restart="never" nodeType="tmRoot"/>
-      </p:par>
-    </p:tnLst>
-  </p:timing>
 </p:sldLayout>
 </file>
 
@@ -1705,7 +1698,7 @@
           <a:lstStyle/>
           <a:p>
             <a:r>
-              <a:rPr lang="zh-CN" altLang="en-US" smtClean="0"/>
+              <a:rPr lang="zh-CN" altLang="en-US"/>
               <a:t>单击此处编辑母版标题样式</a:t>
             </a:r>
             <a:endParaRPr lang="en-US" dirty="0"/>
@@ -1729,35 +1722,35 @@
           <a:p>
             <a:pPr lvl="0"/>
             <a:r>
-              <a:rPr lang="zh-CN" altLang="en-US" smtClean="0"/>
+              <a:rPr lang="zh-CN" altLang="en-US"/>
               <a:t>编辑母版文本样式</a:t>
             </a:r>
           </a:p>
           <a:p>
             <a:pPr lvl="1"/>
             <a:r>
-              <a:rPr lang="zh-CN" altLang="en-US" smtClean="0"/>
+              <a:rPr lang="zh-CN" altLang="en-US"/>
               <a:t>第二级</a:t>
             </a:r>
           </a:p>
           <a:p>
             <a:pPr lvl="2"/>
             <a:r>
-              <a:rPr lang="zh-CN" altLang="en-US" smtClean="0"/>
+              <a:rPr lang="zh-CN" altLang="en-US"/>
               <a:t>第三级</a:t>
             </a:r>
           </a:p>
           <a:p>
             <a:pPr lvl="3"/>
             <a:r>
-              <a:rPr lang="zh-CN" altLang="en-US" smtClean="0"/>
+              <a:rPr lang="zh-CN" altLang="en-US"/>
               <a:t>第四级</a:t>
             </a:r>
           </a:p>
           <a:p>
             <a:pPr lvl="4"/>
             <a:r>
-              <a:rPr lang="zh-CN" altLang="en-US" smtClean="0"/>
+              <a:rPr lang="zh-CN" altLang="en-US"/>
               <a:t>第五级</a:t>
             </a:r>
             <a:endParaRPr lang="en-US" dirty="0"/>
@@ -1949,13 +1942,6 @@
   <p:clrMapOvr>
     <a:masterClrMapping/>
   </p:clrMapOvr>
-  <p:timing>
-    <p:tnLst>
-      <p:par>
-        <p:cTn id="1" dur="indefinite" restart="never" nodeType="tmRoot"/>
-      </p:par>
-    </p:tnLst>
-  </p:timing>
 </p:sldLayout>
 </file>
 
@@ -1997,7 +1983,7 @@
           <a:lstStyle/>
           <a:p>
             <a:r>
-              <a:rPr lang="zh-CN" altLang="en-US" smtClean="0"/>
+              <a:rPr lang="zh-CN" altLang="en-US"/>
               <a:t>单击此处编辑母版标题样式</a:t>
             </a:r>
             <a:endParaRPr lang="en-US" dirty="0"/>
@@ -2026,35 +2012,35 @@
           <a:p>
             <a:pPr lvl="0"/>
             <a:r>
-              <a:rPr lang="zh-CN" altLang="en-US" smtClean="0"/>
+              <a:rPr lang="zh-CN" altLang="en-US"/>
               <a:t>编辑母版文本样式</a:t>
             </a:r>
           </a:p>
           <a:p>
             <a:pPr lvl="1"/>
             <a:r>
-              <a:rPr lang="zh-CN" altLang="en-US" smtClean="0"/>
+              <a:rPr lang="zh-CN" altLang="en-US"/>
               <a:t>第二级</a:t>
             </a:r>
           </a:p>
           <a:p>
             <a:pPr lvl="2"/>
             <a:r>
-              <a:rPr lang="zh-CN" altLang="en-US" smtClean="0"/>
+              <a:rPr lang="zh-CN" altLang="en-US"/>
               <a:t>第三级</a:t>
             </a:r>
           </a:p>
           <a:p>
             <a:pPr lvl="3"/>
             <a:r>
-              <a:rPr lang="zh-CN" altLang="en-US" smtClean="0"/>
+              <a:rPr lang="zh-CN" altLang="en-US"/>
               <a:t>第四级</a:t>
             </a:r>
           </a:p>
           <a:p>
             <a:pPr lvl="4"/>
             <a:r>
-              <a:rPr lang="zh-CN" altLang="en-US" smtClean="0"/>
+              <a:rPr lang="zh-CN" altLang="en-US"/>
               <a:t>第五级</a:t>
             </a:r>
             <a:endParaRPr lang="en-US" dirty="0"/>
@@ -2246,13 +2232,6 @@
   <p:clrMapOvr>
     <a:masterClrMapping/>
   </p:clrMapOvr>
-  <p:timing>
-    <p:tnLst>
-      <p:par>
-        <p:cTn id="1" dur="indefinite" restart="never" nodeType="tmRoot"/>
-      </p:par>
-    </p:tnLst>
-  </p:timing>
 </p:sldLayout>
 </file>
 
@@ -2570,7 +2549,7 @@
           <a:lstStyle/>
           <a:p>
             <a:r>
-              <a:rPr lang="zh-CN" altLang="en-US" sz="2400" b="0" dirty="0" smtClean="0">
+              <a:rPr lang="zh-CN" altLang="en-US" sz="2400" b="0" dirty="0">
                 <a:solidFill>
                   <a:schemeClr val="accent5">
                     <a:lumMod val="50000"/>
@@ -2582,7 +2561,7 @@
               <a:t>基础课教研室</a:t>
             </a:r>
             <a:r>
-              <a:rPr lang="en-US" altLang="zh-CN" sz="2400" b="0" dirty="0" smtClean="0">
+              <a:rPr lang="en-US" altLang="zh-CN" sz="2400" b="0" dirty="0">
                 <a:solidFill>
                   <a:schemeClr val="accent5">
                     <a:lumMod val="50000"/>
@@ -2594,7 +2573,7 @@
               <a:t>C++ </a:t>
             </a:r>
             <a:r>
-              <a:rPr lang="zh-CN" altLang="en-US" sz="2400" b="0" dirty="0" smtClean="0">
+              <a:rPr lang="zh-CN" altLang="en-US" sz="2400" b="0" dirty="0">
                 <a:solidFill>
                   <a:schemeClr val="accent5">
                     <a:lumMod val="50000"/>
@@ -2605,15 +2584,6 @@
               </a:rPr>
               <a:t>课程组</a:t>
             </a:r>
-            <a:endParaRPr lang="zh-CN" altLang="en-US" sz="2400" b="0" dirty="0">
-              <a:solidFill>
-                <a:schemeClr val="accent5">
-                  <a:lumMod val="50000"/>
-                </a:schemeClr>
-              </a:solidFill>
-              <a:latin typeface="微软雅黑" panose="020B0503020204020204" pitchFamily="34" charset="-122"/>
-              <a:ea typeface="微软雅黑" panose="020B0503020204020204" pitchFamily="34" charset="-122"/>
-            </a:endParaRPr>
           </a:p>
         </p:txBody>
       </p:sp>
@@ -2903,7 +2873,7 @@
           <a:lstStyle/>
           <a:p>
             <a:r>
-              <a:rPr lang="en-US" altLang="zh-CN" sz="16000" b="1" smtClean="0">
+              <a:rPr lang="en-US" altLang="zh-CN" sz="16000" b="1">
                 <a:solidFill>
                   <a:srgbClr val="0073AB"/>
                 </a:solidFill>
@@ -2991,7 +2961,7 @@
           <a:p>
             <a:pPr lvl="0"/>
             <a:r>
-              <a:rPr lang="zh-CN" altLang="en-US" dirty="0" smtClean="0"/>
+              <a:rPr lang="zh-CN" altLang="en-US" dirty="0"/>
               <a:t>编辑母版文本样式</a:t>
             </a:r>
           </a:p>
@@ -3007,13 +2977,6 @@
   <p:clrMapOvr>
     <a:masterClrMapping/>
   </p:clrMapOvr>
-  <p:timing>
-    <p:tnLst>
-      <p:par>
-        <p:cTn id="1" dur="indefinite" restart="never" nodeType="tmRoot"/>
-      </p:par>
-    </p:tnLst>
-  </p:timing>
 </p:sldLayout>
 </file>
 
@@ -3582,7 +3545,7 @@
           <a:lstStyle/>
           <a:p>
             <a:r>
-              <a:rPr lang="en-US" altLang="zh-CN" sz="13000" b="1" dirty="0" smtClean="0">
+              <a:rPr lang="en-US" altLang="zh-CN" sz="13000" b="1" dirty="0">
                 <a:solidFill>
                   <a:srgbClr val="2EA7E0"/>
                 </a:solidFill>
@@ -10284,7 +10247,7 @@
           </a:lstStyle>
           <a:p>
             <a:r>
-              <a:rPr lang="zh-CN" altLang="en-US" smtClean="0"/>
+              <a:rPr lang="zh-CN" altLang="en-US"/>
               <a:t>单击此处编辑母版标题样式</a:t>
             </a:r>
             <a:endParaRPr lang="en-US" dirty="0"/>
@@ -10349,7 +10312,7 @@
           </a:lstStyle>
           <a:p>
             <a:r>
-              <a:rPr lang="zh-CN" altLang="en-US" smtClean="0"/>
+              <a:rPr lang="zh-CN" altLang="en-US"/>
               <a:t>单击以编辑母版副标题样式</a:t>
             </a:r>
             <a:endParaRPr lang="en-US" dirty="0"/>
@@ -10373,7 +10336,7 @@
           <a:p>
             <a:fld id="{C764DE79-268F-4C1A-8933-263129D2AF90}" type="datetimeFigureOut">
               <a:rPr lang="en-US" dirty="0"/>
-              <a:t>8/19/2017</a:t>
+              <a:t>8/30/2017</a:t>
             </a:fld>
             <a:endParaRPr lang="en-US" dirty="0"/>
           </a:p>
@@ -10545,13 +10508,6 @@
   <p:clrMapOvr>
     <a:masterClrMapping/>
   </p:clrMapOvr>
-  <p:timing>
-    <p:tnLst>
-      <p:par>
-        <p:cTn id="1" dur="indefinite" restart="never" nodeType="tmRoot"/>
-      </p:par>
-    </p:tnLst>
-  </p:timing>
   <p:hf hdr="0" dt="0"/>
 </p:sldLayout>
 </file>
@@ -10598,7 +10554,7 @@
           </a:lstStyle>
           <a:p>
             <a:r>
-              <a:rPr lang="zh-CN" altLang="en-US" smtClean="0"/>
+              <a:rPr lang="zh-CN" altLang="en-US"/>
               <a:t>单击此处编辑母版标题样式</a:t>
             </a:r>
             <a:endParaRPr lang="en-US" dirty="0"/>
@@ -10718,7 +10674,7 @@
           <a:p>
             <a:pPr lvl="0"/>
             <a:r>
-              <a:rPr lang="zh-CN" altLang="en-US" smtClean="0"/>
+              <a:rPr lang="zh-CN" altLang="en-US"/>
               <a:t>编辑母版文本样式</a:t>
             </a:r>
           </a:p>
@@ -10909,13 +10865,6 @@
   <p:clrMapOvr>
     <a:masterClrMapping/>
   </p:clrMapOvr>
-  <p:timing>
-    <p:tnLst>
-      <p:par>
-        <p:cTn id="1" dur="indefinite" restart="never" nodeType="tmRoot"/>
-      </p:par>
-    </p:tnLst>
-  </p:timing>
 </p:sldLayout>
 </file>
 
@@ -10952,7 +10901,7 @@
           <a:lstStyle/>
           <a:p>
             <a:r>
-              <a:rPr lang="zh-CN" altLang="en-US" smtClean="0"/>
+              <a:rPr lang="zh-CN" altLang="en-US"/>
               <a:t>单击此处编辑母版标题样式</a:t>
             </a:r>
             <a:endParaRPr lang="en-US" dirty="0"/>
@@ -10981,35 +10930,35 @@
           <a:p>
             <a:pPr lvl="0"/>
             <a:r>
-              <a:rPr lang="zh-CN" altLang="en-US" smtClean="0"/>
+              <a:rPr lang="zh-CN" altLang="en-US"/>
               <a:t>编辑母版文本样式</a:t>
             </a:r>
           </a:p>
           <a:p>
             <a:pPr lvl="1"/>
             <a:r>
-              <a:rPr lang="zh-CN" altLang="en-US" smtClean="0"/>
+              <a:rPr lang="zh-CN" altLang="en-US"/>
               <a:t>第二级</a:t>
             </a:r>
           </a:p>
           <a:p>
             <a:pPr lvl="2"/>
             <a:r>
-              <a:rPr lang="zh-CN" altLang="en-US" smtClean="0"/>
+              <a:rPr lang="zh-CN" altLang="en-US"/>
               <a:t>第三级</a:t>
             </a:r>
           </a:p>
           <a:p>
             <a:pPr lvl="3"/>
             <a:r>
-              <a:rPr lang="zh-CN" altLang="en-US" smtClean="0"/>
+              <a:rPr lang="zh-CN" altLang="en-US"/>
               <a:t>第四级</a:t>
             </a:r>
           </a:p>
           <a:p>
             <a:pPr lvl="4"/>
             <a:r>
-              <a:rPr lang="zh-CN" altLang="en-US" smtClean="0"/>
+              <a:rPr lang="zh-CN" altLang="en-US"/>
               <a:t>第五级</a:t>
             </a:r>
             <a:endParaRPr lang="en-US" dirty="0"/>
@@ -11038,35 +10987,35 @@
           <a:p>
             <a:pPr lvl="0"/>
             <a:r>
-              <a:rPr lang="zh-CN" altLang="en-US" smtClean="0"/>
+              <a:rPr lang="zh-CN" altLang="en-US"/>
               <a:t>编辑母版文本样式</a:t>
             </a:r>
           </a:p>
           <a:p>
             <a:pPr lvl="1"/>
             <a:r>
-              <a:rPr lang="zh-CN" altLang="en-US" smtClean="0"/>
+              <a:rPr lang="zh-CN" altLang="en-US"/>
               <a:t>第二级</a:t>
             </a:r>
           </a:p>
           <a:p>
             <a:pPr lvl="2"/>
             <a:r>
-              <a:rPr lang="zh-CN" altLang="en-US" smtClean="0"/>
+              <a:rPr lang="zh-CN" altLang="en-US"/>
               <a:t>第三级</a:t>
             </a:r>
           </a:p>
           <a:p>
             <a:pPr lvl="3"/>
             <a:r>
-              <a:rPr lang="zh-CN" altLang="en-US" smtClean="0"/>
+              <a:rPr lang="zh-CN" altLang="en-US"/>
               <a:t>第四级</a:t>
             </a:r>
           </a:p>
           <a:p>
             <a:pPr lvl="4"/>
             <a:r>
-              <a:rPr lang="zh-CN" altLang="en-US" smtClean="0"/>
+              <a:rPr lang="zh-CN" altLang="en-US"/>
               <a:t>第五级</a:t>
             </a:r>
             <a:endParaRPr lang="en-US" dirty="0"/>
@@ -11258,13 +11207,6 @@
   <p:clrMapOvr>
     <a:masterClrMapping/>
   </p:clrMapOvr>
-  <p:timing>
-    <p:tnLst>
-      <p:par>
-        <p:cTn id="1" dur="indefinite" restart="never" nodeType="tmRoot"/>
-      </p:par>
-    </p:tnLst>
-  </p:timing>
 </p:sldLayout>
 </file>
 
@@ -11306,7 +11248,7 @@
           <a:lstStyle/>
           <a:p>
             <a:r>
-              <a:rPr lang="zh-CN" altLang="en-US" smtClean="0"/>
+              <a:rPr lang="zh-CN" altLang="en-US"/>
               <a:t>单击此处编辑母版标题样式</a:t>
             </a:r>
             <a:endParaRPr lang="en-US" dirty="0"/>
@@ -11372,7 +11314,7 @@
           <a:p>
             <a:pPr lvl="0"/>
             <a:r>
-              <a:rPr lang="zh-CN" altLang="en-US" smtClean="0"/>
+              <a:rPr lang="zh-CN" altLang="en-US"/>
               <a:t>编辑母版文本样式</a:t>
             </a:r>
           </a:p>
@@ -11400,35 +11342,35 @@
           <a:p>
             <a:pPr lvl="0"/>
             <a:r>
-              <a:rPr lang="zh-CN" altLang="en-US" smtClean="0"/>
+              <a:rPr lang="zh-CN" altLang="en-US"/>
               <a:t>编辑母版文本样式</a:t>
             </a:r>
           </a:p>
           <a:p>
             <a:pPr lvl="1"/>
             <a:r>
-              <a:rPr lang="zh-CN" altLang="en-US" smtClean="0"/>
+              <a:rPr lang="zh-CN" altLang="en-US"/>
               <a:t>第二级</a:t>
             </a:r>
           </a:p>
           <a:p>
             <a:pPr lvl="2"/>
             <a:r>
-              <a:rPr lang="zh-CN" altLang="en-US" smtClean="0"/>
+              <a:rPr lang="zh-CN" altLang="en-US"/>
               <a:t>第三级</a:t>
             </a:r>
           </a:p>
           <a:p>
             <a:pPr lvl="3"/>
             <a:r>
-              <a:rPr lang="zh-CN" altLang="en-US" smtClean="0"/>
+              <a:rPr lang="zh-CN" altLang="en-US"/>
               <a:t>第四级</a:t>
             </a:r>
           </a:p>
           <a:p>
             <a:pPr lvl="4"/>
             <a:r>
-              <a:rPr lang="zh-CN" altLang="en-US" smtClean="0"/>
+              <a:rPr lang="zh-CN" altLang="en-US"/>
               <a:t>第五级</a:t>
             </a:r>
             <a:endParaRPr lang="en-US" dirty="0"/>
@@ -11494,7 +11436,7 @@
           <a:p>
             <a:pPr lvl="0"/>
             <a:r>
-              <a:rPr lang="zh-CN" altLang="en-US" smtClean="0"/>
+              <a:rPr lang="zh-CN" altLang="en-US"/>
               <a:t>编辑母版文本样式</a:t>
             </a:r>
           </a:p>
@@ -11522,35 +11464,35 @@
           <a:p>
             <a:pPr lvl="0"/>
             <a:r>
-              <a:rPr lang="zh-CN" altLang="en-US" smtClean="0"/>
+              <a:rPr lang="zh-CN" altLang="en-US"/>
               <a:t>编辑母版文本样式</a:t>
             </a:r>
           </a:p>
           <a:p>
             <a:pPr lvl="1"/>
             <a:r>
-              <a:rPr lang="zh-CN" altLang="en-US" smtClean="0"/>
+              <a:rPr lang="zh-CN" altLang="en-US"/>
               <a:t>第二级</a:t>
             </a:r>
           </a:p>
           <a:p>
             <a:pPr lvl="2"/>
             <a:r>
-              <a:rPr lang="zh-CN" altLang="en-US" smtClean="0"/>
+              <a:rPr lang="zh-CN" altLang="en-US"/>
               <a:t>第三级</a:t>
             </a:r>
           </a:p>
           <a:p>
             <a:pPr lvl="3"/>
             <a:r>
-              <a:rPr lang="zh-CN" altLang="en-US" smtClean="0"/>
+              <a:rPr lang="zh-CN" altLang="en-US"/>
               <a:t>第四级</a:t>
             </a:r>
           </a:p>
           <a:p>
             <a:pPr lvl="4"/>
             <a:r>
-              <a:rPr lang="zh-CN" altLang="en-US" smtClean="0"/>
+              <a:rPr lang="zh-CN" altLang="en-US"/>
               <a:t>第五级</a:t>
             </a:r>
             <a:endParaRPr lang="en-US" dirty="0"/>
@@ -11742,13 +11684,6 @@
   <p:clrMapOvr>
     <a:masterClrMapping/>
   </p:clrMapOvr>
-  <p:timing>
-    <p:tnLst>
-      <p:par>
-        <p:cTn id="1" dur="indefinite" restart="never" nodeType="tmRoot"/>
-      </p:par>
-    </p:tnLst>
-  </p:timing>
 </p:sldLayout>
 </file>
 
@@ -11785,7 +11720,7 @@
           <a:lstStyle/>
           <a:p>
             <a:r>
-              <a:rPr lang="zh-CN" altLang="en-US" smtClean="0"/>
+              <a:rPr lang="zh-CN" altLang="en-US"/>
               <a:t>单击此处编辑母版标题样式</a:t>
             </a:r>
             <a:endParaRPr lang="en-US" dirty="0"/>
@@ -11977,13 +11912,6 @@
   <p:clrMapOvr>
     <a:masterClrMapping/>
   </p:clrMapOvr>
-  <p:timing>
-    <p:tnLst>
-      <p:par>
-        <p:cTn id="1" dur="indefinite" restart="never" nodeType="tmRoot"/>
-      </p:par>
-    </p:tnLst>
-  </p:timing>
 </p:sldLayout>
 </file>
 
@@ -12189,13 +12117,6 @@
   <p:clrMapOvr>
     <a:masterClrMapping/>
   </p:clrMapOvr>
-  <p:timing>
-    <p:tnLst>
-      <p:par>
-        <p:cTn id="1" dur="indefinite" restart="never" nodeType="tmRoot"/>
-      </p:par>
-    </p:tnLst>
-  </p:timing>
 </p:sldLayout>
 </file>
 
@@ -12270,7 +12191,7 @@
           <a:lstStyle/>
           <a:p>
             <a:r>
-              <a:rPr lang="zh-CN" altLang="en-US" smtClean="0"/>
+              <a:rPr lang="zh-CN" altLang="en-US"/>
               <a:t>单击此处编辑母版标题样式</a:t>
             </a:r>
             <a:endParaRPr lang="en-US" dirty="0"/>
@@ -12304,35 +12225,35 @@
           <a:p>
             <a:pPr lvl="0"/>
             <a:r>
-              <a:rPr lang="zh-CN" altLang="en-US" smtClean="0"/>
+              <a:rPr lang="zh-CN" altLang="en-US"/>
               <a:t>编辑母版文本样式</a:t>
             </a:r>
           </a:p>
           <a:p>
             <a:pPr lvl="1"/>
             <a:r>
-              <a:rPr lang="zh-CN" altLang="en-US" smtClean="0"/>
+              <a:rPr lang="zh-CN" altLang="en-US"/>
               <a:t>第二级</a:t>
             </a:r>
           </a:p>
           <a:p>
             <a:pPr lvl="2"/>
             <a:r>
-              <a:rPr lang="zh-CN" altLang="en-US" smtClean="0"/>
+              <a:rPr lang="zh-CN" altLang="en-US"/>
               <a:t>第三级</a:t>
             </a:r>
           </a:p>
           <a:p>
             <a:pPr lvl="3"/>
             <a:r>
-              <a:rPr lang="zh-CN" altLang="en-US" smtClean="0"/>
+              <a:rPr lang="zh-CN" altLang="en-US"/>
               <a:t>第四级</a:t>
             </a:r>
           </a:p>
           <a:p>
             <a:pPr lvl="4"/>
             <a:r>
-              <a:rPr lang="zh-CN" altLang="en-US" smtClean="0"/>
+              <a:rPr lang="zh-CN" altLang="en-US"/>
               <a:t>第五级</a:t>
             </a:r>
             <a:endParaRPr lang="en-US" dirty="0"/>
@@ -12374,7 +12295,7 @@
           <a:p>
             <a:fld id="{C764DE79-268F-4C1A-8933-263129D2AF90}" type="datetimeFigureOut">
               <a:rPr lang="en-US" dirty="0"/>
-              <a:t>8/19/2017</a:t>
+              <a:t>8/30/2017</a:t>
             </a:fld>
             <a:endParaRPr lang="en-US" dirty="0"/>
           </a:p>
@@ -12635,13 +12556,6 @@
     <p:sldLayoutId id="2147483671" r:id="rId12"/>
     <p:sldLayoutId id="2147483672" r:id="rId13"/>
   </p:sldLayoutIdLst>
-  <p:timing>
-    <p:tnLst>
-      <p:par>
-        <p:cTn id="1" dur="indefinite" restart="never" nodeType="tmRoot"/>
-      </p:par>
-    </p:tnLst>
-  </p:timing>
   <p:hf hdr="0" dt="0"/>
   <p:txStyles>
     <p:titleStyle>
@@ -12964,18 +12878,9 @@
           <a:lstStyle/>
           <a:p>
             <a:r>
-              <a:rPr lang="zh-CN" altLang="en-US" smtClean="0"/>
-              <a:t>第十六讲 </a:t>
-            </a:r>
-            <a:r>
               <a:rPr lang="zh-CN" altLang="en-US"/>
-              <a:t>虚</a:t>
-            </a:r>
-            <a:r>
-              <a:rPr lang="zh-CN" altLang="en-US" smtClean="0"/>
-              <a:t>函数与多态性（二）</a:t>
-            </a:r>
-            <a:endParaRPr lang="zh-CN" altLang="en-US"/>
+              <a:t>第十六讲 虚函数与多态性（二）</a:t>
+            </a:r>
           </a:p>
         </p:txBody>
       </p:sp>
@@ -12989,13 +12894,6 @@
   <p:clrMapOvr>
     <a:masterClrMapping/>
   </p:clrMapOvr>
-  <p:timing>
-    <p:tnLst>
-      <p:par>
-        <p:cTn id="1" dur="indefinite" restart="never" nodeType="tmRoot"/>
-      </p:par>
-    </p:tnLst>
-  </p:timing>
 </p:sld>
 </file>
 
@@ -13075,7 +12973,7 @@
               <a:defRPr/>
             </a:pPr>
             <a:r>
-              <a:rPr lang="zh-CN" altLang="en-US" sz="3600" kern="0" dirty="0" smtClean="0">
+              <a:rPr lang="zh-CN" altLang="en-US" sz="3600" kern="0" dirty="0">
                 <a:solidFill>
                   <a:schemeClr val="tx1">
                     <a:lumMod val="75000"/>
@@ -13086,37 +12984,9 @@
                 <a:ea typeface="微软雅黑" panose="020B0503020204020204" pitchFamily="34" charset="-122"/>
                 <a:cs typeface="Courier New" pitchFamily="49" charset="0"/>
               </a:rPr>
-              <a:t>抽象</a:t>
-            </a:r>
-            <a:r>
-              <a:rPr lang="zh-CN" altLang="en-US" sz="3600" kern="0" dirty="0">
-                <a:solidFill>
-                  <a:schemeClr val="tx1">
-                    <a:lumMod val="75000"/>
-                    <a:lumOff val="25000"/>
-                  </a:schemeClr>
-                </a:solidFill>
-                <a:latin typeface="微软雅黑" panose="020B0503020204020204" pitchFamily="34" charset="-122"/>
-                <a:ea typeface="微软雅黑" panose="020B0503020204020204" pitchFamily="34" charset="-122"/>
-                <a:cs typeface="Courier New" pitchFamily="49" charset="0"/>
-              </a:rPr>
-              <a:t>类的特点及用法</a:t>
-            </a:r>
-            <a:r>
-              <a:rPr lang="zh-CN" altLang="en-US" sz="3600" kern="0" dirty="0" smtClean="0">
-                <a:solidFill>
-                  <a:schemeClr val="tx1">
-                    <a:lumMod val="75000"/>
-                    <a:lumOff val="25000"/>
-                  </a:schemeClr>
-                </a:solidFill>
-                <a:latin typeface="微软雅黑" panose="020B0503020204020204" pitchFamily="34" charset="-122"/>
-                <a:ea typeface="微软雅黑" panose="020B0503020204020204" pitchFamily="34" charset="-122"/>
-                <a:cs typeface="Courier New" pitchFamily="49" charset="0"/>
-              </a:rPr>
-              <a:t>：</a:t>
-            </a:r>
-            <a:endParaRPr lang="en-US" altLang="zh-CN" sz="3600" kern="0" dirty="0" smtClean="0">
+              <a:t>抽象类的特点及用法：</a:t>
+            </a:r>
+            <a:endParaRPr lang="en-US" altLang="zh-CN" sz="3600" kern="0" dirty="0">
               <a:solidFill>
                 <a:schemeClr val="tx1">
                   <a:lumMod val="75000"/>
@@ -13179,33 +13049,8 @@
                 <a:ea typeface="微软雅黑" panose="020B0503020204020204" pitchFamily="34" charset="-122"/>
                 <a:cs typeface="Courier New" pitchFamily="49" charset="0"/>
               </a:rPr>
-              <a:t>了一个纯虚</a:t>
-            </a:r>
-            <a:r>
-              <a:rPr lang="zh-CN" altLang="en-US" sz="3200" kern="0" dirty="0" smtClean="0">
-                <a:solidFill>
-                  <a:schemeClr val="tx1">
-                    <a:lumMod val="75000"/>
-                    <a:lumOff val="25000"/>
-                  </a:schemeClr>
-                </a:solidFill>
-                <a:latin typeface="微软雅黑" panose="020B0503020204020204" pitchFamily="34" charset="-122"/>
-                <a:ea typeface="微软雅黑" panose="020B0503020204020204" pitchFamily="34" charset="-122"/>
-                <a:cs typeface="Courier New" pitchFamily="49" charset="0"/>
-              </a:rPr>
-              <a:t>函数。</a:t>
-            </a:r>
-            <a:endParaRPr lang="zh-CN" altLang="en-US" sz="3200" kern="0" dirty="0">
-              <a:solidFill>
-                <a:schemeClr val="tx1">
-                  <a:lumMod val="75000"/>
-                  <a:lumOff val="25000"/>
-                </a:schemeClr>
-              </a:solidFill>
-              <a:latin typeface="微软雅黑" panose="020B0503020204020204" pitchFamily="34" charset="-122"/>
-              <a:ea typeface="微软雅黑" panose="020B0503020204020204" pitchFamily="34" charset="-122"/>
-              <a:cs typeface="Courier New" pitchFamily="49" charset="0"/>
-            </a:endParaRPr>
+              <a:t>了一个纯虚函数。</a:t>
+            </a:r>
           </a:p>
           <a:p>
             <a:pPr marL="1023937" lvl="1" indent="-457200" eaLnBrk="0" hangingPunct="0">
@@ -13280,21 +13125,10 @@
                 <a:ea typeface="微软雅黑" panose="020B0503020204020204" pitchFamily="34" charset="-122"/>
                 <a:cs typeface="Courier New" pitchFamily="49" charset="0"/>
               </a:rPr>
-              <a:t>抽象类是对类的</a:t>
-            </a:r>
-            <a:r>
-              <a:rPr lang="zh-CN" altLang="en-US" sz="3200" kern="0" dirty="0" smtClean="0">
-                <a:solidFill>
-                  <a:srgbClr val="C00000"/>
-                </a:solidFill>
-                <a:latin typeface="微软雅黑" panose="020B0503020204020204" pitchFamily="34" charset="-122"/>
-                <a:ea typeface="微软雅黑" panose="020B0503020204020204" pitchFamily="34" charset="-122"/>
-                <a:cs typeface="Courier New" pitchFamily="49" charset="0"/>
-              </a:rPr>
-              <a:t>抽象</a:t>
-            </a:r>
-            <a:r>
-              <a:rPr lang="zh-CN" altLang="en-US" sz="3200" kern="0" dirty="0" smtClean="0">
+              <a:t>抽象类是对类的抽象</a:t>
+            </a:r>
+            <a:r>
+              <a:rPr lang="zh-CN" altLang="en-US" sz="3200" kern="0" dirty="0">
                 <a:solidFill>
                   <a:schemeClr val="tx1">
                     <a:lumMod val="75000"/>
@@ -13307,17 +13141,6 @@
               </a:rPr>
               <a:t>。</a:t>
             </a:r>
-            <a:endParaRPr lang="zh-CN" altLang="en-US" sz="3200" kern="0" dirty="0">
-              <a:solidFill>
-                <a:schemeClr val="tx1">
-                  <a:lumMod val="75000"/>
-                  <a:lumOff val="25000"/>
-                </a:schemeClr>
-              </a:solidFill>
-              <a:latin typeface="微软雅黑" panose="020B0503020204020204" pitchFamily="34" charset="-122"/>
-              <a:ea typeface="微软雅黑" panose="020B0503020204020204" pitchFamily="34" charset="-122"/>
-              <a:cs typeface="Courier New" pitchFamily="49" charset="0"/>
-            </a:endParaRPr>
           </a:p>
           <a:p>
             <a:pPr marL="1023937" lvl="1" indent="-457200" eaLnBrk="0" hangingPunct="0">
@@ -13345,33 +13168,8 @@
                 <a:ea typeface="微软雅黑" panose="020B0503020204020204" pitchFamily="34" charset="-122"/>
                 <a:cs typeface="Courier New" pitchFamily="49" charset="0"/>
               </a:rPr>
-              <a:t>抽象类含有纯虚函数，抽象类不能被实例化，但可以定义抽象类的指针或者引用 </a:t>
-            </a:r>
-            <a:r>
-              <a:rPr lang="zh-CN" altLang="en-US" sz="3200" kern="0" dirty="0" smtClean="0">
-                <a:solidFill>
-                  <a:schemeClr val="tx1">
-                    <a:lumMod val="75000"/>
-                    <a:lumOff val="25000"/>
-                  </a:schemeClr>
-                </a:solidFill>
-                <a:latin typeface="微软雅黑" panose="020B0503020204020204" pitchFamily="34" charset="-122"/>
-                <a:ea typeface="微软雅黑" panose="020B0503020204020204" pitchFamily="34" charset="-122"/>
-                <a:cs typeface="Courier New" pitchFamily="49" charset="0"/>
-              </a:rPr>
-              <a:t>。</a:t>
-            </a:r>
-            <a:endParaRPr lang="zh-CN" altLang="en-US" sz="3200" kern="0" dirty="0">
-              <a:solidFill>
-                <a:schemeClr val="tx1">
-                  <a:lumMod val="75000"/>
-                  <a:lumOff val="25000"/>
-                </a:schemeClr>
-              </a:solidFill>
-              <a:latin typeface="微软雅黑" panose="020B0503020204020204" pitchFamily="34" charset="-122"/>
-              <a:ea typeface="微软雅黑" panose="020B0503020204020204" pitchFamily="34" charset="-122"/>
-              <a:cs typeface="Courier New" pitchFamily="49" charset="0"/>
-            </a:endParaRPr>
+              <a:t>抽象类含有纯虚函数，抽象类不能被实例化，但可以定义抽象类的指针或者引用 。</a:t>
+            </a:r>
           </a:p>
           <a:p>
             <a:pPr marL="566737" indent="-457200" eaLnBrk="0" hangingPunct="0">
@@ -13486,33 +13284,8 @@
                 <a:ea typeface="微软雅黑" panose="020B0503020204020204" pitchFamily="34" charset="-122"/>
                 <a:cs typeface="Courier New" pitchFamily="49" charset="0"/>
               </a:rPr>
-              <a:t> </a:t>
-            </a:r>
-            <a:r>
-              <a:rPr lang="en-US" altLang="zh-CN" sz="2400" b="1" dirty="0" smtClean="0">
-                <a:solidFill>
-                  <a:schemeClr val="tx1">
-                    <a:lumMod val="75000"/>
-                    <a:lumOff val="25000"/>
-                  </a:schemeClr>
-                </a:solidFill>
-                <a:latin typeface="Consolas" panose="020B0609020204030204" pitchFamily="49" charset="0"/>
-                <a:ea typeface="微软雅黑" panose="020B0503020204020204" pitchFamily="34" charset="-122"/>
-                <a:cs typeface="Courier New" pitchFamily="49" charset="0"/>
-              </a:rPr>
-              <a:t>main(void) {</a:t>
-            </a:r>
-            <a:endParaRPr lang="en-US" altLang="zh-CN" sz="2400" b="1" dirty="0">
-              <a:solidFill>
-                <a:schemeClr val="tx1">
-                  <a:lumMod val="75000"/>
-                  <a:lumOff val="25000"/>
-                </a:schemeClr>
-              </a:solidFill>
-              <a:latin typeface="Consolas" panose="020B0609020204030204" pitchFamily="49" charset="0"/>
-              <a:ea typeface="微软雅黑" panose="020B0503020204020204" pitchFamily="34" charset="-122"/>
-              <a:cs typeface="Courier New" pitchFamily="49" charset="0"/>
-            </a:endParaRPr>
+              <a:t> main(void) {</a:t>
+            </a:r>
           </a:p>
           <a:p>
             <a:pPr>
@@ -13533,7 +13306,7 @@
               <a:t>   Shape </a:t>
             </a:r>
             <a:r>
-              <a:rPr lang="en-US" altLang="zh-CN" sz="2400" b="1" dirty="0" err="1" smtClean="0">
+              <a:rPr lang="en-US" altLang="zh-CN" sz="2400" b="1" dirty="0" err="1">
                 <a:solidFill>
                   <a:srgbClr val="C00000"/>
                 </a:solidFill>
@@ -13544,7 +13317,7 @@
               <a:t>obj</a:t>
             </a:r>
             <a:r>
-              <a:rPr lang="en-US" altLang="zh-CN" sz="2400" b="1" dirty="0" smtClean="0">
+              <a:rPr lang="en-US" altLang="zh-CN" sz="2400" b="1" dirty="0">
                 <a:solidFill>
                   <a:schemeClr val="tx1">
                     <a:lumMod val="75000"/>
@@ -13571,7 +13344,117 @@
               <a:defRPr/>
             </a:pPr>
             <a:r>
-              <a:rPr lang="en-US" altLang="zh-CN" sz="2400" b="1" dirty="0" smtClean="0">
+              <a:rPr lang="en-US" altLang="zh-CN" sz="2400" b="1" dirty="0">
+                <a:solidFill>
+                  <a:schemeClr val="tx1">
+                    <a:lumMod val="75000"/>
+                    <a:lumOff val="25000"/>
+                  </a:schemeClr>
+                </a:solidFill>
+                <a:latin typeface="Consolas" panose="020B0609020204030204" pitchFamily="49" charset="0"/>
+                <a:ea typeface="微软雅黑" panose="020B0503020204020204" pitchFamily="34" charset="-122"/>
+                <a:cs typeface="Courier New" pitchFamily="49" charset="0"/>
+              </a:rPr>
+              <a:t>} </a:t>
+            </a:r>
+          </a:p>
+          <a:p>
+            <a:pPr>
+              <a:defRPr/>
+            </a:pPr>
+            <a:r>
+              <a:rPr lang="en-US" altLang="zh-CN" sz="2400" b="1" dirty="0">
+                <a:solidFill>
+                  <a:schemeClr val="tx1">
+                    <a:lumMod val="75000"/>
+                    <a:lumOff val="25000"/>
+                  </a:schemeClr>
+                </a:solidFill>
+                <a:latin typeface="Consolas" panose="020B0609020204030204" pitchFamily="49" charset="0"/>
+                <a:ea typeface="微软雅黑" panose="020B0503020204020204" pitchFamily="34" charset="-122"/>
+                <a:cs typeface="Courier New" pitchFamily="49" charset="0"/>
+              </a:rPr>
+              <a:t>void </a:t>
+            </a:r>
+            <a:r>
+              <a:rPr lang="en-US" altLang="zh-CN" sz="2400" b="1" dirty="0" err="1">
+                <a:solidFill>
+                  <a:schemeClr val="tx1">
+                    <a:lumMod val="75000"/>
+                    <a:lumOff val="25000"/>
+                  </a:schemeClr>
+                </a:solidFill>
+                <a:latin typeface="Consolas" panose="020B0609020204030204" pitchFamily="49" charset="0"/>
+                <a:ea typeface="微软雅黑" panose="020B0503020204020204" pitchFamily="34" charset="-122"/>
+                <a:cs typeface="Courier New" pitchFamily="49" charset="0"/>
+              </a:rPr>
+              <a:t>DrawObject</a:t>
+            </a:r>
+            <a:r>
+              <a:rPr lang="en-US" altLang="zh-CN" sz="2400" b="1" dirty="0">
+                <a:solidFill>
+                  <a:schemeClr val="tx1">
+                    <a:lumMod val="75000"/>
+                    <a:lumOff val="25000"/>
+                  </a:schemeClr>
+                </a:solidFill>
+                <a:latin typeface="Consolas" panose="020B0609020204030204" pitchFamily="49" charset="0"/>
+                <a:ea typeface="微软雅黑" panose="020B0503020204020204" pitchFamily="34" charset="-122"/>
+                <a:cs typeface="Courier New" pitchFamily="49" charset="0"/>
+              </a:rPr>
+              <a:t>(</a:t>
+            </a:r>
+            <a:r>
+              <a:rPr lang="en-US" altLang="zh-CN" sz="2400" b="1" dirty="0">
+                <a:solidFill>
+                  <a:srgbClr val="C00000"/>
+                </a:solidFill>
+                <a:latin typeface="Consolas" panose="020B0609020204030204" pitchFamily="49" charset="0"/>
+                <a:ea typeface="微软雅黑" panose="020B0503020204020204" pitchFamily="34" charset="-122"/>
+                <a:cs typeface="Courier New" pitchFamily="49" charset="0"/>
+              </a:rPr>
+              <a:t>Shape p</a:t>
+            </a:r>
+            <a:r>
+              <a:rPr lang="en-US" altLang="zh-CN" sz="2400" b="1" dirty="0">
+                <a:solidFill>
+                  <a:schemeClr val="tx1">
+                    <a:lumMod val="75000"/>
+                    <a:lumOff val="25000"/>
+                  </a:schemeClr>
+                </a:solidFill>
+                <a:latin typeface="Consolas" panose="020B0609020204030204" pitchFamily="49" charset="0"/>
+                <a:ea typeface="微软雅黑" panose="020B0503020204020204" pitchFamily="34" charset="-122"/>
+                <a:cs typeface="Courier New" pitchFamily="49" charset="0"/>
+              </a:rPr>
+              <a:t>) {</a:t>
+            </a:r>
+          </a:p>
+          <a:p>
+            <a:pPr>
+              <a:defRPr/>
+            </a:pPr>
+            <a:r>
+              <a:rPr lang="en-US" altLang="zh-CN" sz="2400" b="1" dirty="0">
+                <a:solidFill>
+                  <a:schemeClr val="tx1">
+                    <a:lumMod val="75000"/>
+                    <a:lumOff val="25000"/>
+                  </a:schemeClr>
+                </a:solidFill>
+                <a:latin typeface="Consolas" panose="020B0609020204030204" pitchFamily="49" charset="0"/>
+                <a:ea typeface="微软雅黑" panose="020B0503020204020204" pitchFamily="34" charset="-122"/>
+                <a:cs typeface="Courier New" pitchFamily="49" charset="0"/>
+              </a:rPr>
+              <a:t>    p-&gt;Draw();</a:t>
+            </a:r>
+          </a:p>
+          <a:p>
+            <a:pPr>
+              <a:defRPr/>
+            </a:pPr>
+            <a:r>
+              <a:rPr lang="en-US" altLang="zh-CN" sz="2400" b="1" dirty="0">
                 <a:solidFill>
                   <a:schemeClr val="tx1">
                     <a:lumMod val="75000"/>
@@ -13584,166 +13467,6 @@
               </a:rPr>
               <a:t>}</a:t>
             </a:r>
-            <a:r>
-              <a:rPr lang="en-US" altLang="zh-CN" sz="2400" b="1" dirty="0">
-                <a:solidFill>
-                  <a:schemeClr val="tx1">
-                    <a:lumMod val="75000"/>
-                    <a:lumOff val="25000"/>
-                  </a:schemeClr>
-                </a:solidFill>
-                <a:latin typeface="Consolas" panose="020B0609020204030204" pitchFamily="49" charset="0"/>
-                <a:ea typeface="微软雅黑" panose="020B0503020204020204" pitchFamily="34" charset="-122"/>
-                <a:cs typeface="Courier New" pitchFamily="49" charset="0"/>
-              </a:rPr>
-              <a:t> </a:t>
-            </a:r>
-            <a:endParaRPr lang="en-US" altLang="zh-CN" sz="2400" b="1" dirty="0" smtClean="0">
-              <a:solidFill>
-                <a:schemeClr val="tx1">
-                  <a:lumMod val="75000"/>
-                  <a:lumOff val="25000"/>
-                </a:schemeClr>
-              </a:solidFill>
-              <a:latin typeface="Consolas" panose="020B0609020204030204" pitchFamily="49" charset="0"/>
-              <a:ea typeface="微软雅黑" panose="020B0503020204020204" pitchFamily="34" charset="-122"/>
-              <a:cs typeface="Courier New" pitchFamily="49" charset="0"/>
-            </a:endParaRPr>
-          </a:p>
-          <a:p>
-            <a:pPr>
-              <a:defRPr/>
-            </a:pPr>
-            <a:r>
-              <a:rPr lang="en-US" altLang="zh-CN" sz="2400" b="1" dirty="0" smtClean="0">
-                <a:solidFill>
-                  <a:schemeClr val="tx1">
-                    <a:lumMod val="75000"/>
-                    <a:lumOff val="25000"/>
-                  </a:schemeClr>
-                </a:solidFill>
-                <a:latin typeface="Consolas" panose="020B0609020204030204" pitchFamily="49" charset="0"/>
-                <a:ea typeface="微软雅黑" panose="020B0503020204020204" pitchFamily="34" charset="-122"/>
-                <a:cs typeface="Courier New" pitchFamily="49" charset="0"/>
-              </a:rPr>
-              <a:t>void </a:t>
-            </a:r>
-            <a:r>
-              <a:rPr lang="en-US" altLang="zh-CN" sz="2400" b="1" dirty="0" err="1">
-                <a:solidFill>
-                  <a:schemeClr val="tx1">
-                    <a:lumMod val="75000"/>
-                    <a:lumOff val="25000"/>
-                  </a:schemeClr>
-                </a:solidFill>
-                <a:latin typeface="Consolas" panose="020B0609020204030204" pitchFamily="49" charset="0"/>
-                <a:ea typeface="微软雅黑" panose="020B0503020204020204" pitchFamily="34" charset="-122"/>
-                <a:cs typeface="Courier New" pitchFamily="49" charset="0"/>
-              </a:rPr>
-              <a:t>DrawObject</a:t>
-            </a:r>
-            <a:r>
-              <a:rPr lang="en-US" altLang="zh-CN" sz="2400" b="1" dirty="0">
-                <a:solidFill>
-                  <a:schemeClr val="tx1">
-                    <a:lumMod val="75000"/>
-                    <a:lumOff val="25000"/>
-                  </a:schemeClr>
-                </a:solidFill>
-                <a:latin typeface="Consolas" panose="020B0609020204030204" pitchFamily="49" charset="0"/>
-                <a:ea typeface="微软雅黑" panose="020B0503020204020204" pitchFamily="34" charset="-122"/>
-                <a:cs typeface="Courier New" pitchFamily="49" charset="0"/>
-              </a:rPr>
-              <a:t>(</a:t>
-            </a:r>
-            <a:r>
-              <a:rPr lang="en-US" altLang="zh-CN" sz="2400" b="1" dirty="0">
-                <a:solidFill>
-                  <a:srgbClr val="C00000"/>
-                </a:solidFill>
-                <a:latin typeface="Consolas" panose="020B0609020204030204" pitchFamily="49" charset="0"/>
-                <a:ea typeface="微软雅黑" panose="020B0503020204020204" pitchFamily="34" charset="-122"/>
-                <a:cs typeface="Courier New" pitchFamily="49" charset="0"/>
-              </a:rPr>
-              <a:t>Shape p</a:t>
-            </a:r>
-            <a:r>
-              <a:rPr lang="en-US" altLang="zh-CN" sz="2400" b="1" dirty="0">
-                <a:solidFill>
-                  <a:schemeClr val="tx1">
-                    <a:lumMod val="75000"/>
-                    <a:lumOff val="25000"/>
-                  </a:schemeClr>
-                </a:solidFill>
-                <a:latin typeface="Consolas" panose="020B0609020204030204" pitchFamily="49" charset="0"/>
-                <a:ea typeface="微软雅黑" panose="020B0503020204020204" pitchFamily="34" charset="-122"/>
-                <a:cs typeface="Courier New" pitchFamily="49" charset="0"/>
-              </a:rPr>
-              <a:t>) {</a:t>
-            </a:r>
-          </a:p>
-          <a:p>
-            <a:pPr>
-              <a:defRPr/>
-            </a:pPr>
-            <a:r>
-              <a:rPr lang="en-US" altLang="zh-CN" sz="2400" b="1" dirty="0" smtClean="0">
-                <a:solidFill>
-                  <a:schemeClr val="tx1">
-                    <a:lumMod val="75000"/>
-                    <a:lumOff val="25000"/>
-                  </a:schemeClr>
-                </a:solidFill>
-                <a:latin typeface="Consolas" panose="020B0609020204030204" pitchFamily="49" charset="0"/>
-                <a:ea typeface="微软雅黑" panose="020B0503020204020204" pitchFamily="34" charset="-122"/>
-                <a:cs typeface="Courier New" pitchFamily="49" charset="0"/>
-              </a:rPr>
-              <a:t>    p-</a:t>
-            </a:r>
-            <a:r>
-              <a:rPr lang="en-US" altLang="zh-CN" sz="2400" b="1" dirty="0">
-                <a:solidFill>
-                  <a:schemeClr val="tx1">
-                    <a:lumMod val="75000"/>
-                    <a:lumOff val="25000"/>
-                  </a:schemeClr>
-                </a:solidFill>
-                <a:latin typeface="Consolas" panose="020B0609020204030204" pitchFamily="49" charset="0"/>
-                <a:ea typeface="微软雅黑" panose="020B0503020204020204" pitchFamily="34" charset="-122"/>
-                <a:cs typeface="Courier New" pitchFamily="49" charset="0"/>
-              </a:rPr>
-              <a:t>&gt;Draw();</a:t>
-            </a:r>
-          </a:p>
-          <a:p>
-            <a:pPr>
-              <a:defRPr/>
-            </a:pPr>
-            <a:r>
-              <a:rPr lang="en-US" altLang="zh-CN" sz="2400" b="1" dirty="0" smtClean="0">
-                <a:solidFill>
-                  <a:schemeClr val="tx1">
-                    <a:lumMod val="75000"/>
-                    <a:lumOff val="25000"/>
-                  </a:schemeClr>
-                </a:solidFill>
-                <a:latin typeface="Consolas" panose="020B0609020204030204" pitchFamily="49" charset="0"/>
-                <a:ea typeface="微软雅黑" panose="020B0503020204020204" pitchFamily="34" charset="-122"/>
-                <a:cs typeface="Courier New" pitchFamily="49" charset="0"/>
-              </a:rPr>
-              <a:t>}</a:t>
-            </a:r>
-            <a:endParaRPr lang="en-US" altLang="zh-CN" sz="2400" b="1" dirty="0">
-              <a:solidFill>
-                <a:schemeClr val="tx1">
-                  <a:lumMod val="75000"/>
-                  <a:lumOff val="25000"/>
-                </a:schemeClr>
-              </a:solidFill>
-              <a:latin typeface="Consolas" panose="020B0609020204030204" pitchFamily="49" charset="0"/>
-              <a:ea typeface="微软雅黑" panose="020B0503020204020204" pitchFamily="34" charset="-122"/>
-              <a:cs typeface="Courier New" pitchFamily="49" charset="0"/>
-            </a:endParaRPr>
           </a:p>
         </p:txBody>
       </p:sp>
@@ -13807,7 +13530,7 @@
               <a:defRPr/>
             </a:pPr>
             <a:r>
-              <a:rPr lang="en-US" altLang="zh-CN" sz="2400" b="1" dirty="0" smtClean="0">
+              <a:rPr lang="en-US" altLang="zh-CN" sz="2400" b="1" dirty="0">
                 <a:solidFill>
                   <a:schemeClr val="tx1">
                     <a:lumMod val="75000"/>
@@ -13860,7 +13583,7 @@
               <a:t>Shape *p</a:t>
             </a:r>
             <a:r>
-              <a:rPr lang="en-US" altLang="zh-CN" sz="2400" b="1" dirty="0" smtClean="0">
+              <a:rPr lang="en-US" altLang="zh-CN" sz="2400" b="1" dirty="0">
                 <a:solidFill>
                   <a:schemeClr val="tx1">
                     <a:lumMod val="75000"/>
@@ -13873,17 +13596,6 @@
               </a:rPr>
               <a:t>) {</a:t>
             </a:r>
-            <a:endParaRPr lang="en-US" altLang="zh-CN" sz="2400" b="1" dirty="0">
-              <a:solidFill>
-                <a:schemeClr val="tx1">
-                  <a:lumMod val="75000"/>
-                  <a:lumOff val="25000"/>
-                </a:schemeClr>
-              </a:solidFill>
-              <a:latin typeface="Consolas" panose="020B0609020204030204" pitchFamily="49" charset="0"/>
-              <a:ea typeface="微软雅黑" panose="020B0503020204020204" pitchFamily="34" charset="-122"/>
-              <a:cs typeface="Courier New" pitchFamily="49" charset="0"/>
-            </a:endParaRPr>
           </a:p>
           <a:p>
             <a:pPr>
@@ -13909,7 +13621,7 @@
               <a:defRPr/>
             </a:pPr>
             <a:r>
-              <a:rPr lang="en-US" altLang="zh-CN" sz="2400" b="1" dirty="0" smtClean="0">
+              <a:rPr lang="en-US" altLang="zh-CN" sz="2400" b="1" dirty="0">
                 <a:solidFill>
                   <a:schemeClr val="tx1">
                     <a:lumMod val="75000"/>
@@ -14019,7 +13731,7 @@
               <a:defRPr/>
             </a:pPr>
             <a:r>
-              <a:rPr lang="en-US" altLang="zh-CN" sz="2400" b="1" dirty="0" smtClean="0">
+              <a:rPr lang="en-US" altLang="zh-CN" sz="2400" b="1" dirty="0">
                 <a:solidFill>
                   <a:schemeClr val="tx1">
                     <a:lumMod val="75000"/>
@@ -14032,17 +13744,6 @@
               </a:rPr>
               <a:t>}</a:t>
             </a:r>
-            <a:endParaRPr lang="en-US" altLang="zh-CN" sz="2400" b="1" dirty="0">
-              <a:solidFill>
-                <a:schemeClr val="tx1">
-                  <a:lumMod val="75000"/>
-                  <a:lumOff val="25000"/>
-                </a:schemeClr>
-              </a:solidFill>
-              <a:latin typeface="Consolas" panose="020B0609020204030204" pitchFamily="49" charset="0"/>
-              <a:ea typeface="微软雅黑" panose="020B0503020204020204" pitchFamily="34" charset="-122"/>
-              <a:cs typeface="Courier New" pitchFamily="49" charset="0"/>
-            </a:endParaRPr>
           </a:p>
         </p:txBody>
       </p:sp>
@@ -14138,13 +13839,6 @@
   <p:clrMapOvr>
     <a:masterClrMapping/>
   </p:clrMapOvr>
-  <p:timing>
-    <p:tnLst>
-      <p:par>
-        <p:cTn id="1" dur="indefinite" restart="never" nodeType="tmRoot"/>
-      </p:par>
-    </p:tnLst>
-  </p:timing>
 </p:sld>
 </file>
 
@@ -14474,7 +14168,7 @@
               <a:t>    void foo(); </a:t>
             </a:r>
             <a:r>
-              <a:rPr lang="en-US" altLang="zh-CN" sz="2400" b="1" smtClean="0">
+              <a:rPr lang="en-US" altLang="zh-CN" sz="2400" b="1">
                 <a:solidFill>
                   <a:srgbClr val="00B050"/>
                 </a:solidFill>
@@ -14484,21 +14178,13 @@
               </a:rPr>
               <a:t>// Right</a:t>
             </a:r>
-            <a:endParaRPr lang="en-US" altLang="zh-CN" sz="2400" b="1">
-              <a:solidFill>
-                <a:srgbClr val="00B050"/>
-              </a:solidFill>
-              <a:latin typeface="Consolas" panose="020B0609020204030204" pitchFamily="49" charset="0"/>
-              <a:ea typeface="微软雅黑" panose="020B0503020204020204" pitchFamily="34" charset="-122"/>
-              <a:cs typeface="Courier New" pitchFamily="49" charset="0"/>
-            </a:endParaRPr>
           </a:p>
           <a:p>
             <a:pPr>
               <a:defRPr/>
             </a:pPr>
             <a:r>
-              <a:rPr lang="en-US" altLang="zh-CN" sz="2400" b="1" smtClean="0">
+              <a:rPr lang="en-US" altLang="zh-CN" sz="2400" b="1">
                 <a:solidFill>
                   <a:schemeClr val="tx1">
                     <a:lumMod val="75000"/>
@@ -14724,7 +14410,7 @@
               <a:t>(Sahpe)derived;      </a:t>
             </a:r>
             <a:r>
-              <a:rPr lang="en-US" altLang="zh-CN" sz="2400" b="1" smtClean="0">
+              <a:rPr lang="en-US" altLang="zh-CN" sz="2400" b="1">
                 <a:solidFill>
                   <a:srgbClr val="C00000"/>
                 </a:solidFill>
@@ -14734,14 +14420,6 @@
               </a:rPr>
               <a:t>// ERROR</a:t>
             </a:r>
-            <a:endParaRPr lang="en-US" altLang="zh-CN" sz="2400" b="1">
-              <a:solidFill>
-                <a:srgbClr val="C00000"/>
-              </a:solidFill>
-              <a:latin typeface="Consolas" panose="020B0609020204030204" pitchFamily="49" charset="0"/>
-              <a:ea typeface="微软雅黑" panose="020B0503020204020204" pitchFamily="34" charset="-122"/>
-              <a:cs typeface="Courier New" pitchFamily="49" charset="0"/>
-            </a:endParaRPr>
           </a:p>
         </p:txBody>
       </p:sp>
@@ -14755,13 +14433,6 @@
   <p:clrMapOvr>
     <a:masterClrMapping/>
   </p:clrMapOvr>
-  <p:timing>
-    <p:tnLst>
-      <p:par>
-        <p:cTn id="1" dur="indefinite" restart="never" nodeType="tmRoot"/>
-      </p:par>
-    </p:tnLst>
-  </p:timing>
 </p:sld>
 </file>
 
@@ -14832,19 +14503,6 @@
             <a:lstStyle/>
             <a:p>
               <a:r>
-                <a:rPr lang="zh-CN" altLang="en-US" sz="2400" b="1" kern="0" smtClean="0">
-                  <a:solidFill>
-                    <a:schemeClr val="tx1">
-                      <a:lumMod val="65000"/>
-                      <a:lumOff val="35000"/>
-                    </a:schemeClr>
-                  </a:solidFill>
-                  <a:latin typeface="微软雅黑" panose="020B0503020204020204" pitchFamily="34" charset="-122"/>
-                  <a:ea typeface="微软雅黑" panose="020B0503020204020204" pitchFamily="34" charset="-122"/>
-                </a:rPr>
-                <a:t>          </a:t>
-              </a:r>
-              <a:r>
                 <a:rPr lang="zh-CN" altLang="en-US" sz="2400" b="1" kern="0">
                   <a:solidFill>
                     <a:schemeClr val="tx1">
@@ -14855,7 +14513,7 @@
                   <a:latin typeface="微软雅黑" panose="020B0503020204020204" pitchFamily="34" charset="-122"/>
                   <a:ea typeface="微软雅黑" panose="020B0503020204020204" pitchFamily="34" charset="-122"/>
                 </a:rPr>
-                <a:t>纯虚函数与抽象类</a:t>
+                <a:t>          纯虚函数与抽象类</a:t>
               </a:r>
             </a:p>
           </p:txBody>
@@ -15084,16 +14742,6 @@
             <a:lstStyle/>
             <a:p>
               <a:r>
-                <a:rPr lang="zh-CN" altLang="en-US" sz="2400" b="1" kern="0" smtClean="0">
-                  <a:solidFill>
-                    <a:schemeClr val="bg1"/>
-                  </a:solidFill>
-                  <a:latin typeface="微软雅黑" panose="020B0503020204020204" pitchFamily="34" charset="-122"/>
-                  <a:ea typeface="微软雅黑" panose="020B0503020204020204" pitchFamily="34" charset="-122"/>
-                </a:rPr>
-                <a:t>          </a:t>
-              </a:r>
-              <a:r>
                 <a:rPr lang="zh-CN" altLang="en-US" sz="2400" b="1" kern="0">
                   <a:solidFill>
                     <a:schemeClr val="bg1"/>
@@ -15101,7 +14749,7 @@
                   <a:latin typeface="微软雅黑" panose="020B0503020204020204" pitchFamily="34" charset="-122"/>
                   <a:ea typeface="微软雅黑" panose="020B0503020204020204" pitchFamily="34" charset="-122"/>
                 </a:rPr>
-                <a:t>接口类</a:t>
+                <a:t>          接口类</a:t>
               </a:r>
             </a:p>
           </p:txBody>
@@ -15326,19 +14974,6 @@
             <a:lstStyle/>
             <a:p>
               <a:r>
-                <a:rPr lang="zh-CN" altLang="en-US" sz="2400" b="1" kern="0" smtClean="0">
-                  <a:solidFill>
-                    <a:schemeClr val="tx1">
-                      <a:lumMod val="65000"/>
-                      <a:lumOff val="35000"/>
-                    </a:schemeClr>
-                  </a:solidFill>
-                  <a:latin typeface="微软雅黑" panose="020B0503020204020204" pitchFamily="34" charset="-122"/>
-                  <a:ea typeface="微软雅黑" panose="020B0503020204020204" pitchFamily="34" charset="-122"/>
-                </a:rPr>
-                <a:t>          动态</a:t>
-              </a:r>
-              <a:r>
                 <a:rPr lang="zh-CN" altLang="en-US" sz="2400" b="1" kern="0">
                   <a:solidFill>
                     <a:schemeClr val="tx1">
@@ -15349,7 +14984,7 @@
                   <a:latin typeface="微软雅黑" panose="020B0503020204020204" pitchFamily="34" charset="-122"/>
                   <a:ea typeface="微软雅黑" panose="020B0503020204020204" pitchFamily="34" charset="-122"/>
                 </a:rPr>
-                <a:t>多态的原理与本质</a:t>
+                <a:t>          动态多态的原理与本质</a:t>
               </a:r>
             </a:p>
           </p:txBody>
@@ -15540,13 +15175,6 @@
   <p:clrMapOvr>
     <a:masterClrMapping/>
   </p:clrMapOvr>
-  <p:timing>
-    <p:tnLst>
-      <p:par>
-        <p:cTn id="1" dur="indefinite" restart="never" nodeType="tmRoot"/>
-      </p:par>
-    </p:tnLst>
-  </p:timing>
 </p:sld>
 </file>
 
@@ -15585,12 +15213,8 @@
           <a:lstStyle/>
           <a:p>
             <a:r>
-              <a:rPr lang="zh-CN" altLang="en-US" smtClean="0"/>
-              <a:t>接口</a:t>
-            </a:r>
-            <a:r>
               <a:rPr lang="zh-CN" altLang="en-US"/>
-              <a:t>类</a:t>
+              <a:t>接口类</a:t>
             </a:r>
           </a:p>
         </p:txBody>
@@ -15633,7 +15257,7 @@
               <a:defRPr/>
             </a:pPr>
             <a:r>
-              <a:rPr lang="zh-CN" altLang="en-US" sz="3200" kern="0" smtClean="0">
+              <a:rPr lang="zh-CN" altLang="en-US" sz="3200" kern="0">
                 <a:solidFill>
                   <a:schemeClr val="tx1">
                     <a:lumMod val="75000"/>
@@ -15646,17 +15270,6 @@
               </a:rPr>
               <a:t>现实生活中有这样一种情况，就是一个类具有另一个类的功能，但是不具有另一个类的属性。</a:t>
             </a:r>
-            <a:endParaRPr lang="zh-CN" altLang="en-US" sz="3200" kern="0">
-              <a:solidFill>
-                <a:schemeClr val="tx1">
-                  <a:lumMod val="75000"/>
-                  <a:lumOff val="25000"/>
-                </a:schemeClr>
-              </a:solidFill>
-              <a:latin typeface="微软雅黑" panose="020B0503020204020204" pitchFamily="34" charset="-122"/>
-              <a:ea typeface="微软雅黑" panose="020B0503020204020204" pitchFamily="34" charset="-122"/>
-              <a:cs typeface="Courier New" pitchFamily="49" charset="0"/>
-            </a:endParaRPr>
           </a:p>
         </p:txBody>
       </p:sp>
@@ -15949,7 +15562,7 @@
             <a:p>
               <a:pPr algn="ctr"/>
               <a:r>
-                <a:rPr lang="zh-CN" altLang="en-US" sz="2800" b="1" smtClean="0">
+                <a:rPr lang="zh-CN" altLang="en-US" sz="2800" b="1">
                   <a:solidFill>
                     <a:schemeClr val="tx1">
                       <a:lumMod val="75000"/>
@@ -15960,15 +15573,6 @@
                 </a:rPr>
                 <a:t>飞机类</a:t>
               </a:r>
-              <a:endParaRPr lang="zh-CN" altLang="en-US" sz="2800" b="1">
-                <a:solidFill>
-                  <a:schemeClr val="tx1">
-                    <a:lumMod val="75000"/>
-                    <a:lumOff val="25000"/>
-                  </a:schemeClr>
-                </a:solidFill>
-                <a:latin typeface="Consolas" panose="020B0609020204030204" pitchFamily="49" charset="0"/>
-              </a:endParaRPr>
             </a:p>
           </p:txBody>
         </p:sp>
@@ -16176,7 +15780,7 @@
             <a:p>
               <a:pPr algn="ctr"/>
               <a:r>
-                <a:rPr lang="zh-CN" altLang="en-US" sz="2800" b="1" smtClean="0">
+                <a:rPr lang="zh-CN" altLang="en-US" sz="2800" b="1">
                   <a:solidFill>
                     <a:schemeClr val="tx1">
                       <a:lumMod val="75000"/>
@@ -16187,15 +15791,6 @@
                 </a:rPr>
                 <a:t>会飞的汽车类</a:t>
               </a:r>
-              <a:endParaRPr lang="zh-CN" altLang="en-US" sz="2800" b="1">
-                <a:solidFill>
-                  <a:schemeClr val="tx1">
-                    <a:lumMod val="75000"/>
-                    <a:lumOff val="25000"/>
-                  </a:schemeClr>
-                </a:solidFill>
-                <a:latin typeface="Consolas" panose="020B0609020204030204" pitchFamily="49" charset="0"/>
-              </a:endParaRPr>
             </a:p>
           </p:txBody>
         </p:sp>
@@ -16574,13 +16169,6 @@
   <p:clrMapOvr>
     <a:masterClrMapping/>
   </p:clrMapOvr>
-  <p:timing>
-    <p:tnLst>
-      <p:par>
-        <p:cTn id="1" dur="indefinite" restart="never" nodeType="tmRoot"/>
-      </p:par>
-    </p:tnLst>
-  </p:timing>
 </p:sld>
 </file>
 
@@ -16677,7 +16265,7 @@
               <a:t>这样只具有父类的一些动作的父子类关系，我们可以称作父子类之间具有一种</a:t>
             </a:r>
             <a:r>
-              <a:rPr lang="en-US" altLang="zh-CN" sz="3200" kern="0" smtClean="0">
+              <a:rPr lang="en-US" altLang="zh-CN" sz="3200" kern="0">
                 <a:solidFill>
                   <a:srgbClr val="C00000"/>
                 </a:solidFill>
@@ -17002,29 +16590,8 @@
                   </a:solidFill>
                   <a:latin typeface="Consolas" panose="020B0609020204030204" pitchFamily="49" charset="0"/>
                 </a:rPr>
-                <a:t>飞行</a:t>
+                <a:t>飞行类</a:t>
               </a:r>
-              <a:r>
-                <a:rPr lang="zh-CN" altLang="en-US" sz="2800" b="1" smtClean="0">
-                  <a:solidFill>
-                    <a:schemeClr val="tx1">
-                      <a:lumMod val="75000"/>
-                      <a:lumOff val="25000"/>
-                    </a:schemeClr>
-                  </a:solidFill>
-                  <a:latin typeface="Consolas" panose="020B0609020204030204" pitchFamily="49" charset="0"/>
-                </a:rPr>
-                <a:t>类</a:t>
-              </a:r>
-              <a:endParaRPr lang="zh-CN" altLang="en-US" sz="2800" b="1">
-                <a:solidFill>
-                  <a:schemeClr val="tx1">
-                    <a:lumMod val="75000"/>
-                    <a:lumOff val="25000"/>
-                  </a:schemeClr>
-                </a:solidFill>
-                <a:latin typeface="Consolas" panose="020B0609020204030204" pitchFamily="49" charset="0"/>
-              </a:endParaRPr>
             </a:p>
           </p:txBody>
         </p:sp>
@@ -17140,31 +16707,8 @@
                   <a:latin typeface="微软雅黑" panose="020B0503020204020204" pitchFamily="34" charset="-122"/>
                   <a:ea typeface="微软雅黑" panose="020B0503020204020204" pitchFamily="34" charset="-122"/>
                 </a:rPr>
-                <a:t>virtual Fly</a:t>
+                <a:t>virtual Fly()</a:t>
               </a:r>
-              <a:r>
-                <a:rPr lang="en-US" altLang="zh-CN" sz="2400" b="1" smtClean="0">
-                  <a:solidFill>
-                    <a:schemeClr val="tx1">
-                      <a:lumMod val="75000"/>
-                      <a:lumOff val="25000"/>
-                    </a:schemeClr>
-                  </a:solidFill>
-                  <a:latin typeface="微软雅黑" panose="020B0503020204020204" pitchFamily="34" charset="-122"/>
-                  <a:ea typeface="微软雅黑" panose="020B0503020204020204" pitchFamily="34" charset="-122"/>
-                </a:rPr>
-                <a:t>()</a:t>
-              </a:r>
-              <a:endParaRPr lang="en-US" altLang="zh-CN" sz="2400" b="1">
-                <a:solidFill>
-                  <a:schemeClr val="tx1">
-                    <a:lumMod val="75000"/>
-                    <a:lumOff val="25000"/>
-                  </a:schemeClr>
-                </a:solidFill>
-                <a:latin typeface="微软雅黑" panose="020B0503020204020204" pitchFamily="34" charset="-122"/>
-                <a:ea typeface="微软雅黑" panose="020B0503020204020204" pitchFamily="34" charset="-122"/>
-              </a:endParaRPr>
             </a:p>
           </p:txBody>
         </p:sp>
@@ -17240,7 +16784,7 @@
             <a:p>
               <a:pPr algn="ctr"/>
               <a:r>
-                <a:rPr lang="zh-CN" altLang="en-US" sz="2800" b="1" smtClean="0">
+                <a:rPr lang="zh-CN" altLang="en-US" sz="2800" b="1">
                   <a:solidFill>
                     <a:schemeClr val="tx1">
                       <a:lumMod val="75000"/>
@@ -17251,15 +16795,6 @@
                 </a:rPr>
                 <a:t>会飞的汽车类</a:t>
               </a:r>
-              <a:endParaRPr lang="zh-CN" altLang="en-US" sz="2800" b="1">
-                <a:solidFill>
-                  <a:schemeClr val="tx1">
-                    <a:lumMod val="75000"/>
-                    <a:lumOff val="25000"/>
-                  </a:schemeClr>
-                </a:solidFill>
-                <a:latin typeface="Consolas" panose="020B0609020204030204" pitchFamily="49" charset="0"/>
-              </a:endParaRPr>
             </a:p>
           </p:txBody>
         </p:sp>
@@ -17405,31 +16940,8 @@
                   <a:latin typeface="微软雅黑" panose="020B0503020204020204" pitchFamily="34" charset="-122"/>
                   <a:ea typeface="微软雅黑" panose="020B0503020204020204" pitchFamily="34" charset="-122"/>
                 </a:rPr>
-                <a:t>Door doors[4</a:t>
+                <a:t>Door doors[4]</a:t>
               </a:r>
-              <a:r>
-                <a:rPr lang="en-US" altLang="zh-CN" sz="2400" b="1" smtClean="0">
-                  <a:solidFill>
-                    <a:schemeClr val="tx1">
-                      <a:lumMod val="75000"/>
-                      <a:lumOff val="25000"/>
-                    </a:schemeClr>
-                  </a:solidFill>
-                  <a:latin typeface="微软雅黑" panose="020B0503020204020204" pitchFamily="34" charset="-122"/>
-                  <a:ea typeface="微软雅黑" panose="020B0503020204020204" pitchFamily="34" charset="-122"/>
-                </a:rPr>
-                <a:t>]</a:t>
-              </a:r>
-              <a:endParaRPr lang="en-US" altLang="zh-CN" sz="2400" b="1">
-                <a:solidFill>
-                  <a:schemeClr val="tx1">
-                    <a:lumMod val="75000"/>
-                    <a:lumOff val="25000"/>
-                  </a:schemeClr>
-                </a:solidFill>
-                <a:latin typeface="微软雅黑" panose="020B0503020204020204" pitchFamily="34" charset="-122"/>
-                <a:ea typeface="微软雅黑" panose="020B0503020204020204" pitchFamily="34" charset="-122"/>
-              </a:endParaRPr>
             </a:p>
           </p:txBody>
         </p:sp>
@@ -17540,13 +17052,6 @@
   <p:clrMapOvr>
     <a:masterClrMapping/>
   </p:clrMapOvr>
-  <p:timing>
-    <p:tnLst>
-      <p:par>
-        <p:cTn id="1" dur="indefinite" restart="never" nodeType="tmRoot"/>
-      </p:par>
-    </p:tnLst>
-  </p:timing>
 </p:sld>
 </file>
 
@@ -17700,7 +17205,7 @@
               <a:t>命名规则：以</a:t>
             </a:r>
             <a:r>
-              <a:rPr lang="en-US" altLang="zh-CN" sz="3600" kern="0" smtClean="0">
+              <a:rPr lang="en-US" altLang="zh-CN" sz="3600" kern="0">
                 <a:solidFill>
                   <a:srgbClr val="C00000"/>
                 </a:solidFill>
@@ -17711,7 +17216,7 @@
               <a:t>I</a:t>
             </a:r>
             <a:r>
-              <a:rPr lang="zh-CN" altLang="en-US" sz="3600" kern="0" smtClean="0">
+              <a:rPr lang="zh-CN" altLang="en-US" sz="3600" kern="0">
                 <a:solidFill>
                   <a:schemeClr val="tx1">
                     <a:lumMod val="75000"/>
@@ -17724,17 +17229,6 @@
               </a:rPr>
               <a:t>开头</a:t>
             </a:r>
-            <a:endParaRPr lang="zh-CN" altLang="en-US" sz="3600" kern="0">
-              <a:solidFill>
-                <a:schemeClr val="tx1">
-                  <a:lumMod val="75000"/>
-                  <a:lumOff val="25000"/>
-                </a:schemeClr>
-              </a:solidFill>
-              <a:latin typeface="微软雅黑" panose="020B0503020204020204" pitchFamily="34" charset="-122"/>
-              <a:ea typeface="微软雅黑" panose="020B0503020204020204" pitchFamily="34" charset="-122"/>
-              <a:cs typeface="Courier New" pitchFamily="49" charset="0"/>
-            </a:endParaRPr>
           </a:p>
         </p:txBody>
       </p:sp>
@@ -17809,33 +17303,8 @@
                 <a:ea typeface="微软雅黑" panose="020B0503020204020204" pitchFamily="34" charset="-122"/>
                 <a:cs typeface="Courier New" pitchFamily="49" charset="0"/>
               </a:rPr>
-              <a:t>class </a:t>
-            </a:r>
-            <a:r>
-              <a:rPr lang="en-US" altLang="zh-CN" sz="2800" b="1" smtClean="0">
-                <a:solidFill>
-                  <a:schemeClr val="tx1">
-                    <a:lumMod val="75000"/>
-                    <a:lumOff val="25000"/>
-                  </a:schemeClr>
-                </a:solidFill>
-                <a:latin typeface="Consolas" panose="020B0609020204030204" pitchFamily="49" charset="0"/>
-                <a:ea typeface="微软雅黑" panose="020B0503020204020204" pitchFamily="34" charset="-122"/>
-                <a:cs typeface="Courier New" pitchFamily="49" charset="0"/>
-              </a:rPr>
-              <a:t>IFlyable</a:t>
-            </a:r>
-            <a:endParaRPr lang="en-US" altLang="zh-CN" sz="2800" b="1">
-              <a:solidFill>
-                <a:schemeClr val="tx1">
-                  <a:lumMod val="75000"/>
-                  <a:lumOff val="25000"/>
-                </a:schemeClr>
-              </a:solidFill>
-              <a:latin typeface="Consolas" panose="020B0609020204030204" pitchFamily="49" charset="0"/>
-              <a:ea typeface="微软雅黑" panose="020B0503020204020204" pitchFamily="34" charset="-122"/>
-              <a:cs typeface="Courier New" pitchFamily="49" charset="0"/>
-            </a:endParaRPr>
+              <a:t>class IFlyable</a:t>
+            </a:r>
           </a:p>
           <a:p>
             <a:pPr>
@@ -17906,13 +17375,6 @@
   <p:clrMapOvr>
     <a:masterClrMapping/>
   </p:clrMapOvr>
-  <p:timing>
-    <p:tnLst>
-      <p:par>
-        <p:cTn id="1" dur="indefinite" restart="never" nodeType="tmRoot"/>
-      </p:par>
-    </p:tnLst>
-  </p:timing>
 </p:sld>
 </file>
 
@@ -18028,7 +17490,7 @@
             <a:p>
               <a:pPr algn="ctr"/>
               <a:r>
-                <a:rPr lang="en-US" altLang="zh-CN" sz="2800" b="1" smtClean="0">
+                <a:rPr lang="en-US" altLang="zh-CN" sz="2800" b="1">
                   <a:solidFill>
                     <a:schemeClr val="tx1">
                       <a:lumMod val="75000"/>
@@ -18237,7 +17699,7 @@
             <a:p>
               <a:pPr algn="ctr"/>
               <a:r>
-                <a:rPr lang="en-US" altLang="zh-CN" sz="2800" b="1" smtClean="0">
+                <a:rPr lang="en-US" altLang="zh-CN" sz="2800" b="1">
                   <a:solidFill>
                     <a:schemeClr val="tx1">
                       <a:lumMod val="75000"/>
@@ -18261,19 +17723,7 @@
                   </a:solidFill>
                   <a:latin typeface="Consolas" panose="020B0609020204030204" pitchFamily="49" charset="0"/>
                 </a:rPr>
-                <a:t>I</a:t>
-              </a:r>
-              <a:r>
-                <a:rPr lang="en-US" altLang="zh-CN" sz="2800" b="1" smtClean="0">
-                  <a:solidFill>
-                    <a:schemeClr val="tx1">
-                      <a:lumMod val="75000"/>
-                      <a:lumOff val="25000"/>
-                    </a:schemeClr>
-                  </a:solidFill>
-                  <a:latin typeface="Consolas" panose="020B0609020204030204" pitchFamily="49" charset="0"/>
-                </a:rPr>
-                <a:t>Flayable</a:t>
+                <a:t>IFlayable</a:t>
               </a:r>
               <a:endParaRPr lang="zh-CN" altLang="en-US" sz="2800" b="1">
                 <a:solidFill>
@@ -18390,7 +17840,7 @@
             <a:p>
               <a:pPr algn="ctr"/>
               <a:r>
-                <a:rPr lang="en-US" altLang="zh-CN" sz="2400" b="1" smtClean="0">
+                <a:rPr lang="en-US" altLang="zh-CN" sz="2400" b="1">
                   <a:solidFill>
                     <a:schemeClr val="tx1">
                       <a:lumMod val="75000"/>
@@ -18402,16 +17852,6 @@
                 </a:rPr>
                 <a:t>+void Fly()</a:t>
               </a:r>
-              <a:endParaRPr lang="en-US" altLang="zh-CN" sz="2400" b="1">
-                <a:solidFill>
-                  <a:schemeClr val="tx1">
-                    <a:lumMod val="75000"/>
-                    <a:lumOff val="25000"/>
-                  </a:schemeClr>
-                </a:solidFill>
-                <a:latin typeface="微软雅黑" panose="020B0503020204020204" pitchFamily="34" charset="-122"/>
-                <a:ea typeface="微软雅黑" panose="020B0503020204020204" pitchFamily="34" charset="-122"/>
-              </a:endParaRPr>
             </a:p>
           </p:txBody>
         </p:sp>
@@ -18583,7 +18023,7 @@
             <a:p>
               <a:pPr algn="ctr"/>
               <a:r>
-                <a:rPr lang="en-US" altLang="zh-CN" sz="2800" b="1" smtClean="0">
+                <a:rPr lang="en-US" altLang="zh-CN" sz="2800" b="1">
                   <a:solidFill>
                     <a:schemeClr val="tx1">
                       <a:lumMod val="75000"/>
@@ -18792,7 +18232,7 @@
             <a:p>
               <a:pPr algn="ctr"/>
               <a:r>
-                <a:rPr lang="en-US" altLang="zh-CN" sz="2800" b="1" smtClean="0">
+                <a:rPr lang="en-US" altLang="zh-CN" sz="2800" b="1">
                   <a:solidFill>
                     <a:schemeClr val="tx1">
                       <a:lumMod val="75000"/>
@@ -19001,7 +18441,7 @@
             <a:p>
               <a:pPr algn="ctr"/>
               <a:r>
-                <a:rPr lang="en-US" altLang="zh-CN" sz="2800" b="1" smtClean="0">
+                <a:rPr lang="en-US" altLang="zh-CN" sz="2800" b="1">
                   <a:solidFill>
                     <a:schemeClr val="tx1">
                       <a:lumMod val="75000"/>
@@ -19127,19 +18567,6 @@
             <a:p>
               <a:pPr algn="ctr"/>
               <a:r>
-                <a:rPr lang="en-US" altLang="zh-CN" sz="2400" b="1" smtClean="0">
-                  <a:solidFill>
-                    <a:schemeClr val="tx1">
-                      <a:lumMod val="75000"/>
-                      <a:lumOff val="25000"/>
-                    </a:schemeClr>
-                  </a:solidFill>
-                  <a:latin typeface="微软雅黑" panose="020B0503020204020204" pitchFamily="34" charset="-122"/>
-                  <a:ea typeface="微软雅黑" panose="020B0503020204020204" pitchFamily="34" charset="-122"/>
-                </a:rPr>
-                <a:t>+void </a:t>
-              </a:r>
-              <a:r>
                 <a:rPr lang="en-US" altLang="zh-CN" sz="2400" b="1">
                   <a:solidFill>
                     <a:schemeClr val="tx1">
@@ -19150,31 +18577,8 @@
                   <a:latin typeface="微软雅黑" panose="020B0503020204020204" pitchFamily="34" charset="-122"/>
                   <a:ea typeface="微软雅黑" panose="020B0503020204020204" pitchFamily="34" charset="-122"/>
                 </a:rPr>
-                <a:t>Fly</a:t>
+                <a:t>+void Fly()</a:t>
               </a:r>
-              <a:r>
-                <a:rPr lang="en-US" altLang="zh-CN" sz="2400" b="1" smtClean="0">
-                  <a:solidFill>
-                    <a:schemeClr val="tx1">
-                      <a:lumMod val="75000"/>
-                      <a:lumOff val="25000"/>
-                    </a:schemeClr>
-                  </a:solidFill>
-                  <a:latin typeface="微软雅黑" panose="020B0503020204020204" pitchFamily="34" charset="-122"/>
-                  <a:ea typeface="微软雅黑" panose="020B0503020204020204" pitchFamily="34" charset="-122"/>
-                </a:rPr>
-                <a:t>()</a:t>
-              </a:r>
-              <a:endParaRPr lang="en-US" altLang="zh-CN" sz="2400" b="1">
-                <a:solidFill>
-                  <a:schemeClr val="tx1">
-                    <a:lumMod val="75000"/>
-                    <a:lumOff val="25000"/>
-                  </a:schemeClr>
-                </a:solidFill>
-                <a:latin typeface="微软雅黑" panose="020B0503020204020204" pitchFamily="34" charset="-122"/>
-                <a:ea typeface="微软雅黑" panose="020B0503020204020204" pitchFamily="34" charset="-122"/>
-              </a:endParaRPr>
             </a:p>
           </p:txBody>
         </p:sp>
@@ -19250,7 +18654,7 @@
             <a:p>
               <a:pPr algn="ctr"/>
               <a:r>
-                <a:rPr lang="en-US" altLang="zh-CN" sz="2800" b="1" smtClean="0">
+                <a:rPr lang="en-US" altLang="zh-CN" sz="2800" b="1">
                   <a:solidFill>
                     <a:schemeClr val="tx1">
                       <a:lumMod val="75000"/>
@@ -19376,19 +18780,6 @@
             <a:p>
               <a:pPr algn="ctr"/>
               <a:r>
-                <a:rPr lang="en-US" altLang="zh-CN" sz="2400" b="1" smtClean="0">
-                  <a:solidFill>
-                    <a:schemeClr val="tx1">
-                      <a:lumMod val="75000"/>
-                      <a:lumOff val="25000"/>
-                    </a:schemeClr>
-                  </a:solidFill>
-                  <a:latin typeface="微软雅黑" panose="020B0503020204020204" pitchFamily="34" charset="-122"/>
-                  <a:ea typeface="微软雅黑" panose="020B0503020204020204" pitchFamily="34" charset="-122"/>
-                </a:rPr>
-                <a:t>+void </a:t>
-              </a:r>
-              <a:r>
                 <a:rPr lang="en-US" altLang="zh-CN" sz="2400" b="1">
                   <a:solidFill>
                     <a:schemeClr val="tx1">
@@ -19399,31 +18790,8 @@
                   <a:latin typeface="微软雅黑" panose="020B0503020204020204" pitchFamily="34" charset="-122"/>
                   <a:ea typeface="微软雅黑" panose="020B0503020204020204" pitchFamily="34" charset="-122"/>
                 </a:rPr>
-                <a:t>Fly</a:t>
+                <a:t>+void Fly()</a:t>
               </a:r>
-              <a:r>
-                <a:rPr lang="en-US" altLang="zh-CN" sz="2400" b="1" smtClean="0">
-                  <a:solidFill>
-                    <a:schemeClr val="tx1">
-                      <a:lumMod val="75000"/>
-                      <a:lumOff val="25000"/>
-                    </a:schemeClr>
-                  </a:solidFill>
-                  <a:latin typeface="微软雅黑" panose="020B0503020204020204" pitchFamily="34" charset="-122"/>
-                  <a:ea typeface="微软雅黑" panose="020B0503020204020204" pitchFamily="34" charset="-122"/>
-                </a:rPr>
-                <a:t>()</a:t>
-              </a:r>
-              <a:endParaRPr lang="en-US" altLang="zh-CN" sz="2400" b="1">
-                <a:solidFill>
-                  <a:schemeClr val="tx1">
-                    <a:lumMod val="75000"/>
-                    <a:lumOff val="25000"/>
-                  </a:schemeClr>
-                </a:solidFill>
-                <a:latin typeface="微软雅黑" panose="020B0503020204020204" pitchFamily="34" charset="-122"/>
-                <a:ea typeface="微软雅黑" panose="020B0503020204020204" pitchFamily="34" charset="-122"/>
-              </a:endParaRPr>
             </a:p>
           </p:txBody>
         </p:sp>
@@ -19499,7 +18867,7 @@
             <a:p>
               <a:pPr algn="ctr"/>
               <a:r>
-                <a:rPr lang="en-US" altLang="zh-CN" sz="2800" b="1" smtClean="0">
+                <a:rPr lang="en-US" altLang="zh-CN" sz="2800" b="1">
                   <a:solidFill>
                     <a:schemeClr val="tx1">
                       <a:lumMod val="75000"/>
@@ -19625,19 +18993,6 @@
             <a:p>
               <a:pPr algn="ctr"/>
               <a:r>
-                <a:rPr lang="en-US" altLang="zh-CN" sz="2400" b="1" smtClean="0">
-                  <a:solidFill>
-                    <a:schemeClr val="tx1">
-                      <a:lumMod val="75000"/>
-                      <a:lumOff val="25000"/>
-                    </a:schemeClr>
-                  </a:solidFill>
-                  <a:latin typeface="微软雅黑" panose="020B0503020204020204" pitchFamily="34" charset="-122"/>
-                  <a:ea typeface="微软雅黑" panose="020B0503020204020204" pitchFamily="34" charset="-122"/>
-                </a:rPr>
-                <a:t>+void </a:t>
-              </a:r>
-              <a:r>
                 <a:rPr lang="en-US" altLang="zh-CN" sz="2400" b="1">
                   <a:solidFill>
                     <a:schemeClr val="tx1">
@@ -19648,31 +19003,8 @@
                   <a:latin typeface="微软雅黑" panose="020B0503020204020204" pitchFamily="34" charset="-122"/>
                   <a:ea typeface="微软雅黑" panose="020B0503020204020204" pitchFamily="34" charset="-122"/>
                 </a:rPr>
-                <a:t>Fly</a:t>
+                <a:t>+void Fly()</a:t>
               </a:r>
-              <a:r>
-                <a:rPr lang="en-US" altLang="zh-CN" sz="2400" b="1" smtClean="0">
-                  <a:solidFill>
-                    <a:schemeClr val="tx1">
-                      <a:lumMod val="75000"/>
-                      <a:lumOff val="25000"/>
-                    </a:schemeClr>
-                  </a:solidFill>
-                  <a:latin typeface="微软雅黑" panose="020B0503020204020204" pitchFamily="34" charset="-122"/>
-                  <a:ea typeface="微软雅黑" panose="020B0503020204020204" pitchFamily="34" charset="-122"/>
-                </a:rPr>
-                <a:t>()</a:t>
-              </a:r>
-              <a:endParaRPr lang="en-US" altLang="zh-CN" sz="2400" b="1">
-                <a:solidFill>
-                  <a:schemeClr val="tx1">
-                    <a:lumMod val="75000"/>
-                    <a:lumOff val="25000"/>
-                  </a:schemeClr>
-                </a:solidFill>
-                <a:latin typeface="微软雅黑" panose="020B0503020204020204" pitchFamily="34" charset="-122"/>
-                <a:ea typeface="微软雅黑" panose="020B0503020204020204" pitchFamily="34" charset="-122"/>
-              </a:endParaRPr>
             </a:p>
           </p:txBody>
         </p:sp>
@@ -19935,13 +19267,6 @@
   <p:clrMapOvr>
     <a:masterClrMapping/>
   </p:clrMapOvr>
-  <p:timing>
-    <p:tnLst>
-      <p:par>
-        <p:cTn id="1" dur="indefinite" restart="never" nodeType="tmRoot"/>
-      </p:par>
-    </p:tnLst>
-  </p:timing>
 </p:sld>
 </file>
 
@@ -20057,7 +19382,7 @@
         <p:spPr bwMode="auto">
           <a:xfrm>
             <a:off x="757013" y="970305"/>
-            <a:ext cx="4771781" cy="4893647"/>
+            <a:ext cx="4771781" cy="5262979"/>
           </a:xfrm>
           <a:prstGeom prst="rect">
             <a:avLst/>
@@ -20246,7 +19571,7 @@
               </a:buClr>
             </a:pPr>
             <a:r>
-              <a:rPr lang="en-US" altLang="zh-CN" b="1" dirty="0" smtClean="0">
+              <a:rPr lang="en-US" altLang="zh-CN" b="1" dirty="0">
                 <a:solidFill>
                   <a:schemeClr val="tx1">
                     <a:lumMod val="75000"/>
@@ -20258,6 +19583,111 @@
                 <a:cs typeface="Courier New" pitchFamily="49" charset="0"/>
               </a:rPr>
               <a:t>};</a:t>
+            </a:r>
+          </a:p>
+          <a:p>
+            <a:pPr marL="0" indent="0" eaLnBrk="1" hangingPunct="1">
+              <a:buClr>
+                <a:srgbClr val="00B0F0"/>
+              </a:buClr>
+            </a:pPr>
+            <a:r>
+              <a:rPr lang="en-US" altLang="zh-CN" b="1" dirty="0">
+                <a:solidFill>
+                  <a:schemeClr val="tx1">
+                    <a:lumMod val="75000"/>
+                    <a:lumOff val="25000"/>
+                  </a:schemeClr>
+                </a:solidFill>
+                <a:latin typeface="Consolas" panose="020B0609020204030204" pitchFamily="49" charset="0"/>
+                <a:ea typeface="微软雅黑" panose="020B0503020204020204" pitchFamily="34" charset="-122"/>
+                <a:cs typeface="Courier New" pitchFamily="49" charset="0"/>
+              </a:rPr>
+              <a:t>class Animal</a:t>
+            </a:r>
+          </a:p>
+          <a:p>
+            <a:pPr marL="0" indent="0" eaLnBrk="1" hangingPunct="1">
+              <a:buClr>
+                <a:srgbClr val="00B0F0"/>
+              </a:buClr>
+            </a:pPr>
+            <a:r>
+              <a:rPr lang="en-US" altLang="zh-CN" b="1" dirty="0">
+                <a:solidFill>
+                  <a:schemeClr val="tx1">
+                    <a:lumMod val="75000"/>
+                    <a:lumOff val="25000"/>
+                  </a:schemeClr>
+                </a:solidFill>
+                <a:latin typeface="Consolas" panose="020B0609020204030204" pitchFamily="49" charset="0"/>
+                <a:ea typeface="微软雅黑" panose="020B0503020204020204" pitchFamily="34" charset="-122"/>
+                <a:cs typeface="Courier New" pitchFamily="49" charset="0"/>
+              </a:rPr>
+              <a:t>{</a:t>
+            </a:r>
+          </a:p>
+          <a:p>
+            <a:pPr marL="0" indent="0" eaLnBrk="1" hangingPunct="1">
+              <a:buClr>
+                <a:srgbClr val="00B0F0"/>
+              </a:buClr>
+            </a:pPr>
+            <a:r>
+              <a:rPr lang="en-US" altLang="zh-CN" b="1" dirty="0">
+                <a:solidFill>
+                  <a:schemeClr val="tx1">
+                    <a:lumMod val="75000"/>
+                    <a:lumOff val="25000"/>
+                  </a:schemeClr>
+                </a:solidFill>
+                <a:latin typeface="Consolas" panose="020B0609020204030204" pitchFamily="49" charset="0"/>
+                <a:ea typeface="微软雅黑" panose="020B0503020204020204" pitchFamily="34" charset="-122"/>
+                <a:cs typeface="Courier New" pitchFamily="49" charset="0"/>
+              </a:rPr>
+              <a:t>};</a:t>
+            </a:r>
+          </a:p>
+          <a:p>
+            <a:pPr marL="0" indent="0" eaLnBrk="1" hangingPunct="1">
+              <a:buClr>
+                <a:srgbClr val="00B0F0"/>
+              </a:buClr>
+            </a:pPr>
+            <a:r>
+              <a:rPr lang="en-US" altLang="zh-CN" b="1" dirty="0">
+                <a:solidFill>
+                  <a:schemeClr val="tx1">
+                    <a:lumMod val="75000"/>
+                    <a:lumOff val="25000"/>
+                  </a:schemeClr>
+                </a:solidFill>
+                <a:latin typeface="Consolas" panose="020B0609020204030204" pitchFamily="49" charset="0"/>
+                <a:ea typeface="微软雅黑" panose="020B0503020204020204" pitchFamily="34" charset="-122"/>
+                <a:cs typeface="Courier New" pitchFamily="49" charset="0"/>
+              </a:rPr>
+              <a:t>class People</a:t>
+            </a:r>
+          </a:p>
+          <a:p>
+            <a:pPr marL="0" indent="0" eaLnBrk="1" hangingPunct="1">
+              <a:buClr>
+                <a:srgbClr val="00B0F0"/>
+              </a:buClr>
+            </a:pPr>
+            <a:r>
+              <a:rPr lang="en-US" altLang="zh-CN" b="1">
+                <a:solidFill>
+                  <a:schemeClr val="tx1">
+                    <a:lumMod val="75000"/>
+                    <a:lumOff val="25000"/>
+                  </a:schemeClr>
+                </a:solidFill>
+                <a:latin typeface="Consolas" panose="020B0609020204030204" pitchFamily="49" charset="0"/>
+                <a:ea typeface="微软雅黑" panose="020B0503020204020204" pitchFamily="34" charset="-122"/>
+                <a:cs typeface="Courier New" pitchFamily="49" charset="0"/>
+              </a:rPr>
+              <a:t>{</a:t>
             </a:r>
             <a:endParaRPr lang="en-US" altLang="zh-CN" b="1" dirty="0">
               <a:solidFill>
@@ -20289,7 +19719,7 @@
                 <a:ea typeface="微软雅黑" panose="020B0503020204020204" pitchFamily="34" charset="-122"/>
                 <a:cs typeface="Courier New" pitchFamily="49" charset="0"/>
               </a:rPr>
-              <a:t>class Animal</a:t>
+              <a:t>};</a:t>
             </a:r>
           </a:p>
           <a:p>
@@ -20310,17 +19740,10 @@
                 <a:ea typeface="微软雅黑" panose="020B0503020204020204" pitchFamily="34" charset="-122"/>
                 <a:cs typeface="Courier New" pitchFamily="49" charset="0"/>
               </a:rPr>
-              <a:t>{</a:t>
-            </a:r>
-          </a:p>
-          <a:p>
-            <a:pPr marL="0" indent="0" eaLnBrk="1" hangingPunct="1">
-              <a:buClr>
-                <a:srgbClr val="00B0F0"/>
-              </a:buClr>
-            </a:pPr>
-            <a:r>
-              <a:rPr lang="en-US" altLang="zh-CN" b="1" dirty="0" smtClean="0">
+              <a:t>class </a:t>
+            </a:r>
+            <a:r>
+              <a:rPr lang="en-US" altLang="zh-CN" b="1" dirty="0" err="1">
                 <a:solidFill>
                   <a:schemeClr val="tx1">
                     <a:lumMod val="75000"/>
@@ -20331,7 +19754,7 @@
                 <a:ea typeface="微软雅黑" panose="020B0503020204020204" pitchFamily="34" charset="-122"/>
                 <a:cs typeface="Courier New" pitchFamily="49" charset="0"/>
               </a:rPr>
-              <a:t>};</a:t>
+              <a:t>IFlyable</a:t>
             </a:r>
             <a:endParaRPr lang="en-US" altLang="zh-CN" b="1" dirty="0">
               <a:solidFill>
@@ -20363,7 +19786,7 @@
                 <a:ea typeface="微软雅黑" panose="020B0503020204020204" pitchFamily="34" charset="-122"/>
                 <a:cs typeface="Courier New" pitchFamily="49" charset="0"/>
               </a:rPr>
-              <a:t>class People</a:t>
+              <a:t>{</a:t>
             </a:r>
           </a:p>
           <a:p>
@@ -20372,76 +19795,6 @@
                 <a:srgbClr val="00B0F0"/>
               </a:buClr>
             </a:pPr>
-            <a:r>
-              <a:rPr lang="en-US" altLang="zh-CN" b="1" dirty="0">
-                <a:solidFill>
-                  <a:schemeClr val="tx1">
-                    <a:lumMod val="75000"/>
-                    <a:lumOff val="25000"/>
-                  </a:schemeClr>
-                </a:solidFill>
-                <a:latin typeface="Consolas" panose="020B0609020204030204" pitchFamily="49" charset="0"/>
-                <a:ea typeface="微软雅黑" panose="020B0503020204020204" pitchFamily="34" charset="-122"/>
-                <a:cs typeface="Courier New" pitchFamily="49" charset="0"/>
-              </a:rPr>
-              <a:t>{</a:t>
-            </a:r>
-          </a:p>
-          <a:p>
-            <a:pPr marL="0" indent="0" eaLnBrk="1" hangingPunct="1">
-              <a:buClr>
-                <a:srgbClr val="00B0F0"/>
-              </a:buClr>
-            </a:pPr>
-            <a:r>
-              <a:rPr lang="en-US" altLang="zh-CN" b="1" dirty="0">
-                <a:solidFill>
-                  <a:schemeClr val="tx1">
-                    <a:lumMod val="75000"/>
-                    <a:lumOff val="25000"/>
-                  </a:schemeClr>
-                </a:solidFill>
-                <a:latin typeface="Consolas" panose="020B0609020204030204" pitchFamily="49" charset="0"/>
-                <a:ea typeface="微软雅黑" panose="020B0503020204020204" pitchFamily="34" charset="-122"/>
-                <a:cs typeface="Courier New" pitchFamily="49" charset="0"/>
-              </a:rPr>
-              <a:t>};</a:t>
-            </a:r>
-          </a:p>
-          <a:p>
-            <a:pPr marL="0" indent="0" eaLnBrk="1" hangingPunct="1">
-              <a:buClr>
-                <a:srgbClr val="00B0F0"/>
-              </a:buClr>
-            </a:pPr>
-            <a:r>
-              <a:rPr lang="en-US" altLang="zh-CN" b="1" dirty="0">
-                <a:solidFill>
-                  <a:schemeClr val="tx1">
-                    <a:lumMod val="75000"/>
-                    <a:lumOff val="25000"/>
-                  </a:schemeClr>
-                </a:solidFill>
-                <a:latin typeface="Consolas" panose="020B0609020204030204" pitchFamily="49" charset="0"/>
-                <a:ea typeface="微软雅黑" panose="020B0503020204020204" pitchFamily="34" charset="-122"/>
-                <a:cs typeface="Courier New" pitchFamily="49" charset="0"/>
-              </a:rPr>
-              <a:t>class </a:t>
-            </a:r>
-            <a:r>
-              <a:rPr lang="en-US" altLang="zh-CN" b="1" dirty="0" err="1" smtClean="0">
-                <a:solidFill>
-                  <a:schemeClr val="tx1">
-                    <a:lumMod val="75000"/>
-                    <a:lumOff val="25000"/>
-                  </a:schemeClr>
-                </a:solidFill>
-                <a:latin typeface="Consolas" panose="020B0609020204030204" pitchFamily="49" charset="0"/>
-                <a:ea typeface="微软雅黑" panose="020B0503020204020204" pitchFamily="34" charset="-122"/>
-                <a:cs typeface="Courier New" pitchFamily="49" charset="0"/>
-              </a:rPr>
-              <a:t>IFlyable</a:t>
-            </a:r>
             <a:endParaRPr lang="en-US" altLang="zh-CN" b="1" dirty="0">
               <a:solidFill>
                 <a:schemeClr val="tx1">
@@ -20472,15 +19825,8 @@
                 <a:ea typeface="微软雅黑" panose="020B0503020204020204" pitchFamily="34" charset="-122"/>
                 <a:cs typeface="Courier New" pitchFamily="49" charset="0"/>
               </a:rPr>
-              <a:t>{</a:t>
-            </a:r>
-          </a:p>
-          <a:p>
-            <a:pPr marL="0" indent="0" eaLnBrk="1" hangingPunct="1">
-              <a:buClr>
-                <a:srgbClr val="00B0F0"/>
-              </a:buClr>
-            </a:pPr>
+              <a:t>    </a:t>
+            </a:r>
             <a:r>
               <a:rPr lang="en-US" altLang="zh-CN" b="1" dirty="0">
                 <a:solidFill>
@@ -20489,39 +19835,14 @@
                     <a:lumOff val="25000"/>
                   </a:schemeClr>
                 </a:solidFill>
+                <a:highlight>
+                  <a:srgbClr val="FFFF00"/>
+                </a:highlight>
                 <a:latin typeface="Consolas" panose="020B0609020204030204" pitchFamily="49" charset="0"/>
                 <a:ea typeface="微软雅黑" panose="020B0503020204020204" pitchFamily="34" charset="-122"/>
                 <a:cs typeface="Courier New" pitchFamily="49" charset="0"/>
               </a:rPr>
-              <a:t>  </a:t>
-            </a:r>
-            <a:r>
-              <a:rPr lang="en-US" altLang="zh-CN" b="1" dirty="0" smtClean="0">
-                <a:solidFill>
-                  <a:schemeClr val="tx1">
-                    <a:lumMod val="75000"/>
-                    <a:lumOff val="25000"/>
-                  </a:schemeClr>
-                </a:solidFill>
-                <a:latin typeface="Consolas" panose="020B0609020204030204" pitchFamily="49" charset="0"/>
-                <a:ea typeface="微软雅黑" panose="020B0503020204020204" pitchFamily="34" charset="-122"/>
-                <a:cs typeface="Courier New" pitchFamily="49" charset="0"/>
-              </a:rPr>
-              <a:t>  virtual </a:t>
-            </a:r>
-            <a:r>
-              <a:rPr lang="en-US" altLang="zh-CN" b="1" dirty="0">
-                <a:solidFill>
-                  <a:schemeClr val="tx1">
-                    <a:lumMod val="75000"/>
-                    <a:lumOff val="25000"/>
-                  </a:schemeClr>
-                </a:solidFill>
-                <a:latin typeface="Consolas" panose="020B0609020204030204" pitchFamily="49" charset="0"/>
-                <a:ea typeface="微软雅黑" panose="020B0503020204020204" pitchFamily="34" charset="-122"/>
-                <a:cs typeface="Courier New" pitchFamily="49" charset="0"/>
-              </a:rPr>
-              <a:t>void fly()= 0;</a:t>
+              <a:t>virtual void fly()= 0;</a:t>
             </a:r>
           </a:p>
           <a:p>
@@ -20753,21 +20074,7 @@
                 <a:ea typeface="微软雅黑" panose="020B0503020204020204" pitchFamily="34" charset="-122"/>
                 <a:cs typeface="Courier New" pitchFamily="49" charset="0"/>
               </a:rPr>
-              <a:t>class Bird : public Animal</a:t>
-            </a:r>
-            <a:r>
-              <a:rPr lang="en-US" altLang="zh-CN" b="1" dirty="0" smtClean="0">
-                <a:solidFill>
-                  <a:schemeClr val="tx1">
-                    <a:lumMod val="75000"/>
-                    <a:lumOff val="25000"/>
-                  </a:schemeClr>
-                </a:solidFill>
-                <a:latin typeface="Consolas" panose="020B0609020204030204" pitchFamily="49" charset="0"/>
-                <a:ea typeface="微软雅黑" panose="020B0503020204020204" pitchFamily="34" charset="-122"/>
-                <a:cs typeface="Courier New" pitchFamily="49" charset="0"/>
-              </a:rPr>
-              <a:t>,</a:t>
+              <a:t>class Bird : public Animal,</a:t>
             </a:r>
           </a:p>
           <a:p>
@@ -20788,10 +20095,10 @@
                 <a:ea typeface="微软雅黑" panose="020B0503020204020204" pitchFamily="34" charset="-122"/>
                 <a:cs typeface="Courier New" pitchFamily="49" charset="0"/>
               </a:rPr>
-              <a:t> </a:t>
-            </a:r>
-            <a:r>
-              <a:rPr lang="en-US" altLang="zh-CN" b="1" dirty="0" smtClean="0">
+              <a:t>             public </a:t>
+            </a:r>
+            <a:r>
+              <a:rPr lang="en-US" altLang="zh-CN" b="1" dirty="0" err="1">
                 <a:solidFill>
                   <a:schemeClr val="tx1">
                     <a:lumMod val="75000"/>
@@ -20802,49 +20109,7 @@
                 <a:ea typeface="微软雅黑" panose="020B0503020204020204" pitchFamily="34" charset="-122"/>
                 <a:cs typeface="Courier New" pitchFamily="49" charset="0"/>
               </a:rPr>
-              <a:t>            public </a:t>
-            </a:r>
-            <a:r>
-              <a:rPr lang="en-US" altLang="zh-CN" b="1" dirty="0" err="1" smtClean="0">
-                <a:solidFill>
-                  <a:schemeClr val="tx1">
-                    <a:lumMod val="75000"/>
-                    <a:lumOff val="25000"/>
-                  </a:schemeClr>
-                </a:solidFill>
-                <a:latin typeface="Consolas" panose="020B0609020204030204" pitchFamily="49" charset="0"/>
-                <a:ea typeface="微软雅黑" panose="020B0503020204020204" pitchFamily="34" charset="-122"/>
-                <a:cs typeface="Courier New" pitchFamily="49" charset="0"/>
-              </a:rPr>
-              <a:t>I</a:t>
-            </a:r>
-            <a:r>
-              <a:rPr lang="en-US" altLang="zh-CN" b="1" dirty="0" err="1">
-                <a:solidFill>
-                  <a:schemeClr val="tx1">
-                    <a:lumMod val="75000"/>
-                    <a:lumOff val="25000"/>
-                  </a:schemeClr>
-                </a:solidFill>
-                <a:latin typeface="Consolas" panose="020B0609020204030204" pitchFamily="49" charset="0"/>
-                <a:ea typeface="微软雅黑" panose="020B0503020204020204" pitchFamily="34" charset="-122"/>
-                <a:cs typeface="Courier New" pitchFamily="49" charset="0"/>
-              </a:rPr>
-              <a:t>F</a:t>
-            </a:r>
-            <a:r>
-              <a:rPr lang="en-US" altLang="zh-CN" b="1" dirty="0" err="1" smtClean="0">
-                <a:solidFill>
-                  <a:schemeClr val="tx1">
-                    <a:lumMod val="75000"/>
-                    <a:lumOff val="25000"/>
-                  </a:schemeClr>
-                </a:solidFill>
-                <a:latin typeface="Consolas" panose="020B0609020204030204" pitchFamily="49" charset="0"/>
-                <a:ea typeface="微软雅黑" panose="020B0503020204020204" pitchFamily="34" charset="-122"/>
-                <a:cs typeface="Courier New" pitchFamily="49" charset="0"/>
-              </a:rPr>
-              <a:t>lyable</a:t>
+              <a:t>IFlyable</a:t>
             </a:r>
             <a:endParaRPr lang="en-US" altLang="zh-CN" b="1" dirty="0">
               <a:solidFill>
@@ -20939,21 +20204,7 @@
                 <a:ea typeface="微软雅黑" panose="020B0503020204020204" pitchFamily="34" charset="-122"/>
                 <a:cs typeface="Courier New" pitchFamily="49" charset="0"/>
               </a:rPr>
-              <a:t>class Plane : public Machine</a:t>
-            </a:r>
-            <a:r>
-              <a:rPr lang="en-US" altLang="zh-CN" b="1" dirty="0" smtClean="0">
-                <a:solidFill>
-                  <a:schemeClr val="tx1">
-                    <a:lumMod val="75000"/>
-                    <a:lumOff val="25000"/>
-                  </a:schemeClr>
-                </a:solidFill>
-                <a:latin typeface="Consolas" panose="020B0609020204030204" pitchFamily="49" charset="0"/>
-                <a:ea typeface="微软雅黑" panose="020B0503020204020204" pitchFamily="34" charset="-122"/>
-                <a:cs typeface="Courier New" pitchFamily="49" charset="0"/>
-              </a:rPr>
-              <a:t>,</a:t>
+              <a:t>class Plane : public Machine,</a:t>
             </a:r>
           </a:p>
           <a:p>
@@ -20974,24 +20225,10 @@
                 <a:ea typeface="微软雅黑" panose="020B0503020204020204" pitchFamily="34" charset="-122"/>
                 <a:cs typeface="Courier New" pitchFamily="49" charset="0"/>
               </a:rPr>
-              <a:t> </a:t>
-            </a:r>
-            <a:r>
-              <a:rPr lang="en-US" altLang="zh-CN" b="1" dirty="0" smtClean="0">
-                <a:solidFill>
-                  <a:schemeClr val="tx1">
-                    <a:lumMod val="75000"/>
-                    <a:lumOff val="25000"/>
-                  </a:schemeClr>
-                </a:solidFill>
-                <a:latin typeface="Consolas" panose="020B0609020204030204" pitchFamily="49" charset="0"/>
-                <a:ea typeface="微软雅黑" panose="020B0503020204020204" pitchFamily="34" charset="-122"/>
-                <a:cs typeface="Courier New" pitchFamily="49" charset="0"/>
-              </a:rPr>
-              <a:t>             public </a:t>
-            </a:r>
-            <a:r>
-              <a:rPr lang="en-US" altLang="zh-CN" b="1" dirty="0" err="1" smtClean="0">
+              <a:t>              public </a:t>
+            </a:r>
+            <a:r>
+              <a:rPr lang="en-US" altLang="zh-CN" b="1" dirty="0" err="1">
                 <a:solidFill>
                   <a:schemeClr val="tx1">
                     <a:lumMod val="75000"/>
@@ -21127,17 +20364,6 @@
               </a:rPr>
               <a:t> : public People, </a:t>
             </a:r>
-            <a:endParaRPr lang="en-US" altLang="zh-CN" b="1" dirty="0" smtClean="0">
-              <a:solidFill>
-                <a:schemeClr val="tx1">
-                  <a:lumMod val="75000"/>
-                  <a:lumOff val="25000"/>
-                </a:schemeClr>
-              </a:solidFill>
-              <a:latin typeface="Consolas" panose="020B0609020204030204" pitchFamily="49" charset="0"/>
-              <a:ea typeface="微软雅黑" panose="020B0503020204020204" pitchFamily="34" charset="-122"/>
-              <a:cs typeface="Courier New" pitchFamily="49" charset="0"/>
-            </a:endParaRPr>
           </a:p>
           <a:p>
             <a:pPr marL="0" indent="0" eaLnBrk="1" hangingPunct="1">
@@ -21157,24 +20383,10 @@
                 <a:ea typeface="微软雅黑" panose="020B0503020204020204" pitchFamily="34" charset="-122"/>
                 <a:cs typeface="Courier New" pitchFamily="49" charset="0"/>
               </a:rPr>
-              <a:t> </a:t>
-            </a:r>
-            <a:r>
-              <a:rPr lang="en-US" altLang="zh-CN" b="1" dirty="0" smtClean="0">
-                <a:solidFill>
-                  <a:schemeClr val="tx1">
-                    <a:lumMod val="75000"/>
-                    <a:lumOff val="25000"/>
-                  </a:schemeClr>
-                </a:solidFill>
-                <a:latin typeface="Consolas" panose="020B0609020204030204" pitchFamily="49" charset="0"/>
-                <a:ea typeface="微软雅黑" panose="020B0503020204020204" pitchFamily="34" charset="-122"/>
-                <a:cs typeface="Courier New" pitchFamily="49" charset="0"/>
-              </a:rPr>
-              <a:t>                public </a:t>
-            </a:r>
-            <a:r>
-              <a:rPr lang="en-US" altLang="zh-CN" b="1" dirty="0" err="1" smtClean="0">
+              <a:t>                 public </a:t>
+            </a:r>
+            <a:r>
+              <a:rPr lang="en-US" altLang="zh-CN" b="1" dirty="0" err="1">
                 <a:solidFill>
                   <a:schemeClr val="tx1">
                     <a:lumMod val="75000"/>
@@ -21248,7 +20460,7 @@
               </a:buClr>
             </a:pPr>
             <a:r>
-              <a:rPr lang="en-US" altLang="zh-CN" b="1" dirty="0" smtClean="0">
+              <a:rPr lang="en-US" altLang="zh-CN" b="1" dirty="0">
                 <a:solidFill>
                   <a:schemeClr val="tx1">
                     <a:lumMod val="75000"/>
@@ -21261,17 +20473,6 @@
               </a:rPr>
               <a:t>};</a:t>
             </a:r>
-            <a:endParaRPr lang="en-US" altLang="zh-CN" b="1" dirty="0">
-              <a:solidFill>
-                <a:schemeClr val="tx1">
-                  <a:lumMod val="75000"/>
-                  <a:lumOff val="25000"/>
-                </a:schemeClr>
-              </a:solidFill>
-              <a:latin typeface="Consolas" panose="020B0609020204030204" pitchFamily="49" charset="0"/>
-              <a:ea typeface="微软雅黑" panose="020B0503020204020204" pitchFamily="34" charset="-122"/>
-              <a:cs typeface="Courier New" pitchFamily="49" charset="0"/>
-            </a:endParaRPr>
           </a:p>
         </p:txBody>
       </p:sp>
@@ -21285,13 +20486,6 @@
   <p:clrMapOvr>
     <a:masterClrMapping/>
   </p:clrMapOvr>
-  <p:timing>
-    <p:tnLst>
-      <p:par>
-        <p:cTn id="1" dur="indefinite" restart="never" nodeType="tmRoot"/>
-      </p:par>
-    </p:tnLst>
-  </p:timing>
 </p:sld>
 </file>
 
@@ -21438,7 +20632,7 @@
               <a:t>( </a:t>
             </a:r>
             <a:r>
-              <a:rPr lang="en-US" altLang="zh-CN" sz="2800" b="1" dirty="0" err="1" smtClean="0">
+              <a:rPr lang="en-US" altLang="zh-CN" sz="2800" b="1" dirty="0" err="1">
                 <a:solidFill>
                   <a:schemeClr val="tx1">
                     <a:lumMod val="75000"/>
@@ -21565,7 +20759,7 @@
               <a:defRPr/>
             </a:pPr>
             <a:r>
-              <a:rPr lang="en-US" altLang="zh-CN" sz="2800" b="1" dirty="0" smtClean="0">
+              <a:rPr lang="en-US" altLang="zh-CN" sz="2800" b="1" dirty="0">
                 <a:solidFill>
                   <a:schemeClr val="tx1">
                     <a:lumMod val="75000"/>
@@ -21609,33 +20803,8 @@
                 <a:ea typeface="微软雅黑" panose="020B0503020204020204" pitchFamily="34" charset="-122"/>
                 <a:cs typeface="Courier New" pitchFamily="49" charset="0"/>
               </a:rPr>
-              <a:t> </a:t>
-            </a:r>
-            <a:r>
-              <a:rPr lang="en-US" altLang="zh-CN" sz="2800" b="1" dirty="0" smtClean="0">
-                <a:solidFill>
-                  <a:schemeClr val="tx1">
-                    <a:lumMod val="75000"/>
-                    <a:lumOff val="25000"/>
-                  </a:schemeClr>
-                </a:solidFill>
-                <a:latin typeface="Consolas" panose="020B0609020204030204" pitchFamily="49" charset="0"/>
-                <a:ea typeface="微软雅黑" panose="020B0503020204020204" pitchFamily="34" charset="-122"/>
-                <a:cs typeface="Courier New" pitchFamily="49" charset="0"/>
-              </a:rPr>
-              <a:t>main(void)</a:t>
-            </a:r>
-            <a:endParaRPr lang="en-US" altLang="zh-CN" sz="2800" b="1" dirty="0">
-              <a:solidFill>
-                <a:schemeClr val="tx1">
-                  <a:lumMod val="75000"/>
-                  <a:lumOff val="25000"/>
-                </a:schemeClr>
-              </a:solidFill>
-              <a:latin typeface="Consolas" panose="020B0609020204030204" pitchFamily="49" charset="0"/>
-              <a:ea typeface="微软雅黑" panose="020B0503020204020204" pitchFamily="34" charset="-122"/>
-              <a:cs typeface="Courier New" pitchFamily="49" charset="0"/>
-            </a:endParaRPr>
+              <a:t> main(void)</a:t>
+            </a:r>
           </a:p>
           <a:p>
             <a:pPr>
@@ -21865,7 +21034,7 @@
               <a:defRPr/>
             </a:pPr>
             <a:r>
-              <a:rPr lang="en-US" altLang="zh-CN" sz="2800" b="1" dirty="0" smtClean="0">
+              <a:rPr lang="en-US" altLang="zh-CN" sz="2800" b="1" dirty="0">
                 <a:solidFill>
                   <a:schemeClr val="tx1">
                     <a:lumMod val="75000"/>
@@ -21878,17 +21047,6 @@
               </a:rPr>
               <a:t>}</a:t>
             </a:r>
-            <a:endParaRPr lang="en-US" altLang="zh-CN" sz="2800" b="1" dirty="0">
-              <a:solidFill>
-                <a:schemeClr val="tx1">
-                  <a:lumMod val="75000"/>
-                  <a:lumOff val="25000"/>
-                </a:schemeClr>
-              </a:solidFill>
-              <a:latin typeface="Consolas" panose="020B0609020204030204" pitchFamily="49" charset="0"/>
-              <a:ea typeface="微软雅黑" panose="020B0503020204020204" pitchFamily="34" charset="-122"/>
-              <a:cs typeface="Courier New" pitchFamily="49" charset="0"/>
-            </a:endParaRPr>
           </a:p>
         </p:txBody>
       </p:sp>
@@ -21935,7 +21093,7 @@
           <a:lstStyle/>
           <a:p>
             <a:r>
-              <a:rPr lang="en-US" altLang="zh-CN" sz="3200" b="1" smtClean="0">
+              <a:rPr lang="en-US" altLang="zh-CN" sz="3200" b="1">
                 <a:solidFill>
                   <a:schemeClr val="bg2">
                     <a:lumMod val="90000"/>
@@ -21949,7 +21107,7 @@
           </a:p>
           <a:p>
             <a:r>
-              <a:rPr lang="en-US" altLang="zh-CN" sz="3200" b="1" smtClean="0">
+              <a:rPr lang="en-US" altLang="zh-CN" sz="3200" b="1">
                 <a:solidFill>
                   <a:schemeClr val="bg2">
                     <a:lumMod val="90000"/>
@@ -21963,7 +21121,7 @@
           </a:p>
           <a:p>
             <a:r>
-              <a:rPr lang="en-US" altLang="zh-CN" sz="3200" b="1" smtClean="0">
+              <a:rPr lang="en-US" altLang="zh-CN" sz="3200" b="1">
                 <a:solidFill>
                   <a:schemeClr val="bg2">
                     <a:lumMod val="90000"/>
@@ -21996,13 +21154,6 @@
   <p:clrMapOvr>
     <a:masterClrMapping/>
   </p:clrMapOvr>
-  <p:timing>
-    <p:tnLst>
-      <p:par>
-        <p:cTn id="1" dur="indefinite" restart="never" nodeType="tmRoot"/>
-      </p:par>
-    </p:tnLst>
-  </p:timing>
 </p:sld>
 </file>
 
@@ -22122,35 +21273,7 @@
                 <a:ea typeface="微软雅黑" panose="020B0503020204020204" pitchFamily="34" charset="-122"/>
                 <a:cs typeface="Courier New" pitchFamily="49" charset="0"/>
               </a:rPr>
-              <a:t>接口</a:t>
-            </a:r>
-            <a:r>
-              <a:rPr lang="zh-CN" altLang="en-US" sz="3200" kern="0" smtClean="0">
-                <a:solidFill>
-                  <a:schemeClr val="tx1">
-                    <a:lumMod val="75000"/>
-                    <a:lumOff val="25000"/>
-                  </a:schemeClr>
-                </a:solidFill>
-                <a:latin typeface="微软雅黑" panose="020B0503020204020204" pitchFamily="34" charset="-122"/>
-                <a:ea typeface="微软雅黑" panose="020B0503020204020204" pitchFamily="34" charset="-122"/>
-                <a:cs typeface="Courier New" pitchFamily="49" charset="0"/>
-              </a:rPr>
-              <a:t>类</a:t>
-            </a:r>
-            <a:r>
-              <a:rPr lang="zh-CN" altLang="en-US" sz="3200" kern="0">
-                <a:solidFill>
-                  <a:schemeClr val="tx1">
-                    <a:lumMod val="75000"/>
-                    <a:lumOff val="25000"/>
-                  </a:schemeClr>
-                </a:solidFill>
-                <a:latin typeface="微软雅黑" panose="020B0503020204020204" pitchFamily="34" charset="-122"/>
-                <a:ea typeface="微软雅黑" panose="020B0503020204020204" pitchFamily="34" charset="-122"/>
-                <a:cs typeface="Courier New" pitchFamily="49" charset="0"/>
-              </a:rPr>
-              <a:t>是一个特殊的抽象类，很像</a:t>
+              <a:t>接口类是一个特殊的抽象类，很像</a:t>
             </a:r>
             <a:r>
               <a:rPr lang="en-US" altLang="zh-CN" sz="3200" kern="0">
@@ -22195,7 +21318,7 @@
               <a:t>interface</a:t>
             </a:r>
             <a:r>
-              <a:rPr lang="zh-CN" altLang="en-US" sz="3200" kern="0" smtClean="0">
+              <a:rPr lang="zh-CN" altLang="en-US" sz="3200" kern="0">
                 <a:solidFill>
                   <a:schemeClr val="tx1">
                     <a:lumMod val="75000"/>
@@ -22206,21 +21329,7 @@
                 <a:ea typeface="微软雅黑" panose="020B0503020204020204" pitchFamily="34" charset="-122"/>
                 <a:cs typeface="Courier New" pitchFamily="49" charset="0"/>
               </a:rPr>
-              <a:t>类</a:t>
-            </a:r>
-            <a:r>
-              <a:rPr lang="zh-CN" altLang="en-US" sz="3200" kern="0">
-                <a:solidFill>
-                  <a:schemeClr val="tx1">
-                    <a:lumMod val="75000"/>
-                    <a:lumOff val="25000"/>
-                  </a:schemeClr>
-                </a:solidFill>
-                <a:latin typeface="微软雅黑" panose="020B0503020204020204" pitchFamily="34" charset="-122"/>
-                <a:ea typeface="微软雅黑" panose="020B0503020204020204" pitchFamily="34" charset="-122"/>
-                <a:cs typeface="Courier New" pitchFamily="49" charset="0"/>
-              </a:rPr>
-              <a:t>。</a:t>
+              <a:t>类。</a:t>
             </a:r>
           </a:p>
           <a:p>
@@ -22249,35 +21358,7 @@
                 <a:ea typeface="微软雅黑" panose="020B0503020204020204" pitchFamily="34" charset="-122"/>
                 <a:cs typeface="Courier New" pitchFamily="49" charset="0"/>
               </a:rPr>
-              <a:t>接口</a:t>
-            </a:r>
-            <a:r>
-              <a:rPr lang="zh-CN" altLang="en-US" sz="3200" kern="0" smtClean="0">
-                <a:solidFill>
-                  <a:schemeClr val="tx1">
-                    <a:lumMod val="75000"/>
-                    <a:lumOff val="25000"/>
-                  </a:schemeClr>
-                </a:solidFill>
-                <a:latin typeface="微软雅黑" panose="020B0503020204020204" pitchFamily="34" charset="-122"/>
-                <a:ea typeface="微软雅黑" panose="020B0503020204020204" pitchFamily="34" charset="-122"/>
-                <a:cs typeface="Courier New" pitchFamily="49" charset="0"/>
-              </a:rPr>
-              <a:t>类</a:t>
-            </a:r>
-            <a:r>
-              <a:rPr lang="zh-CN" altLang="en-US" sz="3200" kern="0">
-                <a:solidFill>
-                  <a:schemeClr val="tx1">
-                    <a:lumMod val="75000"/>
-                    <a:lumOff val="25000"/>
-                  </a:schemeClr>
-                </a:solidFill>
-                <a:latin typeface="微软雅黑" panose="020B0503020204020204" pitchFamily="34" charset="-122"/>
-                <a:ea typeface="微软雅黑" panose="020B0503020204020204" pitchFamily="34" charset="-122"/>
-                <a:cs typeface="Courier New" pitchFamily="49" charset="0"/>
-              </a:rPr>
-              <a:t>和子类是一种类似</a:t>
+              <a:t>接口类和子类是一种类似</a:t>
             </a:r>
             <a:r>
               <a:rPr lang="en-US" altLang="zh-CN" sz="3200" kern="0">
@@ -22330,33 +21411,8 @@
                 <a:ea typeface="微软雅黑" panose="020B0503020204020204" pitchFamily="34" charset="-122"/>
                 <a:cs typeface="Courier New" pitchFamily="49" charset="0"/>
               </a:rPr>
-              <a:t>的</a:t>
-            </a:r>
-            <a:r>
-              <a:rPr lang="zh-CN" altLang="en-US" sz="3200" kern="0" smtClean="0">
-                <a:solidFill>
-                  <a:schemeClr val="tx1">
-                    <a:lumMod val="75000"/>
-                    <a:lumOff val="25000"/>
-                  </a:schemeClr>
-                </a:solidFill>
-                <a:latin typeface="微软雅黑" panose="020B0503020204020204" pitchFamily="34" charset="-122"/>
-                <a:ea typeface="微软雅黑" panose="020B0503020204020204" pitchFamily="34" charset="-122"/>
-                <a:cs typeface="Courier New" pitchFamily="49" charset="0"/>
-              </a:rPr>
-              <a:t>关系。</a:t>
-            </a:r>
-            <a:endParaRPr lang="zh-CN" altLang="en-US" sz="3200" kern="0">
-              <a:solidFill>
-                <a:schemeClr val="tx1">
-                  <a:lumMod val="75000"/>
-                  <a:lumOff val="25000"/>
-                </a:schemeClr>
-              </a:solidFill>
-              <a:latin typeface="微软雅黑" panose="020B0503020204020204" pitchFamily="34" charset="-122"/>
-              <a:ea typeface="微软雅黑" panose="020B0503020204020204" pitchFamily="34" charset="-122"/>
-              <a:cs typeface="Courier New" pitchFamily="49" charset="0"/>
-            </a:endParaRPr>
+              <a:t>的关系。</a:t>
+            </a:r>
           </a:p>
           <a:p>
             <a:pPr marL="566737" indent="-457200" eaLnBrk="0" hangingPunct="0">
@@ -22396,13 +21452,6 @@
   <p:clrMapOvr>
     <a:masterClrMapping/>
   </p:clrMapOvr>
-  <p:timing>
-    <p:tnLst>
-      <p:par>
-        <p:cTn id="1" dur="indefinite" restart="never" nodeType="tmRoot"/>
-      </p:par>
-    </p:tnLst>
-  </p:timing>
 </p:sld>
 </file>
 
@@ -22442,15 +21491,7 @@
           <a:p>
             <a:r>
               <a:rPr lang="zh-CN" altLang="en-US"/>
-              <a:t>上</a:t>
-            </a:r>
-            <a:r>
-              <a:rPr lang="zh-CN" altLang="en-US" smtClean="0"/>
-              <a:t>一讲</a:t>
-            </a:r>
-            <a:r>
-              <a:rPr lang="zh-CN" altLang="en-US"/>
-              <a:t>教学目标</a:t>
+              <a:t>上一讲教学目标</a:t>
             </a:r>
           </a:p>
         </p:txBody>
@@ -22550,13 +21591,6 @@
   <p:clrMapOvr>
     <a:masterClrMapping/>
   </p:clrMapOvr>
-  <p:timing>
-    <p:tnLst>
-      <p:par>
-        <p:cTn id="1" dur="indefinite" restart="never" nodeType="tmRoot"/>
-      </p:par>
-    </p:tnLst>
-  </p:timing>
 </p:sld>
 </file>
 
@@ -22627,19 +21661,6 @@
             <a:lstStyle/>
             <a:p>
               <a:r>
-                <a:rPr lang="zh-CN" altLang="en-US" sz="2400" b="1" kern="0" smtClean="0">
-                  <a:solidFill>
-                    <a:schemeClr val="tx1">
-                      <a:lumMod val="65000"/>
-                      <a:lumOff val="35000"/>
-                    </a:schemeClr>
-                  </a:solidFill>
-                  <a:latin typeface="微软雅黑" panose="020B0503020204020204" pitchFamily="34" charset="-122"/>
-                  <a:ea typeface="微软雅黑" panose="020B0503020204020204" pitchFamily="34" charset="-122"/>
-                </a:rPr>
-                <a:t>          接口</a:t>
-              </a:r>
-              <a:r>
                 <a:rPr lang="zh-CN" altLang="en-US" sz="2400" b="1" kern="0">
                   <a:solidFill>
                     <a:schemeClr val="tx1">
@@ -22650,7 +21671,7 @@
                   <a:latin typeface="微软雅黑" panose="020B0503020204020204" pitchFamily="34" charset="-122"/>
                   <a:ea typeface="微软雅黑" panose="020B0503020204020204" pitchFamily="34" charset="-122"/>
                 </a:rPr>
-                <a:t>类</a:t>
+                <a:t>          接口类</a:t>
               </a:r>
             </a:p>
           </p:txBody>
@@ -22881,19 +21902,6 @@
             <a:lstStyle/>
             <a:p>
               <a:r>
-                <a:rPr lang="zh-CN" altLang="en-US" sz="2400" b="1" kern="0" smtClean="0">
-                  <a:solidFill>
-                    <a:schemeClr val="tx1">
-                      <a:lumMod val="65000"/>
-                      <a:lumOff val="35000"/>
-                    </a:schemeClr>
-                  </a:solidFill>
-                  <a:latin typeface="微软雅黑" panose="020B0503020204020204" pitchFamily="34" charset="-122"/>
-                  <a:ea typeface="微软雅黑" panose="020B0503020204020204" pitchFamily="34" charset="-122"/>
-                </a:rPr>
-                <a:t>          </a:t>
-              </a:r>
-              <a:r>
                 <a:rPr lang="zh-CN" altLang="en-US" sz="2400" b="1" kern="0">
                   <a:solidFill>
                     <a:schemeClr val="tx1">
@@ -22904,7 +21912,7 @@
                   <a:latin typeface="微软雅黑" panose="020B0503020204020204" pitchFamily="34" charset="-122"/>
                   <a:ea typeface="微软雅黑" panose="020B0503020204020204" pitchFamily="34" charset="-122"/>
                 </a:rPr>
-                <a:t>纯虚函数与抽象类</a:t>
+                <a:t>          纯虚函数与抽象类</a:t>
               </a:r>
             </a:p>
           </p:txBody>
@@ -23133,16 +22141,6 @@
             <a:lstStyle/>
             <a:p>
               <a:r>
-                <a:rPr lang="zh-CN" altLang="en-US" sz="2400" b="1" kern="0" smtClean="0">
-                  <a:solidFill>
-                    <a:schemeClr val="bg1"/>
-                  </a:solidFill>
-                  <a:latin typeface="微软雅黑" panose="020B0503020204020204" pitchFamily="34" charset="-122"/>
-                  <a:ea typeface="微软雅黑" panose="020B0503020204020204" pitchFamily="34" charset="-122"/>
-                </a:rPr>
-                <a:t>          </a:t>
-              </a:r>
-              <a:r>
                 <a:rPr lang="zh-CN" altLang="en-US" sz="2400" b="1" kern="0">
                   <a:solidFill>
                     <a:schemeClr val="bg1"/>
@@ -23150,7 +22148,7 @@
                   <a:latin typeface="微软雅黑" panose="020B0503020204020204" pitchFamily="34" charset="-122"/>
                   <a:ea typeface="微软雅黑" panose="020B0503020204020204" pitchFamily="34" charset="-122"/>
                 </a:rPr>
-                <a:t>动态多态的原理与本质</a:t>
+                <a:t>          动态多态的原理与本质</a:t>
               </a:r>
             </a:p>
           </p:txBody>
@@ -23335,13 +22333,6 @@
   <p:clrMapOvr>
     <a:masterClrMapping/>
   </p:clrMapOvr>
-  <p:timing>
-    <p:tnLst>
-      <p:par>
-        <p:cTn id="1" dur="indefinite" restart="never" nodeType="tmRoot"/>
-      </p:par>
-    </p:tnLst>
-  </p:timing>
 </p:sld>
 </file>
 
@@ -23567,7 +22558,7 @@
               <a:defRPr/>
             </a:pPr>
             <a:r>
-              <a:rPr lang="en-US" altLang="zh-CN" sz="2800" b="1" smtClean="0">
+              <a:rPr lang="en-US" altLang="zh-CN" sz="2800" b="1">
                 <a:solidFill>
                   <a:schemeClr val="tx1">
                     <a:lumMod val="75000"/>
@@ -23578,47 +22569,8 @@
                 <a:ea typeface="微软雅黑" panose="020B0503020204020204" pitchFamily="34" charset="-122"/>
                 <a:cs typeface="Courier New" pitchFamily="49" charset="0"/>
               </a:rPr>
-              <a:t>class </a:t>
-            </a:r>
-            <a:r>
-              <a:rPr lang="en-US" altLang="zh-CN" sz="2800" b="1">
-                <a:solidFill>
-                  <a:schemeClr val="tx1">
-                    <a:lumMod val="75000"/>
-                    <a:lumOff val="25000"/>
-                  </a:schemeClr>
-                </a:solidFill>
-                <a:latin typeface="Consolas" panose="020B0609020204030204" pitchFamily="49" charset="0"/>
-                <a:ea typeface="微软雅黑" panose="020B0503020204020204" pitchFamily="34" charset="-122"/>
-                <a:cs typeface="Courier New" pitchFamily="49" charset="0"/>
-              </a:rPr>
-              <a:t>Base </a:t>
-            </a:r>
-            <a:r>
-              <a:rPr lang="en-US" altLang="zh-CN" sz="2800" b="1" smtClean="0">
-                <a:solidFill>
-                  <a:schemeClr val="tx1">
-                    <a:lumMod val="75000"/>
-                    <a:lumOff val="25000"/>
-                  </a:schemeClr>
-                </a:solidFill>
-                <a:latin typeface="Consolas" panose="020B0609020204030204" pitchFamily="49" charset="0"/>
-                <a:ea typeface="微软雅黑" panose="020B0503020204020204" pitchFamily="34" charset="-122"/>
-                <a:cs typeface="Courier New" pitchFamily="49" charset="0"/>
-              </a:rPr>
-              <a:t>{ </a:t>
-            </a:r>
-            <a:endParaRPr lang="en-US" altLang="zh-CN" sz="2800" b="1">
-              <a:solidFill>
-                <a:schemeClr val="tx1">
-                  <a:lumMod val="75000"/>
-                  <a:lumOff val="25000"/>
-                </a:schemeClr>
-              </a:solidFill>
-              <a:latin typeface="Consolas" panose="020B0609020204030204" pitchFamily="49" charset="0"/>
-              <a:ea typeface="微软雅黑" panose="020B0503020204020204" pitchFamily="34" charset="-122"/>
-              <a:cs typeface="Courier New" pitchFamily="49" charset="0"/>
-            </a:endParaRPr>
+              <a:t>class Base { </a:t>
+            </a:r>
           </a:p>
           <a:p>
             <a:pPr>
@@ -23655,21 +22607,7 @@
                 <a:ea typeface="微软雅黑" panose="020B0503020204020204" pitchFamily="34" charset="-122"/>
                 <a:cs typeface="Courier New" pitchFamily="49" charset="0"/>
               </a:rPr>
-              <a:t>  virtual void </a:t>
-            </a:r>
-            <a:r>
-              <a:rPr lang="en-US" altLang="zh-CN" sz="2800" b="1" smtClean="0">
-                <a:solidFill>
-                  <a:schemeClr val="tx1">
-                    <a:lumMod val="75000"/>
-                    <a:lumOff val="25000"/>
-                  </a:schemeClr>
-                </a:solidFill>
-                <a:latin typeface="Consolas" panose="020B0609020204030204" pitchFamily="49" charset="0"/>
-                <a:ea typeface="微软雅黑" panose="020B0503020204020204" pitchFamily="34" charset="-122"/>
-                <a:cs typeface="Courier New" pitchFamily="49" charset="0"/>
-              </a:rPr>
-              <a:t>a() {</a:t>
+              <a:t>  virtual void a() {</a:t>
             </a:r>
           </a:p>
           <a:p>
@@ -23688,63 +22626,7 @@
                 <a:ea typeface="微软雅黑" panose="020B0503020204020204" pitchFamily="34" charset="-122"/>
                 <a:cs typeface="Courier New" pitchFamily="49" charset="0"/>
               </a:rPr>
-              <a:t> </a:t>
-            </a:r>
-            <a:r>
-              <a:rPr lang="en-US" altLang="zh-CN" sz="2800" b="1" smtClean="0">
-                <a:solidFill>
-                  <a:schemeClr val="tx1">
-                    <a:lumMod val="75000"/>
-                    <a:lumOff val="25000"/>
-                  </a:schemeClr>
-                </a:solidFill>
-                <a:latin typeface="Consolas" panose="020B0609020204030204" pitchFamily="49" charset="0"/>
-                <a:ea typeface="微软雅黑" panose="020B0503020204020204" pitchFamily="34" charset="-122"/>
-                <a:cs typeface="Courier New" pitchFamily="49" charset="0"/>
-              </a:rPr>
-              <a:t>   cout </a:t>
-            </a:r>
-            <a:r>
-              <a:rPr lang="en-US" altLang="zh-CN" sz="2800" b="1">
-                <a:solidFill>
-                  <a:schemeClr val="tx1">
-                    <a:lumMod val="75000"/>
-                    <a:lumOff val="25000"/>
-                  </a:schemeClr>
-                </a:solidFill>
-                <a:latin typeface="Consolas" panose="020B0609020204030204" pitchFamily="49" charset="0"/>
-                <a:ea typeface="微软雅黑" panose="020B0503020204020204" pitchFamily="34" charset="-122"/>
-                <a:cs typeface="Courier New" pitchFamily="49" charset="0"/>
-              </a:rPr>
-              <a:t>&lt;&lt; "Base</a:t>
-            </a:r>
-            <a:r>
-              <a:rPr lang="en-US" altLang="zh-CN" sz="2800" b="1" smtClean="0">
-                <a:solidFill>
-                  <a:schemeClr val="tx1">
-                    <a:lumMod val="75000"/>
-                    <a:lumOff val="25000"/>
-                  </a:schemeClr>
-                </a:solidFill>
-                <a:latin typeface="Consolas" panose="020B0609020204030204" pitchFamily="49" charset="0"/>
-                <a:ea typeface="微软雅黑" panose="020B0503020204020204" pitchFamily="34" charset="-122"/>
-                <a:cs typeface="Courier New" pitchFamily="49" charset="0"/>
-              </a:rPr>
-              <a:t>::a\n</a:t>
-            </a:r>
-            <a:r>
-              <a:rPr lang="en-US" altLang="zh-CN" sz="2800" b="1">
-                <a:solidFill>
-                  <a:schemeClr val="tx1">
-                    <a:lumMod val="75000"/>
-                    <a:lumOff val="25000"/>
-                  </a:schemeClr>
-                </a:solidFill>
-                <a:latin typeface="Consolas" panose="020B0609020204030204" pitchFamily="49" charset="0"/>
-                <a:ea typeface="微软雅黑" panose="020B0503020204020204" pitchFamily="34" charset="-122"/>
-                <a:cs typeface="Courier New" pitchFamily="49" charset="0"/>
-              </a:rPr>
-              <a:t>"} </a:t>
+              <a:t>    cout &lt;&lt; "Base::a\n"} </a:t>
             </a:r>
           </a:p>
           <a:p>
@@ -23763,21 +22645,7 @@
                 <a:ea typeface="微软雅黑" panose="020B0503020204020204" pitchFamily="34" charset="-122"/>
                 <a:cs typeface="Courier New" pitchFamily="49" charset="0"/>
               </a:rPr>
-              <a:t>  virtual void </a:t>
-            </a:r>
-            <a:r>
-              <a:rPr lang="en-US" altLang="zh-CN" sz="2800" b="1" smtClean="0">
-                <a:solidFill>
-                  <a:schemeClr val="tx1">
-                    <a:lumMod val="75000"/>
-                    <a:lumOff val="25000"/>
-                  </a:schemeClr>
-                </a:solidFill>
-                <a:latin typeface="Consolas" panose="020B0609020204030204" pitchFamily="49" charset="0"/>
-                <a:ea typeface="微软雅黑" panose="020B0503020204020204" pitchFamily="34" charset="-122"/>
-                <a:cs typeface="Courier New" pitchFamily="49" charset="0"/>
-              </a:rPr>
-              <a:t>b() {</a:t>
+              <a:t>  virtual void b() {</a:t>
             </a:r>
           </a:p>
           <a:p>
@@ -23785,7 +22653,7 @@
               <a:defRPr/>
             </a:pPr>
             <a:r>
-              <a:rPr lang="en-US" altLang="zh-CN" sz="2800" b="1" smtClean="0">
+              <a:rPr lang="en-US" altLang="zh-CN" sz="2800" b="1">
                 <a:solidFill>
                   <a:schemeClr val="tx1">
                     <a:lumMod val="75000"/>
@@ -23796,49 +22664,7 @@
                 <a:ea typeface="微软雅黑" panose="020B0503020204020204" pitchFamily="34" charset="-122"/>
                 <a:cs typeface="Courier New" pitchFamily="49" charset="0"/>
               </a:rPr>
-              <a:t>    cout </a:t>
-            </a:r>
-            <a:r>
-              <a:rPr lang="en-US" altLang="zh-CN" sz="2800" b="1">
-                <a:solidFill>
-                  <a:schemeClr val="tx1">
-                    <a:lumMod val="75000"/>
-                    <a:lumOff val="25000"/>
-                  </a:schemeClr>
-                </a:solidFill>
-                <a:latin typeface="Consolas" panose="020B0609020204030204" pitchFamily="49" charset="0"/>
-                <a:ea typeface="微软雅黑" panose="020B0503020204020204" pitchFamily="34" charset="-122"/>
-                <a:cs typeface="Courier New" pitchFamily="49" charset="0"/>
-              </a:rPr>
-              <a:t>&lt;&lt; "Base</a:t>
-            </a:r>
-            <a:r>
-              <a:rPr lang="en-US" altLang="zh-CN" sz="2800" b="1" smtClean="0">
-                <a:solidFill>
-                  <a:schemeClr val="tx1">
-                    <a:lumMod val="75000"/>
-                    <a:lumOff val="25000"/>
-                  </a:schemeClr>
-                </a:solidFill>
-                <a:latin typeface="Consolas" panose="020B0609020204030204" pitchFamily="49" charset="0"/>
-                <a:ea typeface="微软雅黑" panose="020B0503020204020204" pitchFamily="34" charset="-122"/>
-                <a:cs typeface="Courier New" pitchFamily="49" charset="0"/>
-              </a:rPr>
-              <a:t>::b\n</a:t>
-            </a:r>
-            <a:r>
-              <a:rPr lang="en-US" altLang="zh-CN" sz="2800" b="1">
-                <a:solidFill>
-                  <a:schemeClr val="tx1">
-                    <a:lumMod val="75000"/>
-                    <a:lumOff val="25000"/>
-                  </a:schemeClr>
-                </a:solidFill>
-                <a:latin typeface="Consolas" panose="020B0609020204030204" pitchFamily="49" charset="0"/>
-                <a:ea typeface="微软雅黑" panose="020B0503020204020204" pitchFamily="34" charset="-122"/>
-                <a:cs typeface="Courier New" pitchFamily="49" charset="0"/>
-              </a:rPr>
-              <a:t>"}  </a:t>
+              <a:t>    cout &lt;&lt; "Base::b\n"}  </a:t>
             </a:r>
           </a:p>
           <a:p>
@@ -23857,21 +22683,7 @@
                 <a:ea typeface="微软雅黑" panose="020B0503020204020204" pitchFamily="34" charset="-122"/>
                 <a:cs typeface="Courier New" pitchFamily="49" charset="0"/>
               </a:rPr>
-              <a:t>  virtual void </a:t>
-            </a:r>
-            <a:r>
-              <a:rPr lang="en-US" altLang="zh-CN" sz="2800" b="1" smtClean="0">
-                <a:solidFill>
-                  <a:schemeClr val="tx1">
-                    <a:lumMod val="75000"/>
-                    <a:lumOff val="25000"/>
-                  </a:schemeClr>
-                </a:solidFill>
-                <a:latin typeface="Consolas" panose="020B0609020204030204" pitchFamily="49" charset="0"/>
-                <a:ea typeface="微软雅黑" panose="020B0503020204020204" pitchFamily="34" charset="-122"/>
-                <a:cs typeface="Courier New" pitchFamily="49" charset="0"/>
-              </a:rPr>
-              <a:t>c() {</a:t>
+              <a:t>  virtual void c() {</a:t>
             </a:r>
           </a:p>
           <a:p>
@@ -23879,7 +22691,7 @@
               <a:defRPr/>
             </a:pPr>
             <a:r>
-              <a:rPr lang="en-US" altLang="zh-CN" sz="2800" b="1" smtClean="0">
+              <a:rPr lang="en-US" altLang="zh-CN" sz="2800" b="1">
                 <a:solidFill>
                   <a:schemeClr val="tx1">
                     <a:lumMod val="75000"/>
@@ -23890,49 +22702,7 @@
                 <a:ea typeface="微软雅黑" panose="020B0503020204020204" pitchFamily="34" charset="-122"/>
                 <a:cs typeface="Courier New" pitchFamily="49" charset="0"/>
               </a:rPr>
-              <a:t>    cout </a:t>
-            </a:r>
-            <a:r>
-              <a:rPr lang="en-US" altLang="zh-CN" sz="2800" b="1">
-                <a:solidFill>
-                  <a:schemeClr val="tx1">
-                    <a:lumMod val="75000"/>
-                    <a:lumOff val="25000"/>
-                  </a:schemeClr>
-                </a:solidFill>
-                <a:latin typeface="Consolas" panose="020B0609020204030204" pitchFamily="49" charset="0"/>
-                <a:ea typeface="微软雅黑" panose="020B0503020204020204" pitchFamily="34" charset="-122"/>
-                <a:cs typeface="Courier New" pitchFamily="49" charset="0"/>
-              </a:rPr>
-              <a:t>&lt;&lt; "Base</a:t>
-            </a:r>
-            <a:r>
-              <a:rPr lang="en-US" altLang="zh-CN" sz="2800" b="1" smtClean="0">
-                <a:solidFill>
-                  <a:schemeClr val="tx1">
-                    <a:lumMod val="75000"/>
-                    <a:lumOff val="25000"/>
-                  </a:schemeClr>
-                </a:solidFill>
-                <a:latin typeface="Consolas" panose="020B0609020204030204" pitchFamily="49" charset="0"/>
-                <a:ea typeface="微软雅黑" panose="020B0503020204020204" pitchFamily="34" charset="-122"/>
-                <a:cs typeface="Courier New" pitchFamily="49" charset="0"/>
-              </a:rPr>
-              <a:t>::c\n</a:t>
-            </a:r>
-            <a:r>
-              <a:rPr lang="en-US" altLang="zh-CN" sz="2800" b="1">
-                <a:solidFill>
-                  <a:schemeClr val="tx1">
-                    <a:lumMod val="75000"/>
-                    <a:lumOff val="25000"/>
-                  </a:schemeClr>
-                </a:solidFill>
-                <a:latin typeface="Consolas" panose="020B0609020204030204" pitchFamily="49" charset="0"/>
-                <a:ea typeface="微软雅黑" panose="020B0503020204020204" pitchFamily="34" charset="-122"/>
-                <a:cs typeface="Courier New" pitchFamily="49" charset="0"/>
-              </a:rPr>
-              <a:t>"}</a:t>
+              <a:t>    cout &lt;&lt; "Base::c\n"}</a:t>
             </a:r>
           </a:p>
           <a:p>
@@ -23991,28 +22761,28 @@
                 <a:gridCol w="1442989">
                   <a:extLst>
                     <a:ext uri="{9D8B030D-6E8A-4147-A177-3AD203B41FA5}">
-                      <a16:colId xmlns:a16="http://schemas.microsoft.com/office/drawing/2014/main" xmlns="" val="2915925112"/>
+                      <a16:colId xmlns:a16="http://schemas.microsoft.com/office/drawing/2014/main" val="2915925112"/>
                     </a:ext>
                   </a:extLst>
                 </a:gridCol>
                 <a:gridCol w="1452935">
                   <a:extLst>
                     <a:ext uri="{9D8B030D-6E8A-4147-A177-3AD203B41FA5}">
-                      <a16:colId xmlns:a16="http://schemas.microsoft.com/office/drawing/2014/main" xmlns="" val="2162304330"/>
+                      <a16:colId xmlns:a16="http://schemas.microsoft.com/office/drawing/2014/main" val="2162304330"/>
                     </a:ext>
                   </a:extLst>
                 </a:gridCol>
                 <a:gridCol w="1408609">
                   <a:extLst>
                     <a:ext uri="{9D8B030D-6E8A-4147-A177-3AD203B41FA5}">
-                      <a16:colId xmlns:a16="http://schemas.microsoft.com/office/drawing/2014/main" xmlns="" val="2482538744"/>
+                      <a16:colId xmlns:a16="http://schemas.microsoft.com/office/drawing/2014/main" val="2482538744"/>
                     </a:ext>
                   </a:extLst>
                 </a:gridCol>
                 <a:gridCol w="600730">
                   <a:extLst>
                     <a:ext uri="{9D8B030D-6E8A-4147-A177-3AD203B41FA5}">
-                      <a16:colId xmlns:a16="http://schemas.microsoft.com/office/drawing/2014/main" xmlns="" val="3866220346"/>
+                      <a16:colId xmlns:a16="http://schemas.microsoft.com/office/drawing/2014/main" val="3866220346"/>
                     </a:ext>
                   </a:extLst>
                 </a:gridCol>
@@ -24024,7 +22794,7 @@
                     <a:lstStyle/>
                     <a:p>
                       <a:r>
-                        <a:rPr lang="en-US" altLang="zh-CN" sz="2400" b="1" smtClean="0">
+                        <a:rPr lang="en-US" altLang="zh-CN" sz="2400" b="1">
                           <a:solidFill>
                             <a:schemeClr val="tx1">
                               <a:lumMod val="75000"/>
@@ -24107,7 +22877,7 @@
                     <a:lstStyle/>
                     <a:p>
                       <a:r>
-                        <a:rPr lang="en-US" altLang="zh-CN" sz="2400" b="1" smtClean="0">
+                        <a:rPr lang="en-US" altLang="zh-CN" sz="2400" b="1">
                           <a:solidFill>
                             <a:schemeClr val="tx1">
                               <a:lumMod val="75000"/>
@@ -24190,7 +22960,7 @@
                     <a:lstStyle/>
                     <a:p>
                       <a:r>
-                        <a:rPr lang="en-US" altLang="zh-CN" sz="2400" b="1" smtClean="0">
+                        <a:rPr lang="en-US" altLang="zh-CN" sz="2400" b="1">
                           <a:solidFill>
                             <a:schemeClr val="tx1">
                               <a:lumMod val="75000"/>
@@ -24273,7 +23043,7 @@
                     <a:lstStyle/>
                     <a:p>
                       <a:r>
-                        <a:rPr lang="en-US" altLang="zh-CN" sz="2400" b="1" smtClean="0">
+                        <a:rPr lang="en-US" altLang="zh-CN" sz="2400" b="1">
                           <a:solidFill>
                             <a:schemeClr val="tx1">
                               <a:lumMod val="75000"/>
@@ -24352,7 +23122,7 @@
                 </a:tc>
                 <a:extLst>
                   <a:ext uri="{0D108BD9-81ED-4DB2-BD59-A6C34878D82A}">
-                    <a16:rowId xmlns:a16="http://schemas.microsoft.com/office/drawing/2014/main" xmlns="" val="1231185787"/>
+                    <a16:rowId xmlns:a16="http://schemas.microsoft.com/office/drawing/2014/main" val="1231185787"/>
                   </a:ext>
                 </a:extLst>
               </a:tr>
@@ -24393,31 +23163,8 @@
                 <a:latin typeface="微软雅黑" panose="020B0503020204020204" pitchFamily="34" charset="-122"/>
                 <a:ea typeface="微软雅黑" panose="020B0503020204020204" pitchFamily="34" charset="-122"/>
               </a:rPr>
-              <a:t>虚</a:t>
-            </a:r>
-            <a:r>
-              <a:rPr lang="zh-CN" altLang="en-US" sz="2800" b="1" smtClean="0">
-                <a:solidFill>
-                  <a:schemeClr val="tx1">
-                    <a:lumMod val="75000"/>
-                    <a:lumOff val="25000"/>
-                  </a:schemeClr>
-                </a:solidFill>
-                <a:latin typeface="微软雅黑" panose="020B0503020204020204" pitchFamily="34" charset="-122"/>
-                <a:ea typeface="微软雅黑" panose="020B0503020204020204" pitchFamily="34" charset="-122"/>
-              </a:rPr>
-              <a:t>函数表</a:t>
-            </a:r>
-            <a:endParaRPr lang="zh-CN" altLang="en-US" sz="2800" b="1">
-              <a:solidFill>
-                <a:schemeClr val="tx1">
-                  <a:lumMod val="75000"/>
-                  <a:lumOff val="25000"/>
-                </a:schemeClr>
-              </a:solidFill>
-              <a:latin typeface="微软雅黑" panose="020B0503020204020204" pitchFamily="34" charset="-122"/>
-              <a:ea typeface="微软雅黑" panose="020B0503020204020204" pitchFamily="34" charset="-122"/>
-            </a:endParaRPr>
+              <a:t>虚函数表</a:t>
+            </a:r>
           </a:p>
         </p:txBody>
       </p:sp>
@@ -24431,13 +23178,6 @@
   <p:clrMapOvr>
     <a:masterClrMapping/>
   </p:clrMapOvr>
-  <p:timing>
-    <p:tnLst>
-      <p:par>
-        <p:cTn id="1" dur="indefinite" restart="never" nodeType="tmRoot"/>
-      </p:par>
-    </p:tnLst>
-  </p:timing>
 </p:sld>
 </file>
 
@@ -24674,33 +23414,8 @@
                 <a:ea typeface="微软雅黑" panose="020B0503020204020204" pitchFamily="34" charset="-122"/>
                 <a:cs typeface="Courier New" pitchFamily="49" charset="0"/>
               </a:rPr>
-              <a:t>class Base </a:t>
-            </a:r>
-            <a:r>
-              <a:rPr lang="en-US" altLang="zh-CN" sz="2800" b="1" smtClean="0">
-                <a:solidFill>
-                  <a:schemeClr val="tx1">
-                    <a:lumMod val="75000"/>
-                    <a:lumOff val="25000"/>
-                  </a:schemeClr>
-                </a:solidFill>
-                <a:latin typeface="Consolas" panose="020B0609020204030204" pitchFamily="49" charset="0"/>
-                <a:ea typeface="微软雅黑" panose="020B0503020204020204" pitchFamily="34" charset="-122"/>
-                <a:cs typeface="Courier New" pitchFamily="49" charset="0"/>
-              </a:rPr>
-              <a:t>{ </a:t>
-            </a:r>
-            <a:endParaRPr lang="en-US" altLang="zh-CN" sz="2800" b="1">
-              <a:solidFill>
-                <a:schemeClr val="tx1">
-                  <a:lumMod val="75000"/>
-                  <a:lumOff val="25000"/>
-                </a:schemeClr>
-              </a:solidFill>
-              <a:latin typeface="Consolas" panose="020B0609020204030204" pitchFamily="49" charset="0"/>
-              <a:ea typeface="微软雅黑" panose="020B0503020204020204" pitchFamily="34" charset="-122"/>
-              <a:cs typeface="Courier New" pitchFamily="49" charset="0"/>
-            </a:endParaRPr>
+              <a:t>class Base { </a:t>
+            </a:r>
           </a:p>
           <a:p>
             <a:pPr>
@@ -24737,33 +23452,8 @@
                 <a:ea typeface="微软雅黑" panose="020B0503020204020204" pitchFamily="34" charset="-122"/>
                 <a:cs typeface="Courier New" pitchFamily="49" charset="0"/>
               </a:rPr>
-              <a:t>  virtual void </a:t>
-            </a:r>
-            <a:r>
-              <a:rPr lang="en-US" altLang="zh-CN" sz="2800" b="1" smtClean="0">
-                <a:solidFill>
-                  <a:schemeClr val="tx1">
-                    <a:lumMod val="75000"/>
-                    <a:lumOff val="25000"/>
-                  </a:schemeClr>
-                </a:solidFill>
-                <a:latin typeface="Consolas" panose="020B0609020204030204" pitchFamily="49" charset="0"/>
-                <a:ea typeface="微软雅黑" panose="020B0503020204020204" pitchFamily="34" charset="-122"/>
-                <a:cs typeface="Courier New" pitchFamily="49" charset="0"/>
-              </a:rPr>
-              <a:t>a(); </a:t>
-            </a:r>
-            <a:endParaRPr lang="en-US" altLang="zh-CN" sz="2800" b="1">
-              <a:solidFill>
-                <a:schemeClr val="tx1">
-                  <a:lumMod val="75000"/>
-                  <a:lumOff val="25000"/>
-                </a:schemeClr>
-              </a:solidFill>
-              <a:latin typeface="Consolas" panose="020B0609020204030204" pitchFamily="49" charset="0"/>
-              <a:ea typeface="微软雅黑" panose="020B0503020204020204" pitchFamily="34" charset="-122"/>
-              <a:cs typeface="Courier New" pitchFamily="49" charset="0"/>
-            </a:endParaRPr>
+              <a:t>  virtual void a(); </a:t>
+            </a:r>
           </a:p>
           <a:p>
             <a:pPr>
@@ -24781,33 +23471,8 @@
                 <a:ea typeface="微软雅黑" panose="020B0503020204020204" pitchFamily="34" charset="-122"/>
                 <a:cs typeface="Courier New" pitchFamily="49" charset="0"/>
               </a:rPr>
-              <a:t>  virtual void </a:t>
-            </a:r>
-            <a:r>
-              <a:rPr lang="en-US" altLang="zh-CN" sz="2800" b="1" smtClean="0">
-                <a:solidFill>
-                  <a:schemeClr val="tx1">
-                    <a:lumMod val="75000"/>
-                    <a:lumOff val="25000"/>
-                  </a:schemeClr>
-                </a:solidFill>
-                <a:latin typeface="Consolas" panose="020B0609020204030204" pitchFamily="49" charset="0"/>
-                <a:ea typeface="微软雅黑" panose="020B0503020204020204" pitchFamily="34" charset="-122"/>
-                <a:cs typeface="Courier New" pitchFamily="49" charset="0"/>
-              </a:rPr>
-              <a:t>b(); </a:t>
-            </a:r>
-            <a:endParaRPr lang="en-US" altLang="zh-CN" sz="2800" b="1">
-              <a:solidFill>
-                <a:schemeClr val="tx1">
-                  <a:lumMod val="75000"/>
-                  <a:lumOff val="25000"/>
-                </a:schemeClr>
-              </a:solidFill>
-              <a:latin typeface="Consolas" panose="020B0609020204030204" pitchFamily="49" charset="0"/>
-              <a:ea typeface="微软雅黑" panose="020B0503020204020204" pitchFamily="34" charset="-122"/>
-              <a:cs typeface="Courier New" pitchFamily="49" charset="0"/>
-            </a:endParaRPr>
+              <a:t>  virtual void b(); </a:t>
+            </a:r>
           </a:p>
           <a:p>
             <a:pPr>
@@ -24825,33 +23490,8 @@
                 <a:ea typeface="微软雅黑" panose="020B0503020204020204" pitchFamily="34" charset="-122"/>
                 <a:cs typeface="Courier New" pitchFamily="49" charset="0"/>
               </a:rPr>
-              <a:t>  virtual void </a:t>
-            </a:r>
-            <a:r>
-              <a:rPr lang="en-US" altLang="zh-CN" sz="2800" b="1" smtClean="0">
-                <a:solidFill>
-                  <a:schemeClr val="tx1">
-                    <a:lumMod val="75000"/>
-                    <a:lumOff val="25000"/>
-                  </a:schemeClr>
-                </a:solidFill>
-                <a:latin typeface="Consolas" panose="020B0609020204030204" pitchFamily="49" charset="0"/>
-                <a:ea typeface="微软雅黑" panose="020B0503020204020204" pitchFamily="34" charset="-122"/>
-                <a:cs typeface="Courier New" pitchFamily="49" charset="0"/>
-              </a:rPr>
-              <a:t>c(); </a:t>
-            </a:r>
-            <a:endParaRPr lang="en-US" altLang="zh-CN" sz="2800" b="1">
-              <a:solidFill>
-                <a:schemeClr val="tx1">
-                  <a:lumMod val="75000"/>
-                  <a:lumOff val="25000"/>
-                </a:schemeClr>
-              </a:solidFill>
-              <a:latin typeface="Consolas" panose="020B0609020204030204" pitchFamily="49" charset="0"/>
-              <a:ea typeface="微软雅黑" panose="020B0503020204020204" pitchFamily="34" charset="-122"/>
-              <a:cs typeface="Courier New" pitchFamily="49" charset="0"/>
-            </a:endParaRPr>
+              <a:t>  virtual void c(); </a:t>
+            </a:r>
           </a:p>
           <a:p>
             <a:pPr>
@@ -24880,21 +23520,10 @@
                 <a:ea typeface="微软雅黑" panose="020B0503020204020204" pitchFamily="34" charset="-122"/>
                 <a:cs typeface="Courier New" pitchFamily="49" charset="0"/>
               </a:rPr>
-              <a:t>void *vptr</a:t>
-            </a:r>
-            <a:r>
-              <a:rPr lang="en-US" altLang="zh-CN" sz="2800" b="1" smtClean="0">
-                <a:solidFill>
-                  <a:srgbClr val="C00000"/>
-                </a:solidFill>
-                <a:latin typeface="Consolas" panose="020B0609020204030204" pitchFamily="49" charset="0"/>
-                <a:ea typeface="微软雅黑" panose="020B0503020204020204" pitchFamily="34" charset="-122"/>
-                <a:cs typeface="Courier New" pitchFamily="49" charset="0"/>
-              </a:rPr>
-              <a:t>; </a:t>
-            </a:r>
-            <a:r>
-              <a:rPr lang="en-US" altLang="zh-CN" sz="2800" b="1" smtClean="0">
+              <a:t>void *vptr; </a:t>
+            </a:r>
+            <a:r>
+              <a:rPr lang="en-US" altLang="zh-CN" sz="2800" b="1">
                 <a:solidFill>
                   <a:srgbClr val="00B050"/>
                 </a:solidFill>
@@ -24905,7 +23534,7 @@
               <a:t>// </a:t>
             </a:r>
             <a:r>
-              <a:rPr lang="zh-CN" altLang="en-US" sz="2800" b="1" smtClean="0">
+              <a:rPr lang="zh-CN" altLang="en-US" sz="2800" b="1">
                 <a:solidFill>
                   <a:srgbClr val="00B050"/>
                 </a:solidFill>
@@ -24913,29 +23542,7 @@
                 <a:ea typeface="微软雅黑" panose="020B0503020204020204" pitchFamily="34" charset="-122"/>
                 <a:cs typeface="Courier New" pitchFamily="49" charset="0"/>
               </a:rPr>
-              <a:t>自动</a:t>
-            </a:r>
-            <a:r>
-              <a:rPr lang="zh-CN" altLang="en-US" sz="2800" b="1">
-                <a:solidFill>
-                  <a:srgbClr val="00B050"/>
-                </a:solidFill>
-                <a:latin typeface="Consolas" panose="020B0609020204030204" pitchFamily="49" charset="0"/>
-                <a:ea typeface="微软雅黑" panose="020B0503020204020204" pitchFamily="34" charset="-122"/>
-                <a:cs typeface="Courier New" pitchFamily="49" charset="0"/>
-              </a:rPr>
-              <a:t>生成的指针</a:t>
-            </a:r>
-            <a:r>
-              <a:rPr lang="zh-CN" altLang="en-US" sz="2800" b="1" smtClean="0">
-                <a:solidFill>
-                  <a:srgbClr val="00B050"/>
-                </a:solidFill>
-                <a:latin typeface="Consolas" panose="020B0609020204030204" pitchFamily="49" charset="0"/>
-                <a:ea typeface="微软雅黑" panose="020B0503020204020204" pitchFamily="34" charset="-122"/>
-                <a:cs typeface="Courier New" pitchFamily="49" charset="0"/>
-              </a:rPr>
-              <a:t>成员</a:t>
+              <a:t>自动生成的指针成员</a:t>
             </a:r>
             <a:endParaRPr lang="en-US" altLang="zh-CN" sz="2800" b="1">
               <a:solidFill>
@@ -25047,31 +23654,8 @@
                 <a:latin typeface="微软雅黑" panose="020B0503020204020204" pitchFamily="34" charset="-122"/>
                 <a:ea typeface="微软雅黑" panose="020B0503020204020204" pitchFamily="34" charset="-122"/>
               </a:rPr>
-              <a:t>虚</a:t>
-            </a:r>
-            <a:r>
-              <a:rPr lang="zh-CN" altLang="en-US" sz="2400" b="1" smtClean="0">
-                <a:solidFill>
-                  <a:schemeClr val="tx1">
-                    <a:lumMod val="75000"/>
-                    <a:lumOff val="25000"/>
-                  </a:schemeClr>
-                </a:solidFill>
-                <a:latin typeface="微软雅黑" panose="020B0503020204020204" pitchFamily="34" charset="-122"/>
-                <a:ea typeface="微软雅黑" panose="020B0503020204020204" pitchFamily="34" charset="-122"/>
-              </a:rPr>
-              <a:t>函数表</a:t>
-            </a:r>
-            <a:endParaRPr lang="zh-CN" altLang="en-US" sz="2400" b="1">
-              <a:solidFill>
-                <a:schemeClr val="tx1">
-                  <a:lumMod val="75000"/>
-                  <a:lumOff val="25000"/>
-                </a:schemeClr>
-              </a:solidFill>
-              <a:latin typeface="微软雅黑" panose="020B0503020204020204" pitchFamily="34" charset="-122"/>
-              <a:ea typeface="微软雅黑" panose="020B0503020204020204" pitchFamily="34" charset="-122"/>
-            </a:endParaRPr>
+              <a:t>虚函数表</a:t>
+            </a:r>
           </a:p>
         </p:txBody>
       </p:sp>
@@ -25110,7 +23694,7 @@
                 <a:gridCol w="1397726">
                   <a:extLst>
                     <a:ext uri="{9D8B030D-6E8A-4147-A177-3AD203B41FA5}">
-                      <a16:colId xmlns:a16="http://schemas.microsoft.com/office/drawing/2014/main" xmlns="" val="2587462782"/>
+                      <a16:colId xmlns:a16="http://schemas.microsoft.com/office/drawing/2014/main" val="2587462782"/>
                     </a:ext>
                   </a:extLst>
                 </a:gridCol>
@@ -25123,7 +23707,7 @@
                     <a:p>
                       <a:pPr algn="ctr"/>
                       <a:r>
-                        <a:rPr lang="en-US" altLang="zh-CN" sz="2400" smtClean="0">
+                        <a:rPr lang="en-US" altLang="zh-CN" sz="2400">
                           <a:solidFill>
                             <a:schemeClr val="tx1">
                               <a:lumMod val="75000"/>
@@ -25202,7 +23786,7 @@
                 </a:tc>
                 <a:extLst>
                   <a:ext uri="{0D108BD9-81ED-4DB2-BD59-A6C34878D82A}">
-                    <a16:rowId xmlns:a16="http://schemas.microsoft.com/office/drawing/2014/main" xmlns="" val="3696843"/>
+                    <a16:rowId xmlns:a16="http://schemas.microsoft.com/office/drawing/2014/main" val="3696843"/>
                   </a:ext>
                 </a:extLst>
               </a:tr>
@@ -25214,7 +23798,7 @@
                     <a:p>
                       <a:pPr algn="ctr"/>
                       <a:r>
-                        <a:rPr lang="en-US" altLang="zh-CN" sz="2400" smtClean="0">
+                        <a:rPr lang="en-US" altLang="zh-CN" sz="2400">
                           <a:solidFill>
                             <a:schemeClr val="tx1">
                               <a:lumMod val="75000"/>
@@ -25293,7 +23877,7 @@
                 </a:tc>
                 <a:extLst>
                   <a:ext uri="{0D108BD9-81ED-4DB2-BD59-A6C34878D82A}">
-                    <a16:rowId xmlns:a16="http://schemas.microsoft.com/office/drawing/2014/main" xmlns="" val="3871144980"/>
+                    <a16:rowId xmlns:a16="http://schemas.microsoft.com/office/drawing/2014/main" val="3871144980"/>
                   </a:ext>
                 </a:extLst>
               </a:tr>
@@ -25305,7 +23889,7 @@
                     <a:p>
                       <a:pPr algn="ctr"/>
                       <a:r>
-                        <a:rPr lang="en-US" altLang="zh-CN" sz="2400" smtClean="0">
+                        <a:rPr lang="en-US" altLang="zh-CN" sz="2400">
                           <a:solidFill>
                             <a:schemeClr val="tx1">
                               <a:lumMod val="75000"/>
@@ -25384,7 +23968,7 @@
                 </a:tc>
                 <a:extLst>
                   <a:ext uri="{0D108BD9-81ED-4DB2-BD59-A6C34878D82A}">
-                    <a16:rowId xmlns:a16="http://schemas.microsoft.com/office/drawing/2014/main" xmlns="" val="3536056795"/>
+                    <a16:rowId xmlns:a16="http://schemas.microsoft.com/office/drawing/2014/main" val="3536056795"/>
                   </a:ext>
                 </a:extLst>
               </a:tr>
@@ -25396,7 +23980,7 @@
                     <a:p>
                       <a:pPr algn="ctr"/>
                       <a:r>
-                        <a:rPr lang="en-US" altLang="zh-CN" sz="2400" smtClean="0">
+                        <a:rPr lang="en-US" altLang="zh-CN" sz="2400">
                           <a:solidFill>
                             <a:schemeClr val="tx1">
                               <a:lumMod val="75000"/>
@@ -25475,7 +24059,7 @@
                 </a:tc>
                 <a:extLst>
                   <a:ext uri="{0D108BD9-81ED-4DB2-BD59-A6C34878D82A}">
-                    <a16:rowId xmlns:a16="http://schemas.microsoft.com/office/drawing/2014/main" xmlns="" val="4192497206"/>
+                    <a16:rowId xmlns:a16="http://schemas.microsoft.com/office/drawing/2014/main" val="4192497206"/>
                   </a:ext>
                 </a:extLst>
               </a:tr>
@@ -25518,7 +24102,7 @@
                 <a:gridCol w="1397726">
                   <a:extLst>
                     <a:ext uri="{9D8B030D-6E8A-4147-A177-3AD203B41FA5}">
-                      <a16:colId xmlns:a16="http://schemas.microsoft.com/office/drawing/2014/main" xmlns="" val="2587462782"/>
+                      <a16:colId xmlns:a16="http://schemas.microsoft.com/office/drawing/2014/main" val="2587462782"/>
                     </a:ext>
                   </a:extLst>
                 </a:gridCol>
@@ -25547,7 +24131,7 @@
                         <a:defRPr/>
                       </a:pPr>
                       <a:r>
-                        <a:rPr lang="en-US" altLang="zh-CN" sz="2400" b="1" smtClean="0">
+                        <a:rPr lang="en-US" altLang="zh-CN" sz="2400" b="1">
                           <a:solidFill>
                             <a:schemeClr val="tx1">
                               <a:lumMod val="75000"/>
@@ -25559,7 +24143,7 @@
                         </a:rPr>
                         <a:t>Base::a()</a:t>
                       </a:r>
-                      <a:endParaRPr lang="zh-CN" altLang="en-US" sz="2400" b="1" smtClean="0">
+                      <a:endParaRPr lang="zh-CN" altLang="en-US" sz="2400" b="1">
                         <a:solidFill>
                           <a:schemeClr val="tx1">
                             <a:lumMod val="75000"/>
@@ -25626,7 +24210,7 @@
                 </a:tc>
                 <a:extLst>
                   <a:ext uri="{0D108BD9-81ED-4DB2-BD59-A6C34878D82A}">
-                    <a16:rowId xmlns:a16="http://schemas.microsoft.com/office/drawing/2014/main" xmlns="" val="3696843"/>
+                    <a16:rowId xmlns:a16="http://schemas.microsoft.com/office/drawing/2014/main" val="3696843"/>
                   </a:ext>
                 </a:extLst>
               </a:tr>
@@ -25638,7 +24222,7 @@
                     <a:p>
                       <a:pPr algn="ctr"/>
                       <a:r>
-                        <a:rPr lang="en-US" altLang="zh-CN" sz="2400" b="1" smtClean="0">
+                        <a:rPr lang="en-US" altLang="zh-CN" sz="2400" b="1">
                           <a:solidFill>
                             <a:schemeClr val="tx1">
                               <a:lumMod val="75000"/>
@@ -25717,7 +24301,7 @@
                 </a:tc>
                 <a:extLst>
                   <a:ext uri="{0D108BD9-81ED-4DB2-BD59-A6C34878D82A}">
-                    <a16:rowId xmlns:a16="http://schemas.microsoft.com/office/drawing/2014/main" xmlns="" val="3871144980"/>
+                    <a16:rowId xmlns:a16="http://schemas.microsoft.com/office/drawing/2014/main" val="3871144980"/>
                   </a:ext>
                 </a:extLst>
               </a:tr>
@@ -25729,7 +24313,7 @@
                     <a:p>
                       <a:pPr algn="ctr"/>
                       <a:r>
-                        <a:rPr lang="en-US" altLang="zh-CN" sz="2400" b="1" smtClean="0">
+                        <a:rPr lang="en-US" altLang="zh-CN" sz="2400" b="1">
                           <a:solidFill>
                             <a:schemeClr val="tx1">
                               <a:lumMod val="75000"/>
@@ -25808,7 +24392,7 @@
                 </a:tc>
                 <a:extLst>
                   <a:ext uri="{0D108BD9-81ED-4DB2-BD59-A6C34878D82A}">
-                    <a16:rowId xmlns:a16="http://schemas.microsoft.com/office/drawing/2014/main" xmlns="" val="3536056795"/>
+                    <a16:rowId xmlns:a16="http://schemas.microsoft.com/office/drawing/2014/main" val="3536056795"/>
                   </a:ext>
                 </a:extLst>
               </a:tr>
@@ -25820,7 +24404,7 @@
                     <a:p>
                       <a:pPr algn="ctr"/>
                       <a:r>
-                        <a:rPr lang="en-US" altLang="zh-CN" sz="2000" b="1" smtClean="0">
+                        <a:rPr lang="en-US" altLang="zh-CN" sz="2000" b="1">
                           <a:solidFill>
                             <a:schemeClr val="tx1">
                               <a:lumMod val="75000"/>
@@ -25899,7 +24483,7 @@
                 </a:tc>
                 <a:extLst>
                   <a:ext uri="{0D108BD9-81ED-4DB2-BD59-A6C34878D82A}">
-                    <a16:rowId xmlns:a16="http://schemas.microsoft.com/office/drawing/2014/main" xmlns="" val="4192497206"/>
+                    <a16:rowId xmlns:a16="http://schemas.microsoft.com/office/drawing/2014/main" val="4192497206"/>
                   </a:ext>
                 </a:extLst>
               </a:tr>
@@ -25930,7 +24514,7 @@
           <a:lstStyle/>
           <a:p>
             <a:r>
-              <a:rPr lang="zh-CN" altLang="en-US" sz="2400" b="1" smtClean="0">
+              <a:rPr lang="zh-CN" altLang="en-US" sz="2400" b="1">
                 <a:solidFill>
                   <a:schemeClr val="tx1">
                     <a:lumMod val="75000"/>
@@ -25942,16 +24526,6 @@
               </a:rPr>
               <a:t>其它成员</a:t>
             </a:r>
-            <a:endParaRPr lang="zh-CN" altLang="en-US" sz="2400" b="1">
-              <a:solidFill>
-                <a:schemeClr val="tx1">
-                  <a:lumMod val="75000"/>
-                  <a:lumOff val="25000"/>
-                </a:schemeClr>
-              </a:solidFill>
-              <a:latin typeface="微软雅黑" panose="020B0503020204020204" pitchFamily="34" charset="-122"/>
-              <a:ea typeface="微软雅黑" panose="020B0503020204020204" pitchFamily="34" charset="-122"/>
-            </a:endParaRPr>
           </a:p>
         </p:txBody>
       </p:sp>
@@ -25978,7 +24552,7 @@
           <a:lstStyle/>
           <a:p>
             <a:r>
-              <a:rPr lang="zh-CN" altLang="en-US" sz="2400" b="1" smtClean="0">
+              <a:rPr lang="zh-CN" altLang="en-US" sz="2400" b="1">
                 <a:solidFill>
                   <a:schemeClr val="tx1">
                     <a:lumMod val="75000"/>
@@ -25990,16 +24564,6 @@
               </a:rPr>
               <a:t>对象内存</a:t>
             </a:r>
-            <a:endParaRPr lang="zh-CN" altLang="en-US" sz="2400" b="1">
-              <a:solidFill>
-                <a:schemeClr val="tx1">
-                  <a:lumMod val="75000"/>
-                  <a:lumOff val="25000"/>
-                </a:schemeClr>
-              </a:solidFill>
-              <a:latin typeface="微软雅黑" panose="020B0503020204020204" pitchFamily="34" charset="-122"/>
-              <a:ea typeface="微软雅黑" panose="020B0503020204020204" pitchFamily="34" charset="-122"/>
-            </a:endParaRPr>
           </a:p>
         </p:txBody>
       </p:sp>
@@ -26056,13 +24620,6 @@
   <p:clrMapOvr>
     <a:masterClrMapping/>
   </p:clrMapOvr>
-  <p:timing>
-    <p:tnLst>
-      <p:par>
-        <p:cTn id="1" dur="indefinite" restart="never" nodeType="tmRoot"/>
-      </p:par>
-    </p:tnLst>
-  </p:timing>
 </p:sld>
 </file>
 
@@ -26364,28 +24921,28 @@
                 <a:gridCol w="1649943">
                   <a:extLst>
                     <a:ext uri="{9D8B030D-6E8A-4147-A177-3AD203B41FA5}">
-                      <a16:colId xmlns:a16="http://schemas.microsoft.com/office/drawing/2014/main" xmlns="" val="2915925112"/>
+                      <a16:colId xmlns:a16="http://schemas.microsoft.com/office/drawing/2014/main" val="2915925112"/>
                     </a:ext>
                   </a:extLst>
                 </a:gridCol>
                 <a:gridCol w="1661316">
                   <a:extLst>
                     <a:ext uri="{9D8B030D-6E8A-4147-A177-3AD203B41FA5}">
-                      <a16:colId xmlns:a16="http://schemas.microsoft.com/office/drawing/2014/main" xmlns="" val="2162304330"/>
+                      <a16:colId xmlns:a16="http://schemas.microsoft.com/office/drawing/2014/main" val="2162304330"/>
                     </a:ext>
                   </a:extLst>
                 </a:gridCol>
                 <a:gridCol w="1610633">
                   <a:extLst>
                     <a:ext uri="{9D8B030D-6E8A-4147-A177-3AD203B41FA5}">
-                      <a16:colId xmlns:a16="http://schemas.microsoft.com/office/drawing/2014/main" xmlns="" val="2482538744"/>
+                      <a16:colId xmlns:a16="http://schemas.microsoft.com/office/drawing/2014/main" val="2482538744"/>
                     </a:ext>
                   </a:extLst>
                 </a:gridCol>
                 <a:gridCol w="686888">
                   <a:extLst>
                     <a:ext uri="{9D8B030D-6E8A-4147-A177-3AD203B41FA5}">
-                      <a16:colId xmlns:a16="http://schemas.microsoft.com/office/drawing/2014/main" xmlns="" val="3866220346"/>
+                      <a16:colId xmlns:a16="http://schemas.microsoft.com/office/drawing/2014/main" val="3866220346"/>
                     </a:ext>
                   </a:extLst>
                 </a:gridCol>
@@ -26397,7 +24954,7 @@
                     <a:lstStyle/>
                     <a:p>
                       <a:r>
-                        <a:rPr lang="en-US" altLang="zh-CN" sz="2800" b="1" smtClean="0">
+                        <a:rPr lang="en-US" altLang="zh-CN" sz="2800" b="1">
                           <a:solidFill>
                             <a:schemeClr val="tx1">
                               <a:lumMod val="75000"/>
@@ -26480,7 +25037,7 @@
                     <a:lstStyle/>
                     <a:p>
                       <a:r>
-                        <a:rPr lang="en-US" altLang="zh-CN" sz="2800" b="1" smtClean="0">
+                        <a:rPr lang="en-US" altLang="zh-CN" sz="2800" b="1">
                           <a:solidFill>
                             <a:schemeClr val="tx1">
                               <a:lumMod val="75000"/>
@@ -26563,7 +25120,7 @@
                     <a:lstStyle/>
                     <a:p>
                       <a:r>
-                        <a:rPr lang="en-US" altLang="zh-CN" sz="2800" b="1" smtClean="0">
+                        <a:rPr lang="en-US" altLang="zh-CN" sz="2800" b="1">
                           <a:solidFill>
                             <a:schemeClr val="tx1">
                               <a:lumMod val="75000"/>
@@ -26646,7 +25203,7 @@
                     <a:lstStyle/>
                     <a:p>
                       <a:r>
-                        <a:rPr lang="en-US" altLang="zh-CN" sz="2800" b="1" smtClean="0">
+                        <a:rPr lang="en-US" altLang="zh-CN" sz="2800" b="1">
                           <a:solidFill>
                             <a:schemeClr val="tx1">
                               <a:lumMod val="75000"/>
@@ -26725,7 +25282,7 @@
                 </a:tc>
                 <a:extLst>
                   <a:ext uri="{0D108BD9-81ED-4DB2-BD59-A6C34878D82A}">
-                    <a16:rowId xmlns:a16="http://schemas.microsoft.com/office/drawing/2014/main" xmlns="" val="1231185787"/>
+                    <a16:rowId xmlns:a16="http://schemas.microsoft.com/office/drawing/2014/main" val="1231185787"/>
                   </a:ext>
                 </a:extLst>
               </a:tr>
@@ -26766,31 +25323,8 @@
                 <a:latin typeface="微软雅黑" panose="020B0503020204020204" pitchFamily="34" charset="-122"/>
                 <a:ea typeface="微软雅黑" panose="020B0503020204020204" pitchFamily="34" charset="-122"/>
               </a:rPr>
-              <a:t>虚</a:t>
-            </a:r>
-            <a:r>
-              <a:rPr lang="zh-CN" altLang="en-US" sz="3200" b="1" smtClean="0">
-                <a:solidFill>
-                  <a:schemeClr val="tx1">
-                    <a:lumMod val="75000"/>
-                    <a:lumOff val="25000"/>
-                  </a:schemeClr>
-                </a:solidFill>
-                <a:latin typeface="微软雅黑" panose="020B0503020204020204" pitchFamily="34" charset="-122"/>
-                <a:ea typeface="微软雅黑" panose="020B0503020204020204" pitchFamily="34" charset="-122"/>
-              </a:rPr>
-              <a:t>函数表</a:t>
-            </a:r>
-            <a:endParaRPr lang="zh-CN" altLang="en-US" sz="3200" b="1">
-              <a:solidFill>
-                <a:schemeClr val="tx1">
-                  <a:lumMod val="75000"/>
-                  <a:lumOff val="25000"/>
-                </a:schemeClr>
-              </a:solidFill>
-              <a:latin typeface="微软雅黑" panose="020B0503020204020204" pitchFamily="34" charset="-122"/>
-              <a:ea typeface="微软雅黑" panose="020B0503020204020204" pitchFamily="34" charset="-122"/>
-            </a:endParaRPr>
+              <a:t>虚函数表</a:t>
+            </a:r>
           </a:p>
         </p:txBody>
       </p:sp>
@@ -26804,13 +25338,6 @@
   <p:clrMapOvr>
     <a:masterClrMapping/>
   </p:clrMapOvr>
-  <p:timing>
-    <p:tnLst>
-      <p:par>
-        <p:cTn id="1" dur="indefinite" restart="never" nodeType="tmRoot"/>
-      </p:par>
-    </p:tnLst>
-  </p:timing>
 </p:sld>
 </file>
 
@@ -26954,33 +25481,8 @@
                 <a:ea typeface="微软雅黑" panose="020B0503020204020204" pitchFamily="34" charset="-122"/>
                 <a:cs typeface="Courier New" pitchFamily="49" charset="0"/>
               </a:rPr>
-              <a:t>”时的虚函数表的样子</a:t>
-            </a:r>
-            <a:r>
-              <a:rPr lang="zh-CN" altLang="en-US" sz="3600" kern="0" smtClean="0">
-                <a:solidFill>
-                  <a:schemeClr val="tx1">
-                    <a:lumMod val="75000"/>
-                    <a:lumOff val="25000"/>
-                  </a:schemeClr>
-                </a:solidFill>
-                <a:latin typeface="微软雅黑" panose="020B0503020204020204" pitchFamily="34" charset="-122"/>
-                <a:ea typeface="微软雅黑" panose="020B0503020204020204" pitchFamily="34" charset="-122"/>
-                <a:cs typeface="Courier New" pitchFamily="49" charset="0"/>
-              </a:rPr>
-              <a:t>。</a:t>
-            </a:r>
-            <a:endParaRPr lang="zh-CN" altLang="en-US" sz="3600" kern="0">
-              <a:solidFill>
-                <a:schemeClr val="tx1">
-                  <a:lumMod val="75000"/>
-                  <a:lumOff val="25000"/>
-                </a:schemeClr>
-              </a:solidFill>
-              <a:latin typeface="微软雅黑" panose="020B0503020204020204" pitchFamily="34" charset="-122"/>
-              <a:ea typeface="微软雅黑" panose="020B0503020204020204" pitchFamily="34" charset="-122"/>
-              <a:cs typeface="Courier New" pitchFamily="49" charset="0"/>
-            </a:endParaRPr>
+              <a:t>”时的虚函数表的样子。</a:t>
+            </a:r>
           </a:p>
         </p:txBody>
       </p:sp>
@@ -26994,13 +25496,6 @@
   <p:clrMapOvr>
     <a:masterClrMapping/>
   </p:clrMapOvr>
-  <p:timing>
-    <p:tnLst>
-      <p:par>
-        <p:cTn id="1" dur="indefinite" restart="never" nodeType="tmRoot"/>
-      </p:par>
-    </p:tnLst>
-  </p:timing>
 </p:sld>
 </file>
 
@@ -27136,7 +25631,7 @@
               <a:t>单重继承</a:t>
             </a:r>
             <a:r>
-              <a:rPr lang="en-US" altLang="zh-CN" sz="3200" b="1" kern="0" smtClean="0">
+              <a:rPr lang="en-US" altLang="zh-CN" sz="3200" b="1" kern="0">
                 <a:solidFill>
                   <a:schemeClr val="tx1">
                     <a:lumMod val="75000"/>
@@ -27149,17 +25644,6 @@
               </a:rPr>
               <a:t>):</a:t>
             </a:r>
-            <a:endParaRPr lang="en-US" altLang="zh-CN" sz="3200" b="1" kern="0">
-              <a:solidFill>
-                <a:schemeClr val="tx1">
-                  <a:lumMod val="75000"/>
-                  <a:lumOff val="25000"/>
-                </a:schemeClr>
-              </a:solidFill>
-              <a:latin typeface="微软雅黑" panose="020B0503020204020204" pitchFamily="34" charset="-122"/>
-              <a:ea typeface="微软雅黑" panose="020B0503020204020204" pitchFamily="34" charset="-122"/>
-              <a:cs typeface="Courier New" pitchFamily="49" charset="0"/>
-            </a:endParaRPr>
           </a:p>
         </p:txBody>
       </p:sp>
@@ -27194,7 +25678,7 @@
                 <a:gridCol w="1939637">
                   <a:extLst>
                     <a:ext uri="{9D8B030D-6E8A-4147-A177-3AD203B41FA5}">
-                      <a16:colId xmlns:a16="http://schemas.microsoft.com/office/drawing/2014/main" xmlns="" val="4040497553"/>
+                      <a16:colId xmlns:a16="http://schemas.microsoft.com/office/drawing/2014/main" val="4040497553"/>
                     </a:ext>
                   </a:extLst>
                 </a:gridCol>
@@ -27207,7 +25691,7 @@
                     <a:p>
                       <a:pPr algn="ctr"/>
                       <a:r>
-                        <a:rPr lang="en-US" altLang="zh-CN" sz="2000" b="1" smtClean="0">
+                        <a:rPr lang="en-US" altLang="zh-CN" sz="2000" b="1">
                           <a:latin typeface="微软雅黑" panose="020B0503020204020204" pitchFamily="34" charset="-122"/>
                           <a:ea typeface="微软雅黑" panose="020B0503020204020204" pitchFamily="34" charset="-122"/>
                         </a:rPr>
@@ -27273,7 +25757,7 @@
                 </a:tc>
                 <a:extLst>
                   <a:ext uri="{0D108BD9-81ED-4DB2-BD59-A6C34878D82A}">
-                    <a16:rowId xmlns:a16="http://schemas.microsoft.com/office/drawing/2014/main" xmlns="" val="286246941"/>
+                    <a16:rowId xmlns:a16="http://schemas.microsoft.com/office/drawing/2014/main" val="286246941"/>
                   </a:ext>
                 </a:extLst>
               </a:tr>
@@ -27285,7 +25769,7 @@
                     <a:p>
                       <a:pPr algn="ctr"/>
                       <a:r>
-                        <a:rPr lang="en-US" altLang="zh-CN" sz="2000" b="1" smtClean="0">
+                        <a:rPr lang="en-US" altLang="zh-CN" sz="2000" b="1">
                           <a:solidFill>
                             <a:schemeClr val="tx1">
                               <a:lumMod val="75000"/>
@@ -27364,7 +25848,7 @@
                 </a:tc>
                 <a:extLst>
                   <a:ext uri="{0D108BD9-81ED-4DB2-BD59-A6C34878D82A}">
-                    <a16:rowId xmlns:a16="http://schemas.microsoft.com/office/drawing/2014/main" xmlns="" val="2829296779"/>
+                    <a16:rowId xmlns:a16="http://schemas.microsoft.com/office/drawing/2014/main" val="2829296779"/>
                   </a:ext>
                 </a:extLst>
               </a:tr>
@@ -27376,7 +25860,7 @@
                     <a:p>
                       <a:pPr algn="ctr"/>
                       <a:r>
-                        <a:rPr lang="en-US" altLang="zh-CN" sz="2000" b="1" smtClean="0">
+                        <a:rPr lang="en-US" altLang="zh-CN" sz="2000" b="1">
                           <a:solidFill>
                             <a:schemeClr val="tx1">
                               <a:lumMod val="75000"/>
@@ -27455,7 +25939,7 @@
                 </a:tc>
                 <a:extLst>
                   <a:ext uri="{0D108BD9-81ED-4DB2-BD59-A6C34878D82A}">
-                    <a16:rowId xmlns:a16="http://schemas.microsoft.com/office/drawing/2014/main" xmlns="" val="3763321681"/>
+                    <a16:rowId xmlns:a16="http://schemas.microsoft.com/office/drawing/2014/main" val="3763321681"/>
                   </a:ext>
                 </a:extLst>
               </a:tr>
@@ -27467,7 +25951,7 @@
                     <a:p>
                       <a:pPr algn="ctr"/>
                       <a:r>
-                        <a:rPr lang="en-US" altLang="zh-CN" sz="2000" b="1" smtClean="0">
+                        <a:rPr lang="en-US" altLang="zh-CN" sz="2000" b="1">
                           <a:solidFill>
                             <a:schemeClr val="tx1">
                               <a:lumMod val="75000"/>
@@ -27546,7 +26030,7 @@
                 </a:tc>
                 <a:extLst>
                   <a:ext uri="{0D108BD9-81ED-4DB2-BD59-A6C34878D82A}">
-                    <a16:rowId xmlns:a16="http://schemas.microsoft.com/office/drawing/2014/main" xmlns="" val="1577470295"/>
+                    <a16:rowId xmlns:a16="http://schemas.microsoft.com/office/drawing/2014/main" val="1577470295"/>
                   </a:ext>
                 </a:extLst>
               </a:tr>
@@ -27585,7 +26069,7 @@
                 <a:gridCol w="1939637">
                   <a:extLst>
                     <a:ext uri="{9D8B030D-6E8A-4147-A177-3AD203B41FA5}">
-                      <a16:colId xmlns:a16="http://schemas.microsoft.com/office/drawing/2014/main" xmlns="" val="4040497553"/>
+                      <a16:colId xmlns:a16="http://schemas.microsoft.com/office/drawing/2014/main" val="4040497553"/>
                     </a:ext>
                   </a:extLst>
                 </a:gridCol>
@@ -27598,7 +26082,7 @@
                     <a:p>
                       <a:pPr algn="ctr"/>
                       <a:r>
-                        <a:rPr lang="en-US" altLang="zh-CN" sz="2000" b="1" smtClean="0">
+                        <a:rPr lang="en-US" altLang="zh-CN" sz="2000" b="1">
                           <a:latin typeface="微软雅黑" panose="020B0503020204020204" pitchFamily="34" charset="-122"/>
                           <a:ea typeface="微软雅黑" panose="020B0503020204020204" pitchFamily="34" charset="-122"/>
                         </a:rPr>
@@ -27664,7 +26148,7 @@
                 </a:tc>
                 <a:extLst>
                   <a:ext uri="{0D108BD9-81ED-4DB2-BD59-A6C34878D82A}">
-                    <a16:rowId xmlns:a16="http://schemas.microsoft.com/office/drawing/2014/main" xmlns="" val="286246941"/>
+                    <a16:rowId xmlns:a16="http://schemas.microsoft.com/office/drawing/2014/main" val="286246941"/>
                   </a:ext>
                 </a:extLst>
               </a:tr>
@@ -27676,7 +26160,7 @@
                     <a:p>
                       <a:pPr algn="ctr"/>
                       <a:r>
-                        <a:rPr lang="en-US" altLang="zh-CN" sz="2000" b="1" smtClean="0">
+                        <a:rPr lang="en-US" altLang="zh-CN" sz="2000" b="1">
                           <a:solidFill>
                             <a:schemeClr val="tx1">
                               <a:lumMod val="75000"/>
@@ -27755,7 +26239,7 @@
                 </a:tc>
                 <a:extLst>
                   <a:ext uri="{0D108BD9-81ED-4DB2-BD59-A6C34878D82A}">
-                    <a16:rowId xmlns:a16="http://schemas.microsoft.com/office/drawing/2014/main" xmlns="" val="2829296779"/>
+                    <a16:rowId xmlns:a16="http://schemas.microsoft.com/office/drawing/2014/main" val="2829296779"/>
                   </a:ext>
                 </a:extLst>
               </a:tr>
@@ -27767,7 +26251,7 @@
                     <a:p>
                       <a:pPr algn="ctr"/>
                       <a:r>
-                        <a:rPr lang="en-US" altLang="zh-CN" sz="2000" b="1" smtClean="0">
+                        <a:rPr lang="en-US" altLang="zh-CN" sz="2000" b="1">
                           <a:solidFill>
                             <a:schemeClr val="tx1">
                               <a:lumMod val="75000"/>
@@ -27846,7 +26330,7 @@
                 </a:tc>
                 <a:extLst>
                   <a:ext uri="{0D108BD9-81ED-4DB2-BD59-A6C34878D82A}">
-                    <a16:rowId xmlns:a16="http://schemas.microsoft.com/office/drawing/2014/main" xmlns="" val="3763321681"/>
+                    <a16:rowId xmlns:a16="http://schemas.microsoft.com/office/drawing/2014/main" val="3763321681"/>
                   </a:ext>
                 </a:extLst>
               </a:tr>
@@ -27858,7 +26342,7 @@
                     <a:p>
                       <a:pPr algn="ctr"/>
                       <a:r>
-                        <a:rPr lang="en-US" altLang="zh-CN" sz="2000" b="1" smtClean="0">
+                        <a:rPr lang="en-US" altLang="zh-CN" sz="2000" b="1">
                           <a:solidFill>
                             <a:schemeClr val="tx1">
                               <a:lumMod val="75000"/>
@@ -27937,7 +26421,7 @@
                 </a:tc>
                 <a:extLst>
                   <a:ext uri="{0D108BD9-81ED-4DB2-BD59-A6C34878D82A}">
-                    <a16:rowId xmlns:a16="http://schemas.microsoft.com/office/drawing/2014/main" xmlns="" val="1577470295"/>
+                    <a16:rowId xmlns:a16="http://schemas.microsoft.com/office/drawing/2014/main" val="1577470295"/>
                   </a:ext>
                 </a:extLst>
               </a:tr>
@@ -28025,31 +26509,8 @@
                 <a:latin typeface="微软雅黑" panose="020B0503020204020204" pitchFamily="34" charset="-122"/>
                 <a:ea typeface="微软雅黑" panose="020B0503020204020204" pitchFamily="34" charset="-122"/>
               </a:rPr>
-              <a:t>虚</a:t>
-            </a:r>
-            <a:r>
-              <a:rPr lang="zh-CN" altLang="en-US" sz="2400" b="1" smtClean="0">
-                <a:solidFill>
-                  <a:schemeClr val="tx1">
-                    <a:lumMod val="75000"/>
-                    <a:lumOff val="25000"/>
-                  </a:schemeClr>
-                </a:solidFill>
-                <a:latin typeface="微软雅黑" panose="020B0503020204020204" pitchFamily="34" charset="-122"/>
-                <a:ea typeface="微软雅黑" panose="020B0503020204020204" pitchFamily="34" charset="-122"/>
-              </a:rPr>
-              <a:t>函数表</a:t>
-            </a:r>
-            <a:endParaRPr lang="zh-CN" altLang="en-US" sz="2400" b="1">
-              <a:solidFill>
-                <a:schemeClr val="tx1">
-                  <a:lumMod val="75000"/>
-                  <a:lumOff val="25000"/>
-                </a:schemeClr>
-              </a:solidFill>
-              <a:latin typeface="微软雅黑" panose="020B0503020204020204" pitchFamily="34" charset="-122"/>
-              <a:ea typeface="微软雅黑" panose="020B0503020204020204" pitchFamily="34" charset="-122"/>
-            </a:endParaRPr>
+              <a:t>虚函数表</a:t>
+            </a:r>
           </a:p>
         </p:txBody>
       </p:sp>
@@ -28084,7 +26545,7 @@
                 <a:gridCol w="1397726">
                   <a:extLst>
                     <a:ext uri="{9D8B030D-6E8A-4147-A177-3AD203B41FA5}">
-                      <a16:colId xmlns:a16="http://schemas.microsoft.com/office/drawing/2014/main" xmlns="" val="2587462782"/>
+                      <a16:colId xmlns:a16="http://schemas.microsoft.com/office/drawing/2014/main" val="2587462782"/>
                     </a:ext>
                   </a:extLst>
                 </a:gridCol>
@@ -28097,7 +26558,7 @@
                     <a:p>
                       <a:pPr algn="ctr"/>
                       <a:r>
-                        <a:rPr lang="en-US" altLang="zh-CN" sz="2000" smtClean="0">
+                        <a:rPr lang="en-US" altLang="zh-CN" sz="2000">
                           <a:solidFill>
                             <a:schemeClr val="tx1">
                               <a:lumMod val="75000"/>
@@ -28176,7 +26637,7 @@
                 </a:tc>
                 <a:extLst>
                   <a:ext uri="{0D108BD9-81ED-4DB2-BD59-A6C34878D82A}">
-                    <a16:rowId xmlns:a16="http://schemas.microsoft.com/office/drawing/2014/main" xmlns="" val="3696843"/>
+                    <a16:rowId xmlns:a16="http://schemas.microsoft.com/office/drawing/2014/main" val="3696843"/>
                   </a:ext>
                 </a:extLst>
               </a:tr>
@@ -28188,7 +26649,7 @@
                     <a:p>
                       <a:pPr algn="ctr"/>
                       <a:r>
-                        <a:rPr lang="en-US" altLang="zh-CN" sz="2000" smtClean="0">
+                        <a:rPr lang="en-US" altLang="zh-CN" sz="2000">
                           <a:solidFill>
                             <a:schemeClr val="tx1">
                               <a:lumMod val="75000"/>
@@ -28267,7 +26728,7 @@
                 </a:tc>
                 <a:extLst>
                   <a:ext uri="{0D108BD9-81ED-4DB2-BD59-A6C34878D82A}">
-                    <a16:rowId xmlns:a16="http://schemas.microsoft.com/office/drawing/2014/main" xmlns="" val="3871144980"/>
+                    <a16:rowId xmlns:a16="http://schemas.microsoft.com/office/drawing/2014/main" val="3871144980"/>
                   </a:ext>
                 </a:extLst>
               </a:tr>
@@ -28279,7 +26740,7 @@
                     <a:p>
                       <a:pPr algn="ctr"/>
                       <a:r>
-                        <a:rPr lang="en-US" altLang="zh-CN" sz="2000" smtClean="0">
+                        <a:rPr lang="en-US" altLang="zh-CN" sz="2000">
                           <a:solidFill>
                             <a:schemeClr val="tx1">
                               <a:lumMod val="75000"/>
@@ -28358,7 +26819,7 @@
                 </a:tc>
                 <a:extLst>
                   <a:ext uri="{0D108BD9-81ED-4DB2-BD59-A6C34878D82A}">
-                    <a16:rowId xmlns:a16="http://schemas.microsoft.com/office/drawing/2014/main" xmlns="" val="3536056795"/>
+                    <a16:rowId xmlns:a16="http://schemas.microsoft.com/office/drawing/2014/main" val="3536056795"/>
                   </a:ext>
                 </a:extLst>
               </a:tr>
@@ -28370,7 +26831,7 @@
                     <a:p>
                       <a:pPr algn="ctr"/>
                       <a:r>
-                        <a:rPr lang="en-US" altLang="zh-CN" sz="2000" smtClean="0">
+                        <a:rPr lang="en-US" altLang="zh-CN" sz="2000">
                           <a:solidFill>
                             <a:schemeClr val="tx1">
                               <a:lumMod val="75000"/>
@@ -28449,7 +26910,7 @@
                 </a:tc>
                 <a:extLst>
                   <a:ext uri="{0D108BD9-81ED-4DB2-BD59-A6C34878D82A}">
-                    <a16:rowId xmlns:a16="http://schemas.microsoft.com/office/drawing/2014/main" xmlns="" val="4192497206"/>
+                    <a16:rowId xmlns:a16="http://schemas.microsoft.com/office/drawing/2014/main" val="4192497206"/>
                   </a:ext>
                 </a:extLst>
               </a:tr>
@@ -28488,7 +26949,7 @@
                 <a:gridCol w="1397726">
                   <a:extLst>
                     <a:ext uri="{9D8B030D-6E8A-4147-A177-3AD203B41FA5}">
-                      <a16:colId xmlns:a16="http://schemas.microsoft.com/office/drawing/2014/main" xmlns="" val="2587462782"/>
+                      <a16:colId xmlns:a16="http://schemas.microsoft.com/office/drawing/2014/main" val="2587462782"/>
                     </a:ext>
                   </a:extLst>
                 </a:gridCol>
@@ -28517,7 +26978,7 @@
                         <a:defRPr/>
                       </a:pPr>
                       <a:r>
-                        <a:rPr lang="en-US" altLang="zh-CN" sz="2000" b="1" smtClean="0">
+                        <a:rPr lang="en-US" altLang="zh-CN" sz="2000" b="1">
                           <a:solidFill>
                             <a:schemeClr val="tx1">
                               <a:lumMod val="75000"/>
@@ -28529,7 +26990,7 @@
                         </a:rPr>
                         <a:t>Base::a()</a:t>
                       </a:r>
-                      <a:endParaRPr lang="zh-CN" altLang="en-US" sz="2000" b="1" smtClean="0">
+                      <a:endParaRPr lang="zh-CN" altLang="en-US" sz="2000" b="1">
                         <a:solidFill>
                           <a:schemeClr val="tx1">
                             <a:lumMod val="75000"/>
@@ -28596,7 +27057,7 @@
                 </a:tc>
                 <a:extLst>
                   <a:ext uri="{0D108BD9-81ED-4DB2-BD59-A6C34878D82A}">
-                    <a16:rowId xmlns:a16="http://schemas.microsoft.com/office/drawing/2014/main" xmlns="" val="3696843"/>
+                    <a16:rowId xmlns:a16="http://schemas.microsoft.com/office/drawing/2014/main" val="3696843"/>
                   </a:ext>
                 </a:extLst>
               </a:tr>
@@ -28608,7 +27069,7 @@
                     <a:p>
                       <a:pPr algn="ctr"/>
                       <a:r>
-                        <a:rPr lang="en-US" altLang="zh-CN" sz="2000" b="1" smtClean="0">
+                        <a:rPr lang="en-US" altLang="zh-CN" sz="2000" b="1">
                           <a:solidFill>
                             <a:schemeClr val="tx1">
                               <a:lumMod val="75000"/>
@@ -28687,7 +27148,7 @@
                 </a:tc>
                 <a:extLst>
                   <a:ext uri="{0D108BD9-81ED-4DB2-BD59-A6C34878D82A}">
-                    <a16:rowId xmlns:a16="http://schemas.microsoft.com/office/drawing/2014/main" xmlns="" val="3871144980"/>
+                    <a16:rowId xmlns:a16="http://schemas.microsoft.com/office/drawing/2014/main" val="3871144980"/>
                   </a:ext>
                 </a:extLst>
               </a:tr>
@@ -28699,7 +27160,7 @@
                     <a:p>
                       <a:pPr algn="ctr"/>
                       <a:r>
-                        <a:rPr lang="en-US" altLang="zh-CN" sz="2000" b="1" smtClean="0">
+                        <a:rPr lang="en-US" altLang="zh-CN" sz="2000" b="1">
                           <a:solidFill>
                             <a:schemeClr val="tx1">
                               <a:lumMod val="75000"/>
@@ -28778,7 +27239,7 @@
                 </a:tc>
                 <a:extLst>
                   <a:ext uri="{0D108BD9-81ED-4DB2-BD59-A6C34878D82A}">
-                    <a16:rowId xmlns:a16="http://schemas.microsoft.com/office/drawing/2014/main" xmlns="" val="3536056795"/>
+                    <a16:rowId xmlns:a16="http://schemas.microsoft.com/office/drawing/2014/main" val="3536056795"/>
                   </a:ext>
                 </a:extLst>
               </a:tr>
@@ -28790,7 +27251,7 @@
                     <a:p>
                       <a:pPr algn="ctr"/>
                       <a:r>
-                        <a:rPr lang="en-US" altLang="zh-CN" sz="2000" b="1" smtClean="0">
+                        <a:rPr lang="en-US" altLang="zh-CN" sz="2000" b="1">
                           <a:solidFill>
                             <a:schemeClr val="tx1">
                               <a:lumMod val="75000"/>
@@ -28869,7 +27330,7 @@
                 </a:tc>
                 <a:extLst>
                   <a:ext uri="{0D108BD9-81ED-4DB2-BD59-A6C34878D82A}">
-                    <a16:rowId xmlns:a16="http://schemas.microsoft.com/office/drawing/2014/main" xmlns="" val="4192497206"/>
+                    <a16:rowId xmlns:a16="http://schemas.microsoft.com/office/drawing/2014/main" val="4192497206"/>
                   </a:ext>
                 </a:extLst>
               </a:tr>
@@ -28900,7 +27361,7 @@
           <a:lstStyle/>
           <a:p>
             <a:r>
-              <a:rPr lang="zh-CN" altLang="en-US" sz="2400" b="1" smtClean="0">
+              <a:rPr lang="zh-CN" altLang="en-US" sz="2400" b="1">
                 <a:solidFill>
                   <a:schemeClr val="tx1">
                     <a:lumMod val="75000"/>
@@ -28912,16 +27373,6 @@
               </a:rPr>
               <a:t>其它成员</a:t>
             </a:r>
-            <a:endParaRPr lang="zh-CN" altLang="en-US" sz="2400" b="1">
-              <a:solidFill>
-                <a:schemeClr val="tx1">
-                  <a:lumMod val="75000"/>
-                  <a:lumOff val="25000"/>
-                </a:schemeClr>
-              </a:solidFill>
-              <a:latin typeface="微软雅黑" panose="020B0503020204020204" pitchFamily="34" charset="-122"/>
-              <a:ea typeface="微软雅黑" panose="020B0503020204020204" pitchFamily="34" charset="-122"/>
-            </a:endParaRPr>
           </a:p>
         </p:txBody>
       </p:sp>
@@ -28948,7 +27399,7 @@
           <a:lstStyle/>
           <a:p>
             <a:r>
-              <a:rPr lang="en-US" altLang="zh-CN" sz="2400" b="1" smtClean="0">
+              <a:rPr lang="en-US" altLang="zh-CN" sz="2400" b="1">
                 <a:solidFill>
                   <a:schemeClr val="tx1">
                     <a:lumMod val="75000"/>
@@ -28961,7 +27412,7 @@
               <a:t>Base</a:t>
             </a:r>
             <a:r>
-              <a:rPr lang="zh-CN" altLang="en-US" sz="2400" b="1" smtClean="0">
+              <a:rPr lang="zh-CN" altLang="en-US" sz="2400" b="1">
                 <a:solidFill>
                   <a:schemeClr val="tx1">
                     <a:lumMod val="75000"/>
@@ -28973,16 +27424,6 @@
               </a:rPr>
               <a:t>对象</a:t>
             </a:r>
-            <a:endParaRPr lang="zh-CN" altLang="en-US" sz="2400" b="1">
-              <a:solidFill>
-                <a:schemeClr val="tx1">
-                  <a:lumMod val="75000"/>
-                  <a:lumOff val="25000"/>
-                </a:schemeClr>
-              </a:solidFill>
-              <a:latin typeface="微软雅黑" panose="020B0503020204020204" pitchFamily="34" charset="-122"/>
-              <a:ea typeface="微软雅黑" panose="020B0503020204020204" pitchFamily="34" charset="-122"/>
-            </a:endParaRPr>
           </a:p>
         </p:txBody>
       </p:sp>
@@ -29062,31 +27503,8 @@
                 <a:latin typeface="微软雅黑" panose="020B0503020204020204" pitchFamily="34" charset="-122"/>
                 <a:ea typeface="微软雅黑" panose="020B0503020204020204" pitchFamily="34" charset="-122"/>
               </a:rPr>
-              <a:t>虚</a:t>
-            </a:r>
-            <a:r>
-              <a:rPr lang="zh-CN" altLang="en-US" sz="2400" b="1" smtClean="0">
-                <a:solidFill>
-                  <a:schemeClr val="tx1">
-                    <a:lumMod val="75000"/>
-                    <a:lumOff val="25000"/>
-                  </a:schemeClr>
-                </a:solidFill>
-                <a:latin typeface="微软雅黑" panose="020B0503020204020204" pitchFamily="34" charset="-122"/>
-                <a:ea typeface="微软雅黑" panose="020B0503020204020204" pitchFamily="34" charset="-122"/>
-              </a:rPr>
-              <a:t>函数表</a:t>
-            </a:r>
-            <a:endParaRPr lang="zh-CN" altLang="en-US" sz="2400" b="1">
-              <a:solidFill>
-                <a:schemeClr val="tx1">
-                  <a:lumMod val="75000"/>
-                  <a:lumOff val="25000"/>
-                </a:schemeClr>
-              </a:solidFill>
-              <a:latin typeface="微软雅黑" panose="020B0503020204020204" pitchFamily="34" charset="-122"/>
-              <a:ea typeface="微软雅黑" panose="020B0503020204020204" pitchFamily="34" charset="-122"/>
-            </a:endParaRPr>
+              <a:t>虚函数表</a:t>
+            </a:r>
           </a:p>
         </p:txBody>
       </p:sp>
@@ -29121,7 +27539,7 @@
                 <a:gridCol w="1397726">
                   <a:extLst>
                     <a:ext uri="{9D8B030D-6E8A-4147-A177-3AD203B41FA5}">
-                      <a16:colId xmlns:a16="http://schemas.microsoft.com/office/drawing/2014/main" xmlns="" val="2587462782"/>
+                      <a16:colId xmlns:a16="http://schemas.microsoft.com/office/drawing/2014/main" val="2587462782"/>
                     </a:ext>
                   </a:extLst>
                 </a:gridCol>
@@ -29134,7 +27552,7 @@
                     <a:p>
                       <a:pPr algn="ctr"/>
                       <a:r>
-                        <a:rPr lang="en-US" altLang="zh-CN" sz="2000" smtClean="0">
+                        <a:rPr lang="en-US" altLang="zh-CN" sz="2000">
                           <a:solidFill>
                             <a:schemeClr val="tx1">
                               <a:lumMod val="75000"/>
@@ -29213,7 +27631,7 @@
                 </a:tc>
                 <a:extLst>
                   <a:ext uri="{0D108BD9-81ED-4DB2-BD59-A6C34878D82A}">
-                    <a16:rowId xmlns:a16="http://schemas.microsoft.com/office/drawing/2014/main" xmlns="" val="3696843"/>
+                    <a16:rowId xmlns:a16="http://schemas.microsoft.com/office/drawing/2014/main" val="3696843"/>
                   </a:ext>
                 </a:extLst>
               </a:tr>
@@ -29225,7 +27643,7 @@
                     <a:p>
                       <a:pPr algn="ctr"/>
                       <a:r>
-                        <a:rPr lang="en-US" altLang="zh-CN" sz="2000" smtClean="0">
+                        <a:rPr lang="en-US" altLang="zh-CN" sz="2000">
                           <a:solidFill>
                             <a:schemeClr val="tx1">
                               <a:lumMod val="75000"/>
@@ -29304,7 +27722,7 @@
                 </a:tc>
                 <a:extLst>
                   <a:ext uri="{0D108BD9-81ED-4DB2-BD59-A6C34878D82A}">
-                    <a16:rowId xmlns:a16="http://schemas.microsoft.com/office/drawing/2014/main" xmlns="" val="3871144980"/>
+                    <a16:rowId xmlns:a16="http://schemas.microsoft.com/office/drawing/2014/main" val="3871144980"/>
                   </a:ext>
                 </a:extLst>
               </a:tr>
@@ -29316,7 +27734,7 @@
                     <a:p>
                       <a:pPr algn="ctr"/>
                       <a:r>
-                        <a:rPr lang="en-US" altLang="zh-CN" sz="2000" smtClean="0">
+                        <a:rPr lang="en-US" altLang="zh-CN" sz="2000">
                           <a:solidFill>
                             <a:schemeClr val="tx1">
                               <a:lumMod val="75000"/>
@@ -29395,7 +27813,7 @@
                 </a:tc>
                 <a:extLst>
                   <a:ext uri="{0D108BD9-81ED-4DB2-BD59-A6C34878D82A}">
-                    <a16:rowId xmlns:a16="http://schemas.microsoft.com/office/drawing/2014/main" xmlns="" val="3536056795"/>
+                    <a16:rowId xmlns:a16="http://schemas.microsoft.com/office/drawing/2014/main" val="3536056795"/>
                   </a:ext>
                 </a:extLst>
               </a:tr>
@@ -29407,7 +27825,7 @@
                     <a:p>
                       <a:pPr algn="ctr"/>
                       <a:r>
-                        <a:rPr lang="en-US" altLang="zh-CN" sz="2000" smtClean="0">
+                        <a:rPr lang="en-US" altLang="zh-CN" sz="2000">
                           <a:solidFill>
                             <a:schemeClr val="tx1">
                               <a:lumMod val="75000"/>
@@ -29486,7 +27904,7 @@
                 </a:tc>
                 <a:extLst>
                   <a:ext uri="{0D108BD9-81ED-4DB2-BD59-A6C34878D82A}">
-                    <a16:rowId xmlns:a16="http://schemas.microsoft.com/office/drawing/2014/main" xmlns="" val="4192497206"/>
+                    <a16:rowId xmlns:a16="http://schemas.microsoft.com/office/drawing/2014/main" val="4192497206"/>
                   </a:ext>
                 </a:extLst>
               </a:tr>
@@ -29525,7 +27943,7 @@
                 <a:gridCol w="1998500">
                   <a:extLst>
                     <a:ext uri="{9D8B030D-6E8A-4147-A177-3AD203B41FA5}">
-                      <a16:colId xmlns:a16="http://schemas.microsoft.com/office/drawing/2014/main" xmlns="" val="2587462782"/>
+                      <a16:colId xmlns:a16="http://schemas.microsoft.com/office/drawing/2014/main" val="2587462782"/>
                     </a:ext>
                   </a:extLst>
                 </a:gridCol>
@@ -29554,7 +27972,7 @@
                         <a:defRPr/>
                       </a:pPr>
                       <a:r>
-                        <a:rPr lang="en-US" altLang="zh-CN" sz="1800" b="1" smtClean="0">
+                        <a:rPr lang="en-US" altLang="zh-CN" sz="1800" b="1">
                           <a:solidFill>
                             <a:schemeClr val="tx1">
                               <a:lumMod val="75000"/>
@@ -29566,7 +27984,7 @@
                         </a:rPr>
                         <a:t>Base::a()</a:t>
                       </a:r>
-                      <a:endParaRPr lang="zh-CN" altLang="en-US" sz="1800" b="1" smtClean="0">
+                      <a:endParaRPr lang="zh-CN" altLang="en-US" sz="1800" b="1">
                         <a:solidFill>
                           <a:schemeClr val="tx1">
                             <a:lumMod val="75000"/>
@@ -29633,7 +28051,7 @@
                 </a:tc>
                 <a:extLst>
                   <a:ext uri="{0D108BD9-81ED-4DB2-BD59-A6C34878D82A}">
-                    <a16:rowId xmlns:a16="http://schemas.microsoft.com/office/drawing/2014/main" xmlns="" val="3696843"/>
+                    <a16:rowId xmlns:a16="http://schemas.microsoft.com/office/drawing/2014/main" val="3696843"/>
                   </a:ext>
                 </a:extLst>
               </a:tr>
@@ -29645,7 +28063,7 @@
                     <a:p>
                       <a:pPr algn="ctr"/>
                       <a:r>
-                        <a:rPr lang="en-US" altLang="zh-CN" sz="1800" b="1" smtClean="0">
+                        <a:rPr lang="en-US" altLang="zh-CN" sz="1800" b="1">
                           <a:solidFill>
                             <a:schemeClr val="tx1">
                               <a:lumMod val="75000"/>
@@ -29724,7 +28142,7 @@
                 </a:tc>
                 <a:extLst>
                   <a:ext uri="{0D108BD9-81ED-4DB2-BD59-A6C34878D82A}">
-                    <a16:rowId xmlns:a16="http://schemas.microsoft.com/office/drawing/2014/main" xmlns="" val="3871144980"/>
+                    <a16:rowId xmlns:a16="http://schemas.microsoft.com/office/drawing/2014/main" val="3871144980"/>
                   </a:ext>
                 </a:extLst>
               </a:tr>
@@ -29736,7 +28154,7 @@
                     <a:p>
                       <a:pPr algn="ctr"/>
                       <a:r>
-                        <a:rPr lang="en-US" altLang="zh-CN" sz="1800" b="1" smtClean="0">
+                        <a:rPr lang="en-US" altLang="zh-CN" sz="1800" b="1">
                           <a:solidFill>
                             <a:schemeClr val="tx1">
                               <a:lumMod val="75000"/>
@@ -29815,7 +28233,7 @@
                 </a:tc>
                 <a:extLst>
                   <a:ext uri="{0D108BD9-81ED-4DB2-BD59-A6C34878D82A}">
-                    <a16:rowId xmlns:a16="http://schemas.microsoft.com/office/drawing/2014/main" xmlns="" val="3536056795"/>
+                    <a16:rowId xmlns:a16="http://schemas.microsoft.com/office/drawing/2014/main" val="3536056795"/>
                   </a:ext>
                 </a:extLst>
               </a:tr>
@@ -29827,7 +28245,7 @@
                     <a:p>
                       <a:pPr algn="ctr"/>
                       <a:r>
-                        <a:rPr lang="en-US" altLang="zh-CN" sz="1800" b="1" smtClean="0">
+                        <a:rPr lang="en-US" altLang="zh-CN" sz="1800" b="1">
                           <a:solidFill>
                             <a:schemeClr val="tx1">
                               <a:lumMod val="75000"/>
@@ -29906,7 +28324,7 @@
                 </a:tc>
                 <a:extLst>
                   <a:ext uri="{0D108BD9-81ED-4DB2-BD59-A6C34878D82A}">
-                    <a16:rowId xmlns:a16="http://schemas.microsoft.com/office/drawing/2014/main" xmlns="" val="1397758429"/>
+                    <a16:rowId xmlns:a16="http://schemas.microsoft.com/office/drawing/2014/main" val="1397758429"/>
                   </a:ext>
                 </a:extLst>
               </a:tr>
@@ -29918,7 +28336,7 @@
                     <a:p>
                       <a:pPr algn="ctr"/>
                       <a:r>
-                        <a:rPr lang="en-US" altLang="zh-CN" sz="1800" b="1" smtClean="0">
+                        <a:rPr lang="en-US" altLang="zh-CN" sz="1800" b="1">
                           <a:solidFill>
                             <a:schemeClr val="tx1">
                               <a:lumMod val="75000"/>
@@ -29997,7 +28415,7 @@
                 </a:tc>
                 <a:extLst>
                   <a:ext uri="{0D108BD9-81ED-4DB2-BD59-A6C34878D82A}">
-                    <a16:rowId xmlns:a16="http://schemas.microsoft.com/office/drawing/2014/main" xmlns="" val="2928945793"/>
+                    <a16:rowId xmlns:a16="http://schemas.microsoft.com/office/drawing/2014/main" val="2928945793"/>
                   </a:ext>
                 </a:extLst>
               </a:tr>
@@ -30009,7 +28427,7 @@
                     <a:p>
                       <a:pPr algn="ctr"/>
                       <a:r>
-                        <a:rPr lang="en-US" altLang="zh-CN" sz="1800" b="1" smtClean="0">
+                        <a:rPr lang="en-US" altLang="zh-CN" sz="1800" b="1">
                           <a:solidFill>
                             <a:schemeClr val="tx1">
                               <a:lumMod val="75000"/>
@@ -30088,7 +28506,7 @@
                 </a:tc>
                 <a:extLst>
                   <a:ext uri="{0D108BD9-81ED-4DB2-BD59-A6C34878D82A}">
-                    <a16:rowId xmlns:a16="http://schemas.microsoft.com/office/drawing/2014/main" xmlns="" val="2077968695"/>
+                    <a16:rowId xmlns:a16="http://schemas.microsoft.com/office/drawing/2014/main" val="2077968695"/>
                   </a:ext>
                 </a:extLst>
               </a:tr>
@@ -30100,7 +28518,7 @@
                     <a:p>
                       <a:pPr algn="ctr"/>
                       <a:r>
-                        <a:rPr lang="en-US" altLang="zh-CN" sz="1800" b="1" smtClean="0">
+                        <a:rPr lang="en-US" altLang="zh-CN" sz="1800" b="1">
                           <a:solidFill>
                             <a:schemeClr val="tx1">
                               <a:lumMod val="75000"/>
@@ -30179,7 +28597,7 @@
                 </a:tc>
                 <a:extLst>
                   <a:ext uri="{0D108BD9-81ED-4DB2-BD59-A6C34878D82A}">
-                    <a16:rowId xmlns:a16="http://schemas.microsoft.com/office/drawing/2014/main" xmlns="" val="4192497206"/>
+                    <a16:rowId xmlns:a16="http://schemas.microsoft.com/office/drawing/2014/main" val="4192497206"/>
                   </a:ext>
                 </a:extLst>
               </a:tr>
@@ -30210,7 +28628,7 @@
           <a:lstStyle/>
           <a:p>
             <a:r>
-              <a:rPr lang="zh-CN" altLang="en-US" sz="2400" b="1" smtClean="0">
+              <a:rPr lang="zh-CN" altLang="en-US" sz="2400" b="1">
                 <a:solidFill>
                   <a:schemeClr val="tx1">
                     <a:lumMod val="75000"/>
@@ -30222,16 +28640,6 @@
               </a:rPr>
               <a:t>其它成员</a:t>
             </a:r>
-            <a:endParaRPr lang="zh-CN" altLang="en-US" sz="2400" b="1">
-              <a:solidFill>
-                <a:schemeClr val="tx1">
-                  <a:lumMod val="75000"/>
-                  <a:lumOff val="25000"/>
-                </a:schemeClr>
-              </a:solidFill>
-              <a:latin typeface="微软雅黑" panose="020B0503020204020204" pitchFamily="34" charset="-122"/>
-              <a:ea typeface="微软雅黑" panose="020B0503020204020204" pitchFamily="34" charset="-122"/>
-            </a:endParaRPr>
           </a:p>
         </p:txBody>
       </p:sp>
@@ -30258,7 +28666,7 @@
           <a:lstStyle/>
           <a:p>
             <a:r>
-              <a:rPr lang="en-US" altLang="zh-CN" sz="2400" b="1" smtClean="0">
+              <a:rPr lang="en-US" altLang="zh-CN" sz="2400" b="1">
                 <a:solidFill>
                   <a:schemeClr val="tx1">
                     <a:lumMod val="75000"/>
@@ -30271,7 +28679,7 @@
               <a:t>Derive</a:t>
             </a:r>
             <a:r>
-              <a:rPr lang="zh-CN" altLang="en-US" sz="2400" b="1" smtClean="0">
+              <a:rPr lang="zh-CN" altLang="en-US" sz="2400" b="1">
                 <a:solidFill>
                   <a:schemeClr val="tx1">
                     <a:lumMod val="75000"/>
@@ -30283,16 +28691,6 @@
               </a:rPr>
               <a:t>对象</a:t>
             </a:r>
-            <a:endParaRPr lang="zh-CN" altLang="en-US" sz="2400" b="1">
-              <a:solidFill>
-                <a:schemeClr val="tx1">
-                  <a:lumMod val="75000"/>
-                  <a:lumOff val="25000"/>
-                </a:schemeClr>
-              </a:solidFill>
-              <a:latin typeface="微软雅黑" panose="020B0503020204020204" pitchFamily="34" charset="-122"/>
-              <a:ea typeface="微软雅黑" panose="020B0503020204020204" pitchFamily="34" charset="-122"/>
-            </a:endParaRPr>
           </a:p>
         </p:txBody>
       </p:sp>
@@ -30409,13 +28807,6 @@
   <p:clrMapOvr>
     <a:masterClrMapping/>
   </p:clrMapOvr>
-  <p:timing>
-    <p:tnLst>
-      <p:par>
-        <p:cTn id="1" dur="indefinite" restart="never" nodeType="tmRoot"/>
-      </p:par>
-    </p:tnLst>
-  </p:timing>
 </p:sld>
 </file>
 
@@ -30498,7 +28889,7 @@
               <a:defRPr/>
             </a:pPr>
             <a:r>
-              <a:rPr lang="en-US" altLang="zh-CN" sz="3200" b="1" kern="0" smtClean="0">
+              <a:rPr lang="en-US" altLang="zh-CN" sz="3200" b="1" kern="0">
                 <a:solidFill>
                   <a:schemeClr val="tx1">
                     <a:lumMod val="75000"/>
@@ -30512,7 +28903,7 @@
               <a:t>"</a:t>
             </a:r>
             <a:r>
-              <a:rPr lang="zh-CN" altLang="en-US" sz="3200" b="1" kern="0" smtClean="0">
+              <a:rPr lang="zh-CN" altLang="en-US" sz="3200" b="1" kern="0">
                 <a:solidFill>
                   <a:srgbClr val="C00000"/>
                 </a:solidFill>
@@ -30551,7 +28942,7 @@
               <a:t>单重继承</a:t>
             </a:r>
             <a:r>
-              <a:rPr lang="en-US" altLang="zh-CN" sz="3200" b="1" kern="0" smtClean="0">
+              <a:rPr lang="en-US" altLang="zh-CN" sz="3200" b="1" kern="0">
                 <a:solidFill>
                   <a:schemeClr val="tx1">
                     <a:lumMod val="75000"/>
@@ -30564,17 +28955,6 @@
               </a:rPr>
               <a:t>):</a:t>
             </a:r>
-            <a:endParaRPr lang="en-US" altLang="zh-CN" sz="3200" b="1" kern="0">
-              <a:solidFill>
-                <a:schemeClr val="tx1">
-                  <a:lumMod val="75000"/>
-                  <a:lumOff val="25000"/>
-                </a:schemeClr>
-              </a:solidFill>
-              <a:latin typeface="微软雅黑" panose="020B0503020204020204" pitchFamily="34" charset="-122"/>
-              <a:ea typeface="微软雅黑" panose="020B0503020204020204" pitchFamily="34" charset="-122"/>
-              <a:cs typeface="Courier New" pitchFamily="49" charset="0"/>
-            </a:endParaRPr>
           </a:p>
         </p:txBody>
       </p:sp>
@@ -30613,7 +28993,7 @@
                 <a:gridCol w="1939637">
                   <a:extLst>
                     <a:ext uri="{9D8B030D-6E8A-4147-A177-3AD203B41FA5}">
-                      <a16:colId xmlns:a16="http://schemas.microsoft.com/office/drawing/2014/main" xmlns="" val="4040497553"/>
+                      <a16:colId xmlns:a16="http://schemas.microsoft.com/office/drawing/2014/main" val="4040497553"/>
                     </a:ext>
                   </a:extLst>
                 </a:gridCol>
@@ -30626,7 +29006,7 @@
                     <a:p>
                       <a:pPr algn="ctr"/>
                       <a:r>
-                        <a:rPr lang="en-US" altLang="zh-CN" sz="2000" b="1" smtClean="0">
+                        <a:rPr lang="en-US" altLang="zh-CN" sz="2000" b="1">
                           <a:latin typeface="微软雅黑" panose="020B0503020204020204" pitchFamily="34" charset="-122"/>
                           <a:ea typeface="微软雅黑" panose="020B0503020204020204" pitchFamily="34" charset="-122"/>
                         </a:rPr>
@@ -30692,7 +29072,7 @@
                 </a:tc>
                 <a:extLst>
                   <a:ext uri="{0D108BD9-81ED-4DB2-BD59-A6C34878D82A}">
-                    <a16:rowId xmlns:a16="http://schemas.microsoft.com/office/drawing/2014/main" xmlns="" val="286246941"/>
+                    <a16:rowId xmlns:a16="http://schemas.microsoft.com/office/drawing/2014/main" val="286246941"/>
                   </a:ext>
                 </a:extLst>
               </a:tr>
@@ -30704,7 +29084,7 @@
                     <a:p>
                       <a:pPr algn="ctr"/>
                       <a:r>
-                        <a:rPr lang="en-US" altLang="zh-CN" sz="2000" b="1" smtClean="0">
+                        <a:rPr lang="en-US" altLang="zh-CN" sz="2000" b="1">
                           <a:solidFill>
                             <a:schemeClr val="tx1">
                               <a:lumMod val="75000"/>
@@ -30783,7 +29163,7 @@
                 </a:tc>
                 <a:extLst>
                   <a:ext uri="{0D108BD9-81ED-4DB2-BD59-A6C34878D82A}">
-                    <a16:rowId xmlns:a16="http://schemas.microsoft.com/office/drawing/2014/main" xmlns="" val="2829296779"/>
+                    <a16:rowId xmlns:a16="http://schemas.microsoft.com/office/drawing/2014/main" val="2829296779"/>
                   </a:ext>
                 </a:extLst>
               </a:tr>
@@ -30795,7 +29175,7 @@
                     <a:p>
                       <a:pPr algn="ctr"/>
                       <a:r>
-                        <a:rPr lang="en-US" altLang="zh-CN" sz="2000" b="1" smtClean="0">
+                        <a:rPr lang="en-US" altLang="zh-CN" sz="2000" b="1">
                           <a:solidFill>
                             <a:schemeClr val="tx1">
                               <a:lumMod val="75000"/>
@@ -30874,7 +29254,7 @@
                 </a:tc>
                 <a:extLst>
                   <a:ext uri="{0D108BD9-81ED-4DB2-BD59-A6C34878D82A}">
-                    <a16:rowId xmlns:a16="http://schemas.microsoft.com/office/drawing/2014/main" xmlns="" val="3763321681"/>
+                    <a16:rowId xmlns:a16="http://schemas.microsoft.com/office/drawing/2014/main" val="3763321681"/>
                   </a:ext>
                 </a:extLst>
               </a:tr>
@@ -30886,7 +29266,7 @@
                     <a:p>
                       <a:pPr algn="ctr"/>
                       <a:r>
-                        <a:rPr lang="en-US" altLang="zh-CN" sz="2000" b="1" smtClean="0">
+                        <a:rPr lang="en-US" altLang="zh-CN" sz="2000" b="1">
                           <a:solidFill>
                             <a:schemeClr val="tx1">
                               <a:lumMod val="75000"/>
@@ -30965,7 +29345,7 @@
                 </a:tc>
                 <a:extLst>
                   <a:ext uri="{0D108BD9-81ED-4DB2-BD59-A6C34878D82A}">
-                    <a16:rowId xmlns:a16="http://schemas.microsoft.com/office/drawing/2014/main" xmlns="" val="1577470295"/>
+                    <a16:rowId xmlns:a16="http://schemas.microsoft.com/office/drawing/2014/main" val="1577470295"/>
                   </a:ext>
                 </a:extLst>
               </a:tr>
@@ -31008,7 +29388,7 @@
                 <a:gridCol w="1939637">
                   <a:extLst>
                     <a:ext uri="{9D8B030D-6E8A-4147-A177-3AD203B41FA5}">
-                      <a16:colId xmlns:a16="http://schemas.microsoft.com/office/drawing/2014/main" xmlns="" val="4040497553"/>
+                      <a16:colId xmlns:a16="http://schemas.microsoft.com/office/drawing/2014/main" val="4040497553"/>
                     </a:ext>
                   </a:extLst>
                 </a:gridCol>
@@ -31021,7 +29401,7 @@
                     <a:p>
                       <a:pPr algn="ctr"/>
                       <a:r>
-                        <a:rPr lang="en-US" altLang="zh-CN" sz="2000" b="1" smtClean="0">
+                        <a:rPr lang="en-US" altLang="zh-CN" sz="2000" b="1">
                           <a:latin typeface="微软雅黑" panose="020B0503020204020204" pitchFamily="34" charset="-122"/>
                           <a:ea typeface="微软雅黑" panose="020B0503020204020204" pitchFamily="34" charset="-122"/>
                         </a:rPr>
@@ -31087,7 +29467,7 @@
                 </a:tc>
                 <a:extLst>
                   <a:ext uri="{0D108BD9-81ED-4DB2-BD59-A6C34878D82A}">
-                    <a16:rowId xmlns:a16="http://schemas.microsoft.com/office/drawing/2014/main" xmlns="" val="286246941"/>
+                    <a16:rowId xmlns:a16="http://schemas.microsoft.com/office/drawing/2014/main" val="286246941"/>
                   </a:ext>
                 </a:extLst>
               </a:tr>
@@ -31099,7 +29479,7 @@
                     <a:p>
                       <a:pPr algn="ctr"/>
                       <a:r>
-                        <a:rPr lang="en-US" altLang="zh-CN" sz="2000" b="1" smtClean="0">
+                        <a:rPr lang="en-US" altLang="zh-CN" sz="2000" b="1">
                           <a:solidFill>
                             <a:schemeClr val="tx1">
                               <a:lumMod val="75000"/>
@@ -31178,7 +29558,7 @@
                 </a:tc>
                 <a:extLst>
                   <a:ext uri="{0D108BD9-81ED-4DB2-BD59-A6C34878D82A}">
-                    <a16:rowId xmlns:a16="http://schemas.microsoft.com/office/drawing/2014/main" xmlns="" val="2829296779"/>
+                    <a16:rowId xmlns:a16="http://schemas.microsoft.com/office/drawing/2014/main" val="2829296779"/>
                   </a:ext>
                 </a:extLst>
               </a:tr>
@@ -31190,7 +29570,7 @@
                     <a:p>
                       <a:pPr algn="ctr"/>
                       <a:r>
-                        <a:rPr lang="en-US" altLang="zh-CN" sz="2000" b="1" smtClean="0">
+                        <a:rPr lang="en-US" altLang="zh-CN" sz="2000" b="1">
                           <a:solidFill>
                             <a:schemeClr val="tx1">
                               <a:lumMod val="75000"/>
@@ -31269,7 +29649,7 @@
                 </a:tc>
                 <a:extLst>
                   <a:ext uri="{0D108BD9-81ED-4DB2-BD59-A6C34878D82A}">
-                    <a16:rowId xmlns:a16="http://schemas.microsoft.com/office/drawing/2014/main" xmlns="" val="3763321681"/>
+                    <a16:rowId xmlns:a16="http://schemas.microsoft.com/office/drawing/2014/main" val="3763321681"/>
                   </a:ext>
                 </a:extLst>
               </a:tr>
@@ -31281,7 +29661,7 @@
                     <a:p>
                       <a:pPr algn="ctr"/>
                       <a:r>
-                        <a:rPr lang="en-US" altLang="zh-CN" sz="2000" b="1" smtClean="0">
+                        <a:rPr lang="en-US" altLang="zh-CN" sz="2000" b="1">
                           <a:solidFill>
                             <a:schemeClr val="tx1">
                               <a:lumMod val="75000"/>
@@ -31360,7 +29740,7 @@
                 </a:tc>
                 <a:extLst>
                   <a:ext uri="{0D108BD9-81ED-4DB2-BD59-A6C34878D82A}">
-                    <a16:rowId xmlns:a16="http://schemas.microsoft.com/office/drawing/2014/main" xmlns="" val="1577470295"/>
+                    <a16:rowId xmlns:a16="http://schemas.microsoft.com/office/drawing/2014/main" val="1577470295"/>
                   </a:ext>
                 </a:extLst>
               </a:tr>
@@ -31448,31 +29828,8 @@
                 <a:latin typeface="微软雅黑" panose="020B0503020204020204" pitchFamily="34" charset="-122"/>
                 <a:ea typeface="微软雅黑" panose="020B0503020204020204" pitchFamily="34" charset="-122"/>
               </a:rPr>
-              <a:t>虚</a:t>
-            </a:r>
-            <a:r>
-              <a:rPr lang="zh-CN" altLang="en-US" sz="2400" b="1" smtClean="0">
-                <a:solidFill>
-                  <a:schemeClr val="tx1">
-                    <a:lumMod val="75000"/>
-                    <a:lumOff val="25000"/>
-                  </a:schemeClr>
-                </a:solidFill>
-                <a:latin typeface="微软雅黑" panose="020B0503020204020204" pitchFamily="34" charset="-122"/>
-                <a:ea typeface="微软雅黑" panose="020B0503020204020204" pitchFamily="34" charset="-122"/>
-              </a:rPr>
-              <a:t>函数表</a:t>
-            </a:r>
-            <a:endParaRPr lang="zh-CN" altLang="en-US" sz="2400" b="1">
-              <a:solidFill>
-                <a:schemeClr val="tx1">
-                  <a:lumMod val="75000"/>
-                  <a:lumOff val="25000"/>
-                </a:schemeClr>
-              </a:solidFill>
-              <a:latin typeface="微软雅黑" panose="020B0503020204020204" pitchFamily="34" charset="-122"/>
-              <a:ea typeface="微软雅黑" panose="020B0503020204020204" pitchFamily="34" charset="-122"/>
-            </a:endParaRPr>
+              <a:t>虚函数表</a:t>
+            </a:r>
           </a:p>
         </p:txBody>
       </p:sp>
@@ -31511,7 +29868,7 @@
                 <a:gridCol w="1397726">
                   <a:extLst>
                     <a:ext uri="{9D8B030D-6E8A-4147-A177-3AD203B41FA5}">
-                      <a16:colId xmlns:a16="http://schemas.microsoft.com/office/drawing/2014/main" xmlns="" val="2587462782"/>
+                      <a16:colId xmlns:a16="http://schemas.microsoft.com/office/drawing/2014/main" val="2587462782"/>
                     </a:ext>
                   </a:extLst>
                 </a:gridCol>
@@ -31524,7 +29881,7 @@
                     <a:p>
                       <a:pPr algn="ctr"/>
                       <a:r>
-                        <a:rPr lang="en-US" altLang="zh-CN" sz="2000" smtClean="0">
+                        <a:rPr lang="en-US" altLang="zh-CN" sz="2000">
                           <a:solidFill>
                             <a:schemeClr val="tx1">
                               <a:lumMod val="75000"/>
@@ -31603,7 +29960,7 @@
                 </a:tc>
                 <a:extLst>
                   <a:ext uri="{0D108BD9-81ED-4DB2-BD59-A6C34878D82A}">
-                    <a16:rowId xmlns:a16="http://schemas.microsoft.com/office/drawing/2014/main" xmlns="" val="3696843"/>
+                    <a16:rowId xmlns:a16="http://schemas.microsoft.com/office/drawing/2014/main" val="3696843"/>
                   </a:ext>
                 </a:extLst>
               </a:tr>
@@ -31615,7 +29972,7 @@
                     <a:p>
                       <a:pPr algn="ctr"/>
                       <a:r>
-                        <a:rPr lang="en-US" altLang="zh-CN" sz="2000" smtClean="0">
+                        <a:rPr lang="en-US" altLang="zh-CN" sz="2000">
                           <a:solidFill>
                             <a:schemeClr val="tx1">
                               <a:lumMod val="75000"/>
@@ -31694,7 +30051,7 @@
                 </a:tc>
                 <a:extLst>
                   <a:ext uri="{0D108BD9-81ED-4DB2-BD59-A6C34878D82A}">
-                    <a16:rowId xmlns:a16="http://schemas.microsoft.com/office/drawing/2014/main" xmlns="" val="3871144980"/>
+                    <a16:rowId xmlns:a16="http://schemas.microsoft.com/office/drawing/2014/main" val="3871144980"/>
                   </a:ext>
                 </a:extLst>
               </a:tr>
@@ -31706,7 +30063,7 @@
                     <a:p>
                       <a:pPr algn="ctr"/>
                       <a:r>
-                        <a:rPr lang="en-US" altLang="zh-CN" sz="2000" smtClean="0">
+                        <a:rPr lang="en-US" altLang="zh-CN" sz="2000">
                           <a:solidFill>
                             <a:schemeClr val="tx1">
                               <a:lumMod val="75000"/>
@@ -31785,7 +30142,7 @@
                 </a:tc>
                 <a:extLst>
                   <a:ext uri="{0D108BD9-81ED-4DB2-BD59-A6C34878D82A}">
-                    <a16:rowId xmlns:a16="http://schemas.microsoft.com/office/drawing/2014/main" xmlns="" val="3536056795"/>
+                    <a16:rowId xmlns:a16="http://schemas.microsoft.com/office/drawing/2014/main" val="3536056795"/>
                   </a:ext>
                 </a:extLst>
               </a:tr>
@@ -31797,7 +30154,7 @@
                     <a:p>
                       <a:pPr algn="ctr"/>
                       <a:r>
-                        <a:rPr lang="en-US" altLang="zh-CN" sz="2000" smtClean="0">
+                        <a:rPr lang="en-US" altLang="zh-CN" sz="2000">
                           <a:solidFill>
                             <a:schemeClr val="tx1">
                               <a:lumMod val="75000"/>
@@ -31876,7 +30233,7 @@
                 </a:tc>
                 <a:extLst>
                   <a:ext uri="{0D108BD9-81ED-4DB2-BD59-A6C34878D82A}">
-                    <a16:rowId xmlns:a16="http://schemas.microsoft.com/office/drawing/2014/main" xmlns="" val="4192497206"/>
+                    <a16:rowId xmlns:a16="http://schemas.microsoft.com/office/drawing/2014/main" val="4192497206"/>
                   </a:ext>
                 </a:extLst>
               </a:tr>
@@ -31919,7 +30276,7 @@
                 <a:gridCol w="1397726">
                   <a:extLst>
                     <a:ext uri="{9D8B030D-6E8A-4147-A177-3AD203B41FA5}">
-                      <a16:colId xmlns:a16="http://schemas.microsoft.com/office/drawing/2014/main" xmlns="" val="2587462782"/>
+                      <a16:colId xmlns:a16="http://schemas.microsoft.com/office/drawing/2014/main" val="2587462782"/>
                     </a:ext>
                   </a:extLst>
                 </a:gridCol>
@@ -31948,7 +30305,7 @@
                         <a:defRPr/>
                       </a:pPr>
                       <a:r>
-                        <a:rPr lang="en-US" altLang="zh-CN" sz="2000" b="1" smtClean="0">
+                        <a:rPr lang="en-US" altLang="zh-CN" sz="2000" b="1">
                           <a:solidFill>
                             <a:schemeClr val="tx1">
                               <a:lumMod val="75000"/>
@@ -31960,7 +30317,7 @@
                         </a:rPr>
                         <a:t>Base::a()</a:t>
                       </a:r>
-                      <a:endParaRPr lang="zh-CN" altLang="en-US" sz="2000" b="1" smtClean="0">
+                      <a:endParaRPr lang="zh-CN" altLang="en-US" sz="2000" b="1">
                         <a:solidFill>
                           <a:schemeClr val="tx1">
                             <a:lumMod val="75000"/>
@@ -32027,7 +30384,7 @@
                 </a:tc>
                 <a:extLst>
                   <a:ext uri="{0D108BD9-81ED-4DB2-BD59-A6C34878D82A}">
-                    <a16:rowId xmlns:a16="http://schemas.microsoft.com/office/drawing/2014/main" xmlns="" val="3696843"/>
+                    <a16:rowId xmlns:a16="http://schemas.microsoft.com/office/drawing/2014/main" val="3696843"/>
                   </a:ext>
                 </a:extLst>
               </a:tr>
@@ -32039,7 +30396,7 @@
                     <a:p>
                       <a:pPr algn="ctr"/>
                       <a:r>
-                        <a:rPr lang="en-US" altLang="zh-CN" sz="2000" b="1" smtClean="0">
+                        <a:rPr lang="en-US" altLang="zh-CN" sz="2000" b="1">
                           <a:solidFill>
                             <a:schemeClr val="tx1">
                               <a:lumMod val="75000"/>
@@ -32118,7 +30475,7 @@
                 </a:tc>
                 <a:extLst>
                   <a:ext uri="{0D108BD9-81ED-4DB2-BD59-A6C34878D82A}">
-                    <a16:rowId xmlns:a16="http://schemas.microsoft.com/office/drawing/2014/main" xmlns="" val="3871144980"/>
+                    <a16:rowId xmlns:a16="http://schemas.microsoft.com/office/drawing/2014/main" val="3871144980"/>
                   </a:ext>
                 </a:extLst>
               </a:tr>
@@ -32130,7 +30487,7 @@
                     <a:p>
                       <a:pPr algn="ctr"/>
                       <a:r>
-                        <a:rPr lang="en-US" altLang="zh-CN" sz="2000" b="1" smtClean="0">
+                        <a:rPr lang="en-US" altLang="zh-CN" sz="2000" b="1">
                           <a:solidFill>
                             <a:schemeClr val="tx1">
                               <a:lumMod val="75000"/>
@@ -32209,7 +30566,7 @@
                 </a:tc>
                 <a:extLst>
                   <a:ext uri="{0D108BD9-81ED-4DB2-BD59-A6C34878D82A}">
-                    <a16:rowId xmlns:a16="http://schemas.microsoft.com/office/drawing/2014/main" xmlns="" val="3536056795"/>
+                    <a16:rowId xmlns:a16="http://schemas.microsoft.com/office/drawing/2014/main" val="3536056795"/>
                   </a:ext>
                 </a:extLst>
               </a:tr>
@@ -32221,7 +30578,7 @@
                     <a:p>
                       <a:pPr algn="ctr"/>
                       <a:r>
-                        <a:rPr lang="en-US" altLang="zh-CN" sz="2000" b="1" smtClean="0">
+                        <a:rPr lang="en-US" altLang="zh-CN" sz="2000" b="1">
                           <a:solidFill>
                             <a:schemeClr val="tx1">
                               <a:lumMod val="75000"/>
@@ -32300,7 +30657,7 @@
                 </a:tc>
                 <a:extLst>
                   <a:ext uri="{0D108BD9-81ED-4DB2-BD59-A6C34878D82A}">
-                    <a16:rowId xmlns:a16="http://schemas.microsoft.com/office/drawing/2014/main" xmlns="" val="4192497206"/>
+                    <a16:rowId xmlns:a16="http://schemas.microsoft.com/office/drawing/2014/main" val="4192497206"/>
                   </a:ext>
                 </a:extLst>
               </a:tr>
@@ -32331,7 +30688,7 @@
           <a:lstStyle/>
           <a:p>
             <a:r>
-              <a:rPr lang="zh-CN" altLang="en-US" sz="2400" b="1" smtClean="0">
+              <a:rPr lang="zh-CN" altLang="en-US" sz="2400" b="1">
                 <a:solidFill>
                   <a:schemeClr val="tx1">
                     <a:lumMod val="75000"/>
@@ -32343,16 +30700,6 @@
               </a:rPr>
               <a:t>其它成员</a:t>
             </a:r>
-            <a:endParaRPr lang="zh-CN" altLang="en-US" sz="2400" b="1">
-              <a:solidFill>
-                <a:schemeClr val="tx1">
-                  <a:lumMod val="75000"/>
-                  <a:lumOff val="25000"/>
-                </a:schemeClr>
-              </a:solidFill>
-              <a:latin typeface="微软雅黑" panose="020B0503020204020204" pitchFamily="34" charset="-122"/>
-              <a:ea typeface="微软雅黑" panose="020B0503020204020204" pitchFamily="34" charset="-122"/>
-            </a:endParaRPr>
           </a:p>
         </p:txBody>
       </p:sp>
@@ -32379,7 +30726,7 @@
           <a:lstStyle/>
           <a:p>
             <a:r>
-              <a:rPr lang="en-US" altLang="zh-CN" sz="2400" b="1" smtClean="0">
+              <a:rPr lang="en-US" altLang="zh-CN" sz="2400" b="1">
                 <a:solidFill>
                   <a:schemeClr val="tx1">
                     <a:lumMod val="75000"/>
@@ -32392,7 +30739,7 @@
               <a:t>Base</a:t>
             </a:r>
             <a:r>
-              <a:rPr lang="zh-CN" altLang="en-US" sz="2400" b="1" smtClean="0">
+              <a:rPr lang="zh-CN" altLang="en-US" sz="2400" b="1">
                 <a:solidFill>
                   <a:schemeClr val="tx1">
                     <a:lumMod val="75000"/>
@@ -32404,16 +30751,6 @@
               </a:rPr>
               <a:t>对象</a:t>
             </a:r>
-            <a:endParaRPr lang="zh-CN" altLang="en-US" sz="2400" b="1">
-              <a:solidFill>
-                <a:schemeClr val="tx1">
-                  <a:lumMod val="75000"/>
-                  <a:lumOff val="25000"/>
-                </a:schemeClr>
-              </a:solidFill>
-              <a:latin typeface="微软雅黑" panose="020B0503020204020204" pitchFamily="34" charset="-122"/>
-              <a:ea typeface="微软雅黑" panose="020B0503020204020204" pitchFamily="34" charset="-122"/>
-            </a:endParaRPr>
           </a:p>
         </p:txBody>
       </p:sp>
@@ -32493,31 +30830,8 @@
                 <a:latin typeface="微软雅黑" panose="020B0503020204020204" pitchFamily="34" charset="-122"/>
                 <a:ea typeface="微软雅黑" panose="020B0503020204020204" pitchFamily="34" charset="-122"/>
               </a:rPr>
-              <a:t>虚</a:t>
-            </a:r>
-            <a:r>
-              <a:rPr lang="zh-CN" altLang="en-US" sz="2400" b="1" smtClean="0">
-                <a:solidFill>
-                  <a:schemeClr val="tx1">
-                    <a:lumMod val="75000"/>
-                    <a:lumOff val="25000"/>
-                  </a:schemeClr>
-                </a:solidFill>
-                <a:latin typeface="微软雅黑" panose="020B0503020204020204" pitchFamily="34" charset="-122"/>
-                <a:ea typeface="微软雅黑" panose="020B0503020204020204" pitchFamily="34" charset="-122"/>
-              </a:rPr>
-              <a:t>函数表</a:t>
-            </a:r>
-            <a:endParaRPr lang="zh-CN" altLang="en-US" sz="2400" b="1">
-              <a:solidFill>
-                <a:schemeClr val="tx1">
-                  <a:lumMod val="75000"/>
-                  <a:lumOff val="25000"/>
-                </a:schemeClr>
-              </a:solidFill>
-              <a:latin typeface="微软雅黑" panose="020B0503020204020204" pitchFamily="34" charset="-122"/>
-              <a:ea typeface="微软雅黑" panose="020B0503020204020204" pitchFamily="34" charset="-122"/>
-            </a:endParaRPr>
+              <a:t>虚函数表</a:t>
+            </a:r>
           </a:p>
         </p:txBody>
       </p:sp>
@@ -32556,7 +30870,7 @@
                 <a:gridCol w="1397726">
                   <a:extLst>
                     <a:ext uri="{9D8B030D-6E8A-4147-A177-3AD203B41FA5}">
-                      <a16:colId xmlns:a16="http://schemas.microsoft.com/office/drawing/2014/main" xmlns="" val="2587462782"/>
+                      <a16:colId xmlns:a16="http://schemas.microsoft.com/office/drawing/2014/main" val="2587462782"/>
                     </a:ext>
                   </a:extLst>
                 </a:gridCol>
@@ -32569,7 +30883,7 @@
                     <a:p>
                       <a:pPr algn="ctr"/>
                       <a:r>
-                        <a:rPr lang="en-US" altLang="zh-CN" sz="2000" smtClean="0">
+                        <a:rPr lang="en-US" altLang="zh-CN" sz="2000">
                           <a:solidFill>
                             <a:schemeClr val="tx1">
                               <a:lumMod val="75000"/>
@@ -32648,7 +30962,7 @@
                 </a:tc>
                 <a:extLst>
                   <a:ext uri="{0D108BD9-81ED-4DB2-BD59-A6C34878D82A}">
-                    <a16:rowId xmlns:a16="http://schemas.microsoft.com/office/drawing/2014/main" xmlns="" val="3696843"/>
+                    <a16:rowId xmlns:a16="http://schemas.microsoft.com/office/drawing/2014/main" val="3696843"/>
                   </a:ext>
                 </a:extLst>
               </a:tr>
@@ -32660,7 +30974,7 @@
                     <a:p>
                       <a:pPr algn="ctr"/>
                       <a:r>
-                        <a:rPr lang="en-US" altLang="zh-CN" sz="2000" smtClean="0">
+                        <a:rPr lang="en-US" altLang="zh-CN" sz="2000">
                           <a:solidFill>
                             <a:schemeClr val="tx1">
                               <a:lumMod val="75000"/>
@@ -32739,7 +31053,7 @@
                 </a:tc>
                 <a:extLst>
                   <a:ext uri="{0D108BD9-81ED-4DB2-BD59-A6C34878D82A}">
-                    <a16:rowId xmlns:a16="http://schemas.microsoft.com/office/drawing/2014/main" xmlns="" val="3871144980"/>
+                    <a16:rowId xmlns:a16="http://schemas.microsoft.com/office/drawing/2014/main" val="3871144980"/>
                   </a:ext>
                 </a:extLst>
               </a:tr>
@@ -32751,7 +31065,7 @@
                     <a:p>
                       <a:pPr algn="ctr"/>
                       <a:r>
-                        <a:rPr lang="en-US" altLang="zh-CN" sz="2000" smtClean="0">
+                        <a:rPr lang="en-US" altLang="zh-CN" sz="2000">
                           <a:solidFill>
                             <a:schemeClr val="tx1">
                               <a:lumMod val="75000"/>
@@ -32830,7 +31144,7 @@
                 </a:tc>
                 <a:extLst>
                   <a:ext uri="{0D108BD9-81ED-4DB2-BD59-A6C34878D82A}">
-                    <a16:rowId xmlns:a16="http://schemas.microsoft.com/office/drawing/2014/main" xmlns="" val="3536056795"/>
+                    <a16:rowId xmlns:a16="http://schemas.microsoft.com/office/drawing/2014/main" val="3536056795"/>
                   </a:ext>
                 </a:extLst>
               </a:tr>
@@ -32842,7 +31156,7 @@
                     <a:p>
                       <a:pPr algn="ctr"/>
                       <a:r>
-                        <a:rPr lang="en-US" altLang="zh-CN" sz="2000" smtClean="0">
+                        <a:rPr lang="en-US" altLang="zh-CN" sz="2000">
                           <a:solidFill>
                             <a:schemeClr val="tx1">
                               <a:lumMod val="75000"/>
@@ -32921,7 +31235,7 @@
                 </a:tc>
                 <a:extLst>
                   <a:ext uri="{0D108BD9-81ED-4DB2-BD59-A6C34878D82A}">
-                    <a16:rowId xmlns:a16="http://schemas.microsoft.com/office/drawing/2014/main" xmlns="" val="4192497206"/>
+                    <a16:rowId xmlns:a16="http://schemas.microsoft.com/office/drawing/2014/main" val="4192497206"/>
                   </a:ext>
                 </a:extLst>
               </a:tr>
@@ -32964,7 +31278,7 @@
                 <a:gridCol w="1975530">
                   <a:extLst>
                     <a:ext uri="{9D8B030D-6E8A-4147-A177-3AD203B41FA5}">
-                      <a16:colId xmlns:a16="http://schemas.microsoft.com/office/drawing/2014/main" xmlns="" val="2587462782"/>
+                      <a16:colId xmlns:a16="http://schemas.microsoft.com/office/drawing/2014/main" val="2587462782"/>
                     </a:ext>
                   </a:extLst>
                 </a:gridCol>
@@ -32993,7 +31307,7 @@
                         <a:defRPr/>
                       </a:pPr>
                       <a:r>
-                        <a:rPr lang="en-US" altLang="zh-CN" sz="1800" b="1" smtClean="0">
+                        <a:rPr lang="en-US" altLang="zh-CN" sz="1800" b="1">
                           <a:solidFill>
                             <a:srgbClr val="C00000"/>
                           </a:solidFill>
@@ -33002,7 +31316,7 @@
                         </a:rPr>
                         <a:t>Derive::a()</a:t>
                       </a:r>
-                      <a:endParaRPr lang="zh-CN" altLang="en-US" sz="1800" b="1" smtClean="0">
+                      <a:endParaRPr lang="zh-CN" altLang="en-US" sz="1800" b="1">
                         <a:solidFill>
                           <a:srgbClr val="C00000"/>
                         </a:solidFill>
@@ -33066,7 +31380,7 @@
                 </a:tc>
                 <a:extLst>
                   <a:ext uri="{0D108BD9-81ED-4DB2-BD59-A6C34878D82A}">
-                    <a16:rowId xmlns:a16="http://schemas.microsoft.com/office/drawing/2014/main" xmlns="" val="3696843"/>
+                    <a16:rowId xmlns:a16="http://schemas.microsoft.com/office/drawing/2014/main" val="3696843"/>
                   </a:ext>
                 </a:extLst>
               </a:tr>
@@ -33078,7 +31392,7 @@
                     <a:p>
                       <a:pPr algn="ctr"/>
                       <a:r>
-                        <a:rPr lang="en-US" altLang="zh-CN" sz="1800" b="1" smtClean="0">
+                        <a:rPr lang="en-US" altLang="zh-CN" sz="1800" b="1">
                           <a:solidFill>
                             <a:schemeClr val="tx1">
                               <a:lumMod val="75000"/>
@@ -33157,7 +31471,7 @@
                 </a:tc>
                 <a:extLst>
                   <a:ext uri="{0D108BD9-81ED-4DB2-BD59-A6C34878D82A}">
-                    <a16:rowId xmlns:a16="http://schemas.microsoft.com/office/drawing/2014/main" xmlns="" val="3871144980"/>
+                    <a16:rowId xmlns:a16="http://schemas.microsoft.com/office/drawing/2014/main" val="3871144980"/>
                   </a:ext>
                 </a:extLst>
               </a:tr>
@@ -33169,7 +31483,7 @@
                     <a:p>
                       <a:pPr algn="ctr"/>
                       <a:r>
-                        <a:rPr lang="en-US" altLang="zh-CN" sz="1800" b="1" smtClean="0">
+                        <a:rPr lang="en-US" altLang="zh-CN" sz="1800" b="1">
                           <a:solidFill>
                             <a:schemeClr val="tx1">
                               <a:lumMod val="75000"/>
@@ -33248,7 +31562,7 @@
                 </a:tc>
                 <a:extLst>
                   <a:ext uri="{0D108BD9-81ED-4DB2-BD59-A6C34878D82A}">
-                    <a16:rowId xmlns:a16="http://schemas.microsoft.com/office/drawing/2014/main" xmlns="" val="3536056795"/>
+                    <a16:rowId xmlns:a16="http://schemas.microsoft.com/office/drawing/2014/main" val="3536056795"/>
                   </a:ext>
                 </a:extLst>
               </a:tr>
@@ -33260,7 +31574,7 @@
                     <a:p>
                       <a:pPr algn="ctr"/>
                       <a:r>
-                        <a:rPr lang="en-US" altLang="zh-CN" sz="1800" b="1" smtClean="0">
+                        <a:rPr lang="en-US" altLang="zh-CN" sz="1800" b="1">
                           <a:solidFill>
                             <a:schemeClr val="tx1">
                               <a:lumMod val="75000"/>
@@ -33339,7 +31653,7 @@
                 </a:tc>
                 <a:extLst>
                   <a:ext uri="{0D108BD9-81ED-4DB2-BD59-A6C34878D82A}">
-                    <a16:rowId xmlns:a16="http://schemas.microsoft.com/office/drawing/2014/main" xmlns="" val="2928945793"/>
+                    <a16:rowId xmlns:a16="http://schemas.microsoft.com/office/drawing/2014/main" val="2928945793"/>
                   </a:ext>
                 </a:extLst>
               </a:tr>
@@ -33351,7 +31665,7 @@
                     <a:p>
                       <a:pPr algn="ctr"/>
                       <a:r>
-                        <a:rPr lang="en-US" altLang="zh-CN" sz="1800" b="1" smtClean="0">
+                        <a:rPr lang="en-US" altLang="zh-CN" sz="1800" b="1">
                           <a:solidFill>
                             <a:schemeClr val="tx1">
                               <a:lumMod val="75000"/>
@@ -33430,7 +31744,7 @@
                 </a:tc>
                 <a:extLst>
                   <a:ext uri="{0D108BD9-81ED-4DB2-BD59-A6C34878D82A}">
-                    <a16:rowId xmlns:a16="http://schemas.microsoft.com/office/drawing/2014/main" xmlns="" val="2077968695"/>
+                    <a16:rowId xmlns:a16="http://schemas.microsoft.com/office/drawing/2014/main" val="2077968695"/>
                   </a:ext>
                 </a:extLst>
               </a:tr>
@@ -33442,7 +31756,7 @@
                     <a:p>
                       <a:pPr algn="ctr"/>
                       <a:r>
-                        <a:rPr lang="en-US" altLang="zh-CN" sz="1800" b="1" smtClean="0">
+                        <a:rPr lang="en-US" altLang="zh-CN" sz="1800" b="1">
                           <a:solidFill>
                             <a:schemeClr val="tx1">
                               <a:lumMod val="75000"/>
@@ -33521,7 +31835,7 @@
                 </a:tc>
                 <a:extLst>
                   <a:ext uri="{0D108BD9-81ED-4DB2-BD59-A6C34878D82A}">
-                    <a16:rowId xmlns:a16="http://schemas.microsoft.com/office/drawing/2014/main" xmlns="" val="4192497206"/>
+                    <a16:rowId xmlns:a16="http://schemas.microsoft.com/office/drawing/2014/main" val="4192497206"/>
                   </a:ext>
                 </a:extLst>
               </a:tr>
@@ -33552,7 +31866,7 @@
           <a:lstStyle/>
           <a:p>
             <a:r>
-              <a:rPr lang="zh-CN" altLang="en-US" sz="2400" b="1" smtClean="0">
+              <a:rPr lang="zh-CN" altLang="en-US" sz="2400" b="1">
                 <a:solidFill>
                   <a:schemeClr val="tx1">
                     <a:lumMod val="75000"/>
@@ -33564,16 +31878,6 @@
               </a:rPr>
               <a:t>其它成员</a:t>
             </a:r>
-            <a:endParaRPr lang="zh-CN" altLang="en-US" sz="2400" b="1">
-              <a:solidFill>
-                <a:schemeClr val="tx1">
-                  <a:lumMod val="75000"/>
-                  <a:lumOff val="25000"/>
-                </a:schemeClr>
-              </a:solidFill>
-              <a:latin typeface="微软雅黑" panose="020B0503020204020204" pitchFamily="34" charset="-122"/>
-              <a:ea typeface="微软雅黑" panose="020B0503020204020204" pitchFamily="34" charset="-122"/>
-            </a:endParaRPr>
           </a:p>
         </p:txBody>
       </p:sp>
@@ -33600,7 +31904,7 @@
           <a:lstStyle/>
           <a:p>
             <a:r>
-              <a:rPr lang="en-US" altLang="zh-CN" sz="2400" b="1" smtClean="0">
+              <a:rPr lang="en-US" altLang="zh-CN" sz="2400" b="1">
                 <a:solidFill>
                   <a:schemeClr val="tx1">
                     <a:lumMod val="75000"/>
@@ -33613,7 +31917,7 @@
               <a:t>Derive</a:t>
             </a:r>
             <a:r>
-              <a:rPr lang="zh-CN" altLang="en-US" sz="2400" b="1" smtClean="0">
+              <a:rPr lang="zh-CN" altLang="en-US" sz="2400" b="1">
                 <a:solidFill>
                   <a:schemeClr val="tx1">
                     <a:lumMod val="75000"/>
@@ -33625,16 +31929,6 @@
               </a:rPr>
               <a:t>对象</a:t>
             </a:r>
-            <a:endParaRPr lang="zh-CN" altLang="en-US" sz="2400" b="1">
-              <a:solidFill>
-                <a:schemeClr val="tx1">
-                  <a:lumMod val="75000"/>
-                  <a:lumOff val="25000"/>
-                </a:schemeClr>
-              </a:solidFill>
-              <a:latin typeface="微软雅黑" panose="020B0503020204020204" pitchFamily="34" charset="-122"/>
-              <a:ea typeface="微软雅黑" panose="020B0503020204020204" pitchFamily="34" charset="-122"/>
-            </a:endParaRPr>
           </a:p>
         </p:txBody>
       </p:sp>
@@ -33729,55 +32023,7 @@
                 <a:latin typeface="微软雅黑" panose="020B0503020204020204" pitchFamily="34" charset="-122"/>
                 <a:ea typeface="微软雅黑" panose="020B0503020204020204" pitchFamily="34" charset="-122"/>
               </a:rPr>
-              <a:t>）覆盖</a:t>
-            </a:r>
-            <a:r>
-              <a:rPr lang="zh-CN" altLang="en-US" sz="2800" b="1" smtClean="0">
-                <a:solidFill>
-                  <a:schemeClr val="accent1">
-                    <a:lumMod val="50000"/>
-                  </a:schemeClr>
-                </a:solidFill>
-                <a:latin typeface="微软雅黑" panose="020B0503020204020204" pitchFamily="34" charset="-122"/>
-                <a:ea typeface="微软雅黑" panose="020B0503020204020204" pitchFamily="34" charset="-122"/>
-              </a:rPr>
-              <a:t>的函数</a:t>
-            </a:r>
-            <a:r>
-              <a:rPr lang="zh-CN" altLang="en-US" sz="2800" b="1">
-                <a:solidFill>
-                  <a:schemeClr val="accent1">
-                    <a:lumMod val="50000"/>
-                  </a:schemeClr>
-                </a:solidFill>
-                <a:latin typeface="微软雅黑" panose="020B0503020204020204" pitchFamily="34" charset="-122"/>
-                <a:ea typeface="微软雅黑" panose="020B0503020204020204" pitchFamily="34" charset="-122"/>
-              </a:rPr>
-              <a:t>被放到了虚表中原来父类虚</a:t>
-            </a:r>
-            <a:r>
-              <a:rPr lang="zh-CN" altLang="en-US" sz="2800" b="1" smtClean="0">
-                <a:solidFill>
-                  <a:schemeClr val="accent1">
-                    <a:lumMod val="50000"/>
-                  </a:schemeClr>
-                </a:solidFill>
-                <a:latin typeface="微软雅黑" panose="020B0503020204020204" pitchFamily="34" charset="-122"/>
-                <a:ea typeface="微软雅黑" panose="020B0503020204020204" pitchFamily="34" charset="-122"/>
-              </a:rPr>
-              <a:t>函数的</a:t>
-            </a:r>
-            <a:r>
-              <a:rPr lang="zh-CN" altLang="en-US" sz="2800" b="1">
-                <a:solidFill>
-                  <a:schemeClr val="accent1">
-                    <a:lumMod val="50000"/>
-                  </a:schemeClr>
-                </a:solidFill>
-                <a:latin typeface="微软雅黑" panose="020B0503020204020204" pitchFamily="34" charset="-122"/>
-                <a:ea typeface="微软雅黑" panose="020B0503020204020204" pitchFamily="34" charset="-122"/>
-              </a:rPr>
-              <a:t>位置。 </a:t>
+              <a:t>）覆盖的函数被放到了虚表中原来父类虚函数的位置。 </a:t>
             </a:r>
           </a:p>
           <a:p>
@@ -33818,24 +32064,14 @@
               </a:spcBef>
             </a:pPr>
             <a:r>
-              <a:rPr lang="en-US" altLang="zh-CN" sz="2800" b="1" smtClean="0">
+              <a:rPr lang="en-US" altLang="zh-CN" sz="2800" b="1">
                 <a:solidFill>
                   <a:srgbClr val="C00000"/>
                 </a:solidFill>
                 <a:latin typeface="微软雅黑" panose="020B0503020204020204" pitchFamily="34" charset="-122"/>
                 <a:ea typeface="微软雅黑" panose="020B0503020204020204" pitchFamily="34" charset="-122"/>
               </a:rPr>
-              <a:t>  Base </a:t>
-            </a:r>
-            <a:r>
-              <a:rPr lang="en-US" altLang="zh-CN" sz="2800" b="1">
-                <a:solidFill>
-                  <a:srgbClr val="C00000"/>
-                </a:solidFill>
-                <a:latin typeface="微软雅黑" panose="020B0503020204020204" pitchFamily="34" charset="-122"/>
-                <a:ea typeface="微软雅黑" panose="020B0503020204020204" pitchFamily="34" charset="-122"/>
-              </a:rPr>
-              <a:t>*b = new Derive(); </a:t>
+              <a:t>  Base *b = new Derive(); </a:t>
             </a:r>
           </a:p>
           <a:p>
@@ -33845,42 +32081,15 @@
               </a:spcBef>
             </a:pPr>
             <a:r>
-              <a:rPr lang="en-US" altLang="zh-CN" sz="2800" b="1" smtClean="0">
+              <a:rPr lang="en-US" altLang="zh-CN" sz="2800" b="1">
                 <a:solidFill>
                   <a:srgbClr val="C00000"/>
                 </a:solidFill>
                 <a:latin typeface="微软雅黑" panose="020B0503020204020204" pitchFamily="34" charset="-122"/>
                 <a:ea typeface="微软雅黑" panose="020B0503020204020204" pitchFamily="34" charset="-122"/>
               </a:rPr>
-              <a:t>  b-&gt;a(); </a:t>
-            </a:r>
-            <a:r>
-              <a:rPr lang="en-US" altLang="zh-CN" sz="2800" b="1">
-                <a:solidFill>
-                  <a:srgbClr val="C00000"/>
-                </a:solidFill>
-                <a:latin typeface="微软雅黑" panose="020B0503020204020204" pitchFamily="34" charset="-122"/>
-                <a:ea typeface="微软雅黑" panose="020B0503020204020204" pitchFamily="34" charset="-122"/>
-              </a:rPr>
-              <a:t>//b-&gt;Derive</a:t>
-            </a:r>
-            <a:r>
-              <a:rPr lang="en-US" altLang="zh-CN" sz="2800" b="1" smtClean="0">
-                <a:solidFill>
-                  <a:srgbClr val="C00000"/>
-                </a:solidFill>
-                <a:latin typeface="微软雅黑" panose="020B0503020204020204" pitchFamily="34" charset="-122"/>
-                <a:ea typeface="微软雅黑" panose="020B0503020204020204" pitchFamily="34" charset="-122"/>
-              </a:rPr>
-              <a:t>::a(); </a:t>
-            </a:r>
-            <a:endParaRPr lang="en-US" altLang="zh-CN" sz="2800" b="1">
-              <a:solidFill>
-                <a:srgbClr val="C00000"/>
-              </a:solidFill>
-              <a:latin typeface="微软雅黑" panose="020B0503020204020204" pitchFamily="34" charset="-122"/>
-              <a:ea typeface="微软雅黑" panose="020B0503020204020204" pitchFamily="34" charset="-122"/>
-            </a:endParaRPr>
+              <a:t>  b-&gt;a(); //b-&gt;Derive::a(); </a:t>
+            </a:r>
           </a:p>
         </p:txBody>
       </p:sp>
@@ -33894,13 +32103,6 @@
   <p:clrMapOvr>
     <a:masterClrMapping/>
   </p:clrMapOvr>
-  <p:timing>
-    <p:tnLst>
-      <p:par>
-        <p:cTn id="1" dur="indefinite" restart="never" nodeType="tmRoot"/>
-      </p:par>
-    </p:tnLst>
-  </p:timing>
 </p:sld>
 </file>
 
@@ -33983,7 +32185,7 @@
               <a:defRPr/>
             </a:pPr>
             <a:r>
-              <a:rPr lang="en-US" altLang="zh-CN" sz="2800" b="1" kern="0" smtClean="0">
+              <a:rPr lang="en-US" altLang="zh-CN" sz="2800" b="1" kern="0">
                 <a:solidFill>
                   <a:schemeClr val="tx1">
                     <a:lumMod val="75000"/>
@@ -33997,7 +32199,7 @@
               <a:t>"</a:t>
             </a:r>
             <a:r>
-              <a:rPr lang="zh-CN" altLang="en-US" sz="2800" b="1" kern="0" smtClean="0">
+              <a:rPr lang="zh-CN" altLang="en-US" sz="2800" b="1" kern="0">
                 <a:solidFill>
                   <a:srgbClr val="C00000"/>
                 </a:solidFill>
@@ -34008,7 +32210,7 @@
               <a:t>多重继承</a:t>
             </a:r>
             <a:r>
-              <a:rPr lang="en-US" altLang="zh-CN" sz="2800" b="1" kern="0" smtClean="0">
+              <a:rPr lang="en-US" altLang="zh-CN" sz="2800" b="1" kern="0">
                 <a:solidFill>
                   <a:schemeClr val="tx1">
                     <a:lumMod val="75000"/>
@@ -34022,7 +32224,7 @@
               <a:t>" : </a:t>
             </a:r>
             <a:r>
-              <a:rPr lang="zh-CN" altLang="en-US" sz="2800" b="1" kern="0" smtClean="0">
+              <a:rPr lang="zh-CN" altLang="en-US" sz="2800" b="1" kern="0">
                 <a:solidFill>
                   <a:schemeClr val="tx1">
                     <a:lumMod val="75000"/>
@@ -34036,7 +32238,7 @@
               <a:t>（</a:t>
             </a:r>
             <a:r>
-              <a:rPr lang="zh-CN" altLang="en-US" sz="2800" b="1" kern="0" smtClean="0">
+              <a:rPr lang="zh-CN" altLang="en-US" sz="2800" b="1" kern="0">
                 <a:solidFill>
                   <a:srgbClr val="C00000"/>
                 </a:solidFill>
@@ -34047,7 +32249,7 @@
               <a:t>无虚函数覆盖</a:t>
             </a:r>
             <a:r>
-              <a:rPr lang="zh-CN" altLang="en-US" sz="2800" b="1" kern="0" smtClean="0">
+              <a:rPr lang="zh-CN" altLang="en-US" sz="2800" b="1" kern="0">
                 <a:solidFill>
                   <a:schemeClr val="tx1">
                     <a:lumMod val="75000"/>
@@ -34094,7 +32296,7 @@
                 <a:gridCol w="1414921">
                   <a:extLst>
                     <a:ext uri="{9D8B030D-6E8A-4147-A177-3AD203B41FA5}">
-                      <a16:colId xmlns:a16="http://schemas.microsoft.com/office/drawing/2014/main" xmlns="" val="4040497553"/>
+                      <a16:colId xmlns:a16="http://schemas.microsoft.com/office/drawing/2014/main" val="4040497553"/>
                     </a:ext>
                   </a:extLst>
                 </a:gridCol>
@@ -34107,7 +32309,7 @@
                     <a:p>
                       <a:pPr algn="ctr"/>
                       <a:r>
-                        <a:rPr lang="en-US" altLang="zh-CN" sz="1800" b="1" smtClean="0">
+                        <a:rPr lang="en-US" altLang="zh-CN" sz="1800" b="1">
                           <a:latin typeface="微软雅黑" panose="020B0503020204020204" pitchFamily="34" charset="-122"/>
                           <a:ea typeface="微软雅黑" panose="020B0503020204020204" pitchFamily="34" charset="-122"/>
                         </a:rPr>
@@ -34173,7 +32375,7 @@
                 </a:tc>
                 <a:extLst>
                   <a:ext uri="{0D108BD9-81ED-4DB2-BD59-A6C34878D82A}">
-                    <a16:rowId xmlns:a16="http://schemas.microsoft.com/office/drawing/2014/main" xmlns="" val="286246941"/>
+                    <a16:rowId xmlns:a16="http://schemas.microsoft.com/office/drawing/2014/main" val="286246941"/>
                   </a:ext>
                 </a:extLst>
               </a:tr>
@@ -34185,7 +32387,7 @@
                     <a:p>
                       <a:pPr algn="ctr"/>
                       <a:r>
-                        <a:rPr lang="en-US" altLang="zh-CN" sz="1800" b="1" smtClean="0">
+                        <a:rPr lang="en-US" altLang="zh-CN" sz="1800" b="1">
                           <a:solidFill>
                             <a:schemeClr val="tx1">
                               <a:lumMod val="75000"/>
@@ -34264,7 +32466,7 @@
                 </a:tc>
                 <a:extLst>
                   <a:ext uri="{0D108BD9-81ED-4DB2-BD59-A6C34878D82A}">
-                    <a16:rowId xmlns:a16="http://schemas.microsoft.com/office/drawing/2014/main" xmlns="" val="2829296779"/>
+                    <a16:rowId xmlns:a16="http://schemas.microsoft.com/office/drawing/2014/main" val="2829296779"/>
                   </a:ext>
                 </a:extLst>
               </a:tr>
@@ -34276,7 +32478,7 @@
                     <a:p>
                       <a:pPr algn="ctr"/>
                       <a:r>
-                        <a:rPr lang="en-US" altLang="zh-CN" sz="1800" b="1" smtClean="0">
+                        <a:rPr lang="en-US" altLang="zh-CN" sz="1800" b="1">
                           <a:solidFill>
                             <a:schemeClr val="tx1">
                               <a:lumMod val="75000"/>
@@ -34355,7 +32557,7 @@
                 </a:tc>
                 <a:extLst>
                   <a:ext uri="{0D108BD9-81ED-4DB2-BD59-A6C34878D82A}">
-                    <a16:rowId xmlns:a16="http://schemas.microsoft.com/office/drawing/2014/main" xmlns="" val="3763321681"/>
+                    <a16:rowId xmlns:a16="http://schemas.microsoft.com/office/drawing/2014/main" val="3763321681"/>
                   </a:ext>
                 </a:extLst>
               </a:tr>
@@ -34367,7 +32569,7 @@
                     <a:p>
                       <a:pPr algn="ctr"/>
                       <a:r>
-                        <a:rPr lang="en-US" altLang="zh-CN" sz="1800" b="1" smtClean="0">
+                        <a:rPr lang="en-US" altLang="zh-CN" sz="1800" b="1">
                           <a:solidFill>
                             <a:schemeClr val="tx1">
                               <a:lumMod val="75000"/>
@@ -34446,7 +32648,7 @@
                 </a:tc>
                 <a:extLst>
                   <a:ext uri="{0D108BD9-81ED-4DB2-BD59-A6C34878D82A}">
-                    <a16:rowId xmlns:a16="http://schemas.microsoft.com/office/drawing/2014/main" xmlns="" val="1577470295"/>
+                    <a16:rowId xmlns:a16="http://schemas.microsoft.com/office/drawing/2014/main" val="1577470295"/>
                   </a:ext>
                 </a:extLst>
               </a:tr>
@@ -34485,7 +32687,7 @@
                 <a:gridCol w="1645697">
                   <a:extLst>
                     <a:ext uri="{9D8B030D-6E8A-4147-A177-3AD203B41FA5}">
-                      <a16:colId xmlns:a16="http://schemas.microsoft.com/office/drawing/2014/main" xmlns="" val="4040497553"/>
+                      <a16:colId xmlns:a16="http://schemas.microsoft.com/office/drawing/2014/main" val="4040497553"/>
                     </a:ext>
                   </a:extLst>
                 </a:gridCol>
@@ -34498,7 +32700,7 @@
                     <a:p>
                       <a:pPr algn="ctr"/>
                       <a:r>
-                        <a:rPr lang="en-US" altLang="zh-CN" sz="1800" b="1" smtClean="0">
+                        <a:rPr lang="en-US" altLang="zh-CN" sz="1800" b="1">
                           <a:latin typeface="微软雅黑" panose="020B0503020204020204" pitchFamily="34" charset="-122"/>
                           <a:ea typeface="微软雅黑" panose="020B0503020204020204" pitchFamily="34" charset="-122"/>
                         </a:rPr>
@@ -34564,7 +32766,7 @@
                 </a:tc>
                 <a:extLst>
                   <a:ext uri="{0D108BD9-81ED-4DB2-BD59-A6C34878D82A}">
-                    <a16:rowId xmlns:a16="http://schemas.microsoft.com/office/drawing/2014/main" xmlns="" val="286246941"/>
+                    <a16:rowId xmlns:a16="http://schemas.microsoft.com/office/drawing/2014/main" val="286246941"/>
                   </a:ext>
                 </a:extLst>
               </a:tr>
@@ -34576,7 +32778,7 @@
                     <a:p>
                       <a:pPr algn="ctr"/>
                       <a:r>
-                        <a:rPr lang="en-US" altLang="zh-CN" sz="1800" b="1" smtClean="0">
+                        <a:rPr lang="en-US" altLang="zh-CN" sz="1800" b="1">
                           <a:solidFill>
                             <a:schemeClr val="tx1">
                               <a:lumMod val="75000"/>
@@ -34655,7 +32857,7 @@
                 </a:tc>
                 <a:extLst>
                   <a:ext uri="{0D108BD9-81ED-4DB2-BD59-A6C34878D82A}">
-                    <a16:rowId xmlns:a16="http://schemas.microsoft.com/office/drawing/2014/main" xmlns="" val="2829296779"/>
+                    <a16:rowId xmlns:a16="http://schemas.microsoft.com/office/drawing/2014/main" val="2829296779"/>
                   </a:ext>
                 </a:extLst>
               </a:tr>
@@ -34667,7 +32869,7 @@
                     <a:p>
                       <a:pPr algn="ctr"/>
                       <a:r>
-                        <a:rPr lang="en-US" altLang="zh-CN" sz="1800" b="1" smtClean="0">
+                        <a:rPr lang="en-US" altLang="zh-CN" sz="1800" b="1">
                           <a:solidFill>
                             <a:schemeClr val="tx1">
                               <a:lumMod val="75000"/>
@@ -34746,7 +32948,7 @@
                 </a:tc>
                 <a:extLst>
                   <a:ext uri="{0D108BD9-81ED-4DB2-BD59-A6C34878D82A}">
-                    <a16:rowId xmlns:a16="http://schemas.microsoft.com/office/drawing/2014/main" xmlns="" val="3763321681"/>
+                    <a16:rowId xmlns:a16="http://schemas.microsoft.com/office/drawing/2014/main" val="3763321681"/>
                   </a:ext>
                 </a:extLst>
               </a:tr>
@@ -34833,7 +33035,7 @@
                 <a:gridCol w="1414921">
                   <a:extLst>
                     <a:ext uri="{9D8B030D-6E8A-4147-A177-3AD203B41FA5}">
-                      <a16:colId xmlns:a16="http://schemas.microsoft.com/office/drawing/2014/main" xmlns="" val="4040497553"/>
+                      <a16:colId xmlns:a16="http://schemas.microsoft.com/office/drawing/2014/main" val="4040497553"/>
                     </a:ext>
                   </a:extLst>
                 </a:gridCol>
@@ -34846,7 +33048,7 @@
                     <a:p>
                       <a:pPr algn="ctr"/>
                       <a:r>
-                        <a:rPr lang="en-US" altLang="zh-CN" sz="1800" b="1" smtClean="0">
+                        <a:rPr lang="en-US" altLang="zh-CN" sz="1800" b="1">
                           <a:latin typeface="微软雅黑" panose="020B0503020204020204" pitchFamily="34" charset="-122"/>
                           <a:ea typeface="微软雅黑" panose="020B0503020204020204" pitchFamily="34" charset="-122"/>
                         </a:rPr>
@@ -34912,7 +33114,7 @@
                 </a:tc>
                 <a:extLst>
                   <a:ext uri="{0D108BD9-81ED-4DB2-BD59-A6C34878D82A}">
-                    <a16:rowId xmlns:a16="http://schemas.microsoft.com/office/drawing/2014/main" xmlns="" val="286246941"/>
+                    <a16:rowId xmlns:a16="http://schemas.microsoft.com/office/drawing/2014/main" val="286246941"/>
                   </a:ext>
                 </a:extLst>
               </a:tr>
@@ -34924,7 +33126,7 @@
                     <a:p>
                       <a:pPr algn="ctr"/>
                       <a:r>
-                        <a:rPr lang="en-US" altLang="zh-CN" sz="1800" b="1" smtClean="0">
+                        <a:rPr lang="en-US" altLang="zh-CN" sz="1800" b="1">
                           <a:solidFill>
                             <a:schemeClr val="tx1">
                               <a:lumMod val="75000"/>
@@ -35003,7 +33205,7 @@
                 </a:tc>
                 <a:extLst>
                   <a:ext uri="{0D108BD9-81ED-4DB2-BD59-A6C34878D82A}">
-                    <a16:rowId xmlns:a16="http://schemas.microsoft.com/office/drawing/2014/main" xmlns="" val="2829296779"/>
+                    <a16:rowId xmlns:a16="http://schemas.microsoft.com/office/drawing/2014/main" val="2829296779"/>
                   </a:ext>
                 </a:extLst>
               </a:tr>
@@ -35015,7 +33217,7 @@
                     <a:p>
                       <a:pPr algn="ctr"/>
                       <a:r>
-                        <a:rPr lang="en-US" altLang="zh-CN" sz="1800" b="1" smtClean="0">
+                        <a:rPr lang="en-US" altLang="zh-CN" sz="1800" b="1">
                           <a:solidFill>
                             <a:schemeClr val="tx1">
                               <a:lumMod val="75000"/>
@@ -35094,7 +33296,7 @@
                 </a:tc>
                 <a:extLst>
                   <a:ext uri="{0D108BD9-81ED-4DB2-BD59-A6C34878D82A}">
-                    <a16:rowId xmlns:a16="http://schemas.microsoft.com/office/drawing/2014/main" xmlns="" val="3763321681"/>
+                    <a16:rowId xmlns:a16="http://schemas.microsoft.com/office/drawing/2014/main" val="3763321681"/>
                   </a:ext>
                 </a:extLst>
               </a:tr>
@@ -35106,7 +33308,7 @@
                     <a:p>
                       <a:pPr algn="ctr"/>
                       <a:r>
-                        <a:rPr lang="en-US" altLang="zh-CN" sz="1800" b="1" smtClean="0">
+                        <a:rPr lang="en-US" altLang="zh-CN" sz="1800" b="1">
                           <a:solidFill>
                             <a:schemeClr val="tx1">
                               <a:lumMod val="75000"/>
@@ -35185,7 +33387,7 @@
                 </a:tc>
                 <a:extLst>
                   <a:ext uri="{0D108BD9-81ED-4DB2-BD59-A6C34878D82A}">
-                    <a16:rowId xmlns:a16="http://schemas.microsoft.com/office/drawing/2014/main" xmlns="" val="1577470295"/>
+                    <a16:rowId xmlns:a16="http://schemas.microsoft.com/office/drawing/2014/main" val="1577470295"/>
                   </a:ext>
                 </a:extLst>
               </a:tr>
@@ -35224,7 +33426,7 @@
                 <a:gridCol w="1414921">
                   <a:extLst>
                     <a:ext uri="{9D8B030D-6E8A-4147-A177-3AD203B41FA5}">
-                      <a16:colId xmlns:a16="http://schemas.microsoft.com/office/drawing/2014/main" xmlns="" val="4040497553"/>
+                      <a16:colId xmlns:a16="http://schemas.microsoft.com/office/drawing/2014/main" val="4040497553"/>
                     </a:ext>
                   </a:extLst>
                 </a:gridCol>
@@ -35237,7 +33439,7 @@
                     <a:p>
                       <a:pPr algn="ctr"/>
                       <a:r>
-                        <a:rPr lang="en-US" altLang="zh-CN" sz="1800" b="1" smtClean="0">
+                        <a:rPr lang="en-US" altLang="zh-CN" sz="1800" b="1">
                           <a:latin typeface="微软雅黑" panose="020B0503020204020204" pitchFamily="34" charset="-122"/>
                           <a:ea typeface="微软雅黑" panose="020B0503020204020204" pitchFamily="34" charset="-122"/>
                         </a:rPr>
@@ -35303,7 +33505,7 @@
                 </a:tc>
                 <a:extLst>
                   <a:ext uri="{0D108BD9-81ED-4DB2-BD59-A6C34878D82A}">
-                    <a16:rowId xmlns:a16="http://schemas.microsoft.com/office/drawing/2014/main" xmlns="" val="286246941"/>
+                    <a16:rowId xmlns:a16="http://schemas.microsoft.com/office/drawing/2014/main" val="286246941"/>
                   </a:ext>
                 </a:extLst>
               </a:tr>
@@ -35315,7 +33517,7 @@
                     <a:p>
                       <a:pPr algn="ctr"/>
                       <a:r>
-                        <a:rPr lang="en-US" altLang="zh-CN" sz="1800" b="1" smtClean="0">
+                        <a:rPr lang="en-US" altLang="zh-CN" sz="1800" b="1">
                           <a:solidFill>
                             <a:schemeClr val="tx1">
                               <a:lumMod val="75000"/>
@@ -35394,7 +33596,7 @@
                 </a:tc>
                 <a:extLst>
                   <a:ext uri="{0D108BD9-81ED-4DB2-BD59-A6C34878D82A}">
-                    <a16:rowId xmlns:a16="http://schemas.microsoft.com/office/drawing/2014/main" xmlns="" val="2829296779"/>
+                    <a16:rowId xmlns:a16="http://schemas.microsoft.com/office/drawing/2014/main" val="2829296779"/>
                   </a:ext>
                 </a:extLst>
               </a:tr>
@@ -35406,7 +33608,7 @@
                     <a:p>
                       <a:pPr algn="ctr"/>
                       <a:r>
-                        <a:rPr lang="en-US" altLang="zh-CN" sz="1800" b="1" smtClean="0">
+                        <a:rPr lang="en-US" altLang="zh-CN" sz="1800" b="1">
                           <a:solidFill>
                             <a:schemeClr val="tx1">
                               <a:lumMod val="75000"/>
@@ -35485,7 +33687,7 @@
                 </a:tc>
                 <a:extLst>
                   <a:ext uri="{0D108BD9-81ED-4DB2-BD59-A6C34878D82A}">
-                    <a16:rowId xmlns:a16="http://schemas.microsoft.com/office/drawing/2014/main" xmlns="" val="3763321681"/>
+                    <a16:rowId xmlns:a16="http://schemas.microsoft.com/office/drawing/2014/main" val="3763321681"/>
                   </a:ext>
                 </a:extLst>
               </a:tr>
@@ -35497,7 +33699,7 @@
                     <a:p>
                       <a:pPr algn="ctr"/>
                       <a:r>
-                        <a:rPr lang="en-US" altLang="zh-CN" sz="1800" b="1" smtClean="0">
+                        <a:rPr lang="en-US" altLang="zh-CN" sz="1800" b="1">
                           <a:solidFill>
                             <a:schemeClr val="tx1">
                               <a:lumMod val="75000"/>
@@ -35576,7 +33778,7 @@
                 </a:tc>
                 <a:extLst>
                   <a:ext uri="{0D108BD9-81ED-4DB2-BD59-A6C34878D82A}">
-                    <a16:rowId xmlns:a16="http://schemas.microsoft.com/office/drawing/2014/main" xmlns="" val="1577470295"/>
+                    <a16:rowId xmlns:a16="http://schemas.microsoft.com/office/drawing/2014/main" val="1577470295"/>
                   </a:ext>
                 </a:extLst>
               </a:tr>
@@ -35711,7 +33913,7 @@
                 <a:gridCol w="553401">
                   <a:extLst>
                     <a:ext uri="{9D8B030D-6E8A-4147-A177-3AD203B41FA5}">
-                      <a16:colId xmlns:a16="http://schemas.microsoft.com/office/drawing/2014/main" xmlns="" val="2587462782"/>
+                      <a16:colId xmlns:a16="http://schemas.microsoft.com/office/drawing/2014/main" val="2587462782"/>
                     </a:ext>
                   </a:extLst>
                 </a:gridCol>
@@ -35789,7 +33991,7 @@
                 </a:tc>
                 <a:extLst>
                   <a:ext uri="{0D108BD9-81ED-4DB2-BD59-A6C34878D82A}">
-                    <a16:rowId xmlns:a16="http://schemas.microsoft.com/office/drawing/2014/main" xmlns="" val="3696843"/>
+                    <a16:rowId xmlns:a16="http://schemas.microsoft.com/office/drawing/2014/main" val="3696843"/>
                   </a:ext>
                 </a:extLst>
               </a:tr>
@@ -35866,7 +34068,7 @@
                 </a:tc>
                 <a:extLst>
                   <a:ext uri="{0D108BD9-81ED-4DB2-BD59-A6C34878D82A}">
-                    <a16:rowId xmlns:a16="http://schemas.microsoft.com/office/drawing/2014/main" xmlns="" val="3871144980"/>
+                    <a16:rowId xmlns:a16="http://schemas.microsoft.com/office/drawing/2014/main" val="3871144980"/>
                   </a:ext>
                 </a:extLst>
               </a:tr>
@@ -35943,7 +34145,7 @@
                 </a:tc>
                 <a:extLst>
                   <a:ext uri="{0D108BD9-81ED-4DB2-BD59-A6C34878D82A}">
-                    <a16:rowId xmlns:a16="http://schemas.microsoft.com/office/drawing/2014/main" xmlns="" val="3536056795"/>
+                    <a16:rowId xmlns:a16="http://schemas.microsoft.com/office/drawing/2014/main" val="3536056795"/>
                   </a:ext>
                 </a:extLst>
               </a:tr>
@@ -36021,7 +34223,7 @@
                 </a:tc>
                 <a:extLst>
                   <a:ext uri="{0D108BD9-81ED-4DB2-BD59-A6C34878D82A}">
-                    <a16:rowId xmlns:a16="http://schemas.microsoft.com/office/drawing/2014/main" xmlns="" val="4037166707"/>
+                    <a16:rowId xmlns:a16="http://schemas.microsoft.com/office/drawing/2014/main" val="4037166707"/>
                   </a:ext>
                 </a:extLst>
               </a:tr>
@@ -36099,7 +34301,7 @@
                 </a:tc>
                 <a:extLst>
                   <a:ext uri="{0D108BD9-81ED-4DB2-BD59-A6C34878D82A}">
-                    <a16:rowId xmlns:a16="http://schemas.microsoft.com/office/drawing/2014/main" xmlns="" val="3401821646"/>
+                    <a16:rowId xmlns:a16="http://schemas.microsoft.com/office/drawing/2014/main" val="3401821646"/>
                   </a:ext>
                 </a:extLst>
               </a:tr>
@@ -36111,7 +34313,7 @@
                     <a:p>
                       <a:pPr algn="ctr"/>
                       <a:r>
-                        <a:rPr lang="en-US" altLang="zh-CN" sz="800" smtClean="0">
+                        <a:rPr lang="en-US" altLang="zh-CN" sz="800">
                           <a:solidFill>
                             <a:schemeClr val="tx1">
                               <a:lumMod val="75000"/>
@@ -36186,7 +34388,7 @@
                 </a:tc>
                 <a:extLst>
                   <a:ext uri="{0D108BD9-81ED-4DB2-BD59-A6C34878D82A}">
-                    <a16:rowId xmlns:a16="http://schemas.microsoft.com/office/drawing/2014/main" xmlns="" val="4192497206"/>
+                    <a16:rowId xmlns:a16="http://schemas.microsoft.com/office/drawing/2014/main" val="4192497206"/>
                   </a:ext>
                 </a:extLst>
               </a:tr>
@@ -36217,7 +34419,7 @@
           <a:lstStyle/>
           <a:p>
             <a:r>
-              <a:rPr lang="en-US" altLang="zh-CN" sz="2400" b="1" smtClean="0">
+              <a:rPr lang="en-US" altLang="zh-CN" sz="2400" b="1">
                 <a:solidFill>
                   <a:schemeClr val="tx1">
                     <a:lumMod val="75000"/>
@@ -36230,7 +34432,7 @@
               <a:t>Derive</a:t>
             </a:r>
             <a:r>
-              <a:rPr lang="zh-CN" altLang="en-US" sz="2400" b="1" smtClean="0">
+              <a:rPr lang="zh-CN" altLang="en-US" sz="2400" b="1">
                 <a:solidFill>
                   <a:schemeClr val="tx1">
                     <a:lumMod val="75000"/>
@@ -36242,16 +34444,6 @@
               </a:rPr>
               <a:t>对象</a:t>
             </a:r>
-            <a:endParaRPr lang="zh-CN" altLang="en-US" sz="2400" b="1">
-              <a:solidFill>
-                <a:schemeClr val="tx1">
-                  <a:lumMod val="75000"/>
-                  <a:lumOff val="25000"/>
-                </a:schemeClr>
-              </a:solidFill>
-              <a:latin typeface="微软雅黑" panose="020B0503020204020204" pitchFamily="34" charset="-122"/>
-              <a:ea typeface="微软雅黑" panose="020B0503020204020204" pitchFamily="34" charset="-122"/>
-            </a:endParaRPr>
           </a:p>
         </p:txBody>
       </p:sp>
@@ -36290,42 +34482,42 @@
                 <a:gridCol w="1123406">
                   <a:extLst>
                     <a:ext uri="{9D8B030D-6E8A-4147-A177-3AD203B41FA5}">
-                      <a16:colId xmlns:a16="http://schemas.microsoft.com/office/drawing/2014/main" xmlns="" val="2915925112"/>
+                      <a16:colId xmlns:a16="http://schemas.microsoft.com/office/drawing/2014/main" val="2915925112"/>
                     </a:ext>
                   </a:extLst>
                 </a:gridCol>
                 <a:gridCol w="1123406">
                   <a:extLst>
                     <a:ext uri="{9D8B030D-6E8A-4147-A177-3AD203B41FA5}">
-                      <a16:colId xmlns:a16="http://schemas.microsoft.com/office/drawing/2014/main" xmlns="" val="2162304330"/>
+                      <a16:colId xmlns:a16="http://schemas.microsoft.com/office/drawing/2014/main" val="2162304330"/>
                     </a:ext>
                   </a:extLst>
                 </a:gridCol>
                 <a:gridCol w="1093848">
                   <a:extLst>
                     <a:ext uri="{9D8B030D-6E8A-4147-A177-3AD203B41FA5}">
-                      <a16:colId xmlns:a16="http://schemas.microsoft.com/office/drawing/2014/main" xmlns="" val="2482538744"/>
+                      <a16:colId xmlns:a16="http://schemas.microsoft.com/office/drawing/2014/main" val="2482538744"/>
                     </a:ext>
                   </a:extLst>
                 </a:gridCol>
                 <a:gridCol w="1338915">
                   <a:extLst>
                     <a:ext uri="{9D8B030D-6E8A-4147-A177-3AD203B41FA5}">
-                      <a16:colId xmlns:a16="http://schemas.microsoft.com/office/drawing/2014/main" xmlns="" val="1396131712"/>
+                      <a16:colId xmlns:a16="http://schemas.microsoft.com/office/drawing/2014/main" val="1396131712"/>
                     </a:ext>
                   </a:extLst>
                 </a:gridCol>
                 <a:gridCol w="1344758">
                   <a:extLst>
                     <a:ext uri="{9D8B030D-6E8A-4147-A177-3AD203B41FA5}">
-                      <a16:colId xmlns:a16="http://schemas.microsoft.com/office/drawing/2014/main" xmlns="" val="1611810360"/>
+                      <a16:colId xmlns:a16="http://schemas.microsoft.com/office/drawing/2014/main" val="1611810360"/>
                     </a:ext>
                   </a:extLst>
                 </a:gridCol>
                 <a:gridCol w="232774">
                   <a:extLst>
                     <a:ext uri="{9D8B030D-6E8A-4147-A177-3AD203B41FA5}">
-                      <a16:colId xmlns:a16="http://schemas.microsoft.com/office/drawing/2014/main" xmlns="" val="3866220346"/>
+                      <a16:colId xmlns:a16="http://schemas.microsoft.com/office/drawing/2014/main" val="3866220346"/>
                     </a:ext>
                   </a:extLst>
                 </a:gridCol>
@@ -36337,7 +34529,7 @@
                     <a:lstStyle/>
                     <a:p>
                       <a:r>
-                        <a:rPr lang="en-US" altLang="zh-CN" sz="1600" b="1" smtClean="0">
+                        <a:rPr lang="en-US" altLang="zh-CN" sz="1600" b="1">
                           <a:solidFill>
                             <a:schemeClr val="tx1">
                               <a:lumMod val="75000"/>
@@ -36420,7 +34612,7 @@
                     <a:lstStyle/>
                     <a:p>
                       <a:r>
-                        <a:rPr lang="en-US" altLang="zh-CN" sz="1600" b="1" smtClean="0">
+                        <a:rPr lang="en-US" altLang="zh-CN" sz="1600" b="1">
                           <a:solidFill>
                             <a:schemeClr val="tx1">
                               <a:lumMod val="75000"/>
@@ -36503,7 +34695,7 @@
                     <a:lstStyle/>
                     <a:p>
                       <a:r>
-                        <a:rPr lang="en-US" altLang="zh-CN" sz="1600" b="1" smtClean="0">
+                        <a:rPr lang="en-US" altLang="zh-CN" sz="1600" b="1">
                           <a:solidFill>
                             <a:schemeClr val="tx1">
                               <a:lumMod val="75000"/>
@@ -36586,7 +34778,7 @@
                     <a:lstStyle/>
                     <a:p>
                       <a:r>
-                        <a:rPr lang="en-US" altLang="zh-CN" sz="1600" b="1" smtClean="0">
+                        <a:rPr lang="en-US" altLang="zh-CN" sz="1600" b="1">
                           <a:solidFill>
                             <a:schemeClr val="tx1">
                               <a:lumMod val="75000"/>
@@ -36669,7 +34861,7 @@
                     <a:lstStyle/>
                     <a:p>
                       <a:r>
-                        <a:rPr lang="en-US" altLang="zh-CN" sz="1600" b="1" smtClean="0">
+                        <a:rPr lang="en-US" altLang="zh-CN" sz="1600" b="1">
                           <a:solidFill>
                             <a:schemeClr val="tx1">
                               <a:lumMod val="75000"/>
@@ -36752,7 +34944,7 @@
                     <a:lstStyle/>
                     <a:p>
                       <a:r>
-                        <a:rPr lang="en-US" altLang="zh-CN" sz="1600" b="1" smtClean="0">
+                        <a:rPr lang="en-US" altLang="zh-CN" sz="1600" b="1">
                           <a:solidFill>
                             <a:schemeClr val="tx1">
                               <a:lumMod val="75000"/>
@@ -36831,7 +35023,7 @@
                 </a:tc>
                 <a:extLst>
                   <a:ext uri="{0D108BD9-81ED-4DB2-BD59-A6C34878D82A}">
-                    <a16:rowId xmlns:a16="http://schemas.microsoft.com/office/drawing/2014/main" xmlns="" val="1231185787"/>
+                    <a16:rowId xmlns:a16="http://schemas.microsoft.com/office/drawing/2014/main" val="1231185787"/>
                   </a:ext>
                 </a:extLst>
               </a:tr>
@@ -36874,28 +35066,28 @@
                 <a:gridCol w="1123406">
                   <a:extLst>
                     <a:ext uri="{9D8B030D-6E8A-4147-A177-3AD203B41FA5}">
-                      <a16:colId xmlns:a16="http://schemas.microsoft.com/office/drawing/2014/main" xmlns="" val="2915925112"/>
+                      <a16:colId xmlns:a16="http://schemas.microsoft.com/office/drawing/2014/main" val="2915925112"/>
                     </a:ext>
                   </a:extLst>
                 </a:gridCol>
                 <a:gridCol w="1123406">
                   <a:extLst>
                     <a:ext uri="{9D8B030D-6E8A-4147-A177-3AD203B41FA5}">
-                      <a16:colId xmlns:a16="http://schemas.microsoft.com/office/drawing/2014/main" xmlns="" val="2162304330"/>
+                      <a16:colId xmlns:a16="http://schemas.microsoft.com/office/drawing/2014/main" val="2162304330"/>
                     </a:ext>
                   </a:extLst>
                 </a:gridCol>
                 <a:gridCol w="1093848">
                   <a:extLst>
                     <a:ext uri="{9D8B030D-6E8A-4147-A177-3AD203B41FA5}">
-                      <a16:colId xmlns:a16="http://schemas.microsoft.com/office/drawing/2014/main" xmlns="" val="2482538744"/>
+                      <a16:colId xmlns:a16="http://schemas.microsoft.com/office/drawing/2014/main" val="2482538744"/>
                     </a:ext>
                   </a:extLst>
                 </a:gridCol>
                 <a:gridCol w="232774">
                   <a:extLst>
                     <a:ext uri="{9D8B030D-6E8A-4147-A177-3AD203B41FA5}">
-                      <a16:colId xmlns:a16="http://schemas.microsoft.com/office/drawing/2014/main" xmlns="" val="3866220346"/>
+                      <a16:colId xmlns:a16="http://schemas.microsoft.com/office/drawing/2014/main" val="3866220346"/>
                     </a:ext>
                   </a:extLst>
                 </a:gridCol>
@@ -36907,7 +35099,7 @@
                     <a:lstStyle/>
                     <a:p>
                       <a:r>
-                        <a:rPr lang="en-US" altLang="zh-CN" sz="1600" b="1" smtClean="0">
+                        <a:rPr lang="en-US" altLang="zh-CN" sz="1600" b="1">
                           <a:solidFill>
                             <a:schemeClr val="tx1">
                               <a:lumMod val="75000"/>
@@ -36990,7 +35182,7 @@
                     <a:lstStyle/>
                     <a:p>
                       <a:r>
-                        <a:rPr lang="en-US" altLang="zh-CN" sz="1600" b="1" smtClean="0">
+                        <a:rPr lang="en-US" altLang="zh-CN" sz="1600" b="1">
                           <a:solidFill>
                             <a:schemeClr val="tx1">
                               <a:lumMod val="75000"/>
@@ -37073,7 +35265,7 @@
                     <a:lstStyle/>
                     <a:p>
                       <a:r>
-                        <a:rPr lang="en-US" altLang="zh-CN" sz="1600" b="1" smtClean="0">
+                        <a:rPr lang="en-US" altLang="zh-CN" sz="1600" b="1">
                           <a:solidFill>
                             <a:schemeClr val="tx1">
                               <a:lumMod val="75000"/>
@@ -37156,7 +35348,7 @@
                     <a:lstStyle/>
                     <a:p>
                       <a:r>
-                        <a:rPr lang="en-US" altLang="zh-CN" sz="1600" b="1" smtClean="0">
+                        <a:rPr lang="en-US" altLang="zh-CN" sz="1600" b="1">
                           <a:solidFill>
                             <a:schemeClr val="tx1">
                               <a:lumMod val="75000"/>
@@ -37235,7 +35427,7 @@
                 </a:tc>
                 <a:extLst>
                   <a:ext uri="{0D108BD9-81ED-4DB2-BD59-A6C34878D82A}">
-                    <a16:rowId xmlns:a16="http://schemas.microsoft.com/office/drawing/2014/main" xmlns="" val="1231185787"/>
+                    <a16:rowId xmlns:a16="http://schemas.microsoft.com/office/drawing/2014/main" val="1231185787"/>
                   </a:ext>
                 </a:extLst>
               </a:tr>
@@ -37278,28 +35470,28 @@
                 <a:gridCol w="1123406">
                   <a:extLst>
                     <a:ext uri="{9D8B030D-6E8A-4147-A177-3AD203B41FA5}">
-                      <a16:colId xmlns:a16="http://schemas.microsoft.com/office/drawing/2014/main" xmlns="" val="2915925112"/>
+                      <a16:colId xmlns:a16="http://schemas.microsoft.com/office/drawing/2014/main" val="2915925112"/>
                     </a:ext>
                   </a:extLst>
                 </a:gridCol>
                 <a:gridCol w="1123406">
                   <a:extLst>
                     <a:ext uri="{9D8B030D-6E8A-4147-A177-3AD203B41FA5}">
-                      <a16:colId xmlns:a16="http://schemas.microsoft.com/office/drawing/2014/main" xmlns="" val="2162304330"/>
+                      <a16:colId xmlns:a16="http://schemas.microsoft.com/office/drawing/2014/main" val="2162304330"/>
                     </a:ext>
                   </a:extLst>
                 </a:gridCol>
                 <a:gridCol w="1093848">
                   <a:extLst>
                     <a:ext uri="{9D8B030D-6E8A-4147-A177-3AD203B41FA5}">
-                      <a16:colId xmlns:a16="http://schemas.microsoft.com/office/drawing/2014/main" xmlns="" val="2482538744"/>
+                      <a16:colId xmlns:a16="http://schemas.microsoft.com/office/drawing/2014/main" val="2482538744"/>
                     </a:ext>
                   </a:extLst>
                 </a:gridCol>
                 <a:gridCol w="232774">
                   <a:extLst>
                     <a:ext uri="{9D8B030D-6E8A-4147-A177-3AD203B41FA5}">
-                      <a16:colId xmlns:a16="http://schemas.microsoft.com/office/drawing/2014/main" xmlns="" val="3866220346"/>
+                      <a16:colId xmlns:a16="http://schemas.microsoft.com/office/drawing/2014/main" val="3866220346"/>
                     </a:ext>
                   </a:extLst>
                 </a:gridCol>
@@ -37311,7 +35503,7 @@
                     <a:lstStyle/>
                     <a:p>
                       <a:r>
-                        <a:rPr lang="en-US" altLang="zh-CN" sz="1600" b="1" smtClean="0">
+                        <a:rPr lang="en-US" altLang="zh-CN" sz="1600" b="1">
                           <a:solidFill>
                             <a:schemeClr val="tx1">
                               <a:lumMod val="75000"/>
@@ -37394,7 +35586,7 @@
                     <a:lstStyle/>
                     <a:p>
                       <a:r>
-                        <a:rPr lang="en-US" altLang="zh-CN" sz="1600" b="1" smtClean="0">
+                        <a:rPr lang="en-US" altLang="zh-CN" sz="1600" b="1">
                           <a:solidFill>
                             <a:schemeClr val="tx1">
                               <a:lumMod val="75000"/>
@@ -37477,7 +35669,7 @@
                     <a:lstStyle/>
                     <a:p>
                       <a:r>
-                        <a:rPr lang="en-US" altLang="zh-CN" sz="1600" b="1" smtClean="0">
+                        <a:rPr lang="en-US" altLang="zh-CN" sz="1600" b="1">
                           <a:solidFill>
                             <a:schemeClr val="tx1">
                               <a:lumMod val="75000"/>
@@ -37560,7 +35752,7 @@
                     <a:lstStyle/>
                     <a:p>
                       <a:r>
-                        <a:rPr lang="en-US" altLang="zh-CN" sz="1600" b="1" smtClean="0">
+                        <a:rPr lang="en-US" altLang="zh-CN" sz="1600" b="1">
                           <a:solidFill>
                             <a:schemeClr val="tx1">
                               <a:lumMod val="75000"/>
@@ -37639,7 +35831,7 @@
                 </a:tc>
                 <a:extLst>
                   <a:ext uri="{0D108BD9-81ED-4DB2-BD59-A6C34878D82A}">
-                    <a16:rowId xmlns:a16="http://schemas.microsoft.com/office/drawing/2014/main" xmlns="" val="1231185787"/>
+                    <a16:rowId xmlns:a16="http://schemas.microsoft.com/office/drawing/2014/main" val="1231185787"/>
                   </a:ext>
                 </a:extLst>
               </a:tr>
@@ -37918,7 +36110,7 @@
           <a:lstStyle/>
           <a:p>
             <a:r>
-              <a:rPr lang="en-US" altLang="zh-CN" sz="2000" b="1" smtClean="0">
+              <a:rPr lang="en-US" altLang="zh-CN" sz="2000" b="1">
                 <a:solidFill>
                   <a:schemeClr val="tx1">
                     <a:lumMod val="75000"/>
@@ -37931,7 +36123,7 @@
               <a:t>Base1</a:t>
             </a:r>
             <a:r>
-              <a:rPr lang="zh-CN" altLang="en-US" sz="2000" b="1" smtClean="0">
+              <a:rPr lang="zh-CN" altLang="en-US" sz="2000" b="1">
                 <a:solidFill>
                   <a:schemeClr val="tx1">
                     <a:lumMod val="75000"/>
@@ -37943,16 +36135,6 @@
               </a:rPr>
               <a:t>虚函数表</a:t>
             </a:r>
-            <a:endParaRPr lang="zh-CN" altLang="en-US" sz="2000" b="1">
-              <a:solidFill>
-                <a:schemeClr val="tx1">
-                  <a:lumMod val="75000"/>
-                  <a:lumOff val="25000"/>
-                </a:schemeClr>
-              </a:solidFill>
-              <a:latin typeface="微软雅黑" panose="020B0503020204020204" pitchFamily="34" charset="-122"/>
-              <a:ea typeface="微软雅黑" panose="020B0503020204020204" pitchFamily="34" charset="-122"/>
-            </a:endParaRPr>
           </a:p>
         </p:txBody>
       </p:sp>
@@ -37979,7 +36161,7 @@
           <a:lstStyle/>
           <a:p>
             <a:r>
-              <a:rPr lang="en-US" altLang="zh-CN" sz="2000" b="1" smtClean="0">
+              <a:rPr lang="en-US" altLang="zh-CN" sz="2000" b="1">
                 <a:solidFill>
                   <a:schemeClr val="tx1">
                     <a:lumMod val="75000"/>
@@ -37992,7 +36174,7 @@
               <a:t>Base2</a:t>
             </a:r>
             <a:r>
-              <a:rPr lang="zh-CN" altLang="en-US" sz="2000" b="1" smtClean="0">
+              <a:rPr lang="zh-CN" altLang="en-US" sz="2000" b="1">
                 <a:solidFill>
                   <a:schemeClr val="tx1">
                     <a:lumMod val="75000"/>
@@ -38004,16 +36186,6 @@
               </a:rPr>
               <a:t>虚函数表</a:t>
             </a:r>
-            <a:endParaRPr lang="zh-CN" altLang="en-US" sz="2000" b="1">
-              <a:solidFill>
-                <a:schemeClr val="tx1">
-                  <a:lumMod val="75000"/>
-                  <a:lumOff val="25000"/>
-                </a:schemeClr>
-              </a:solidFill>
-              <a:latin typeface="微软雅黑" panose="020B0503020204020204" pitchFamily="34" charset="-122"/>
-              <a:ea typeface="微软雅黑" panose="020B0503020204020204" pitchFamily="34" charset="-122"/>
-            </a:endParaRPr>
           </a:p>
         </p:txBody>
       </p:sp>
@@ -38040,7 +36212,7 @@
           <a:lstStyle/>
           <a:p>
             <a:r>
-              <a:rPr lang="en-US" altLang="zh-CN" sz="2000" b="1" smtClean="0">
+              <a:rPr lang="en-US" altLang="zh-CN" sz="2000" b="1">
                 <a:solidFill>
                   <a:schemeClr val="tx1">
                     <a:lumMod val="75000"/>
@@ -38053,7 +36225,7 @@
               <a:t>Base3</a:t>
             </a:r>
             <a:r>
-              <a:rPr lang="zh-CN" altLang="en-US" sz="2000" b="1" smtClean="0">
+              <a:rPr lang="zh-CN" altLang="en-US" sz="2000" b="1">
                 <a:solidFill>
                   <a:schemeClr val="tx1">
                     <a:lumMod val="75000"/>
@@ -38065,16 +36237,6 @@
               </a:rPr>
               <a:t>虚函数表</a:t>
             </a:r>
-            <a:endParaRPr lang="zh-CN" altLang="en-US" sz="2000" b="1">
-              <a:solidFill>
-                <a:schemeClr val="tx1">
-                  <a:lumMod val="75000"/>
-                  <a:lumOff val="25000"/>
-                </a:schemeClr>
-              </a:solidFill>
-              <a:latin typeface="微软雅黑" panose="020B0503020204020204" pitchFamily="34" charset="-122"/>
-              <a:ea typeface="微软雅黑" panose="020B0503020204020204" pitchFamily="34" charset="-122"/>
-            </a:endParaRPr>
           </a:p>
         </p:txBody>
       </p:sp>
@@ -38088,13 +36250,6 @@
   <p:clrMapOvr>
     <a:masterClrMapping/>
   </p:clrMapOvr>
-  <p:timing>
-    <p:tnLst>
-      <p:par>
-        <p:cTn id="1" dur="indefinite" restart="never" nodeType="tmRoot"/>
-      </p:par>
-    </p:tnLst>
-  </p:timing>
 </p:sld>
 </file>
 
@@ -38241,7 +36396,7 @@
               <a:t>有虚函数覆盖</a:t>
             </a:r>
             <a:r>
-              <a:rPr lang="zh-CN" altLang="en-US" sz="2800" b="1" kern="0" smtClean="0">
+              <a:rPr lang="zh-CN" altLang="en-US" sz="2800" b="1" kern="0">
                 <a:solidFill>
                   <a:schemeClr val="tx1">
                     <a:lumMod val="75000"/>
@@ -38254,17 +36409,6 @@
               </a:rPr>
               <a:t>）</a:t>
             </a:r>
-            <a:endParaRPr lang="zh-CN" altLang="en-US" sz="2800" b="1" kern="0">
-              <a:solidFill>
-                <a:schemeClr val="tx1">
-                  <a:lumMod val="75000"/>
-                  <a:lumOff val="25000"/>
-                </a:schemeClr>
-              </a:solidFill>
-              <a:latin typeface="微软雅黑" panose="020B0503020204020204" pitchFamily="34" charset="-122"/>
-              <a:ea typeface="微软雅黑" panose="020B0503020204020204" pitchFamily="34" charset="-122"/>
-              <a:cs typeface="Courier New" pitchFamily="49" charset="0"/>
-            </a:endParaRPr>
           </a:p>
         </p:txBody>
       </p:sp>
@@ -38297,7 +36441,7 @@
                 <a:gridCol w="1414921">
                   <a:extLst>
                     <a:ext uri="{9D8B030D-6E8A-4147-A177-3AD203B41FA5}">
-                      <a16:colId xmlns:a16="http://schemas.microsoft.com/office/drawing/2014/main" xmlns="" val="4040497553"/>
+                      <a16:colId xmlns:a16="http://schemas.microsoft.com/office/drawing/2014/main" val="4040497553"/>
                     </a:ext>
                   </a:extLst>
                 </a:gridCol>
@@ -38310,7 +36454,7 @@
                     <a:p>
                       <a:pPr algn="ctr"/>
                       <a:r>
-                        <a:rPr lang="en-US" altLang="zh-CN" sz="1800" b="1" smtClean="0">
+                        <a:rPr lang="en-US" altLang="zh-CN" sz="1800" b="1">
                           <a:latin typeface="微软雅黑" panose="020B0503020204020204" pitchFamily="34" charset="-122"/>
                           <a:ea typeface="微软雅黑" panose="020B0503020204020204" pitchFamily="34" charset="-122"/>
                         </a:rPr>
@@ -38376,7 +36520,7 @@
                 </a:tc>
                 <a:extLst>
                   <a:ext uri="{0D108BD9-81ED-4DB2-BD59-A6C34878D82A}">
-                    <a16:rowId xmlns:a16="http://schemas.microsoft.com/office/drawing/2014/main" xmlns="" val="286246941"/>
+                    <a16:rowId xmlns:a16="http://schemas.microsoft.com/office/drawing/2014/main" val="286246941"/>
                   </a:ext>
                 </a:extLst>
               </a:tr>
@@ -38388,7 +36532,7 @@
                     <a:p>
                       <a:pPr algn="ctr"/>
                       <a:r>
-                        <a:rPr lang="en-US" altLang="zh-CN" sz="1800" b="1" smtClean="0">
+                        <a:rPr lang="en-US" altLang="zh-CN" sz="1800" b="1">
                           <a:solidFill>
                             <a:schemeClr val="tx1">
                               <a:lumMod val="75000"/>
@@ -38467,7 +36611,7 @@
                 </a:tc>
                 <a:extLst>
                   <a:ext uri="{0D108BD9-81ED-4DB2-BD59-A6C34878D82A}">
-                    <a16:rowId xmlns:a16="http://schemas.microsoft.com/office/drawing/2014/main" xmlns="" val="2829296779"/>
+                    <a16:rowId xmlns:a16="http://schemas.microsoft.com/office/drawing/2014/main" val="2829296779"/>
                   </a:ext>
                 </a:extLst>
               </a:tr>
@@ -38479,7 +36623,7 @@
                     <a:p>
                       <a:pPr algn="ctr"/>
                       <a:r>
-                        <a:rPr lang="en-US" altLang="zh-CN" sz="1800" b="1" smtClean="0">
+                        <a:rPr lang="en-US" altLang="zh-CN" sz="1800" b="1">
                           <a:solidFill>
                             <a:schemeClr val="tx1">
                               <a:lumMod val="75000"/>
@@ -38558,7 +36702,7 @@
                 </a:tc>
                 <a:extLst>
                   <a:ext uri="{0D108BD9-81ED-4DB2-BD59-A6C34878D82A}">
-                    <a16:rowId xmlns:a16="http://schemas.microsoft.com/office/drawing/2014/main" xmlns="" val="3763321681"/>
+                    <a16:rowId xmlns:a16="http://schemas.microsoft.com/office/drawing/2014/main" val="3763321681"/>
                   </a:ext>
                 </a:extLst>
               </a:tr>
@@ -38570,7 +36714,7 @@
                     <a:p>
                       <a:pPr algn="ctr"/>
                       <a:r>
-                        <a:rPr lang="en-US" altLang="zh-CN" sz="1800" b="1" smtClean="0">
+                        <a:rPr lang="en-US" altLang="zh-CN" sz="1800" b="1">
                           <a:solidFill>
                             <a:schemeClr val="tx1">
                               <a:lumMod val="75000"/>
@@ -38649,7 +36793,7 @@
                 </a:tc>
                 <a:extLst>
                   <a:ext uri="{0D108BD9-81ED-4DB2-BD59-A6C34878D82A}">
-                    <a16:rowId xmlns:a16="http://schemas.microsoft.com/office/drawing/2014/main" xmlns="" val="1577470295"/>
+                    <a16:rowId xmlns:a16="http://schemas.microsoft.com/office/drawing/2014/main" val="1577470295"/>
                   </a:ext>
                 </a:extLst>
               </a:tr>
@@ -38688,7 +36832,7 @@
                 <a:gridCol w="1645697">
                   <a:extLst>
                     <a:ext uri="{9D8B030D-6E8A-4147-A177-3AD203B41FA5}">
-                      <a16:colId xmlns:a16="http://schemas.microsoft.com/office/drawing/2014/main" xmlns="" val="4040497553"/>
+                      <a16:colId xmlns:a16="http://schemas.microsoft.com/office/drawing/2014/main" val="4040497553"/>
                     </a:ext>
                   </a:extLst>
                 </a:gridCol>
@@ -38701,7 +36845,7 @@
                     <a:p>
                       <a:pPr algn="ctr"/>
                       <a:r>
-                        <a:rPr lang="en-US" altLang="zh-CN" sz="1800" b="1" smtClean="0">
+                        <a:rPr lang="en-US" altLang="zh-CN" sz="1800" b="1">
                           <a:latin typeface="微软雅黑" panose="020B0503020204020204" pitchFamily="34" charset="-122"/>
                           <a:ea typeface="微软雅黑" panose="020B0503020204020204" pitchFamily="34" charset="-122"/>
                         </a:rPr>
@@ -38767,7 +36911,7 @@
                 </a:tc>
                 <a:extLst>
                   <a:ext uri="{0D108BD9-81ED-4DB2-BD59-A6C34878D82A}">
-                    <a16:rowId xmlns:a16="http://schemas.microsoft.com/office/drawing/2014/main" xmlns="" val="286246941"/>
+                    <a16:rowId xmlns:a16="http://schemas.microsoft.com/office/drawing/2014/main" val="286246941"/>
                   </a:ext>
                 </a:extLst>
               </a:tr>
@@ -38779,7 +36923,7 @@
                     <a:p>
                       <a:pPr algn="ctr"/>
                       <a:r>
-                        <a:rPr lang="en-US" altLang="zh-CN" sz="1800" b="1" smtClean="0">
+                        <a:rPr lang="en-US" altLang="zh-CN" sz="1800" b="1">
                           <a:solidFill>
                             <a:schemeClr val="tx1">
                               <a:lumMod val="75000"/>
@@ -38858,7 +37002,7 @@
                 </a:tc>
                 <a:extLst>
                   <a:ext uri="{0D108BD9-81ED-4DB2-BD59-A6C34878D82A}">
-                    <a16:rowId xmlns:a16="http://schemas.microsoft.com/office/drawing/2014/main" xmlns="" val="2829296779"/>
+                    <a16:rowId xmlns:a16="http://schemas.microsoft.com/office/drawing/2014/main" val="2829296779"/>
                   </a:ext>
                 </a:extLst>
               </a:tr>
@@ -38870,7 +37014,7 @@
                     <a:p>
                       <a:pPr algn="ctr"/>
                       <a:r>
-                        <a:rPr lang="en-US" altLang="zh-CN" sz="1800" b="1" smtClean="0">
+                        <a:rPr lang="en-US" altLang="zh-CN" sz="1800" b="1">
                           <a:solidFill>
                             <a:schemeClr val="tx1">
                               <a:lumMod val="75000"/>
@@ -38949,7 +37093,7 @@
                 </a:tc>
                 <a:extLst>
                   <a:ext uri="{0D108BD9-81ED-4DB2-BD59-A6C34878D82A}">
-                    <a16:rowId xmlns:a16="http://schemas.microsoft.com/office/drawing/2014/main" xmlns="" val="3763321681"/>
+                    <a16:rowId xmlns:a16="http://schemas.microsoft.com/office/drawing/2014/main" val="3763321681"/>
                   </a:ext>
                 </a:extLst>
               </a:tr>
@@ -39034,7 +37178,7 @@
                 <a:gridCol w="1414921">
                   <a:extLst>
                     <a:ext uri="{9D8B030D-6E8A-4147-A177-3AD203B41FA5}">
-                      <a16:colId xmlns:a16="http://schemas.microsoft.com/office/drawing/2014/main" xmlns="" val="4040497553"/>
+                      <a16:colId xmlns:a16="http://schemas.microsoft.com/office/drawing/2014/main" val="4040497553"/>
                     </a:ext>
                   </a:extLst>
                 </a:gridCol>
@@ -39047,7 +37191,7 @@
                     <a:p>
                       <a:pPr algn="ctr"/>
                       <a:r>
-                        <a:rPr lang="en-US" altLang="zh-CN" sz="1800" b="1" smtClean="0">
+                        <a:rPr lang="en-US" altLang="zh-CN" sz="1800" b="1">
                           <a:latin typeface="微软雅黑" panose="020B0503020204020204" pitchFamily="34" charset="-122"/>
                           <a:ea typeface="微软雅黑" panose="020B0503020204020204" pitchFamily="34" charset="-122"/>
                         </a:rPr>
@@ -39113,7 +37257,7 @@
                 </a:tc>
                 <a:extLst>
                   <a:ext uri="{0D108BD9-81ED-4DB2-BD59-A6C34878D82A}">
-                    <a16:rowId xmlns:a16="http://schemas.microsoft.com/office/drawing/2014/main" xmlns="" val="286246941"/>
+                    <a16:rowId xmlns:a16="http://schemas.microsoft.com/office/drawing/2014/main" val="286246941"/>
                   </a:ext>
                 </a:extLst>
               </a:tr>
@@ -39125,7 +37269,7 @@
                     <a:p>
                       <a:pPr algn="ctr"/>
                       <a:r>
-                        <a:rPr lang="en-US" altLang="zh-CN" sz="1800" b="1" smtClean="0">
+                        <a:rPr lang="en-US" altLang="zh-CN" sz="1800" b="1">
                           <a:solidFill>
                             <a:schemeClr val="tx1">
                               <a:lumMod val="75000"/>
@@ -39204,7 +37348,7 @@
                 </a:tc>
                 <a:extLst>
                   <a:ext uri="{0D108BD9-81ED-4DB2-BD59-A6C34878D82A}">
-                    <a16:rowId xmlns:a16="http://schemas.microsoft.com/office/drawing/2014/main" xmlns="" val="2829296779"/>
+                    <a16:rowId xmlns:a16="http://schemas.microsoft.com/office/drawing/2014/main" val="2829296779"/>
                   </a:ext>
                 </a:extLst>
               </a:tr>
@@ -39216,7 +37360,7 @@
                     <a:p>
                       <a:pPr algn="ctr"/>
                       <a:r>
-                        <a:rPr lang="en-US" altLang="zh-CN" sz="1800" b="1" smtClean="0">
+                        <a:rPr lang="en-US" altLang="zh-CN" sz="1800" b="1">
                           <a:solidFill>
                             <a:schemeClr val="tx1">
                               <a:lumMod val="75000"/>
@@ -39295,7 +37439,7 @@
                 </a:tc>
                 <a:extLst>
                   <a:ext uri="{0D108BD9-81ED-4DB2-BD59-A6C34878D82A}">
-                    <a16:rowId xmlns:a16="http://schemas.microsoft.com/office/drawing/2014/main" xmlns="" val="3763321681"/>
+                    <a16:rowId xmlns:a16="http://schemas.microsoft.com/office/drawing/2014/main" val="3763321681"/>
                   </a:ext>
                 </a:extLst>
               </a:tr>
@@ -39307,7 +37451,7 @@
                     <a:p>
                       <a:pPr algn="ctr"/>
                       <a:r>
-                        <a:rPr lang="en-US" altLang="zh-CN" sz="1800" b="1" smtClean="0">
+                        <a:rPr lang="en-US" altLang="zh-CN" sz="1800" b="1">
                           <a:solidFill>
                             <a:schemeClr val="tx1">
                               <a:lumMod val="75000"/>
@@ -39386,7 +37530,7 @@
                 </a:tc>
                 <a:extLst>
                   <a:ext uri="{0D108BD9-81ED-4DB2-BD59-A6C34878D82A}">
-                    <a16:rowId xmlns:a16="http://schemas.microsoft.com/office/drawing/2014/main" xmlns="" val="1577470295"/>
+                    <a16:rowId xmlns:a16="http://schemas.microsoft.com/office/drawing/2014/main" val="1577470295"/>
                   </a:ext>
                 </a:extLst>
               </a:tr>
@@ -39423,7 +37567,7 @@
                 <a:gridCol w="1414921">
                   <a:extLst>
                     <a:ext uri="{9D8B030D-6E8A-4147-A177-3AD203B41FA5}">
-                      <a16:colId xmlns:a16="http://schemas.microsoft.com/office/drawing/2014/main" xmlns="" val="4040497553"/>
+                      <a16:colId xmlns:a16="http://schemas.microsoft.com/office/drawing/2014/main" val="4040497553"/>
                     </a:ext>
                   </a:extLst>
                 </a:gridCol>
@@ -39436,7 +37580,7 @@
                     <a:p>
                       <a:pPr algn="ctr"/>
                       <a:r>
-                        <a:rPr lang="en-US" altLang="zh-CN" sz="1800" b="1" smtClean="0">
+                        <a:rPr lang="en-US" altLang="zh-CN" sz="1800" b="1">
                           <a:latin typeface="微软雅黑" panose="020B0503020204020204" pitchFamily="34" charset="-122"/>
                           <a:ea typeface="微软雅黑" panose="020B0503020204020204" pitchFamily="34" charset="-122"/>
                         </a:rPr>
@@ -39502,7 +37646,7 @@
                 </a:tc>
                 <a:extLst>
                   <a:ext uri="{0D108BD9-81ED-4DB2-BD59-A6C34878D82A}">
-                    <a16:rowId xmlns:a16="http://schemas.microsoft.com/office/drawing/2014/main" xmlns="" val="286246941"/>
+                    <a16:rowId xmlns:a16="http://schemas.microsoft.com/office/drawing/2014/main" val="286246941"/>
                   </a:ext>
                 </a:extLst>
               </a:tr>
@@ -39514,7 +37658,7 @@
                     <a:p>
                       <a:pPr algn="ctr"/>
                       <a:r>
-                        <a:rPr lang="en-US" altLang="zh-CN" sz="1800" b="1" smtClean="0">
+                        <a:rPr lang="en-US" altLang="zh-CN" sz="1800" b="1">
                           <a:solidFill>
                             <a:schemeClr val="tx1">
                               <a:lumMod val="75000"/>
@@ -39593,7 +37737,7 @@
                 </a:tc>
                 <a:extLst>
                   <a:ext uri="{0D108BD9-81ED-4DB2-BD59-A6C34878D82A}">
-                    <a16:rowId xmlns:a16="http://schemas.microsoft.com/office/drawing/2014/main" xmlns="" val="2829296779"/>
+                    <a16:rowId xmlns:a16="http://schemas.microsoft.com/office/drawing/2014/main" val="2829296779"/>
                   </a:ext>
                 </a:extLst>
               </a:tr>
@@ -39605,7 +37749,7 @@
                     <a:p>
                       <a:pPr algn="ctr"/>
                       <a:r>
-                        <a:rPr lang="en-US" altLang="zh-CN" sz="1800" b="1" smtClean="0">
+                        <a:rPr lang="en-US" altLang="zh-CN" sz="1800" b="1">
                           <a:solidFill>
                             <a:schemeClr val="tx1">
                               <a:lumMod val="75000"/>
@@ -39684,7 +37828,7 @@
                 </a:tc>
                 <a:extLst>
                   <a:ext uri="{0D108BD9-81ED-4DB2-BD59-A6C34878D82A}">
-                    <a16:rowId xmlns:a16="http://schemas.microsoft.com/office/drawing/2014/main" xmlns="" val="3763321681"/>
+                    <a16:rowId xmlns:a16="http://schemas.microsoft.com/office/drawing/2014/main" val="3763321681"/>
                   </a:ext>
                 </a:extLst>
               </a:tr>
@@ -39696,7 +37840,7 @@
                     <a:p>
                       <a:pPr algn="ctr"/>
                       <a:r>
-                        <a:rPr lang="en-US" altLang="zh-CN" sz="1800" b="1" smtClean="0">
+                        <a:rPr lang="en-US" altLang="zh-CN" sz="1800" b="1">
                           <a:solidFill>
                             <a:schemeClr val="tx1">
                               <a:lumMod val="75000"/>
@@ -39775,7 +37919,7 @@
                 </a:tc>
                 <a:extLst>
                   <a:ext uri="{0D108BD9-81ED-4DB2-BD59-A6C34878D82A}">
-                    <a16:rowId xmlns:a16="http://schemas.microsoft.com/office/drawing/2014/main" xmlns="" val="1577470295"/>
+                    <a16:rowId xmlns:a16="http://schemas.microsoft.com/office/drawing/2014/main" val="1577470295"/>
                   </a:ext>
                 </a:extLst>
               </a:tr>
@@ -39908,7 +38052,7 @@
                 <a:gridCol w="553401">
                   <a:extLst>
                     <a:ext uri="{9D8B030D-6E8A-4147-A177-3AD203B41FA5}">
-                      <a16:colId xmlns:a16="http://schemas.microsoft.com/office/drawing/2014/main" xmlns="" val="2587462782"/>
+                      <a16:colId xmlns:a16="http://schemas.microsoft.com/office/drawing/2014/main" val="2587462782"/>
                     </a:ext>
                   </a:extLst>
                 </a:gridCol>
@@ -39986,7 +38130,7 @@
                 </a:tc>
                 <a:extLst>
                   <a:ext uri="{0D108BD9-81ED-4DB2-BD59-A6C34878D82A}">
-                    <a16:rowId xmlns:a16="http://schemas.microsoft.com/office/drawing/2014/main" xmlns="" val="3696843"/>
+                    <a16:rowId xmlns:a16="http://schemas.microsoft.com/office/drawing/2014/main" val="3696843"/>
                   </a:ext>
                 </a:extLst>
               </a:tr>
@@ -40063,7 +38207,7 @@
                 </a:tc>
                 <a:extLst>
                   <a:ext uri="{0D108BD9-81ED-4DB2-BD59-A6C34878D82A}">
-                    <a16:rowId xmlns:a16="http://schemas.microsoft.com/office/drawing/2014/main" xmlns="" val="3871144980"/>
+                    <a16:rowId xmlns:a16="http://schemas.microsoft.com/office/drawing/2014/main" val="3871144980"/>
                   </a:ext>
                 </a:extLst>
               </a:tr>
@@ -40140,7 +38284,7 @@
                 </a:tc>
                 <a:extLst>
                   <a:ext uri="{0D108BD9-81ED-4DB2-BD59-A6C34878D82A}">
-                    <a16:rowId xmlns:a16="http://schemas.microsoft.com/office/drawing/2014/main" xmlns="" val="3536056795"/>
+                    <a16:rowId xmlns:a16="http://schemas.microsoft.com/office/drawing/2014/main" val="3536056795"/>
                   </a:ext>
                 </a:extLst>
               </a:tr>
@@ -40218,7 +38362,7 @@
                 </a:tc>
                 <a:extLst>
                   <a:ext uri="{0D108BD9-81ED-4DB2-BD59-A6C34878D82A}">
-                    <a16:rowId xmlns:a16="http://schemas.microsoft.com/office/drawing/2014/main" xmlns="" val="4037166707"/>
+                    <a16:rowId xmlns:a16="http://schemas.microsoft.com/office/drawing/2014/main" val="4037166707"/>
                   </a:ext>
                 </a:extLst>
               </a:tr>
@@ -40296,7 +38440,7 @@
                 </a:tc>
                 <a:extLst>
                   <a:ext uri="{0D108BD9-81ED-4DB2-BD59-A6C34878D82A}">
-                    <a16:rowId xmlns:a16="http://schemas.microsoft.com/office/drawing/2014/main" xmlns="" val="3401821646"/>
+                    <a16:rowId xmlns:a16="http://schemas.microsoft.com/office/drawing/2014/main" val="3401821646"/>
                   </a:ext>
                 </a:extLst>
               </a:tr>
@@ -40308,7 +38452,7 @@
                     <a:p>
                       <a:pPr algn="ctr"/>
                       <a:r>
-                        <a:rPr lang="en-US" altLang="zh-CN" sz="800" smtClean="0">
+                        <a:rPr lang="en-US" altLang="zh-CN" sz="800">
                           <a:solidFill>
                             <a:schemeClr val="tx1">
                               <a:lumMod val="75000"/>
@@ -40383,7 +38527,7 @@
                 </a:tc>
                 <a:extLst>
                   <a:ext uri="{0D108BD9-81ED-4DB2-BD59-A6C34878D82A}">
-                    <a16:rowId xmlns:a16="http://schemas.microsoft.com/office/drawing/2014/main" xmlns="" val="4192497206"/>
+                    <a16:rowId xmlns:a16="http://schemas.microsoft.com/office/drawing/2014/main" val="4192497206"/>
                   </a:ext>
                 </a:extLst>
               </a:tr>
@@ -40414,7 +38558,7 @@
           <a:lstStyle/>
           <a:p>
             <a:r>
-              <a:rPr lang="en-US" altLang="zh-CN" sz="2400" b="1" smtClean="0">
+              <a:rPr lang="en-US" altLang="zh-CN" sz="2400" b="1">
                 <a:solidFill>
                   <a:schemeClr val="tx1">
                     <a:lumMod val="75000"/>
@@ -40427,7 +38571,7 @@
               <a:t>Derive</a:t>
             </a:r>
             <a:r>
-              <a:rPr lang="zh-CN" altLang="en-US" sz="2400" b="1" smtClean="0">
+              <a:rPr lang="zh-CN" altLang="en-US" sz="2400" b="1">
                 <a:solidFill>
                   <a:schemeClr val="tx1">
                     <a:lumMod val="75000"/>
@@ -40439,16 +38583,6 @@
               </a:rPr>
               <a:t>对象</a:t>
             </a:r>
-            <a:endParaRPr lang="zh-CN" altLang="en-US" sz="2400" b="1">
-              <a:solidFill>
-                <a:schemeClr val="tx1">
-                  <a:lumMod val="75000"/>
-                  <a:lumOff val="25000"/>
-                </a:schemeClr>
-              </a:solidFill>
-              <a:latin typeface="微软雅黑" panose="020B0503020204020204" pitchFamily="34" charset="-122"/>
-              <a:ea typeface="微软雅黑" panose="020B0503020204020204" pitchFamily="34" charset="-122"/>
-            </a:endParaRPr>
           </a:p>
         </p:txBody>
       </p:sp>
@@ -40487,35 +38621,35 @@
                 <a:gridCol w="1282577">
                   <a:extLst>
                     <a:ext uri="{9D8B030D-6E8A-4147-A177-3AD203B41FA5}">
-                      <a16:colId xmlns:a16="http://schemas.microsoft.com/office/drawing/2014/main" xmlns="" val="2915925112"/>
+                      <a16:colId xmlns:a16="http://schemas.microsoft.com/office/drawing/2014/main" val="2915925112"/>
                     </a:ext>
                   </a:extLst>
                 </a:gridCol>
                 <a:gridCol w="1282577">
                   <a:extLst>
                     <a:ext uri="{9D8B030D-6E8A-4147-A177-3AD203B41FA5}">
-                      <a16:colId xmlns:a16="http://schemas.microsoft.com/office/drawing/2014/main" xmlns="" val="2162304330"/>
+                      <a16:colId xmlns:a16="http://schemas.microsoft.com/office/drawing/2014/main" val="2162304330"/>
                     </a:ext>
                   </a:extLst>
                 </a:gridCol>
                 <a:gridCol w="1248830">
                   <a:extLst>
                     <a:ext uri="{9D8B030D-6E8A-4147-A177-3AD203B41FA5}">
-                      <a16:colId xmlns:a16="http://schemas.microsoft.com/office/drawing/2014/main" xmlns="" val="2482538744"/>
+                      <a16:colId xmlns:a16="http://schemas.microsoft.com/office/drawing/2014/main" val="2482538744"/>
                     </a:ext>
                   </a:extLst>
                 </a:gridCol>
                 <a:gridCol w="1535292">
                   <a:extLst>
                     <a:ext uri="{9D8B030D-6E8A-4147-A177-3AD203B41FA5}">
-                      <a16:colId xmlns:a16="http://schemas.microsoft.com/office/drawing/2014/main" xmlns="" val="1611810360"/>
+                      <a16:colId xmlns:a16="http://schemas.microsoft.com/office/drawing/2014/main" val="1611810360"/>
                     </a:ext>
                   </a:extLst>
                 </a:gridCol>
                 <a:gridCol w="265755">
                   <a:extLst>
                     <a:ext uri="{9D8B030D-6E8A-4147-A177-3AD203B41FA5}">
-                      <a16:colId xmlns:a16="http://schemas.microsoft.com/office/drawing/2014/main" xmlns="" val="3866220346"/>
+                      <a16:colId xmlns:a16="http://schemas.microsoft.com/office/drawing/2014/main" val="3866220346"/>
                     </a:ext>
                   </a:extLst>
                 </a:gridCol>
@@ -40527,7 +38661,7 @@
                     <a:lstStyle/>
                     <a:p>
                       <a:r>
-                        <a:rPr lang="en-US" altLang="zh-CN" sz="1800" b="1" smtClean="0">
+                        <a:rPr lang="en-US" altLang="zh-CN" sz="1800" b="1">
                           <a:solidFill>
                             <a:schemeClr val="tx1">
                               <a:lumMod val="75000"/>
@@ -40610,7 +38744,7 @@
                     <a:lstStyle/>
                     <a:p>
                       <a:r>
-                        <a:rPr lang="en-US" altLang="zh-CN" sz="1800" b="1" smtClean="0">
+                        <a:rPr lang="en-US" altLang="zh-CN" sz="1800" b="1">
                           <a:solidFill>
                             <a:schemeClr val="tx1">
                               <a:lumMod val="75000"/>
@@ -40693,7 +38827,7 @@
                     <a:lstStyle/>
                     <a:p>
                       <a:r>
-                        <a:rPr lang="en-US" altLang="zh-CN" sz="1800" b="1" smtClean="0">
+                        <a:rPr lang="en-US" altLang="zh-CN" sz="1800" b="1">
                           <a:solidFill>
                             <a:schemeClr val="tx1">
                               <a:lumMod val="75000"/>
@@ -40776,7 +38910,7 @@
                     <a:lstStyle/>
                     <a:p>
                       <a:r>
-                        <a:rPr lang="en-US" altLang="zh-CN" sz="1800" b="1" smtClean="0">
+                        <a:rPr lang="en-US" altLang="zh-CN" sz="1800" b="1">
                           <a:solidFill>
                             <a:schemeClr val="tx1">
                               <a:lumMod val="75000"/>
@@ -40859,7 +38993,7 @@
                     <a:lstStyle/>
                     <a:p>
                       <a:r>
-                        <a:rPr lang="en-US" altLang="zh-CN" sz="1800" b="1" smtClean="0">
+                        <a:rPr lang="en-US" altLang="zh-CN" sz="1800" b="1">
                           <a:solidFill>
                             <a:schemeClr val="tx1">
                               <a:lumMod val="75000"/>
@@ -40938,7 +39072,7 @@
                 </a:tc>
                 <a:extLst>
                   <a:ext uri="{0D108BD9-81ED-4DB2-BD59-A6C34878D82A}">
-                    <a16:rowId xmlns:a16="http://schemas.microsoft.com/office/drawing/2014/main" xmlns="" val="1231185787"/>
+                    <a16:rowId xmlns:a16="http://schemas.microsoft.com/office/drawing/2014/main" val="1231185787"/>
                   </a:ext>
                 </a:extLst>
               </a:tr>
@@ -40977,28 +39111,28 @@
                 <a:gridCol w="1301184">
                   <a:extLst>
                     <a:ext uri="{9D8B030D-6E8A-4147-A177-3AD203B41FA5}">
-                      <a16:colId xmlns:a16="http://schemas.microsoft.com/office/drawing/2014/main" xmlns="" val="2915925112"/>
+                      <a16:colId xmlns:a16="http://schemas.microsoft.com/office/drawing/2014/main" val="2915925112"/>
                     </a:ext>
                   </a:extLst>
                 </a:gridCol>
                 <a:gridCol w="1301184">
                   <a:extLst>
                     <a:ext uri="{9D8B030D-6E8A-4147-A177-3AD203B41FA5}">
-                      <a16:colId xmlns:a16="http://schemas.microsoft.com/office/drawing/2014/main" xmlns="" val="2162304330"/>
+                      <a16:colId xmlns:a16="http://schemas.microsoft.com/office/drawing/2014/main" val="2162304330"/>
                     </a:ext>
                   </a:extLst>
                 </a:gridCol>
                 <a:gridCol w="1266949">
                   <a:extLst>
                     <a:ext uri="{9D8B030D-6E8A-4147-A177-3AD203B41FA5}">
-                      <a16:colId xmlns:a16="http://schemas.microsoft.com/office/drawing/2014/main" xmlns="" val="2482538744"/>
+                      <a16:colId xmlns:a16="http://schemas.microsoft.com/office/drawing/2014/main" val="2482538744"/>
                     </a:ext>
                   </a:extLst>
                 </a:gridCol>
                 <a:gridCol w="269611">
                   <a:extLst>
                     <a:ext uri="{9D8B030D-6E8A-4147-A177-3AD203B41FA5}">
-                      <a16:colId xmlns:a16="http://schemas.microsoft.com/office/drawing/2014/main" xmlns="" val="3866220346"/>
+                      <a16:colId xmlns:a16="http://schemas.microsoft.com/office/drawing/2014/main" val="3866220346"/>
                     </a:ext>
                   </a:extLst>
                 </a:gridCol>
@@ -41010,7 +39144,7 @@
                     <a:lstStyle/>
                     <a:p>
                       <a:r>
-                        <a:rPr lang="en-US" altLang="zh-CN" sz="1800" b="1" smtClean="0">
+                        <a:rPr lang="en-US" altLang="zh-CN" sz="1800" b="1">
                           <a:solidFill>
                             <a:schemeClr val="tx1">
                               <a:lumMod val="75000"/>
@@ -41093,7 +39227,7 @@
                     <a:lstStyle/>
                     <a:p>
                       <a:r>
-                        <a:rPr lang="en-US" altLang="zh-CN" sz="1800" b="1" smtClean="0">
+                        <a:rPr lang="en-US" altLang="zh-CN" sz="1800" b="1">
                           <a:solidFill>
                             <a:schemeClr val="tx1">
                               <a:lumMod val="75000"/>
@@ -41176,7 +39310,7 @@
                     <a:lstStyle/>
                     <a:p>
                       <a:r>
-                        <a:rPr lang="en-US" altLang="zh-CN" sz="1800" b="1" smtClean="0">
+                        <a:rPr lang="en-US" altLang="zh-CN" sz="1800" b="1">
                           <a:solidFill>
                             <a:schemeClr val="tx1">
                               <a:lumMod val="75000"/>
@@ -41259,7 +39393,7 @@
                     <a:lstStyle/>
                     <a:p>
                       <a:r>
-                        <a:rPr lang="en-US" altLang="zh-CN" sz="1800" b="1" smtClean="0">
+                        <a:rPr lang="en-US" altLang="zh-CN" sz="1800" b="1">
                           <a:solidFill>
                             <a:schemeClr val="tx1">
                               <a:lumMod val="75000"/>
@@ -41338,7 +39472,7 @@
                 </a:tc>
                 <a:extLst>
                   <a:ext uri="{0D108BD9-81ED-4DB2-BD59-A6C34878D82A}">
-                    <a16:rowId xmlns:a16="http://schemas.microsoft.com/office/drawing/2014/main" xmlns="" val="1231185787"/>
+                    <a16:rowId xmlns:a16="http://schemas.microsoft.com/office/drawing/2014/main" val="1231185787"/>
                   </a:ext>
                 </a:extLst>
               </a:tr>
@@ -41377,28 +39511,28 @@
                 <a:gridCol w="1301185">
                   <a:extLst>
                     <a:ext uri="{9D8B030D-6E8A-4147-A177-3AD203B41FA5}">
-                      <a16:colId xmlns:a16="http://schemas.microsoft.com/office/drawing/2014/main" xmlns="" val="2915925112"/>
+                      <a16:colId xmlns:a16="http://schemas.microsoft.com/office/drawing/2014/main" val="2915925112"/>
                     </a:ext>
                   </a:extLst>
                 </a:gridCol>
                 <a:gridCol w="1301185">
                   <a:extLst>
                     <a:ext uri="{9D8B030D-6E8A-4147-A177-3AD203B41FA5}">
-                      <a16:colId xmlns:a16="http://schemas.microsoft.com/office/drawing/2014/main" xmlns="" val="2162304330"/>
+                      <a16:colId xmlns:a16="http://schemas.microsoft.com/office/drawing/2014/main" val="2162304330"/>
                     </a:ext>
                   </a:extLst>
                 </a:gridCol>
                 <a:gridCol w="1266949">
                   <a:extLst>
                     <a:ext uri="{9D8B030D-6E8A-4147-A177-3AD203B41FA5}">
-                      <a16:colId xmlns:a16="http://schemas.microsoft.com/office/drawing/2014/main" xmlns="" val="2482538744"/>
+                      <a16:colId xmlns:a16="http://schemas.microsoft.com/office/drawing/2014/main" val="2482538744"/>
                     </a:ext>
                   </a:extLst>
                 </a:gridCol>
                 <a:gridCol w="269611">
                   <a:extLst>
                     <a:ext uri="{9D8B030D-6E8A-4147-A177-3AD203B41FA5}">
-                      <a16:colId xmlns:a16="http://schemas.microsoft.com/office/drawing/2014/main" xmlns="" val="3866220346"/>
+                      <a16:colId xmlns:a16="http://schemas.microsoft.com/office/drawing/2014/main" val="3866220346"/>
                     </a:ext>
                   </a:extLst>
                 </a:gridCol>
@@ -41410,7 +39544,7 @@
                     <a:lstStyle/>
                     <a:p>
                       <a:r>
-                        <a:rPr lang="en-US" altLang="zh-CN" sz="1800" b="1" smtClean="0">
+                        <a:rPr lang="en-US" altLang="zh-CN" sz="1800" b="1">
                           <a:solidFill>
                             <a:schemeClr val="tx1">
                               <a:lumMod val="75000"/>
@@ -41493,7 +39627,7 @@
                     <a:lstStyle/>
                     <a:p>
                       <a:r>
-                        <a:rPr lang="en-US" altLang="zh-CN" sz="1800" b="1" smtClean="0">
+                        <a:rPr lang="en-US" altLang="zh-CN" sz="1800" b="1">
                           <a:solidFill>
                             <a:schemeClr val="tx1">
                               <a:lumMod val="75000"/>
@@ -41576,7 +39710,7 @@
                     <a:lstStyle/>
                     <a:p>
                       <a:r>
-                        <a:rPr lang="en-US" altLang="zh-CN" sz="1800" b="1" smtClean="0">
+                        <a:rPr lang="en-US" altLang="zh-CN" sz="1800" b="1">
                           <a:solidFill>
                             <a:schemeClr val="tx1">
                               <a:lumMod val="75000"/>
@@ -41659,7 +39793,7 @@
                     <a:lstStyle/>
                     <a:p>
                       <a:r>
-                        <a:rPr lang="en-US" altLang="zh-CN" sz="1800" b="1" smtClean="0">
+                        <a:rPr lang="en-US" altLang="zh-CN" sz="1800" b="1">
                           <a:solidFill>
                             <a:schemeClr val="tx1">
                               <a:lumMod val="75000"/>
@@ -41738,7 +39872,7 @@
                 </a:tc>
                 <a:extLst>
                   <a:ext uri="{0D108BD9-81ED-4DB2-BD59-A6C34878D82A}">
-                    <a16:rowId xmlns:a16="http://schemas.microsoft.com/office/drawing/2014/main" xmlns="" val="1231185787"/>
+                    <a16:rowId xmlns:a16="http://schemas.microsoft.com/office/drawing/2014/main" val="1231185787"/>
                   </a:ext>
                 </a:extLst>
               </a:tr>
@@ -41978,7 +40112,7 @@
           <a:lstStyle/>
           <a:p>
             <a:r>
-              <a:rPr lang="en-US" altLang="zh-CN" sz="2000" b="1" smtClean="0">
+              <a:rPr lang="en-US" altLang="zh-CN" sz="2000" b="1">
                 <a:solidFill>
                   <a:schemeClr val="tx1">
                     <a:lumMod val="75000"/>
@@ -41991,7 +40125,7 @@
               <a:t>Base1</a:t>
             </a:r>
             <a:r>
-              <a:rPr lang="zh-CN" altLang="en-US" sz="2000" b="1" smtClean="0">
+              <a:rPr lang="zh-CN" altLang="en-US" sz="2000" b="1">
                 <a:solidFill>
                   <a:schemeClr val="tx1">
                     <a:lumMod val="75000"/>
@@ -42003,16 +40137,6 @@
               </a:rPr>
               <a:t>虚函数表</a:t>
             </a:r>
-            <a:endParaRPr lang="zh-CN" altLang="en-US" sz="2000" b="1">
-              <a:solidFill>
-                <a:schemeClr val="tx1">
-                  <a:lumMod val="75000"/>
-                  <a:lumOff val="25000"/>
-                </a:schemeClr>
-              </a:solidFill>
-              <a:latin typeface="微软雅黑" panose="020B0503020204020204" pitchFamily="34" charset="-122"/>
-              <a:ea typeface="微软雅黑" panose="020B0503020204020204" pitchFamily="34" charset="-122"/>
-            </a:endParaRPr>
           </a:p>
         </p:txBody>
       </p:sp>
@@ -42039,7 +40163,7 @@
           <a:lstStyle/>
           <a:p>
             <a:r>
-              <a:rPr lang="en-US" altLang="zh-CN" sz="2000" b="1" smtClean="0">
+              <a:rPr lang="en-US" altLang="zh-CN" sz="2000" b="1">
                 <a:solidFill>
                   <a:schemeClr val="tx1">
                     <a:lumMod val="75000"/>
@@ -42052,7 +40176,7 @@
               <a:t>Base2</a:t>
             </a:r>
             <a:r>
-              <a:rPr lang="zh-CN" altLang="en-US" sz="2000" b="1" smtClean="0">
+              <a:rPr lang="zh-CN" altLang="en-US" sz="2000" b="1">
                 <a:solidFill>
                   <a:schemeClr val="tx1">
                     <a:lumMod val="75000"/>
@@ -42064,16 +40188,6 @@
               </a:rPr>
               <a:t>虚函数表</a:t>
             </a:r>
-            <a:endParaRPr lang="zh-CN" altLang="en-US" sz="2000" b="1">
-              <a:solidFill>
-                <a:schemeClr val="tx1">
-                  <a:lumMod val="75000"/>
-                  <a:lumOff val="25000"/>
-                </a:schemeClr>
-              </a:solidFill>
-              <a:latin typeface="微软雅黑" panose="020B0503020204020204" pitchFamily="34" charset="-122"/>
-              <a:ea typeface="微软雅黑" panose="020B0503020204020204" pitchFamily="34" charset="-122"/>
-            </a:endParaRPr>
           </a:p>
         </p:txBody>
       </p:sp>
@@ -42100,7 +40214,7 @@
           <a:lstStyle/>
           <a:p>
             <a:r>
-              <a:rPr lang="en-US" altLang="zh-CN" sz="2000" b="1" smtClean="0">
+              <a:rPr lang="en-US" altLang="zh-CN" sz="2000" b="1">
                 <a:solidFill>
                   <a:schemeClr val="tx1">
                     <a:lumMod val="75000"/>
@@ -42113,7 +40227,7 @@
               <a:t>Base3</a:t>
             </a:r>
             <a:r>
-              <a:rPr lang="zh-CN" altLang="en-US" sz="2000" b="1" smtClean="0">
+              <a:rPr lang="zh-CN" altLang="en-US" sz="2000" b="1">
                 <a:solidFill>
                   <a:schemeClr val="tx1">
                     <a:lumMod val="75000"/>
@@ -42125,16 +40239,6 @@
               </a:rPr>
               <a:t>虚函数表</a:t>
             </a:r>
-            <a:endParaRPr lang="zh-CN" altLang="en-US" sz="2000" b="1">
-              <a:solidFill>
-                <a:schemeClr val="tx1">
-                  <a:lumMod val="75000"/>
-                  <a:lumOff val="25000"/>
-                </a:schemeClr>
-              </a:solidFill>
-              <a:latin typeface="微软雅黑" panose="020B0503020204020204" pitchFamily="34" charset="-122"/>
-              <a:ea typeface="微软雅黑" panose="020B0503020204020204" pitchFamily="34" charset="-122"/>
-            </a:endParaRPr>
           </a:p>
         </p:txBody>
       </p:sp>
@@ -42148,13 +40252,6 @@
   <p:clrMapOvr>
     <a:masterClrMapping/>
   </p:clrMapOvr>
-  <p:timing>
-    <p:tnLst>
-      <p:par>
-        <p:cTn id="1" dur="indefinite" restart="never" nodeType="tmRoot"/>
-      </p:par>
-    </p:tnLst>
-  </p:timing>
 </p:sld>
 </file>
 
@@ -42310,13 +40407,6 @@
   <p:clrMapOvr>
     <a:masterClrMapping/>
   </p:clrMapOvr>
-  <p:timing>
-    <p:tnLst>
-      <p:par>
-        <p:cTn id="1" dur="indefinite" restart="never" nodeType="tmRoot"/>
-      </p:par>
-    </p:tnLst>
-  </p:timing>
 </p:sld>
 </file>
 
@@ -42391,7 +40481,7 @@
               <a:buChar char="Ø"/>
             </a:pPr>
             <a:r>
-              <a:rPr lang="zh-CN" altLang="en-US" sz="3000" smtClean="0">
+              <a:rPr lang="zh-CN" altLang="en-US" sz="3000">
                 <a:solidFill>
                   <a:schemeClr val="tx1">
                     <a:lumMod val="75000"/>
@@ -42399,18 +40489,7 @@
                   </a:schemeClr>
                 </a:solidFill>
               </a:rPr>
-              <a:t>掌握纯</a:t>
-            </a:r>
-            <a:r>
-              <a:rPr lang="zh-CN" altLang="en-US" sz="3000">
-                <a:solidFill>
-                  <a:schemeClr val="tx1">
-                    <a:lumMod val="75000"/>
-                    <a:lumOff val="25000"/>
-                  </a:schemeClr>
-                </a:solidFill>
-              </a:rPr>
-              <a:t>虚函数与抽象类</a:t>
+              <a:t>掌握纯虚函数与抽象类</a:t>
             </a:r>
           </a:p>
           <a:p>
@@ -42422,7 +40501,7 @@
               <a:buChar char="Ø"/>
             </a:pPr>
             <a:r>
-              <a:rPr lang="zh-CN" altLang="en-US" sz="3000" smtClean="0">
+              <a:rPr lang="zh-CN" altLang="en-US" sz="3000">
                 <a:solidFill>
                   <a:schemeClr val="tx1">
                     <a:lumMod val="75000"/>
@@ -42430,18 +40509,7 @@
                   </a:schemeClr>
                 </a:solidFill>
               </a:rPr>
-              <a:t>理解什么是接口</a:t>
-            </a:r>
-            <a:r>
-              <a:rPr lang="zh-CN" altLang="en-US" sz="3000">
-                <a:solidFill>
-                  <a:schemeClr val="tx1">
-                    <a:lumMod val="75000"/>
-                    <a:lumOff val="25000"/>
-                  </a:schemeClr>
-                </a:solidFill>
-              </a:rPr>
-              <a:t>类</a:t>
+              <a:t>理解什么是接口类</a:t>
             </a:r>
           </a:p>
           <a:p>
@@ -42453,7 +40521,7 @@
               <a:buChar char="Ø"/>
             </a:pPr>
             <a:r>
-              <a:rPr lang="zh-CN" altLang="en-US" sz="3000" smtClean="0">
+              <a:rPr lang="zh-CN" altLang="en-US" sz="3000">
                 <a:solidFill>
                   <a:schemeClr val="tx1">
                     <a:lumMod val="75000"/>
@@ -42461,18 +40529,7 @@
                   </a:schemeClr>
                 </a:solidFill>
               </a:rPr>
-              <a:t>理解动态</a:t>
-            </a:r>
-            <a:r>
-              <a:rPr lang="zh-CN" altLang="en-US" sz="3000">
-                <a:solidFill>
-                  <a:schemeClr val="tx1">
-                    <a:lumMod val="75000"/>
-                    <a:lumOff val="25000"/>
-                  </a:schemeClr>
-                </a:solidFill>
-              </a:rPr>
-              <a:t>多态的原理与本质</a:t>
+              <a:t>理解动态多态的原理与本质</a:t>
             </a:r>
             <a:br>
               <a:rPr lang="zh-CN" altLang="en-US" sz="3000">
@@ -42505,13 +40562,6 @@
   <p:clrMapOvr>
     <a:masterClrMapping/>
   </p:clrMapOvr>
-  <p:timing>
-    <p:tnLst>
-      <p:par>
-        <p:cTn id="1" dur="indefinite" restart="never" nodeType="tmRoot"/>
-      </p:par>
-    </p:tnLst>
-  </p:timing>
 </p:sld>
 </file>
 
@@ -42542,13 +40592,6 @@
   <p:clrMapOvr>
     <a:masterClrMapping/>
   </p:clrMapOvr>
-  <p:timing>
-    <p:tnLst>
-      <p:par>
-        <p:cTn id="1" dur="indefinite" restart="never" nodeType="tmRoot"/>
-      </p:par>
-    </p:tnLst>
-  </p:timing>
 </p:sld>
 </file>
 
@@ -42617,16 +40660,6 @@
             <a:lstStyle/>
             <a:p>
               <a:r>
-                <a:rPr lang="zh-CN" altLang="en-US" sz="2400" b="1" kern="0" smtClean="0">
-                  <a:solidFill>
-                    <a:schemeClr val="bg1"/>
-                  </a:solidFill>
-                  <a:latin typeface="微软雅黑" panose="020B0503020204020204" pitchFamily="34" charset="-122"/>
-                  <a:ea typeface="微软雅黑" panose="020B0503020204020204" pitchFamily="34" charset="-122"/>
-                </a:rPr>
-                <a:t>          纯</a:t>
-              </a:r>
-              <a:r>
                 <a:rPr lang="zh-CN" altLang="en-US" sz="2400" b="1" kern="0">
                   <a:solidFill>
                     <a:schemeClr val="bg1"/>
@@ -42634,7 +40667,7 @@
                   <a:latin typeface="微软雅黑" panose="020B0503020204020204" pitchFamily="34" charset="-122"/>
                   <a:ea typeface="微软雅黑" panose="020B0503020204020204" pitchFamily="34" charset="-122"/>
                 </a:rPr>
-                <a:t>虚函数与抽象类</a:t>
+                <a:t>          纯虚函数与抽象类</a:t>
               </a:r>
             </a:p>
           </p:txBody>
@@ -42859,19 +40892,6 @@
             <a:lstStyle/>
             <a:p>
               <a:r>
-                <a:rPr lang="zh-CN" altLang="en-US" sz="2400" b="1" kern="0" smtClean="0">
-                  <a:solidFill>
-                    <a:schemeClr val="tx1">
-                      <a:lumMod val="65000"/>
-                      <a:lumOff val="35000"/>
-                    </a:schemeClr>
-                  </a:solidFill>
-                  <a:latin typeface="微软雅黑" panose="020B0503020204020204" pitchFamily="34" charset="-122"/>
-                  <a:ea typeface="微软雅黑" panose="020B0503020204020204" pitchFamily="34" charset="-122"/>
-                </a:rPr>
-                <a:t>          接口</a:t>
-              </a:r>
-              <a:r>
                 <a:rPr lang="zh-CN" altLang="en-US" sz="2400" b="1" kern="0">
                   <a:solidFill>
                     <a:schemeClr val="tx1">
@@ -42882,7 +40902,7 @@
                   <a:latin typeface="微软雅黑" panose="020B0503020204020204" pitchFamily="34" charset="-122"/>
                   <a:ea typeface="微软雅黑" panose="020B0503020204020204" pitchFamily="34" charset="-122"/>
                 </a:rPr>
-                <a:t>类</a:t>
+                <a:t>          接口类</a:t>
               </a:r>
             </a:p>
           </p:txBody>
@@ -43113,19 +41133,6 @@
             <a:lstStyle/>
             <a:p>
               <a:r>
-                <a:rPr lang="zh-CN" altLang="en-US" sz="2400" b="1" kern="0" smtClean="0">
-                  <a:solidFill>
-                    <a:schemeClr val="tx1">
-                      <a:lumMod val="65000"/>
-                      <a:lumOff val="35000"/>
-                    </a:schemeClr>
-                  </a:solidFill>
-                  <a:latin typeface="微软雅黑" panose="020B0503020204020204" pitchFamily="34" charset="-122"/>
-                  <a:ea typeface="微软雅黑" panose="020B0503020204020204" pitchFamily="34" charset="-122"/>
-                </a:rPr>
-                <a:t>          动态</a:t>
-              </a:r>
-              <a:r>
                 <a:rPr lang="zh-CN" altLang="en-US" sz="2400" b="1" kern="0">
                   <a:solidFill>
                     <a:schemeClr val="tx1">
@@ -43136,7 +41143,7 @@
                   <a:latin typeface="微软雅黑" panose="020B0503020204020204" pitchFamily="34" charset="-122"/>
                   <a:ea typeface="微软雅黑" panose="020B0503020204020204" pitchFamily="34" charset="-122"/>
                 </a:rPr>
-                <a:t>多态的原理与本质</a:t>
+                <a:t>          动态多态的原理与本质</a:t>
               </a:r>
             </a:p>
           </p:txBody>
@@ -43327,13 +41334,6 @@
   <p:clrMapOvr>
     <a:masterClrMapping/>
   </p:clrMapOvr>
-  <p:timing>
-    <p:tnLst>
-      <p:par>
-        <p:cTn id="1" dur="indefinite" restart="never" nodeType="tmRoot"/>
-      </p:par>
-    </p:tnLst>
-  </p:timing>
 </p:sld>
 </file>
 
@@ -43372,12 +41372,8 @@
           <a:lstStyle/>
           <a:p>
             <a:r>
-              <a:rPr lang="zh-CN" altLang="en-US" smtClean="0"/>
-              <a:t>纯</a:t>
-            </a:r>
-            <a:r>
               <a:rPr lang="zh-CN" altLang="en-US"/>
-              <a:t>虚函数与抽象类</a:t>
+              <a:t>纯虚函数与抽象类</a:t>
             </a:r>
           </a:p>
         </p:txBody>
@@ -43442,49 +41438,8 @@
                 <a:ea typeface="微软雅黑" panose="020B0503020204020204" pitchFamily="34" charset="-122"/>
                 <a:cs typeface="Courier New" pitchFamily="49" charset="0"/>
               </a:rPr>
-              <a:t>虚函数，通常</a:t>
-            </a:r>
-            <a:r>
-              <a:rPr lang="zh-CN" altLang="en-US" sz="3600" kern="0" smtClean="0">
-                <a:solidFill>
-                  <a:srgbClr val="C00000"/>
-                </a:solidFill>
-                <a:latin typeface="微软雅黑" panose="020B0503020204020204" pitchFamily="34" charset="-122"/>
-                <a:ea typeface="微软雅黑" panose="020B0503020204020204" pitchFamily="34" charset="-122"/>
-                <a:cs typeface="Courier New" pitchFamily="49" charset="0"/>
-              </a:rPr>
-              <a:t>只有函数</a:t>
-            </a:r>
-            <a:r>
-              <a:rPr lang="zh-CN" altLang="en-US" sz="3600" kern="0">
-                <a:solidFill>
-                  <a:srgbClr val="C00000"/>
-                </a:solidFill>
-                <a:latin typeface="微软雅黑" panose="020B0503020204020204" pitchFamily="34" charset="-122"/>
-                <a:ea typeface="微软雅黑" panose="020B0503020204020204" pitchFamily="34" charset="-122"/>
-                <a:cs typeface="Courier New" pitchFamily="49" charset="0"/>
-              </a:rPr>
-              <a:t>的声明而没有任何定义</a:t>
-            </a:r>
-            <a:r>
-              <a:rPr lang="zh-CN" altLang="en-US" sz="3600" kern="0" smtClean="0">
-                <a:solidFill>
-                  <a:srgbClr val="C00000"/>
-                </a:solidFill>
-                <a:latin typeface="微软雅黑" panose="020B0503020204020204" pitchFamily="34" charset="-122"/>
-                <a:ea typeface="微软雅黑" panose="020B0503020204020204" pitchFamily="34" charset="-122"/>
-                <a:cs typeface="Courier New" pitchFamily="49" charset="0"/>
-              </a:rPr>
-              <a:t>实体。</a:t>
-            </a:r>
-            <a:endParaRPr lang="zh-CN" altLang="en-US" sz="3600" kern="0">
-              <a:solidFill>
-                <a:srgbClr val="C00000"/>
-              </a:solidFill>
-              <a:latin typeface="微软雅黑" panose="020B0503020204020204" pitchFamily="34" charset="-122"/>
-              <a:ea typeface="微软雅黑" panose="020B0503020204020204" pitchFamily="34" charset="-122"/>
-              <a:cs typeface="Courier New" pitchFamily="49" charset="0"/>
-            </a:endParaRPr>
+              <a:t>虚函数，通常只有函数的声明而没有任何定义实体。</a:t>
+            </a:r>
           </a:p>
           <a:p>
             <a:pPr marL="566737" indent="-457200" eaLnBrk="0" hangingPunct="0">
@@ -43738,7 +41693,7 @@
               <a:t>参数表</a:t>
             </a:r>
             <a:r>
-              <a:rPr lang="en-US" altLang="zh-CN" sz="3200" b="1" smtClean="0">
+              <a:rPr lang="en-US" altLang="zh-CN" sz="3200" b="1">
                 <a:solidFill>
                   <a:schemeClr val="tx1">
                     <a:lumMod val="75000"/>
@@ -43749,19 +41704,6 @@
                 <a:ea typeface="微软雅黑" panose="020B0503020204020204" pitchFamily="34" charset="-122"/>
               </a:rPr>
               <a:t>&gt;) = 0;</a:t>
-            </a:r>
-            <a:r>
-              <a:rPr lang="en-US" altLang="zh-CN" sz="3200" b="1">
-                <a:solidFill>
-                  <a:schemeClr val="tx1">
-                    <a:lumMod val="75000"/>
-                    <a:lumOff val="25000"/>
-                  </a:schemeClr>
-                </a:solidFill>
-                <a:latin typeface="Consolas" panose="020B0609020204030204" pitchFamily="49" charset="0"/>
-                <a:ea typeface="微软雅黑" panose="020B0503020204020204" pitchFamily="34" charset="-122"/>
-              </a:rPr>
-              <a:t/>
             </a:r>
             <a:br>
               <a:rPr lang="en-US" altLang="zh-CN" sz="3200" b="1">
@@ -43801,13 +41743,6 @@
   <p:clrMapOvr>
     <a:masterClrMapping/>
   </p:clrMapOvr>
-  <p:timing>
-    <p:tnLst>
-      <p:par>
-        <p:cTn id="1" dur="indefinite" restart="never" nodeType="tmRoot"/>
-      </p:par>
-    </p:tnLst>
-  </p:timing>
 </p:sld>
 </file>
 
@@ -44081,33 +42016,8 @@
                 <a:ea typeface="微软雅黑" panose="020B0503020204020204" pitchFamily="34" charset="-122"/>
                 <a:cs typeface="Courier New" pitchFamily="49" charset="0"/>
               </a:rPr>
-              <a:t>class </a:t>
-            </a:r>
-            <a:r>
-              <a:rPr lang="en-US" altLang="zh-CN" b="1" smtClean="0">
-                <a:solidFill>
-                  <a:schemeClr val="tx1">
-                    <a:lumMod val="75000"/>
-                    <a:lumOff val="25000"/>
-                  </a:schemeClr>
-                </a:solidFill>
-                <a:latin typeface="Consolas" panose="020B0609020204030204" pitchFamily="49" charset="0"/>
-                <a:ea typeface="微软雅黑" panose="020B0503020204020204" pitchFamily="34" charset="-122"/>
-                <a:cs typeface="Courier New" pitchFamily="49" charset="0"/>
-              </a:rPr>
-              <a:t>Shape {</a:t>
-            </a:r>
-            <a:endParaRPr lang="en-US" altLang="zh-CN" b="1">
-              <a:solidFill>
-                <a:schemeClr val="tx1">
-                  <a:lumMod val="75000"/>
-                  <a:lumOff val="25000"/>
-                </a:schemeClr>
-              </a:solidFill>
-              <a:latin typeface="Consolas" panose="020B0609020204030204" pitchFamily="49" charset="0"/>
-              <a:ea typeface="微软雅黑" panose="020B0503020204020204" pitchFamily="34" charset="-122"/>
-              <a:cs typeface="Courier New" pitchFamily="49" charset="0"/>
-            </a:endParaRPr>
+              <a:t>class Shape {</a:t>
+            </a:r>
           </a:p>
           <a:p>
             <a:pPr marL="0" indent="0" eaLnBrk="1" hangingPunct="1">
@@ -44201,33 +42111,8 @@
                 <a:ea typeface="微软雅黑" panose="020B0503020204020204" pitchFamily="34" charset="-122"/>
                 <a:cs typeface="Courier New" pitchFamily="49" charset="0"/>
               </a:rPr>
-              <a:t>class Line:public </a:t>
-            </a:r>
-            <a:r>
-              <a:rPr lang="en-US" altLang="zh-CN" b="1" smtClean="0">
-                <a:solidFill>
-                  <a:schemeClr val="tx1">
-                    <a:lumMod val="75000"/>
-                    <a:lumOff val="25000"/>
-                  </a:schemeClr>
-                </a:solidFill>
-                <a:latin typeface="Consolas" panose="020B0609020204030204" pitchFamily="49" charset="0"/>
-                <a:ea typeface="微软雅黑" panose="020B0503020204020204" pitchFamily="34" charset="-122"/>
-                <a:cs typeface="Courier New" pitchFamily="49" charset="0"/>
-              </a:rPr>
-              <a:t>Shape {</a:t>
-            </a:r>
-            <a:endParaRPr lang="en-US" altLang="zh-CN" b="1">
-              <a:solidFill>
-                <a:schemeClr val="tx1">
-                  <a:lumMod val="75000"/>
-                  <a:lumOff val="25000"/>
-                </a:schemeClr>
-              </a:solidFill>
-              <a:latin typeface="Consolas" panose="020B0609020204030204" pitchFamily="49" charset="0"/>
-              <a:ea typeface="微软雅黑" panose="020B0503020204020204" pitchFamily="34" charset="-122"/>
-              <a:cs typeface="Courier New" pitchFamily="49" charset="0"/>
-            </a:endParaRPr>
+              <a:t>class Line:public Shape {</a:t>
+            </a:r>
           </a:p>
           <a:p>
             <a:pPr marL="0" indent="0" eaLnBrk="1" hangingPunct="1">
@@ -44268,21 +42153,7 @@
                 <a:ea typeface="微软雅黑" panose="020B0503020204020204" pitchFamily="34" charset="-122"/>
                 <a:cs typeface="Courier New" pitchFamily="49" charset="0"/>
               </a:rPr>
-              <a:t>    void Draw</a:t>
-            </a:r>
-            <a:r>
-              <a:rPr lang="en-US" altLang="zh-CN" b="1" smtClean="0">
-                <a:solidFill>
-                  <a:schemeClr val="tx1">
-                    <a:lumMod val="75000"/>
-                    <a:lumOff val="25000"/>
-                  </a:schemeClr>
-                </a:solidFill>
-                <a:latin typeface="Consolas" panose="020B0609020204030204" pitchFamily="49" charset="0"/>
-                <a:ea typeface="微软雅黑" panose="020B0503020204020204" pitchFamily="34" charset="-122"/>
-                <a:cs typeface="Courier New" pitchFamily="49" charset="0"/>
-              </a:rPr>
-              <a:t>(){</a:t>
+              <a:t>    void Draw(){</a:t>
             </a:r>
           </a:p>
           <a:p>
@@ -44303,61 +42174,8 @@
                 <a:ea typeface="微软雅黑" panose="020B0503020204020204" pitchFamily="34" charset="-122"/>
                 <a:cs typeface="Courier New" pitchFamily="49" charset="0"/>
               </a:rPr>
-              <a:t> </a:t>
-            </a:r>
-            <a:r>
-              <a:rPr lang="en-US" altLang="zh-CN" b="1" smtClean="0">
-                <a:solidFill>
-                  <a:schemeClr val="tx1">
-                    <a:lumMod val="75000"/>
-                    <a:lumOff val="25000"/>
-                  </a:schemeClr>
-                </a:solidFill>
-                <a:latin typeface="Consolas" panose="020B0609020204030204" pitchFamily="49" charset="0"/>
-                <a:ea typeface="微软雅黑" panose="020B0503020204020204" pitchFamily="34" charset="-122"/>
-                <a:cs typeface="Courier New" pitchFamily="49" charset="0"/>
-              </a:rPr>
-              <a:t>       cout </a:t>
-            </a:r>
-            <a:r>
-              <a:rPr lang="en-US" altLang="zh-CN" b="1">
-                <a:solidFill>
-                  <a:schemeClr val="tx1">
-                    <a:lumMod val="75000"/>
-                    <a:lumOff val="25000"/>
-                  </a:schemeClr>
-                </a:solidFill>
-                <a:latin typeface="Consolas" panose="020B0609020204030204" pitchFamily="49" charset="0"/>
-                <a:ea typeface="微软雅黑" panose="020B0503020204020204" pitchFamily="34" charset="-122"/>
-                <a:cs typeface="Courier New" pitchFamily="49" charset="0"/>
-              </a:rPr>
-              <a:t>&lt;&lt; "Line::</a:t>
-            </a:r>
-            <a:r>
-              <a:rPr lang="en-US" altLang="zh-CN" b="1" smtClean="0">
-                <a:solidFill>
-                  <a:schemeClr val="tx1">
-                    <a:lumMod val="75000"/>
-                    <a:lumOff val="25000"/>
-                  </a:schemeClr>
-                </a:solidFill>
-                <a:latin typeface="Consolas" panose="020B0609020204030204" pitchFamily="49" charset="0"/>
-                <a:ea typeface="微软雅黑" panose="020B0503020204020204" pitchFamily="34" charset="-122"/>
-                <a:cs typeface="Courier New" pitchFamily="49" charset="0"/>
-              </a:rPr>
-              <a:t>Draw; }</a:t>
-            </a:r>
-            <a:endParaRPr lang="en-US" altLang="zh-CN" b="1">
-              <a:solidFill>
-                <a:schemeClr val="tx1">
-                  <a:lumMod val="75000"/>
-                  <a:lumOff val="25000"/>
-                </a:schemeClr>
-              </a:solidFill>
-              <a:latin typeface="Consolas" panose="020B0609020204030204" pitchFamily="49" charset="0"/>
-              <a:ea typeface="微软雅黑" panose="020B0503020204020204" pitchFamily="34" charset="-122"/>
-              <a:cs typeface="Courier New" pitchFamily="49" charset="0"/>
-            </a:endParaRPr>
+              <a:t>        cout &lt;&lt; "Line::Draw; }</a:t>
+            </a:r>
           </a:p>
           <a:p>
             <a:pPr marL="0" indent="0" eaLnBrk="1" hangingPunct="1">
@@ -44398,33 +42216,8 @@
                 <a:ea typeface="微软雅黑" panose="020B0503020204020204" pitchFamily="34" charset="-122"/>
                 <a:cs typeface="Courier New" pitchFamily="49" charset="0"/>
               </a:rPr>
-              <a:t>class Circle:public </a:t>
-            </a:r>
-            <a:r>
-              <a:rPr lang="en-US" altLang="zh-CN" b="1" smtClean="0">
-                <a:solidFill>
-                  <a:schemeClr val="tx1">
-                    <a:lumMod val="75000"/>
-                    <a:lumOff val="25000"/>
-                  </a:schemeClr>
-                </a:solidFill>
-                <a:latin typeface="Consolas" panose="020B0609020204030204" pitchFamily="49" charset="0"/>
-                <a:ea typeface="微软雅黑" panose="020B0503020204020204" pitchFamily="34" charset="-122"/>
-                <a:cs typeface="Courier New" pitchFamily="49" charset="0"/>
-              </a:rPr>
-              <a:t>Shape {</a:t>
-            </a:r>
-            <a:endParaRPr lang="en-US" altLang="zh-CN" b="1">
-              <a:solidFill>
-                <a:schemeClr val="tx1">
-                  <a:lumMod val="75000"/>
-                  <a:lumOff val="25000"/>
-                </a:schemeClr>
-              </a:solidFill>
-              <a:latin typeface="Consolas" panose="020B0609020204030204" pitchFamily="49" charset="0"/>
-              <a:ea typeface="微软雅黑" panose="020B0503020204020204" pitchFamily="34" charset="-122"/>
-              <a:cs typeface="Courier New" pitchFamily="49" charset="0"/>
-            </a:endParaRPr>
+              <a:t>class Circle:public Shape {</a:t>
+            </a:r>
           </a:p>
           <a:p>
             <a:pPr marL="0" indent="0" eaLnBrk="1" hangingPunct="1">
@@ -44465,21 +42258,7 @@
                 <a:ea typeface="微软雅黑" panose="020B0503020204020204" pitchFamily="34" charset="-122"/>
                 <a:cs typeface="Courier New" pitchFamily="49" charset="0"/>
               </a:rPr>
-              <a:t>    void Draw</a:t>
-            </a:r>
-            <a:r>
-              <a:rPr lang="en-US" altLang="zh-CN" b="1" smtClean="0">
-                <a:solidFill>
-                  <a:schemeClr val="tx1">
-                    <a:lumMod val="75000"/>
-                    <a:lumOff val="25000"/>
-                  </a:schemeClr>
-                </a:solidFill>
-                <a:latin typeface="Consolas" panose="020B0609020204030204" pitchFamily="49" charset="0"/>
-                <a:ea typeface="微软雅黑" panose="020B0503020204020204" pitchFamily="34" charset="-122"/>
-                <a:cs typeface="Courier New" pitchFamily="49" charset="0"/>
-              </a:rPr>
-              <a:t>(){</a:t>
+              <a:t>    void Draw(){</a:t>
             </a:r>
           </a:p>
           <a:p>
@@ -44500,77 +42279,7 @@
                 <a:ea typeface="微软雅黑" panose="020B0503020204020204" pitchFamily="34" charset="-122"/>
                 <a:cs typeface="Courier New" pitchFamily="49" charset="0"/>
               </a:rPr>
-              <a:t> </a:t>
-            </a:r>
-            <a:r>
-              <a:rPr lang="en-US" altLang="zh-CN" b="1" smtClean="0">
-                <a:solidFill>
-                  <a:schemeClr val="tx1">
-                    <a:lumMod val="75000"/>
-                    <a:lumOff val="25000"/>
-                  </a:schemeClr>
-                </a:solidFill>
-                <a:latin typeface="Consolas" panose="020B0609020204030204" pitchFamily="49" charset="0"/>
-                <a:ea typeface="微软雅黑" panose="020B0503020204020204" pitchFamily="34" charset="-122"/>
-                <a:cs typeface="Courier New" pitchFamily="49" charset="0"/>
-              </a:rPr>
-              <a:t>       cout </a:t>
-            </a:r>
-            <a:r>
-              <a:rPr lang="en-US" altLang="zh-CN" b="1">
-                <a:solidFill>
-                  <a:schemeClr val="tx1">
-                    <a:lumMod val="75000"/>
-                    <a:lumOff val="25000"/>
-                  </a:schemeClr>
-                </a:solidFill>
-                <a:latin typeface="Consolas" panose="020B0609020204030204" pitchFamily="49" charset="0"/>
-                <a:ea typeface="微软雅黑" panose="020B0503020204020204" pitchFamily="34" charset="-122"/>
-                <a:cs typeface="Courier New" pitchFamily="49" charset="0"/>
-              </a:rPr>
-              <a:t>&lt;&lt; </a:t>
-            </a:r>
-            <a:r>
-              <a:rPr lang="en-US" altLang="zh-CN" b="1" smtClean="0">
-                <a:solidFill>
-                  <a:schemeClr val="tx1">
-                    <a:lumMod val="75000"/>
-                    <a:lumOff val="25000"/>
-                  </a:schemeClr>
-                </a:solidFill>
-                <a:latin typeface="Consolas" panose="020B0609020204030204" pitchFamily="49" charset="0"/>
-                <a:ea typeface="微软雅黑" panose="020B0503020204020204" pitchFamily="34" charset="-122"/>
-                <a:cs typeface="Courier New" pitchFamily="49" charset="0"/>
-              </a:rPr>
-              <a:t>"Circle</a:t>
-            </a:r>
-            <a:r>
-              <a:rPr lang="en-US" altLang="zh-CN" b="1">
-                <a:solidFill>
-                  <a:schemeClr val="tx1">
-                    <a:lumMod val="75000"/>
-                    <a:lumOff val="25000"/>
-                  </a:schemeClr>
-                </a:solidFill>
-                <a:latin typeface="Consolas" panose="020B0609020204030204" pitchFamily="49" charset="0"/>
-                <a:ea typeface="微软雅黑" panose="020B0503020204020204" pitchFamily="34" charset="-122"/>
-                <a:cs typeface="Courier New" pitchFamily="49" charset="0"/>
-              </a:rPr>
-              <a:t>::</a:t>
-            </a:r>
-            <a:r>
-              <a:rPr lang="en-US" altLang="zh-CN" b="1" smtClean="0">
-                <a:solidFill>
-                  <a:schemeClr val="tx1">
-                    <a:lumMod val="75000"/>
-                    <a:lumOff val="25000"/>
-                  </a:schemeClr>
-                </a:solidFill>
-                <a:latin typeface="Consolas" panose="020B0609020204030204" pitchFamily="49" charset="0"/>
-                <a:ea typeface="微软雅黑" panose="020B0503020204020204" pitchFamily="34" charset="-122"/>
-                <a:cs typeface="Courier New" pitchFamily="49" charset="0"/>
-              </a:rPr>
-              <a:t>Draw;}</a:t>
+              <a:t>        cout &lt;&lt; "Circle::Draw;}</a:t>
             </a:r>
           </a:p>
           <a:p>
@@ -44580,7 +42289,7 @@
               </a:buClr>
             </a:pPr>
             <a:r>
-              <a:rPr lang="en-US" altLang="zh-CN" b="1" smtClean="0">
+              <a:rPr lang="en-US" altLang="zh-CN" b="1">
                 <a:solidFill>
                   <a:schemeClr val="tx1">
                     <a:lumMod val="75000"/>
@@ -44593,17 +42302,6 @@
               </a:rPr>
               <a:t>};</a:t>
             </a:r>
-            <a:endParaRPr lang="en-US" altLang="zh-CN" b="1">
-              <a:solidFill>
-                <a:schemeClr val="tx1">
-                  <a:lumMod val="75000"/>
-                  <a:lumOff val="25000"/>
-                </a:schemeClr>
-              </a:solidFill>
-              <a:latin typeface="Consolas" panose="020B0609020204030204" pitchFamily="49" charset="0"/>
-              <a:ea typeface="微软雅黑" panose="020B0503020204020204" pitchFamily="34" charset="-122"/>
-              <a:cs typeface="Courier New" pitchFamily="49" charset="0"/>
-            </a:endParaRPr>
           </a:p>
         </p:txBody>
       </p:sp>
@@ -44816,21 +42514,7 @@
                 <a:ea typeface="微软雅黑" panose="020B0503020204020204" pitchFamily="34" charset="-122"/>
                 <a:cs typeface="Courier New" pitchFamily="49" charset="0"/>
               </a:rPr>
-              <a:t>void DrawObject(Shape *p</a:t>
-            </a:r>
-            <a:r>
-              <a:rPr lang="en-US" altLang="zh-CN" b="1" smtClean="0">
-                <a:solidFill>
-                  <a:schemeClr val="tx1">
-                    <a:lumMod val="75000"/>
-                    <a:lumOff val="25000"/>
-                  </a:schemeClr>
-                </a:solidFill>
-                <a:latin typeface="Consolas" panose="020B0609020204030204" pitchFamily="49" charset="0"/>
-                <a:ea typeface="微软雅黑" panose="020B0503020204020204" pitchFamily="34" charset="-122"/>
-                <a:cs typeface="Courier New" pitchFamily="49" charset="0"/>
-              </a:rPr>
-              <a:t>) </a:t>
+              <a:t>void DrawObject(Shape *p) </a:t>
             </a:r>
           </a:p>
           <a:p>
@@ -44840,7 +42524,7 @@
               </a:buClr>
             </a:pPr>
             <a:r>
-              <a:rPr lang="en-US" altLang="zh-CN" b="1" smtClean="0">
+              <a:rPr lang="en-US" altLang="zh-CN" b="1">
                 <a:solidFill>
                   <a:schemeClr val="tx1">
                     <a:lumMod val="75000"/>
@@ -44853,17 +42537,6 @@
               </a:rPr>
               <a:t>{</a:t>
             </a:r>
-            <a:endParaRPr lang="en-US" altLang="zh-CN" b="1">
-              <a:solidFill>
-                <a:schemeClr val="tx1">
-                  <a:lumMod val="75000"/>
-                  <a:lumOff val="25000"/>
-                </a:schemeClr>
-              </a:solidFill>
-              <a:latin typeface="Consolas" panose="020B0609020204030204" pitchFamily="49" charset="0"/>
-              <a:ea typeface="微软雅黑" panose="020B0503020204020204" pitchFamily="34" charset="-122"/>
-              <a:cs typeface="Courier New" pitchFamily="49" charset="0"/>
-            </a:endParaRPr>
           </a:p>
           <a:p>
             <a:pPr marL="0" indent="0" eaLnBrk="1" hangingPunct="1">
@@ -44893,7 +42566,7 @@
               </a:buClr>
             </a:pPr>
             <a:r>
-              <a:rPr lang="en-US" altLang="zh-CN" b="1" smtClean="0">
+              <a:rPr lang="en-US" altLang="zh-CN" b="1">
                 <a:solidFill>
                   <a:schemeClr val="tx1">
                     <a:lumMod val="75000"/>
@@ -44932,7 +42605,7 @@
               </a:buClr>
             </a:pPr>
             <a:r>
-              <a:rPr lang="en-US" altLang="zh-CN" b="1" smtClean="0">
+              <a:rPr lang="en-US" altLang="zh-CN" b="1">
                 <a:solidFill>
                   <a:schemeClr val="tx1">
                     <a:lumMod val="75000"/>
@@ -44953,7 +42626,7 @@
               </a:buClr>
             </a:pPr>
             <a:r>
-              <a:rPr lang="en-US" altLang="zh-CN" b="1" smtClean="0">
+              <a:rPr lang="en-US" altLang="zh-CN" b="1">
                 <a:solidFill>
                   <a:schemeClr val="tx1">
                     <a:lumMod val="75000"/>
@@ -44966,17 +42639,6 @@
               </a:rPr>
               <a:t>{</a:t>
             </a:r>
-            <a:endParaRPr lang="en-US" altLang="zh-CN" b="1">
-              <a:solidFill>
-                <a:schemeClr val="tx1">
-                  <a:lumMod val="75000"/>
-                  <a:lumOff val="25000"/>
-                </a:schemeClr>
-              </a:solidFill>
-              <a:latin typeface="Consolas" panose="020B0609020204030204" pitchFamily="49" charset="0"/>
-              <a:ea typeface="微软雅黑" panose="020B0503020204020204" pitchFamily="34" charset="-122"/>
-              <a:cs typeface="Courier New" pitchFamily="49" charset="0"/>
-            </a:endParaRPr>
           </a:p>
           <a:p>
             <a:pPr marL="0" indent="0" eaLnBrk="1" hangingPunct="1">
@@ -45134,13 +42796,6 @@
   <p:clrMapOvr>
     <a:masterClrMapping/>
   </p:clrMapOvr>
-  <p:timing>
-    <p:tnLst>
-      <p:par>
-        <p:cTn id="1" dur="indefinite" restart="never" nodeType="tmRoot"/>
-      </p:par>
-    </p:tnLst>
-  </p:timing>
 </p:sld>
 </file>
 
@@ -45266,33 +42921,8 @@
                 <a:ea typeface="微软雅黑" panose="020B0503020204020204" pitchFamily="34" charset="-122"/>
                 <a:cs typeface="Courier New" pitchFamily="49" charset="0"/>
               </a:rPr>
-              <a:t>通常是在一个基类中定义纯虚</a:t>
-            </a:r>
-            <a:r>
-              <a:rPr lang="zh-CN" altLang="en-US" sz="3200" kern="0" dirty="0" smtClean="0">
-                <a:solidFill>
-                  <a:schemeClr val="tx1">
-                    <a:lumMod val="75000"/>
-                    <a:lumOff val="25000"/>
-                  </a:schemeClr>
-                </a:solidFill>
-                <a:latin typeface="微软雅黑" panose="020B0503020204020204" pitchFamily="34" charset="-122"/>
-                <a:ea typeface="微软雅黑" panose="020B0503020204020204" pitchFamily="34" charset="-122"/>
-                <a:cs typeface="Courier New" pitchFamily="49" charset="0"/>
-              </a:rPr>
-              <a:t>函数。</a:t>
-            </a:r>
-            <a:endParaRPr lang="zh-CN" altLang="en-US" sz="3200" kern="0" dirty="0">
-              <a:solidFill>
-                <a:schemeClr val="tx1">
-                  <a:lumMod val="75000"/>
-                  <a:lumOff val="25000"/>
-                </a:schemeClr>
-              </a:solidFill>
-              <a:latin typeface="微软雅黑" panose="020B0503020204020204" pitchFamily="34" charset="-122"/>
-              <a:ea typeface="微软雅黑" panose="020B0503020204020204" pitchFamily="34" charset="-122"/>
-              <a:cs typeface="Courier New" pitchFamily="49" charset="0"/>
-            </a:endParaRPr>
+              <a:t>通常是在一个基类中定义纯虚函数。</a:t>
+            </a:r>
           </a:p>
           <a:p>
             <a:pPr marL="1023937" lvl="1" indent="-457200" eaLnBrk="0" hangingPunct="0">
@@ -45381,33 +43011,8 @@
                 <a:ea typeface="微软雅黑" panose="020B0503020204020204" pitchFamily="34" charset="-122"/>
                 <a:cs typeface="Courier New" pitchFamily="49" charset="0"/>
               </a:rPr>
-              <a:t>该</a:t>
-            </a:r>
-            <a:r>
-              <a:rPr lang="zh-CN" altLang="en-US" sz="3200" kern="0" dirty="0" smtClean="0">
-                <a:solidFill>
-                  <a:schemeClr val="tx1">
-                    <a:lumMod val="75000"/>
-                    <a:lumOff val="25000"/>
-                  </a:schemeClr>
-                </a:solidFill>
-                <a:latin typeface="微软雅黑" panose="020B0503020204020204" pitchFamily="34" charset="-122"/>
-                <a:ea typeface="微软雅黑" panose="020B0503020204020204" pitchFamily="34" charset="-122"/>
-                <a:cs typeface="Courier New" pitchFamily="49" charset="0"/>
-              </a:rPr>
-              <a:t>函数。</a:t>
-            </a:r>
-            <a:endParaRPr lang="zh-CN" altLang="en-US" sz="3200" kern="0" dirty="0">
-              <a:solidFill>
-                <a:schemeClr val="tx1">
-                  <a:lumMod val="75000"/>
-                  <a:lumOff val="25000"/>
-                </a:schemeClr>
-              </a:solidFill>
-              <a:latin typeface="微软雅黑" panose="020B0503020204020204" pitchFamily="34" charset="-122"/>
-              <a:ea typeface="微软雅黑" panose="020B0503020204020204" pitchFamily="34" charset="-122"/>
-              <a:cs typeface="Courier New" pitchFamily="49" charset="0"/>
-            </a:endParaRPr>
+              <a:t>该函数。</a:t>
+            </a:r>
           </a:p>
           <a:p>
             <a:pPr marL="1023937" lvl="1" indent="-457200" eaLnBrk="0" hangingPunct="0">
@@ -45438,33 +43043,8 @@
                 <a:ea typeface="微软雅黑" panose="020B0503020204020204" pitchFamily="34" charset="-122"/>
                 <a:cs typeface="Courier New" pitchFamily="49" charset="0"/>
               </a:rPr>
-              <a:t>纯虚函数的作用在于基类给派生类提供一个标准</a:t>
-            </a:r>
-            <a:r>
-              <a:rPr lang="zh-CN" altLang="en-US" sz="3200" kern="0" dirty="0" smtClean="0">
-                <a:solidFill>
-                  <a:schemeClr val="tx1">
-                    <a:lumMod val="75000"/>
-                    <a:lumOff val="25000"/>
-                  </a:schemeClr>
-                </a:solidFill>
-                <a:latin typeface="微软雅黑" panose="020B0503020204020204" pitchFamily="34" charset="-122"/>
-                <a:ea typeface="微软雅黑" panose="020B0503020204020204" pitchFamily="34" charset="-122"/>
-                <a:cs typeface="Courier New" pitchFamily="49" charset="0"/>
-              </a:rPr>
-              <a:t>的。</a:t>
-            </a:r>
-            <a:endParaRPr lang="zh-CN" altLang="en-US" sz="3200" kern="0" dirty="0">
-              <a:solidFill>
-                <a:schemeClr val="tx1">
-                  <a:lumMod val="75000"/>
-                  <a:lumOff val="25000"/>
-                </a:schemeClr>
-              </a:solidFill>
-              <a:latin typeface="微软雅黑" panose="020B0503020204020204" pitchFamily="34" charset="-122"/>
-              <a:ea typeface="微软雅黑" panose="020B0503020204020204" pitchFamily="34" charset="-122"/>
-              <a:cs typeface="Courier New" pitchFamily="49" charset="0"/>
-            </a:endParaRPr>
+              <a:t>纯虚函数的作用在于基类给派生类提供一个标准的。</a:t>
+            </a:r>
           </a:p>
           <a:p>
             <a:pPr marL="1023937" lvl="1" indent="-457200" eaLnBrk="0" hangingPunct="0">
@@ -45495,33 +43075,8 @@
                 <a:ea typeface="微软雅黑" panose="020B0503020204020204" pitchFamily="34" charset="-122"/>
                 <a:cs typeface="Courier New" pitchFamily="49" charset="0"/>
               </a:rPr>
-              <a:t>函数原型，统一的接口，为实现动态多态</a:t>
-            </a:r>
-            <a:r>
-              <a:rPr lang="zh-CN" altLang="en-US" sz="3200" kern="0" dirty="0" smtClean="0">
-                <a:solidFill>
-                  <a:schemeClr val="tx1">
-                    <a:lumMod val="75000"/>
-                    <a:lumOff val="25000"/>
-                  </a:schemeClr>
-                </a:solidFill>
-                <a:latin typeface="微软雅黑" panose="020B0503020204020204" pitchFamily="34" charset="-122"/>
-                <a:ea typeface="微软雅黑" panose="020B0503020204020204" pitchFamily="34" charset="-122"/>
-                <a:cs typeface="Courier New" pitchFamily="49" charset="0"/>
-              </a:rPr>
-              <a:t>打下基础。</a:t>
-            </a:r>
-            <a:endParaRPr lang="zh-CN" altLang="en-US" sz="3200" kern="0" dirty="0">
-              <a:solidFill>
-                <a:schemeClr val="tx1">
-                  <a:lumMod val="75000"/>
-                  <a:lumOff val="25000"/>
-                </a:schemeClr>
-              </a:solidFill>
-              <a:latin typeface="微软雅黑" panose="020B0503020204020204" pitchFamily="34" charset="-122"/>
-              <a:ea typeface="微软雅黑" panose="020B0503020204020204" pitchFamily="34" charset="-122"/>
-              <a:cs typeface="Courier New" pitchFamily="49" charset="0"/>
-            </a:endParaRPr>
+              <a:t>函数原型，统一的接口，为实现动态多态打下基础。</a:t>
+            </a:r>
           </a:p>
         </p:txBody>
       </p:sp>
@@ -45535,13 +43090,6 @@
   <p:clrMapOvr>
     <a:masterClrMapping/>
   </p:clrMapOvr>
-  <p:timing>
-    <p:tnLst>
-      <p:par>
-        <p:cTn id="1" dur="indefinite" restart="never" nodeType="tmRoot"/>
-      </p:par>
-    </p:tnLst>
-  </p:timing>
 </p:sld>
 </file>
 
@@ -45580,12 +43128,8 @@
           <a:lstStyle/>
           <a:p>
             <a:r>
-              <a:rPr lang="zh-CN" altLang="en-US" smtClean="0"/>
-              <a:t>纯</a:t>
-            </a:r>
-            <a:r>
               <a:rPr lang="zh-CN" altLang="en-US"/>
-              <a:t>虚函数与抽象类</a:t>
+              <a:t>纯虚函数与抽象类</a:t>
             </a:r>
           </a:p>
         </p:txBody>
@@ -45802,20 +43346,6 @@
                 <a:cs typeface="Courier New" pitchFamily="49" charset="0"/>
               </a:rPr>
             </a:br>
-            <a:r>
-              <a:rPr lang="zh-CN" altLang="en-US" sz="3200" kern="0" dirty="0">
-                <a:solidFill>
-                  <a:schemeClr val="tx1">
-                    <a:lumMod val="75000"/>
-                    <a:lumOff val="25000"/>
-                  </a:schemeClr>
-                </a:solidFill>
-                <a:latin typeface="微软雅黑" panose="020B0503020204020204" pitchFamily="34" charset="-122"/>
-                <a:ea typeface="微软雅黑" panose="020B0503020204020204" pitchFamily="34" charset="-122"/>
-                <a:cs typeface="Courier New" pitchFamily="49" charset="0"/>
-              </a:rPr>
-              <a:t/>
-            </a:r>
             <a:br>
               <a:rPr lang="zh-CN" altLang="en-US" sz="3200" kern="0" dirty="0">
                 <a:solidFill>
@@ -46051,7 +43581,7 @@
               <a:t>参数表</a:t>
             </a:r>
             <a:r>
-              <a:rPr lang="en-US" altLang="zh-CN" sz="3200" b="1" dirty="0" smtClean="0">
+              <a:rPr lang="en-US" altLang="zh-CN" sz="3200" b="1" dirty="0">
                 <a:solidFill>
                   <a:schemeClr val="tx1">
                     <a:lumMod val="75000"/>
@@ -46062,19 +43592,6 @@
                 <a:ea typeface="微软雅黑" panose="020B0503020204020204" pitchFamily="34" charset="-122"/>
               </a:rPr>
               <a:t>&gt;) = 0;</a:t>
-            </a:r>
-            <a:r>
-              <a:rPr lang="en-US" altLang="zh-CN" sz="3200" b="1" dirty="0">
-                <a:solidFill>
-                  <a:schemeClr val="tx1">
-                    <a:lumMod val="75000"/>
-                    <a:lumOff val="25000"/>
-                  </a:schemeClr>
-                </a:solidFill>
-                <a:latin typeface="Consolas" panose="020B0609020204030204" pitchFamily="49" charset="0"/>
-                <a:ea typeface="微软雅黑" panose="020B0503020204020204" pitchFamily="34" charset="-122"/>
-              </a:rPr>
-              <a:t/>
             </a:r>
             <a:br>
               <a:rPr lang="en-US" altLang="zh-CN" sz="3200" b="1" dirty="0">
@@ -46175,33 +43692,8 @@
                 <a:ea typeface="微软雅黑" panose="020B0503020204020204" pitchFamily="34" charset="-122"/>
                 <a:cs typeface="Courier New" pitchFamily="49" charset="0"/>
               </a:rPr>
-              <a:t>class </a:t>
-            </a:r>
-            <a:r>
-              <a:rPr lang="en-US" altLang="zh-CN" sz="2800" b="1" dirty="0" smtClean="0">
-                <a:solidFill>
-                  <a:schemeClr val="tx1">
-                    <a:lumMod val="75000"/>
-                    <a:lumOff val="25000"/>
-                  </a:schemeClr>
-                </a:solidFill>
-                <a:latin typeface="Consolas" panose="020B0609020204030204" pitchFamily="49" charset="0"/>
-                <a:ea typeface="微软雅黑" panose="020B0503020204020204" pitchFamily="34" charset="-122"/>
-                <a:cs typeface="Courier New" pitchFamily="49" charset="0"/>
-              </a:rPr>
-              <a:t>Shape {</a:t>
-            </a:r>
-            <a:endParaRPr lang="en-US" altLang="zh-CN" sz="2800" b="1" dirty="0">
-              <a:solidFill>
-                <a:schemeClr val="tx1">
-                  <a:lumMod val="75000"/>
-                  <a:lumOff val="25000"/>
-                </a:schemeClr>
-              </a:solidFill>
-              <a:latin typeface="Consolas" panose="020B0609020204030204" pitchFamily="49" charset="0"/>
-              <a:ea typeface="微软雅黑" panose="020B0503020204020204" pitchFamily="34" charset="-122"/>
-              <a:cs typeface="Courier New" pitchFamily="49" charset="0"/>
-            </a:endParaRPr>
+              <a:t>class Shape {</a:t>
+            </a:r>
           </a:p>
           <a:p>
             <a:pPr>
@@ -46463,13 +43955,6 @@
   <p:clrMapOvr>
     <a:masterClrMapping/>
   </p:clrMapOvr>
-  <p:timing>
-    <p:tnLst>
-      <p:par>
-        <p:cTn id="1" dur="indefinite" restart="never" nodeType="tmRoot"/>
-      </p:par>
-    </p:tnLst>
-  </p:timing>
 </p:sld>
 </file>
 
@@ -46550,7 +44035,7 @@
               <a:defRPr/>
             </a:pPr>
             <a:r>
-              <a:rPr lang="zh-CN" altLang="en-US" sz="3200" kern="0" dirty="0" smtClean="0">
+              <a:rPr lang="zh-CN" altLang="en-US" sz="3200" kern="0" dirty="0">
                 <a:solidFill>
                   <a:schemeClr val="tx1">
                     <a:lumMod val="75000"/>
@@ -46561,37 +44046,9 @@
                 <a:ea typeface="微软雅黑" panose="020B0503020204020204" pitchFamily="34" charset="-122"/>
                 <a:cs typeface="Courier New" pitchFamily="49" charset="0"/>
               </a:rPr>
-              <a:t>问题：为什么</a:t>
-            </a:r>
-            <a:r>
-              <a:rPr lang="zh-CN" altLang="en-US" sz="3200" kern="0" dirty="0">
-                <a:solidFill>
-                  <a:schemeClr val="tx1">
-                    <a:lumMod val="75000"/>
-                    <a:lumOff val="25000"/>
-                  </a:schemeClr>
-                </a:solidFill>
-                <a:latin typeface="微软雅黑" panose="020B0503020204020204" pitchFamily="34" charset="-122"/>
-                <a:ea typeface="微软雅黑" panose="020B0503020204020204" pitchFamily="34" charset="-122"/>
-                <a:cs typeface="Courier New" pitchFamily="49" charset="0"/>
-              </a:rPr>
-              <a:t>要使用纯虚函数和创造抽象类</a:t>
-            </a:r>
-            <a:r>
-              <a:rPr lang="zh-CN" altLang="en-US" sz="3200" kern="0" dirty="0" smtClean="0">
-                <a:solidFill>
-                  <a:schemeClr val="tx1">
-                    <a:lumMod val="75000"/>
-                    <a:lumOff val="25000"/>
-                  </a:schemeClr>
-                </a:solidFill>
-                <a:latin typeface="微软雅黑" panose="020B0503020204020204" pitchFamily="34" charset="-122"/>
-                <a:ea typeface="微软雅黑" panose="020B0503020204020204" pitchFamily="34" charset="-122"/>
-                <a:cs typeface="Courier New" pitchFamily="49" charset="0"/>
-              </a:rPr>
-              <a:t>呢？</a:t>
-            </a:r>
-            <a:endParaRPr lang="en-US" altLang="zh-CN" sz="3200" kern="0" dirty="0" smtClean="0">
+              <a:t>问题：为什么要使用纯虚函数和创造抽象类呢？</a:t>
+            </a:r>
+            <a:endParaRPr lang="en-US" altLang="zh-CN" sz="3200" kern="0" dirty="0">
               <a:solidFill>
                 <a:schemeClr val="tx1">
                   <a:lumMod val="75000"/>
@@ -46619,7 +44076,7 @@
               <a:defRPr/>
             </a:pPr>
             <a:r>
-              <a:rPr lang="zh-CN" altLang="en-US" sz="3200" kern="0" dirty="0" smtClean="0">
+              <a:rPr lang="zh-CN" altLang="en-US" sz="3200" kern="0" dirty="0">
                 <a:solidFill>
                   <a:schemeClr val="tx1">
                     <a:lumMod val="75000"/>
@@ -46630,21 +44087,7 @@
                 <a:ea typeface="微软雅黑" panose="020B0503020204020204" pitchFamily="34" charset="-122"/>
                 <a:cs typeface="Courier New" pitchFamily="49" charset="0"/>
               </a:rPr>
-              <a:t>       在</a:t>
-            </a:r>
-            <a:r>
-              <a:rPr lang="zh-CN" altLang="en-US" sz="3200" kern="0" dirty="0">
-                <a:solidFill>
-                  <a:schemeClr val="tx1">
-                    <a:lumMod val="75000"/>
-                    <a:lumOff val="25000"/>
-                  </a:schemeClr>
-                </a:solidFill>
-                <a:latin typeface="微软雅黑" panose="020B0503020204020204" pitchFamily="34" charset="-122"/>
-                <a:ea typeface="微软雅黑" panose="020B0503020204020204" pitchFamily="34" charset="-122"/>
-                <a:cs typeface="Courier New" pitchFamily="49" charset="0"/>
-              </a:rPr>
-              <a:t>很多情况下，基类本身生成对象是不合情理的。例如，动物作为一个基类可以派生出老虎、孔雀等子类，但动物本身生成对象明显不合常理。</a:t>
+              <a:t>       在很多情况下，基类本身生成对象是不合情理的。例如，动物作为一个基类可以派生出老虎、孔雀等子类，但动物本身生成对象明显不合常理。</a:t>
             </a:r>
           </a:p>
           <a:p>
@@ -46688,13 +44131,6 @@
   <p:clrMapOvr>
     <a:masterClrMapping/>
   </p:clrMapOvr>
-  <p:timing>
-    <p:tnLst>
-      <p:par>
-        <p:cTn id="1" dur="indefinite" restart="never" nodeType="tmRoot"/>
-      </p:par>
-    </p:tnLst>
-  </p:timing>
 </p:sld>
 </file>
 
@@ -46953,7 +44389,7 @@
   <a:extraClrSchemeLst/>
   <a:extLst>
     <a:ext uri="{05A4C25C-085E-4340-85A3-A5531E510DB2}">
-      <thm15:themeFamily xmlns:thm15="http://schemas.microsoft.com/office/thememl/2012/main" xmlns="" name="Office Theme" id="{62F939B6-93AF-4DB8-9C6B-D6C7DFDC589F}" vid="{4A3C46E8-61CC-4603-A589-7422A47A8E4A}"/>
+      <thm15:themeFamily xmlns:thm15="http://schemas.microsoft.com/office/thememl/2012/main" name="Office Theme" id="{62F939B6-93AF-4DB8-9C6B-D6C7DFDC589F}" vid="{4A3C46E8-61CC-4603-A589-7422A47A8E4A}"/>
     </a:ext>
   </a:extLst>
 </a:theme>
@@ -47214,7 +44650,7 @@
   <a:extraClrSchemeLst/>
   <a:extLst>
     <a:ext uri="{05A4C25C-085E-4340-85A3-A5531E510DB2}">
-      <thm15:themeFamily xmlns:thm15="http://schemas.microsoft.com/office/thememl/2012/main" xmlns="" name="Office Theme" id="{62F939B6-93AF-4DB8-9C6B-D6C7DFDC589F}" vid="{4A3C46E8-61CC-4603-A589-7422A47A8E4A}"/>
+      <thm15:themeFamily xmlns:thm15="http://schemas.microsoft.com/office/thememl/2012/main" name="Office Theme" id="{62F939B6-93AF-4DB8-9C6B-D6C7DFDC589F}" vid="{4A3C46E8-61CC-4603-A589-7422A47A8E4A}"/>
     </a:ext>
   </a:extLst>
 </a:theme>
